--- a/Python Project(Team CMD).pptx
+++ b/Python Project(Team CMD).pptx
@@ -2,7 +2,7 @@
 <file path=ppt/presentation.xml><?xml version="1.0" encoding="utf-8"?>
 <p:presentation xmlns:a="http://schemas.openxmlformats.org/drawingml/2006/main" xmlns:r="http://schemas.openxmlformats.org/officeDocument/2006/relationships" xmlns:p="http://schemas.openxmlformats.org/presentationml/2006/main" saveSubsetFonts="1">
   <p:sldMasterIdLst>
-    <p:sldMasterId id="2147483699" r:id="rId1"/>
+    <p:sldMasterId id="2147483723" r:id="rId1"/>
   </p:sldMasterIdLst>
   <p:sldIdLst>
     <p:sldId id="256" r:id="rId2"/>
@@ -12,7 +12,8 @@
     <p:sldId id="260" r:id="rId6"/>
     <p:sldId id="261" r:id="rId7"/>
     <p:sldId id="262" r:id="rId8"/>
-    <p:sldId id="263" r:id="rId9"/>
+    <p:sldId id="264" r:id="rId9"/>
+    <p:sldId id="263" r:id="rId10"/>
   </p:sldIdLst>
   <p:sldSz cx="12192000" cy="6858000"/>
   <p:notesSz cx="6858000" cy="9144000"/>
@@ -2837,7 +2838,7 @@
     </p:spTree>
     <p:extLst>
       <p:ext uri="{BB962C8B-B14F-4D97-AF65-F5344CB8AC3E}">
-        <p14:creationId xmlns:p14="http://schemas.microsoft.com/office/powerpoint/2010/main" val="1652363293"/>
+        <p14:creationId xmlns:p14="http://schemas.microsoft.com/office/powerpoint/2010/main" val="2928037472"/>
       </p:ext>
     </p:extLst>
   </p:cSld>
@@ -3046,7 +3047,7 @@
     </p:spTree>
     <p:extLst>
       <p:ext uri="{BB962C8B-B14F-4D97-AF65-F5344CB8AC3E}">
-        <p14:creationId xmlns:p14="http://schemas.microsoft.com/office/powerpoint/2010/main" val="4288656638"/>
+        <p14:creationId xmlns:p14="http://schemas.microsoft.com/office/powerpoint/2010/main" val="1081712541"/>
       </p:ext>
     </p:extLst>
   </p:cSld>
@@ -3269,7 +3270,7 @@
     </p:spTree>
     <p:extLst>
       <p:ext uri="{BB962C8B-B14F-4D97-AF65-F5344CB8AC3E}">
-        <p14:creationId xmlns:p14="http://schemas.microsoft.com/office/powerpoint/2010/main" val="3535342848"/>
+        <p14:creationId xmlns:p14="http://schemas.microsoft.com/office/powerpoint/2010/main" val="1661372329"/>
       </p:ext>
     </p:extLst>
   </p:cSld>
@@ -3478,7 +3479,7 @@
     </p:spTree>
     <p:extLst>
       <p:ext uri="{BB962C8B-B14F-4D97-AF65-F5344CB8AC3E}">
-        <p14:creationId xmlns:p14="http://schemas.microsoft.com/office/powerpoint/2010/main" val="3986221100"/>
+        <p14:creationId xmlns:p14="http://schemas.microsoft.com/office/powerpoint/2010/main" val="3663042695"/>
       </p:ext>
     </p:extLst>
   </p:cSld>
@@ -3765,7 +3766,7 @@
     </p:spTree>
     <p:extLst>
       <p:ext uri="{BB962C8B-B14F-4D97-AF65-F5344CB8AC3E}">
-        <p14:creationId xmlns:p14="http://schemas.microsoft.com/office/powerpoint/2010/main" val="2992063013"/>
+        <p14:creationId xmlns:p14="http://schemas.microsoft.com/office/powerpoint/2010/main" val="1981312277"/>
       </p:ext>
     </p:extLst>
   </p:cSld>
@@ -4041,7 +4042,7 @@
     </p:spTree>
     <p:extLst>
       <p:ext uri="{BB962C8B-B14F-4D97-AF65-F5344CB8AC3E}">
-        <p14:creationId xmlns:p14="http://schemas.microsoft.com/office/powerpoint/2010/main" val="2109284107"/>
+        <p14:creationId xmlns:p14="http://schemas.microsoft.com/office/powerpoint/2010/main" val="1789956907"/>
       </p:ext>
     </p:extLst>
   </p:cSld>
@@ -4465,7 +4466,7 @@
     </p:spTree>
     <p:extLst>
       <p:ext uri="{BB962C8B-B14F-4D97-AF65-F5344CB8AC3E}">
-        <p14:creationId xmlns:p14="http://schemas.microsoft.com/office/powerpoint/2010/main" val="761138449"/>
+        <p14:creationId xmlns:p14="http://schemas.microsoft.com/office/powerpoint/2010/main" val="2881044320"/>
       </p:ext>
     </p:extLst>
   </p:cSld>
@@ -4622,7 +4623,7 @@
     </p:spTree>
     <p:extLst>
       <p:ext uri="{BB962C8B-B14F-4D97-AF65-F5344CB8AC3E}">
-        <p14:creationId xmlns:p14="http://schemas.microsoft.com/office/powerpoint/2010/main" val="2584206784"/>
+        <p14:creationId xmlns:p14="http://schemas.microsoft.com/office/powerpoint/2010/main" val="3837148212"/>
       </p:ext>
     </p:extLst>
   </p:cSld>
@@ -4725,7 +4726,7 @@
     </p:spTree>
     <p:extLst>
       <p:ext uri="{BB962C8B-B14F-4D97-AF65-F5344CB8AC3E}">
-        <p14:creationId xmlns:p14="http://schemas.microsoft.com/office/powerpoint/2010/main" val="468303004"/>
+        <p14:creationId xmlns:p14="http://schemas.microsoft.com/office/powerpoint/2010/main" val="2475259195"/>
       </p:ext>
     </p:extLst>
   </p:cSld>
@@ -5015,7 +5016,7 @@
     </p:spTree>
     <p:extLst>
       <p:ext uri="{BB962C8B-B14F-4D97-AF65-F5344CB8AC3E}">
-        <p14:creationId xmlns:p14="http://schemas.microsoft.com/office/powerpoint/2010/main" val="4128876611"/>
+        <p14:creationId xmlns:p14="http://schemas.microsoft.com/office/powerpoint/2010/main" val="4283729302"/>
       </p:ext>
     </p:extLst>
   </p:cSld>
@@ -5477,7 +5478,7 @@
     </p:spTree>
     <p:extLst>
       <p:ext uri="{BB962C8B-B14F-4D97-AF65-F5344CB8AC3E}">
-        <p14:creationId xmlns:p14="http://schemas.microsoft.com/office/powerpoint/2010/main" val="20016547"/>
+        <p14:creationId xmlns:p14="http://schemas.microsoft.com/office/powerpoint/2010/main" val="2288007577"/>
       </p:ext>
     </p:extLst>
   </p:cSld>
@@ -5843,23 +5844,23 @@
     </p:spTree>
     <p:extLst>
       <p:ext uri="{BB962C8B-B14F-4D97-AF65-F5344CB8AC3E}">
-        <p14:creationId xmlns:p14="http://schemas.microsoft.com/office/powerpoint/2010/main" val="2348435096"/>
+        <p14:creationId xmlns:p14="http://schemas.microsoft.com/office/powerpoint/2010/main" val="4134912227"/>
       </p:ext>
     </p:extLst>
   </p:cSld>
   <p:clrMap bg1="lt1" tx1="dk1" bg2="lt2" tx2="dk2" accent1="accent1" accent2="accent2" accent3="accent3" accent4="accent4" accent5="accent5" accent6="accent6" hlink="hlink" folHlink="folHlink"/>
   <p:sldLayoutIdLst>
-    <p:sldLayoutId id="2147483700" r:id="rId1"/>
-    <p:sldLayoutId id="2147483701" r:id="rId2"/>
-    <p:sldLayoutId id="2147483702" r:id="rId3"/>
-    <p:sldLayoutId id="2147483703" r:id="rId4"/>
-    <p:sldLayoutId id="2147483704" r:id="rId5"/>
-    <p:sldLayoutId id="2147483705" r:id="rId6"/>
-    <p:sldLayoutId id="2147483706" r:id="rId7"/>
-    <p:sldLayoutId id="2147483707" r:id="rId8"/>
-    <p:sldLayoutId id="2147483708" r:id="rId9"/>
-    <p:sldLayoutId id="2147483709" r:id="rId10"/>
-    <p:sldLayoutId id="2147483710" r:id="rId11"/>
+    <p:sldLayoutId id="2147483724" r:id="rId1"/>
+    <p:sldLayoutId id="2147483725" r:id="rId2"/>
+    <p:sldLayoutId id="2147483726" r:id="rId3"/>
+    <p:sldLayoutId id="2147483727" r:id="rId4"/>
+    <p:sldLayoutId id="2147483728" r:id="rId5"/>
+    <p:sldLayoutId id="2147483729" r:id="rId6"/>
+    <p:sldLayoutId id="2147483730" r:id="rId7"/>
+    <p:sldLayoutId id="2147483731" r:id="rId8"/>
+    <p:sldLayoutId id="2147483732" r:id="rId9"/>
+    <p:sldLayoutId id="2147483733" r:id="rId10"/>
+    <p:sldLayoutId id="2147483734" r:id="rId11"/>
   </p:sldLayoutIdLst>
   <p:txStyles>
     <p:titleStyle>
@@ -6231,140 +6232,6 @@
           <a:chExt cx="0" cy="0"/>
         </a:xfrm>
       </p:grpSpPr>
-      <p:sp useBgFill="1">
-        <p:nvSpPr>
-          <p:cNvPr id="31" name="Rectangle 8">
-            <a:extLst>
-              <a:ext uri="{FF2B5EF4-FFF2-40B4-BE49-F238E27FC236}">
-                <a16:creationId xmlns:a16="http://schemas.microsoft.com/office/drawing/2014/main" id="{D0712110-0BC1-4B31-B3BB-63B44222E87F}"/>
-              </a:ext>
-              <a:ext uri="{C183D7F6-B498-43B3-948B-1728B52AA6E4}">
-                <adec:decorative xmlns:adec="http://schemas.microsoft.com/office/drawing/2017/decorative" val="1"/>
-              </a:ext>
-            </a:extLst>
-          </p:cNvPr>
-          <p:cNvSpPr>
-            <a:spLocks noGrp="1" noRot="1" noChangeAspect="1" noMove="1" noResize="1" noEditPoints="1" noAdjustHandles="1" noChangeArrowheads="1" noChangeShapeType="1" noTextEdit="1"/>
-          </p:cNvSpPr>
-          <p:nvPr>
-            <p:extLst>
-              <p:ext uri="{386F3935-93C4-4BCD-93E2-E3B085C9AB24}">
-                <p16:designElem xmlns:p16="http://schemas.microsoft.com/office/powerpoint/2015/main" val="1"/>
-              </p:ext>
-            </p:extLst>
-          </p:nvPr>
-        </p:nvSpPr>
-        <p:spPr>
-          <a:xfrm>
-            <a:off x="2" y="0"/>
-            <a:ext cx="12191695" cy="6858000"/>
-          </a:xfrm>
-          <a:prstGeom prst="rect">
-            <a:avLst/>
-          </a:prstGeom>
-          <a:ln>
-            <a:noFill/>
-          </a:ln>
-        </p:spPr>
-        <p:style>
-          <a:lnRef idx="2">
-            <a:schemeClr val="accent1">
-              <a:shade val="50000"/>
-            </a:schemeClr>
-          </a:lnRef>
-          <a:fillRef idx="1">
-            <a:schemeClr val="accent1"/>
-          </a:fillRef>
-          <a:effectRef idx="0">
-            <a:schemeClr val="accent1"/>
-          </a:effectRef>
-          <a:fontRef idx="minor">
-            <a:schemeClr val="lt1"/>
-          </a:fontRef>
-        </p:style>
-        <p:txBody>
-          <a:bodyPr rtlCol="0" anchor="ctr"/>
-          <a:lstStyle/>
-          <a:p>
-            <a:pPr algn="ctr"/>
-            <a:endParaRPr lang="en-US"/>
-          </a:p>
-        </p:txBody>
-      </p:sp>
-      <p:sp>
-        <p:nvSpPr>
-          <p:cNvPr id="32" name="Rectangle 10">
-            <a:extLst>
-              <a:ext uri="{FF2B5EF4-FFF2-40B4-BE49-F238E27FC236}">
-                <a16:creationId xmlns:a16="http://schemas.microsoft.com/office/drawing/2014/main" id="{4466B5F3-C053-4580-B04A-1EF949888280}"/>
-              </a:ext>
-              <a:ext uri="{C183D7F6-B498-43B3-948B-1728B52AA6E4}">
-                <adec:decorative xmlns:adec="http://schemas.microsoft.com/office/drawing/2017/decorative" val="1"/>
-              </a:ext>
-            </a:extLst>
-          </p:cNvPr>
-          <p:cNvSpPr>
-            <a:spLocks noGrp="1" noRot="1" noChangeAspect="1" noMove="1" noResize="1" noEditPoints="1" noAdjustHandles="1" noChangeArrowheads="1" noChangeShapeType="1" noTextEdit="1"/>
-          </p:cNvSpPr>
-          <p:nvPr>
-            <p:extLst>
-              <p:ext uri="{386F3935-93C4-4BCD-93E2-E3B085C9AB24}">
-                <p16:designElem xmlns:p16="http://schemas.microsoft.com/office/powerpoint/2015/main" val="1"/>
-              </p:ext>
-            </p:extLst>
-          </p:nvPr>
-        </p:nvSpPr>
-        <p:spPr>
-          <a:xfrm>
-            <a:off x="0" y="2019476"/>
-            <a:ext cx="12192000" cy="4105941"/>
-          </a:xfrm>
-          <a:prstGeom prst="rect">
-            <a:avLst/>
-          </a:prstGeom>
-          <a:gradFill flip="none" rotWithShape="1">
-            <a:gsLst>
-              <a:gs pos="0">
-                <a:schemeClr val="bg2">
-                  <a:alpha val="0"/>
-                </a:schemeClr>
-              </a:gs>
-              <a:gs pos="100000">
-                <a:schemeClr val="bg2"/>
-              </a:gs>
-            </a:gsLst>
-            <a:lin ang="5400000" scaled="0"/>
-            <a:tileRect/>
-          </a:gradFill>
-          <a:ln>
-            <a:noFill/>
-          </a:ln>
-        </p:spPr>
-        <p:style>
-          <a:lnRef idx="2">
-            <a:schemeClr val="accent1">
-              <a:shade val="50000"/>
-            </a:schemeClr>
-          </a:lnRef>
-          <a:fillRef idx="1">
-            <a:schemeClr val="accent1"/>
-          </a:fillRef>
-          <a:effectRef idx="0">
-            <a:schemeClr val="accent1"/>
-          </a:effectRef>
-          <a:fontRef idx="minor">
-            <a:schemeClr val="lt1"/>
-          </a:fontRef>
-        </p:style>
-        <p:txBody>
-          <a:bodyPr rtlCol="0" anchor="ctr"/>
-          <a:lstStyle/>
-          <a:p>
-            <a:pPr lvl="0" algn="ctr"/>
-            <a:endParaRPr lang="en-US"/>
-          </a:p>
-        </p:txBody>
-      </p:sp>
       <p:sp>
         <p:nvSpPr>
           <p:cNvPr id="2" name="Title 1">
@@ -6483,54 +6350,6 @@
           </a:p>
         </p:txBody>
       </p:sp>
-      <p:cxnSp>
-        <p:nvCxnSpPr>
-          <p:cNvPr id="33" name="Straight Connector 12">
-            <a:extLst>
-              <a:ext uri="{FF2B5EF4-FFF2-40B4-BE49-F238E27FC236}">
-                <a16:creationId xmlns:a16="http://schemas.microsoft.com/office/drawing/2014/main" id="{FA6123F2-4B61-414F-A7E5-5B7828EACAE2}"/>
-              </a:ext>
-              <a:ext uri="{C183D7F6-B498-43B3-948B-1728B52AA6E4}">
-                <adec:decorative xmlns:adec="http://schemas.microsoft.com/office/drawing/2017/decorative" val="1"/>
-              </a:ext>
-            </a:extLst>
-          </p:cNvPr>
-          <p:cNvCxnSpPr>
-            <a:cxnSpLocks noGrp="1" noRot="1" noChangeAspect="1" noMove="1" noResize="1" noEditPoints="1" noAdjustHandles="1" noChangeArrowheads="1" noChangeShapeType="1"/>
-          </p:cNvCxnSpPr>
-          <p:nvPr>
-            <p:extLst>
-              <p:ext uri="{386F3935-93C4-4BCD-93E2-E3B085C9AB24}">
-                <p16:designElem xmlns:p16="http://schemas.microsoft.com/office/powerpoint/2015/main" val="1"/>
-              </p:ext>
-            </p:extLst>
-          </p:nvPr>
-        </p:nvCxnSpPr>
-        <p:spPr>
-          <a:xfrm>
-            <a:off x="1452617" y="3528543"/>
-            <a:ext cx="4171479" cy="0"/>
-          </a:xfrm>
-          <a:prstGeom prst="line">
-            <a:avLst/>
-          </a:prstGeom>
-          <a:ln w="31750"/>
-        </p:spPr>
-        <p:style>
-          <a:lnRef idx="3">
-            <a:schemeClr val="accent1"/>
-          </a:lnRef>
-          <a:fillRef idx="0">
-            <a:schemeClr val="accent1"/>
-          </a:fillRef>
-          <a:effectRef idx="2">
-            <a:schemeClr val="accent1"/>
-          </a:effectRef>
-          <a:fontRef idx="minor">
-            <a:schemeClr val="tx1"/>
-          </a:fontRef>
-        </p:style>
-      </p:cxnSp>
       <p:pic>
         <p:nvPicPr>
           <p:cNvPr id="4" name="Picture 3" descr="The facade of townhouses">
@@ -6560,104 +6379,6 @@
           </a:prstGeom>
         </p:spPr>
       </p:pic>
-      <p:pic>
-        <p:nvPicPr>
-          <p:cNvPr id="34" name="Picture 14">
-            <a:extLst>
-              <a:ext uri="{FF2B5EF4-FFF2-40B4-BE49-F238E27FC236}">
-                <a16:creationId xmlns:a16="http://schemas.microsoft.com/office/drawing/2014/main" id="{25CED634-E2D0-4AB7-96DD-816C9B52C5CF}"/>
-              </a:ext>
-              <a:ext uri="{C183D7F6-B498-43B3-948B-1728B52AA6E4}">
-                <adec:decorative xmlns:adec="http://schemas.microsoft.com/office/drawing/2017/decorative" val="1"/>
-              </a:ext>
-            </a:extLst>
-          </p:cNvPr>
-          <p:cNvPicPr>
-            <a:picLocks noGrp="1" noRot="1" noChangeAspect="1" noMove="1" noResize="1" noEditPoints="1" noAdjustHandles="1" noChangeArrowheads="1" noChangeShapeType="1" noCrop="1"/>
-          </p:cNvPicPr>
-          <p:nvPr>
-            <p:extLst>
-              <p:ext uri="{386F3935-93C4-4BCD-93E2-E3B085C9AB24}">
-                <p16:designElem xmlns:p16="http://schemas.microsoft.com/office/powerpoint/2015/main" val="1"/>
-              </p:ext>
-            </p:extLst>
-          </p:nvPr>
-        </p:nvPicPr>
-        <p:blipFill rotWithShape="1">
-          <a:blip r:embed="rId3">
-            <a:extLst>
-              <a:ext uri="{28A0092B-C50C-407E-A947-70E740481C1C}">
-                <a14:useLocalDpi xmlns:a14="http://schemas.microsoft.com/office/drawing/2010/main" val="0"/>
-              </a:ext>
-            </a:extLst>
-          </a:blip>
-          <a:srcRect t="1538" b="-1538"/>
-          <a:stretch/>
-        </p:blipFill>
-        <p:spPr bwMode="black">
-          <a:xfrm>
-            <a:off x="0" y="6126480"/>
-            <a:ext cx="12192000" cy="742950"/>
-          </a:xfrm>
-          <a:prstGeom prst="rect">
-            <a:avLst/>
-          </a:prstGeom>
-        </p:spPr>
-      </p:pic>
-      <p:cxnSp>
-        <p:nvCxnSpPr>
-          <p:cNvPr id="35" name="Straight Connector 16">
-            <a:extLst>
-              <a:ext uri="{FF2B5EF4-FFF2-40B4-BE49-F238E27FC236}">
-                <a16:creationId xmlns:a16="http://schemas.microsoft.com/office/drawing/2014/main" id="{FCDDCDFB-696D-4FDF-9B58-24F71B7C37BC}"/>
-              </a:ext>
-              <a:ext uri="{C183D7F6-B498-43B3-948B-1728B52AA6E4}">
-                <adec:decorative xmlns:adec="http://schemas.microsoft.com/office/drawing/2017/decorative" val="1"/>
-              </a:ext>
-            </a:extLst>
-          </p:cNvPr>
-          <p:cNvCxnSpPr>
-            <a:cxnSpLocks noGrp="1" noRot="1" noChangeAspect="1" noMove="1" noResize="1" noEditPoints="1" noAdjustHandles="1" noChangeArrowheads="1" noChangeShapeType="1"/>
-          </p:cNvCxnSpPr>
-          <p:nvPr>
-            <p:extLst>
-              <p:ext uri="{386F3935-93C4-4BCD-93E2-E3B085C9AB24}">
-                <p16:designElem xmlns:p16="http://schemas.microsoft.com/office/powerpoint/2015/main" val="1"/>
-              </p:ext>
-            </p:extLst>
-          </p:nvPr>
-        </p:nvCxnSpPr>
-        <p:spPr>
-          <a:xfrm>
-            <a:off x="0" y="6128413"/>
-            <a:ext cx="12192000" cy="0"/>
-          </a:xfrm>
-          <a:prstGeom prst="line">
-            <a:avLst/>
-          </a:prstGeom>
-          <a:ln w="12700">
-            <a:solidFill>
-              <a:srgbClr val="000001">
-                <a:alpha val="20000"/>
-              </a:srgbClr>
-            </a:solidFill>
-          </a:ln>
-        </p:spPr>
-        <p:style>
-          <a:lnRef idx="1">
-            <a:schemeClr val="accent1"/>
-          </a:lnRef>
-          <a:fillRef idx="0">
-            <a:schemeClr val="accent1"/>
-          </a:fillRef>
-          <a:effectRef idx="0">
-            <a:schemeClr val="accent1"/>
-          </a:effectRef>
-          <a:fontRef idx="minor">
-            <a:schemeClr val="tx1"/>
-          </a:fontRef>
-        </p:style>
-      </p:cxnSp>
     </p:spTree>
     <p:extLst>
       <p:ext uri="{BB962C8B-B14F-4D97-AF65-F5344CB8AC3E}">
@@ -6698,359 +6419,6 @@
       </p:grpSpPr>
       <p:sp>
         <p:nvSpPr>
-          <p:cNvPr id="8" name="Rectangle 7">
-            <a:extLst>
-              <a:ext uri="{FF2B5EF4-FFF2-40B4-BE49-F238E27FC236}">
-                <a16:creationId xmlns:a16="http://schemas.microsoft.com/office/drawing/2014/main" id="{23522FE7-5A29-4EF6-B1EF-2CA55748A772}"/>
-              </a:ext>
-              <a:ext uri="{C183D7F6-B498-43B3-948B-1728B52AA6E4}">
-                <adec:decorative xmlns:adec="http://schemas.microsoft.com/office/drawing/2017/decorative" val="1"/>
-              </a:ext>
-            </a:extLst>
-          </p:cNvPr>
-          <p:cNvSpPr>
-            <a:spLocks noGrp="1" noRot="1" noChangeAspect="1" noMove="1" noResize="1" noEditPoints="1" noAdjustHandles="1" noChangeArrowheads="1" noChangeShapeType="1" noTextEdit="1"/>
-          </p:cNvSpPr>
-          <p:nvPr>
-            <p:extLst>
-              <p:ext uri="{386F3935-93C4-4BCD-93E2-E3B085C9AB24}">
-                <p16:designElem xmlns:p16="http://schemas.microsoft.com/office/powerpoint/2015/main" val="1"/>
-              </p:ext>
-            </p:extLst>
-          </p:nvPr>
-        </p:nvSpPr>
-        <p:spPr>
-          <a:xfrm>
-            <a:off x="0" y="2019476"/>
-            <a:ext cx="12192000" cy="4105941"/>
-          </a:xfrm>
-          <a:prstGeom prst="rect">
-            <a:avLst/>
-          </a:prstGeom>
-          <a:gradFill flip="none" rotWithShape="1">
-            <a:gsLst>
-              <a:gs pos="0">
-                <a:schemeClr val="bg2">
-                  <a:alpha val="0"/>
-                </a:schemeClr>
-              </a:gs>
-              <a:gs pos="100000">
-                <a:schemeClr val="bg2"/>
-              </a:gs>
-            </a:gsLst>
-            <a:lin ang="5400000" scaled="0"/>
-            <a:tileRect/>
-          </a:gradFill>
-          <a:ln>
-            <a:noFill/>
-          </a:ln>
-        </p:spPr>
-        <p:style>
-          <a:lnRef idx="2">
-            <a:schemeClr val="accent1">
-              <a:shade val="50000"/>
-            </a:schemeClr>
-          </a:lnRef>
-          <a:fillRef idx="1">
-            <a:schemeClr val="accent1"/>
-          </a:fillRef>
-          <a:effectRef idx="0">
-            <a:schemeClr val="accent1"/>
-          </a:effectRef>
-          <a:fontRef idx="minor">
-            <a:schemeClr val="lt1"/>
-          </a:fontRef>
-        </p:style>
-        <p:txBody>
-          <a:bodyPr/>
-          <a:lstStyle/>
-          <a:p>
-            <a:endParaRPr lang="en-US"/>
-          </a:p>
-        </p:txBody>
-      </p:sp>
-      <p:pic>
-        <p:nvPicPr>
-          <p:cNvPr id="10" name="Picture 9">
-            <a:extLst>
-              <a:ext uri="{FF2B5EF4-FFF2-40B4-BE49-F238E27FC236}">
-                <a16:creationId xmlns:a16="http://schemas.microsoft.com/office/drawing/2014/main" id="{C2192E09-EBC7-416C-B887-DFF915D7F43D}"/>
-              </a:ext>
-              <a:ext uri="{C183D7F6-B498-43B3-948B-1728B52AA6E4}">
-                <adec:decorative xmlns:adec="http://schemas.microsoft.com/office/drawing/2017/decorative" val="1"/>
-              </a:ext>
-            </a:extLst>
-          </p:cNvPr>
-          <p:cNvPicPr>
-            <a:picLocks noGrp="1" noRot="1" noChangeAspect="1" noMove="1" noResize="1" noEditPoints="1" noAdjustHandles="1" noChangeArrowheads="1" noChangeShapeType="1" noCrop="1"/>
-          </p:cNvPicPr>
-          <p:nvPr>
-            <p:extLst>
-              <p:ext uri="{386F3935-93C4-4BCD-93E2-E3B085C9AB24}">
-                <p16:designElem xmlns:p16="http://schemas.microsoft.com/office/powerpoint/2015/main" val="1"/>
-              </p:ext>
-            </p:extLst>
-          </p:nvPr>
-        </p:nvPicPr>
-        <p:blipFill rotWithShape="1">
-          <a:blip r:embed="rId2">
-            <a:extLst>
-              <a:ext uri="{28A0092B-C50C-407E-A947-70E740481C1C}">
-                <a14:useLocalDpi xmlns:a14="http://schemas.microsoft.com/office/drawing/2010/main" val="0"/>
-              </a:ext>
-            </a:extLst>
-          </a:blip>
-          <a:srcRect t="1538" b="-1538"/>
-          <a:stretch/>
-        </p:blipFill>
-        <p:spPr bwMode="black">
-          <a:xfrm>
-            <a:off x="0" y="6126480"/>
-            <a:ext cx="12192000" cy="742950"/>
-          </a:xfrm>
-          <a:prstGeom prst="rect">
-            <a:avLst/>
-          </a:prstGeom>
-        </p:spPr>
-      </p:pic>
-      <p:cxnSp>
-        <p:nvCxnSpPr>
-          <p:cNvPr id="12" name="Straight Connector 11">
-            <a:extLst>
-              <a:ext uri="{FF2B5EF4-FFF2-40B4-BE49-F238E27FC236}">
-                <a16:creationId xmlns:a16="http://schemas.microsoft.com/office/drawing/2014/main" id="{2924498D-E084-44BE-A196-CFCE35564350}"/>
-              </a:ext>
-              <a:ext uri="{C183D7F6-B498-43B3-948B-1728B52AA6E4}">
-                <adec:decorative xmlns:adec="http://schemas.microsoft.com/office/drawing/2017/decorative" val="1"/>
-              </a:ext>
-            </a:extLst>
-          </p:cNvPr>
-          <p:cNvCxnSpPr>
-            <a:cxnSpLocks noGrp="1" noRot="1" noChangeAspect="1" noMove="1" noResize="1" noEditPoints="1" noAdjustHandles="1" noChangeArrowheads="1" noChangeShapeType="1"/>
-          </p:cNvCxnSpPr>
-          <p:nvPr>
-            <p:extLst>
-              <p:ext uri="{386F3935-93C4-4BCD-93E2-E3B085C9AB24}">
-                <p16:designElem xmlns:p16="http://schemas.microsoft.com/office/powerpoint/2015/main" val="1"/>
-              </p:ext>
-            </p:extLst>
-          </p:nvPr>
-        </p:nvCxnSpPr>
-        <p:spPr>
-          <a:xfrm>
-            <a:off x="0" y="6128413"/>
-            <a:ext cx="12192000" cy="0"/>
-          </a:xfrm>
-          <a:prstGeom prst="line">
-            <a:avLst/>
-          </a:prstGeom>
-          <a:ln w="12700">
-            <a:solidFill>
-              <a:srgbClr val="000001">
-                <a:alpha val="20000"/>
-              </a:srgbClr>
-            </a:solidFill>
-          </a:ln>
-        </p:spPr>
-        <p:style>
-          <a:lnRef idx="1">
-            <a:schemeClr val="accent1"/>
-          </a:lnRef>
-          <a:fillRef idx="0">
-            <a:schemeClr val="accent1"/>
-          </a:fillRef>
-          <a:effectRef idx="0">
-            <a:schemeClr val="accent1"/>
-          </a:effectRef>
-          <a:fontRef idx="minor">
-            <a:schemeClr val="tx1"/>
-          </a:fontRef>
-        </p:style>
-      </p:cxnSp>
-      <p:cxnSp>
-        <p:nvCxnSpPr>
-          <p:cNvPr id="14" name="Straight Connector 13">
-            <a:extLst>
-              <a:ext uri="{FF2B5EF4-FFF2-40B4-BE49-F238E27FC236}">
-                <a16:creationId xmlns:a16="http://schemas.microsoft.com/office/drawing/2014/main" id="{3BBC7667-C352-4842-9AFD-E5C16AD002F4}"/>
-              </a:ext>
-              <a:ext uri="{C183D7F6-B498-43B3-948B-1728B52AA6E4}">
-                <adec:decorative xmlns:adec="http://schemas.microsoft.com/office/drawing/2017/decorative" val="1"/>
-              </a:ext>
-            </a:extLst>
-          </p:cNvPr>
-          <p:cNvCxnSpPr>
-            <a:cxnSpLocks noGrp="1" noRot="1" noChangeAspect="1" noMove="1" noResize="1" noEditPoints="1" noAdjustHandles="1" noChangeArrowheads="1" noChangeShapeType="1"/>
-          </p:cNvCxnSpPr>
-          <p:nvPr>
-            <p:extLst>
-              <p:ext uri="{386F3935-93C4-4BCD-93E2-E3B085C9AB24}">
-                <p16:designElem xmlns:p16="http://schemas.microsoft.com/office/powerpoint/2015/main" val="1"/>
-              </p:ext>
-            </p:extLst>
-          </p:nvPr>
-        </p:nvCxnSpPr>
-        <p:spPr>
-          <a:xfrm>
-            <a:off x="2417780" y="3528542"/>
-            <a:ext cx="8637072" cy="0"/>
-          </a:xfrm>
-          <a:prstGeom prst="line">
-            <a:avLst/>
-          </a:prstGeom>
-          <a:ln w="31750"/>
-        </p:spPr>
-        <p:style>
-          <a:lnRef idx="3">
-            <a:schemeClr val="accent1"/>
-          </a:lnRef>
-          <a:fillRef idx="0">
-            <a:schemeClr val="accent1"/>
-          </a:fillRef>
-          <a:effectRef idx="2">
-            <a:schemeClr val="accent1"/>
-          </a:effectRef>
-          <a:fontRef idx="minor">
-            <a:schemeClr val="tx1"/>
-          </a:fontRef>
-        </p:style>
-      </p:cxnSp>
-      <p:sp useBgFill="1">
-        <p:nvSpPr>
-          <p:cNvPr id="16" name="Rectangle 15">
-            <a:extLst>
-              <a:ext uri="{FF2B5EF4-FFF2-40B4-BE49-F238E27FC236}">
-                <a16:creationId xmlns:a16="http://schemas.microsoft.com/office/drawing/2014/main" id="{1EE485E7-7D6D-4CB0-A3AD-261D97B2EFEA}"/>
-              </a:ext>
-              <a:ext uri="{C183D7F6-B498-43B3-948B-1728B52AA6E4}">
-                <adec:decorative xmlns:adec="http://schemas.microsoft.com/office/drawing/2017/decorative" val="1"/>
-              </a:ext>
-            </a:extLst>
-          </p:cNvPr>
-          <p:cNvSpPr>
-            <a:spLocks noGrp="1" noRot="1" noChangeAspect="1" noMove="1" noResize="1" noEditPoints="1" noAdjustHandles="1" noChangeArrowheads="1" noChangeShapeType="1" noTextEdit="1"/>
-          </p:cNvSpPr>
-          <p:nvPr>
-            <p:extLst>
-              <p:ext uri="{386F3935-93C4-4BCD-93E2-E3B085C9AB24}">
-                <p16:designElem xmlns:p16="http://schemas.microsoft.com/office/powerpoint/2015/main" val="1"/>
-              </p:ext>
-            </p:extLst>
-          </p:nvPr>
-        </p:nvSpPr>
-        <p:spPr>
-          <a:xfrm>
-            <a:off x="2" y="0"/>
-            <a:ext cx="12191695" cy="6858000"/>
-          </a:xfrm>
-          <a:prstGeom prst="rect">
-            <a:avLst/>
-          </a:prstGeom>
-          <a:ln>
-            <a:noFill/>
-          </a:ln>
-        </p:spPr>
-        <p:style>
-          <a:lnRef idx="2">
-            <a:schemeClr val="accent1">
-              <a:shade val="50000"/>
-            </a:schemeClr>
-          </a:lnRef>
-          <a:fillRef idx="1">
-            <a:schemeClr val="accent1"/>
-          </a:fillRef>
-          <a:effectRef idx="0">
-            <a:schemeClr val="accent1"/>
-          </a:effectRef>
-          <a:fontRef idx="minor">
-            <a:schemeClr val="lt1"/>
-          </a:fontRef>
-        </p:style>
-        <p:txBody>
-          <a:bodyPr rtlCol="0" anchor="ctr"/>
-          <a:lstStyle/>
-          <a:p>
-            <a:pPr algn="ctr"/>
-            <a:endParaRPr lang="en-US"/>
-          </a:p>
-        </p:txBody>
-      </p:sp>
-      <p:sp>
-        <p:nvSpPr>
-          <p:cNvPr id="18" name="Rectangle 17">
-            <a:extLst>
-              <a:ext uri="{FF2B5EF4-FFF2-40B4-BE49-F238E27FC236}">
-                <a16:creationId xmlns:a16="http://schemas.microsoft.com/office/drawing/2014/main" id="{A55E3208-F0C4-4962-8946-065C94F89635}"/>
-              </a:ext>
-              <a:ext uri="{C183D7F6-B498-43B3-948B-1728B52AA6E4}">
-                <adec:decorative xmlns:adec="http://schemas.microsoft.com/office/drawing/2017/decorative" val="1"/>
-              </a:ext>
-            </a:extLst>
-          </p:cNvPr>
-          <p:cNvSpPr>
-            <a:spLocks noGrp="1" noRot="1" noChangeAspect="1" noMove="1" noResize="1" noEditPoints="1" noAdjustHandles="1" noChangeArrowheads="1" noChangeShapeType="1" noTextEdit="1"/>
-          </p:cNvSpPr>
-          <p:nvPr>
-            <p:extLst>
-              <p:ext uri="{386F3935-93C4-4BCD-93E2-E3B085C9AB24}">
-                <p16:designElem xmlns:p16="http://schemas.microsoft.com/office/powerpoint/2015/main" val="1"/>
-              </p:ext>
-            </p:extLst>
-          </p:nvPr>
-        </p:nvSpPr>
-        <p:spPr>
-          <a:xfrm>
-            <a:off x="0" y="2019476"/>
-            <a:ext cx="12192000" cy="4105941"/>
-          </a:xfrm>
-          <a:prstGeom prst="rect">
-            <a:avLst/>
-          </a:prstGeom>
-          <a:gradFill flip="none" rotWithShape="1">
-            <a:gsLst>
-              <a:gs pos="0">
-                <a:schemeClr val="bg2">
-                  <a:alpha val="0"/>
-                </a:schemeClr>
-              </a:gs>
-              <a:gs pos="100000">
-                <a:schemeClr val="bg2"/>
-              </a:gs>
-            </a:gsLst>
-            <a:lin ang="5400000" scaled="0"/>
-            <a:tileRect/>
-          </a:gradFill>
-          <a:ln>
-            <a:noFill/>
-          </a:ln>
-        </p:spPr>
-        <p:style>
-          <a:lnRef idx="2">
-            <a:schemeClr val="accent1">
-              <a:shade val="50000"/>
-            </a:schemeClr>
-          </a:lnRef>
-          <a:fillRef idx="1">
-            <a:schemeClr val="accent1"/>
-          </a:fillRef>
-          <a:effectRef idx="0">
-            <a:schemeClr val="accent1"/>
-          </a:effectRef>
-          <a:fontRef idx="minor">
-            <a:schemeClr val="lt1"/>
-          </a:fontRef>
-        </p:style>
-        <p:txBody>
-          <a:bodyPr rtlCol="0" anchor="ctr"/>
-          <a:lstStyle/>
-          <a:p>
-            <a:pPr lvl="0" algn="ctr"/>
-            <a:endParaRPr lang="en-US" dirty="0"/>
-          </a:p>
-        </p:txBody>
-      </p:sp>
-      <p:sp>
-        <p:nvSpPr>
           <p:cNvPr id="2" name="Title 1">
             <a:extLst>
               <a:ext uri="{FF2B5EF4-FFF2-40B4-BE49-F238E27FC236}">
@@ -7141,152 +6509,6 @@
           </a:p>
         </p:txBody>
       </p:sp>
-      <p:cxnSp>
-        <p:nvCxnSpPr>
-          <p:cNvPr id="27" name="Straight Connector 19">
-            <a:extLst>
-              <a:ext uri="{FF2B5EF4-FFF2-40B4-BE49-F238E27FC236}">
-                <a16:creationId xmlns:a16="http://schemas.microsoft.com/office/drawing/2014/main" id="{4FAE17D3-C2DC-4665-AF20-33C5BACD5E01}"/>
-              </a:ext>
-              <a:ext uri="{C183D7F6-B498-43B3-948B-1728B52AA6E4}">
-                <adec:decorative xmlns:adec="http://schemas.microsoft.com/office/drawing/2017/decorative" val="1"/>
-              </a:ext>
-            </a:extLst>
-          </p:cNvPr>
-          <p:cNvCxnSpPr>
-            <a:cxnSpLocks noGrp="1" noRot="1" noChangeAspect="1" noMove="1" noResize="1" noEditPoints="1" noAdjustHandles="1" noChangeArrowheads="1" noChangeShapeType="1"/>
-          </p:cNvCxnSpPr>
-          <p:nvPr>
-            <p:extLst>
-              <p:ext uri="{386F3935-93C4-4BCD-93E2-E3B085C9AB24}">
-                <p16:designElem xmlns:p16="http://schemas.microsoft.com/office/powerpoint/2015/main" val="1"/>
-              </p:ext>
-            </p:extLst>
-          </p:nvPr>
-        </p:nvCxnSpPr>
-        <p:spPr>
-          <a:xfrm>
-            <a:off x="4654296" y="1375124"/>
-            <a:ext cx="0" cy="3017520"/>
-          </a:xfrm>
-          <a:prstGeom prst="line">
-            <a:avLst/>
-          </a:prstGeom>
-          <a:ln w="31750"/>
-        </p:spPr>
-        <p:style>
-          <a:lnRef idx="1">
-            <a:schemeClr val="accent1"/>
-          </a:lnRef>
-          <a:fillRef idx="0">
-            <a:schemeClr val="accent1"/>
-          </a:fillRef>
-          <a:effectRef idx="0">
-            <a:schemeClr val="accent1"/>
-          </a:effectRef>
-          <a:fontRef idx="minor">
-            <a:schemeClr val="tx1"/>
-          </a:fontRef>
-        </p:style>
-      </p:cxnSp>
-      <p:pic>
-        <p:nvPicPr>
-          <p:cNvPr id="22" name="Picture 21">
-            <a:extLst>
-              <a:ext uri="{FF2B5EF4-FFF2-40B4-BE49-F238E27FC236}">
-                <a16:creationId xmlns:a16="http://schemas.microsoft.com/office/drawing/2014/main" id="{7021C573-B3FF-44B8-A5DE-AB39E9AA6B96}"/>
-              </a:ext>
-              <a:ext uri="{C183D7F6-B498-43B3-948B-1728B52AA6E4}">
-                <adec:decorative xmlns:adec="http://schemas.microsoft.com/office/drawing/2017/decorative" val="1"/>
-              </a:ext>
-            </a:extLst>
-          </p:cNvPr>
-          <p:cNvPicPr>
-            <a:picLocks noGrp="1" noRot="1" noChangeAspect="1" noMove="1" noResize="1" noEditPoints="1" noAdjustHandles="1" noChangeArrowheads="1" noChangeShapeType="1" noCrop="1"/>
-          </p:cNvPicPr>
-          <p:nvPr>
-            <p:extLst>
-              <p:ext uri="{386F3935-93C4-4BCD-93E2-E3B085C9AB24}">
-                <p16:designElem xmlns:p16="http://schemas.microsoft.com/office/powerpoint/2015/main" val="1"/>
-              </p:ext>
-            </p:extLst>
-          </p:nvPr>
-        </p:nvPicPr>
-        <p:blipFill rotWithShape="1">
-          <a:blip r:embed="rId2">
-            <a:extLst>
-              <a:ext uri="{28A0092B-C50C-407E-A947-70E740481C1C}">
-                <a14:useLocalDpi xmlns:a14="http://schemas.microsoft.com/office/drawing/2010/main" val="0"/>
-              </a:ext>
-            </a:extLst>
-          </a:blip>
-          <a:srcRect t="1538" b="-1538"/>
-          <a:stretch/>
-        </p:blipFill>
-        <p:spPr bwMode="black">
-          <a:xfrm>
-            <a:off x="0" y="6126480"/>
-            <a:ext cx="12192000" cy="742950"/>
-          </a:xfrm>
-          <a:prstGeom prst="rect">
-            <a:avLst/>
-          </a:prstGeom>
-        </p:spPr>
-      </p:pic>
-      <p:cxnSp>
-        <p:nvCxnSpPr>
-          <p:cNvPr id="24" name="Straight Connector 23">
-            <a:extLst>
-              <a:ext uri="{FF2B5EF4-FFF2-40B4-BE49-F238E27FC236}">
-                <a16:creationId xmlns:a16="http://schemas.microsoft.com/office/drawing/2014/main" id="{50B0CCD4-E9B0-43B2-806F-05EDF57A7628}"/>
-              </a:ext>
-              <a:ext uri="{C183D7F6-B498-43B3-948B-1728B52AA6E4}">
-                <adec:decorative xmlns:adec="http://schemas.microsoft.com/office/drawing/2017/decorative" val="1"/>
-              </a:ext>
-            </a:extLst>
-          </p:cNvPr>
-          <p:cNvCxnSpPr>
-            <a:cxnSpLocks noGrp="1" noRot="1" noChangeAspect="1" noMove="1" noResize="1" noEditPoints="1" noAdjustHandles="1" noChangeArrowheads="1" noChangeShapeType="1"/>
-          </p:cNvCxnSpPr>
-          <p:nvPr>
-            <p:extLst>
-              <p:ext uri="{386F3935-93C4-4BCD-93E2-E3B085C9AB24}">
-                <p16:designElem xmlns:p16="http://schemas.microsoft.com/office/powerpoint/2015/main" val="1"/>
-              </p:ext>
-            </p:extLst>
-          </p:nvPr>
-        </p:nvCxnSpPr>
-        <p:spPr>
-          <a:xfrm>
-            <a:off x="0" y="6128413"/>
-            <a:ext cx="12192000" cy="0"/>
-          </a:xfrm>
-          <a:prstGeom prst="line">
-            <a:avLst/>
-          </a:prstGeom>
-          <a:ln w="12700">
-            <a:solidFill>
-              <a:srgbClr val="000001">
-                <a:alpha val="20000"/>
-              </a:srgbClr>
-            </a:solidFill>
-          </a:ln>
-        </p:spPr>
-        <p:style>
-          <a:lnRef idx="1">
-            <a:schemeClr val="accent1"/>
-          </a:lnRef>
-          <a:fillRef idx="0">
-            <a:schemeClr val="accent1"/>
-          </a:fillRef>
-          <a:effectRef idx="0">
-            <a:schemeClr val="accent1"/>
-          </a:effectRef>
-          <a:fontRef idx="minor">
-            <a:schemeClr val="tx1"/>
-          </a:fontRef>
-        </p:style>
-      </p:cxnSp>
     </p:spTree>
     <p:extLst>
       <p:ext uri="{BB962C8B-B14F-4D97-AF65-F5344CB8AC3E}">
@@ -7429,7 +6651,7 @@
       </p:grpSpPr>
       <p:sp>
         <p:nvSpPr>
-          <p:cNvPr id="9" name="Rectangle 8">
+          <p:cNvPr id="10" name="Rectangle 9">
             <a:extLst>
               <a:ext uri="{FF2B5EF4-FFF2-40B4-BE49-F238E27FC236}">
                 <a16:creationId xmlns:a16="http://schemas.microsoft.com/office/drawing/2014/main" id="{1CE580D1-F917-4567-AFB4-99AA9B52ADF0}"/>
@@ -7502,7 +6724,7 @@
       </p:sp>
       <p:pic>
         <p:nvPicPr>
-          <p:cNvPr id="11" name="Picture 10">
+          <p:cNvPr id="12" name="Picture 11">
             <a:extLst>
               <a:ext uri="{FF2B5EF4-FFF2-40B4-BE49-F238E27FC236}">
                 <a16:creationId xmlns:a16="http://schemas.microsoft.com/office/drawing/2014/main" id="{1F5620B8-A2D8-4568-B566-F0453A0D9167}"/>
@@ -7546,7 +6768,7 @@
       </p:pic>
       <p:cxnSp>
         <p:nvCxnSpPr>
-          <p:cNvPr id="13" name="Straight Connector 12">
+          <p:cNvPr id="14" name="Straight Connector 13">
             <a:extLst>
               <a:ext uri="{FF2B5EF4-FFF2-40B4-BE49-F238E27FC236}">
                 <a16:creationId xmlns:a16="http://schemas.microsoft.com/office/drawing/2014/main" id="{1C7D2BA4-4B7A-4596-8BCC-5CF715423894}"/>
@@ -7600,10 +6822,10 @@
       </p:cxnSp>
       <p:cxnSp>
         <p:nvCxnSpPr>
-          <p:cNvPr id="15" name="Straight Connector 14">
+          <p:cNvPr id="16" name="Straight Connector 15">
             <a:extLst>
               <a:ext uri="{FF2B5EF4-FFF2-40B4-BE49-F238E27FC236}">
-                <a16:creationId xmlns:a16="http://schemas.microsoft.com/office/drawing/2014/main" id="{4977F1E1-2B6F-4BB6-899F-67D8764D83C5}"/>
+                <a16:creationId xmlns:a16="http://schemas.microsoft.com/office/drawing/2014/main" id="{C9D4B225-18E9-4C5B-94D8-2ABE6D161E4A}"/>
               </a:ext>
               <a:ext uri="{C183D7F6-B498-43B3-948B-1728B52AA6E4}">
                 <adec:decorative xmlns:adec="http://schemas.microsoft.com/office/drawing/2017/decorative" val="1"/>
@@ -7623,8 +6845,8 @@
         </p:nvCxnSpPr>
         <p:spPr>
           <a:xfrm>
-            <a:off x="2417780" y="3528542"/>
-            <a:ext cx="8637072" cy="0"/>
+            <a:off x="1453896" y="1847088"/>
+            <a:ext cx="9607522" cy="0"/>
           </a:xfrm>
           <a:prstGeom prst="line">
             <a:avLst/>
@@ -7648,10 +6870,10 @@
       </p:cxnSp>
       <p:sp useBgFill="1">
         <p:nvSpPr>
-          <p:cNvPr id="17" name="Rectangle 16">
+          <p:cNvPr id="18" name="Rectangle 17">
             <a:extLst>
               <a:ext uri="{FF2B5EF4-FFF2-40B4-BE49-F238E27FC236}">
-                <a16:creationId xmlns:a16="http://schemas.microsoft.com/office/drawing/2014/main" id="{19E9CB2B-7C9D-4B98-AD54-C7DE19B7B12D}"/>
+                <a16:creationId xmlns:a16="http://schemas.microsoft.com/office/drawing/2014/main" id="{5BB14454-D00C-4958-BB39-F5F9F3ACD499}"/>
               </a:ext>
               <a:ext uri="{C183D7F6-B498-43B3-948B-1728B52AA6E4}">
                 <adec:decorative xmlns:adec="http://schemas.microsoft.com/office/drawing/2017/decorative" val="1"/>
@@ -7706,41 +6928,169 @@
           </a:p>
         </p:txBody>
       </p:sp>
-      <p:pic>
-        <p:nvPicPr>
-          <p:cNvPr id="5" name="Picture 4" descr="Complex maths formulae on a blackboard">
+      <p:cxnSp>
+        <p:nvCxnSpPr>
+          <p:cNvPr id="20" name="Straight Connector 19">
             <a:extLst>
               <a:ext uri="{FF2B5EF4-FFF2-40B4-BE49-F238E27FC236}">
-                <a16:creationId xmlns:a16="http://schemas.microsoft.com/office/drawing/2014/main" id="{E690E5A5-A788-C6F2-CB80-B19B96116EB8}"/>
+                <a16:creationId xmlns:a16="http://schemas.microsoft.com/office/drawing/2014/main" id="{28A657A7-C4E5-425B-98FA-BB817FF7BFB0}"/>
+              </a:ext>
+              <a:ext uri="{C183D7F6-B498-43B3-948B-1728B52AA6E4}">
+                <adec:decorative xmlns:adec="http://schemas.microsoft.com/office/drawing/2017/decorative" val="1"/>
               </a:ext>
             </a:extLst>
           </p:cNvPr>
-          <p:cNvPicPr>
-            <a:picLocks noChangeAspect="1"/>
-          </p:cNvPicPr>
-          <p:nvPr/>
-        </p:nvPicPr>
-        <p:blipFill rotWithShape="1">
-          <a:blip r:embed="rId3"/>
-          <a:srcRect l="16301" r="18813" b="-1"/>
-          <a:stretch/>
-        </p:blipFill>
+          <p:cNvCxnSpPr>
+            <a:cxnSpLocks noGrp="1" noRot="1" noChangeAspect="1" noMove="1" noResize="1" noEditPoints="1" noAdjustHandles="1" noChangeArrowheads="1" noChangeShapeType="1"/>
+          </p:cNvCxnSpPr>
+          <p:nvPr>
+            <p:extLst>
+              <p:ext uri="{386F3935-93C4-4BCD-93E2-E3B085C9AB24}">
+                <p16:designElem xmlns:p16="http://schemas.microsoft.com/office/powerpoint/2015/main" val="1"/>
+              </p:ext>
+            </p:extLst>
+          </p:nvPr>
+        </p:nvCxnSpPr>
         <p:spPr>
           <a:xfrm>
-            <a:off x="6096000" y="10"/>
-            <a:ext cx="6095697" cy="6857990"/>
+            <a:off x="7218029" y="1847088"/>
+            <a:ext cx="3520368" cy="0"/>
+          </a:xfrm>
+          <a:prstGeom prst="line">
+            <a:avLst/>
+          </a:prstGeom>
+          <a:ln w="31750"/>
+        </p:spPr>
+        <p:style>
+          <a:lnRef idx="3">
+            <a:schemeClr val="accent1"/>
+          </a:lnRef>
+          <a:fillRef idx="0">
+            <a:schemeClr val="accent1"/>
+          </a:fillRef>
+          <a:effectRef idx="2">
+            <a:schemeClr val="accent1"/>
+          </a:effectRef>
+          <a:fontRef idx="minor">
+            <a:schemeClr val="tx1"/>
+          </a:fontRef>
+        </p:style>
+      </p:cxnSp>
+      <p:sp>
+        <p:nvSpPr>
+          <p:cNvPr id="2" name="Title 1">
+            <a:extLst>
+              <a:ext uri="{FF2B5EF4-FFF2-40B4-BE49-F238E27FC236}">
+                <a16:creationId xmlns:a16="http://schemas.microsoft.com/office/drawing/2014/main" id="{9946760F-762D-18B8-8D50-4BD14BBB1F3C}"/>
+              </a:ext>
+            </a:extLst>
+          </p:cNvPr>
+          <p:cNvSpPr>
+            <a:spLocks noGrp="1"/>
+          </p:cNvSpPr>
+          <p:nvPr>
+            <p:ph type="title"/>
+          </p:nvPr>
+        </p:nvSpPr>
+        <p:spPr>
+          <a:xfrm>
+            <a:off x="7218030" y="804520"/>
+            <a:ext cx="3520367" cy="1049235"/>
+          </a:xfrm>
+        </p:spPr>
+        <p:txBody>
+          <a:bodyPr vert="horz" lIns="91440" tIns="45720" rIns="91440" bIns="45720" rtlCol="0" anchor="t" anchorCtr="1">
+            <a:normAutofit/>
+          </a:bodyPr>
+          <a:lstStyle/>
+          <a:p>
+            <a:r>
+              <a:rPr lang="en-US"/>
+              <a:t>hypothesis</a:t>
+            </a:r>
+          </a:p>
+        </p:txBody>
+      </p:sp>
+      <p:sp>
+        <p:nvSpPr>
+          <p:cNvPr id="22" name="Rectangle 21">
+            <a:extLst>
+              <a:ext uri="{FF2B5EF4-FFF2-40B4-BE49-F238E27FC236}">
+                <a16:creationId xmlns:a16="http://schemas.microsoft.com/office/drawing/2014/main" id="{A1084370-0E70-4003-9787-3490FCC20E13}"/>
+              </a:ext>
+              <a:ext uri="{C183D7F6-B498-43B3-948B-1728B52AA6E4}">
+                <adec:decorative xmlns:adec="http://schemas.microsoft.com/office/drawing/2017/decorative" val="1"/>
+              </a:ext>
+            </a:extLst>
+          </p:cNvPr>
+          <p:cNvSpPr>
+            <a:spLocks noGrp="1" noRot="1" noChangeAspect="1" noMove="1" noResize="1" noEditPoints="1" noAdjustHandles="1" noChangeArrowheads="1" noChangeShapeType="1" noTextEdit="1"/>
+          </p:cNvSpPr>
+          <p:nvPr>
+            <p:extLst>
+              <p:ext uri="{386F3935-93C4-4BCD-93E2-E3B085C9AB24}">
+                <p16:designElem xmlns:p16="http://schemas.microsoft.com/office/powerpoint/2015/main" val="1"/>
+              </p:ext>
+            </p:extLst>
+          </p:nvPr>
+        </p:nvSpPr>
+        <p:spPr>
+          <a:xfrm>
+            <a:off x="0" y="2019476"/>
+            <a:ext cx="12192000" cy="4105941"/>
           </a:xfrm>
           <a:prstGeom prst="rect">
             <a:avLst/>
           </a:prstGeom>
+          <a:gradFill flip="none" rotWithShape="1">
+            <a:gsLst>
+              <a:gs pos="0">
+                <a:schemeClr val="bg2">
+                  <a:alpha val="0"/>
+                </a:schemeClr>
+              </a:gs>
+              <a:gs pos="100000">
+                <a:schemeClr val="bg2"/>
+              </a:gs>
+            </a:gsLst>
+            <a:lin ang="5400000" scaled="0"/>
+            <a:tileRect/>
+          </a:gradFill>
+          <a:ln>
+            <a:noFill/>
+          </a:ln>
         </p:spPr>
-      </p:pic>
+        <p:style>
+          <a:lnRef idx="2">
+            <a:schemeClr val="accent1">
+              <a:shade val="50000"/>
+            </a:schemeClr>
+          </a:lnRef>
+          <a:fillRef idx="1">
+            <a:schemeClr val="accent1"/>
+          </a:fillRef>
+          <a:effectRef idx="0">
+            <a:schemeClr val="accent1"/>
+          </a:effectRef>
+          <a:fontRef idx="minor">
+            <a:schemeClr val="lt1"/>
+          </a:fontRef>
+        </p:style>
+        <p:txBody>
+          <a:bodyPr rtlCol="0" anchor="ctr"/>
+          <a:lstStyle/>
+          <a:p>
+            <a:pPr lvl="0" algn="ctr"/>
+            <a:endParaRPr lang="en-US"/>
+          </a:p>
+        </p:txBody>
+      </p:sp>
       <p:grpSp>
         <p:nvGrpSpPr>
-          <p:cNvPr id="19" name="Group 18">
+          <p:cNvPr id="24" name="Group 23">
             <a:extLst>
               <a:ext uri="{FF2B5EF4-FFF2-40B4-BE49-F238E27FC236}">
-                <a16:creationId xmlns:a16="http://schemas.microsoft.com/office/drawing/2014/main" id="{8349A827-399B-4A6D-926F-6D0F2FB8FD81}"/>
+                <a16:creationId xmlns:a16="http://schemas.microsoft.com/office/drawing/2014/main" id="{2B7C66D2-22E8-4E8F-829B-050BFA7C86C5}"/>
               </a:ext>
               <a:ext uri="{C183D7F6-B498-43B3-948B-1728B52AA6E4}">
                 <adec:decorative xmlns:adec="http://schemas.microsoft.com/office/drawing/2017/decorative" val="1"/>
@@ -7760,18 +7110,18 @@
         </p:nvGrpSpPr>
         <p:grpSpPr>
           <a:xfrm>
-            <a:off x="680702" y="1149383"/>
-            <a:ext cx="6562082" cy="4236223"/>
-            <a:chOff x="7807230" y="2012810"/>
-            <a:chExt cx="3251252" cy="3459865"/>
+            <a:off x="632237" y="482171"/>
+            <a:ext cx="6104331" cy="5149101"/>
+            <a:chOff x="7463259" y="583365"/>
+            <a:chExt cx="6104330" cy="5181928"/>
           </a:xfrm>
         </p:grpSpPr>
         <p:sp>
           <p:nvSpPr>
-            <p:cNvPr id="20" name="Rectangle 19">
+            <p:cNvPr id="25" name="Rectangle 24">
               <a:extLst>
                 <a:ext uri="{FF2B5EF4-FFF2-40B4-BE49-F238E27FC236}">
-                  <a16:creationId xmlns:a16="http://schemas.microsoft.com/office/drawing/2014/main" id="{FBD550E0-F195-46B4-A173-36FCD40A46D1}"/>
+                  <a16:creationId xmlns:a16="http://schemas.microsoft.com/office/drawing/2014/main" id="{F0B78D6F-1F61-4DBB-8F5A-934BB850DD1F}"/>
                 </a:ext>
                 <a:ext uri="{C183D7F6-B498-43B3-948B-1728B52AA6E4}">
                   <adec:decorative xmlns:adec="http://schemas.microsoft.com/office/drawing/2017/decorative" val="1"/>
@@ -7789,8 +7139,8 @@
           </p:nvSpPr>
           <p:spPr>
             <a:xfrm>
-              <a:off x="7807230" y="2012810"/>
-              <a:ext cx="3251252" cy="3459865"/>
+              <a:off x="7463259" y="583365"/>
+              <a:ext cx="6104330" cy="5181928"/>
             </a:xfrm>
             <a:prstGeom prst="rect">
               <a:avLst/>
@@ -7810,7 +7160,7 @@
               <a:miter lim="800000"/>
             </a:ln>
             <a:effectLst>
-              <a:outerShdw blurRad="127000" dist="190500" dir="4740000" sx="98000" sy="98000" algn="tl" rotWithShape="0">
+              <a:outerShdw blurRad="127000" dist="228600" dir="4740000" sx="98000" sy="98000" algn="tl" rotWithShape="0">
                 <a:srgbClr val="000000">
                   <a:alpha val="34000"/>
                 </a:srgbClr>
@@ -7849,10 +7199,10 @@
         </p:sp>
         <p:sp>
           <p:nvSpPr>
-            <p:cNvPr id="21" name="Rectangle 20">
+            <p:cNvPr id="26" name="Rectangle 25">
               <a:extLst>
                 <a:ext uri="{FF2B5EF4-FFF2-40B4-BE49-F238E27FC236}">
-                  <a16:creationId xmlns:a16="http://schemas.microsoft.com/office/drawing/2014/main" id="{30B80ACA-FD08-4616-AD69-6BC181FA29DB}"/>
+                  <a16:creationId xmlns:a16="http://schemas.microsoft.com/office/drawing/2014/main" id="{23EA261D-1F8C-4BE5-8586-3C1CC5CE80FE}"/>
                 </a:ext>
                 <a:ext uri="{C183D7F6-B498-43B3-948B-1728B52AA6E4}">
                   <adec:decorative xmlns:adec="http://schemas.microsoft.com/office/drawing/2017/decorative" val="1"/>
@@ -7870,8 +7220,8 @@
           </p:nvSpPr>
           <p:spPr>
             <a:xfrm>
-              <a:off x="7807231" y="2026142"/>
-              <a:ext cx="3251250" cy="3440203"/>
+              <a:off x="7776318" y="915807"/>
+              <a:ext cx="5471354" cy="4494927"/>
             </a:xfrm>
             <a:prstGeom prst="rect">
               <a:avLst/>
@@ -7887,7 +7237,7 @@
               </a:gsLst>
               <a:lin ang="16200000" scaled="0"/>
             </a:gradFill>
-            <a:ln w="76200" cmpd="sng">
+            <a:ln w="50800" cmpd="sng">
               <a:solidFill>
                 <a:srgbClr val="191919"/>
               </a:solidFill>
@@ -7905,7 +7255,7 @@
               <a:lightRig rig="threePt" dir="t"/>
             </a:scene3d>
             <a:sp3d>
-              <a:bevelT w="38100" h="38100" prst="relaxedInset"/>
+              <a:bevelT prst="relaxedInset"/>
             </a:sp3d>
           </p:spPr>
           <p:style>
@@ -7932,111 +7282,35 @@
           </p:txBody>
         </p:sp>
       </p:grpSp>
-      <p:sp>
-        <p:nvSpPr>
-          <p:cNvPr id="23" name="Rectangle 22">
+      <p:pic>
+        <p:nvPicPr>
+          <p:cNvPr id="5" name="Picture 4" descr="Complex maths formulae on a blackboard">
             <a:extLst>
               <a:ext uri="{FF2B5EF4-FFF2-40B4-BE49-F238E27FC236}">
-                <a16:creationId xmlns:a16="http://schemas.microsoft.com/office/drawing/2014/main" id="{B371F200-D1FD-4B04-AD59-0B916F679D84}"/>
-              </a:ext>
-              <a:ext uri="{C183D7F6-B498-43B3-948B-1728B52AA6E4}">
-                <adec:decorative xmlns:adec="http://schemas.microsoft.com/office/drawing/2017/decorative" val="1"/>
+                <a16:creationId xmlns:a16="http://schemas.microsoft.com/office/drawing/2014/main" id="{E690E5A5-A788-C6F2-CB80-B19B96116EB8}"/>
               </a:ext>
             </a:extLst>
           </p:cNvPr>
-          <p:cNvSpPr>
-            <a:spLocks noGrp="1" noRot="1" noChangeAspect="1" noMove="1" noResize="1" noEditPoints="1" noAdjustHandles="1" noChangeArrowheads="1" noChangeShapeType="1" noTextEdit="1"/>
-          </p:cNvSpPr>
-          <p:nvPr>
-            <p:extLst>
-              <p:ext uri="{386F3935-93C4-4BCD-93E2-E3B085C9AB24}">
-                <p16:designElem xmlns:p16="http://schemas.microsoft.com/office/powerpoint/2015/main" val="1"/>
-              </p:ext>
-            </p:extLst>
-          </p:nvPr>
-        </p:nvSpPr>
+          <p:cNvPicPr>
+            <a:picLocks noChangeAspect="1"/>
+          </p:cNvPicPr>
+          <p:nvPr/>
+        </p:nvPicPr>
+        <p:blipFill rotWithShape="1">
+          <a:blip r:embed="rId3"/>
+          <a:srcRect l="3191" r="5700" b="-2"/>
+          <a:stretch/>
+        </p:blipFill>
         <p:spPr>
           <a:xfrm>
-            <a:off x="999087" y="1479842"/>
-            <a:ext cx="5925312" cy="3575304"/>
+            <a:off x="1271223" y="1116345"/>
+            <a:ext cx="4825148" cy="3866172"/>
           </a:xfrm>
           <a:prstGeom prst="rect">
             <a:avLst/>
           </a:prstGeom>
-          <a:solidFill>
-            <a:schemeClr val="tx2"/>
-          </a:solidFill>
-          <a:ln w="6350">
-            <a:solidFill>
-              <a:schemeClr val="bg2"/>
-            </a:solidFill>
-          </a:ln>
         </p:spPr>
-        <p:style>
-          <a:lnRef idx="2">
-            <a:schemeClr val="accent1">
-              <a:shade val="50000"/>
-            </a:schemeClr>
-          </a:lnRef>
-          <a:fillRef idx="1">
-            <a:schemeClr val="accent1"/>
-          </a:fillRef>
-          <a:effectRef idx="0">
-            <a:schemeClr val="accent1"/>
-          </a:effectRef>
-          <a:fontRef idx="minor">
-            <a:schemeClr val="lt1"/>
-          </a:fontRef>
-        </p:style>
-        <p:txBody>
-          <a:bodyPr rtlCol="0" anchor="ctr"/>
-          <a:lstStyle/>
-          <a:p>
-            <a:pPr algn="ctr"/>
-            <a:endParaRPr lang="en-US"/>
-          </a:p>
-        </p:txBody>
-      </p:sp>
-      <p:sp>
-        <p:nvSpPr>
-          <p:cNvPr id="2" name="Title 1">
-            <a:extLst>
-              <a:ext uri="{FF2B5EF4-FFF2-40B4-BE49-F238E27FC236}">
-                <a16:creationId xmlns:a16="http://schemas.microsoft.com/office/drawing/2014/main" id="{9946760F-762D-18B8-8D50-4BD14BBB1F3C}"/>
-              </a:ext>
-            </a:extLst>
-          </p:cNvPr>
-          <p:cNvSpPr>
-            <a:spLocks noGrp="1"/>
-          </p:cNvSpPr>
-          <p:nvPr>
-            <p:ph type="title"/>
-          </p:nvPr>
-        </p:nvSpPr>
-        <p:spPr>
-          <a:xfrm>
-            <a:off x="1300526" y="1649897"/>
-            <a:ext cx="5429361" cy="788026"/>
-          </a:xfrm>
-        </p:spPr>
-        <p:txBody>
-          <a:bodyPr vert="horz" lIns="91440" tIns="45720" rIns="91440" bIns="0" rtlCol="0" anchor="b" anchorCtr="1">
-            <a:normAutofit/>
-          </a:bodyPr>
-          <a:lstStyle/>
-          <a:p>
-            <a:pPr algn="r"/>
-            <a:r>
-              <a:rPr lang="en-US" sz="3600" dirty="0">
-                <a:solidFill>
-                  <a:schemeClr val="bg1"/>
-                </a:solidFill>
-              </a:rPr>
-              <a:t>hypothesis</a:t>
-            </a:r>
-          </a:p>
-        </p:txBody>
-      </p:sp>
+      </p:pic>
       <p:sp>
         <p:nvSpPr>
           <p:cNvPr id="3" name="Vertical Text Placeholder 2">
@@ -8055,36 +7329,74 @@
         </p:nvSpPr>
         <p:spPr>
           <a:xfrm>
-            <a:off x="1300526" y="2521534"/>
-            <a:ext cx="5303519" cy="2464860"/>
+            <a:off x="7218029" y="2015732"/>
+            <a:ext cx="3520368" cy="3450613"/>
           </a:xfrm>
         </p:spPr>
         <p:txBody>
-          <a:bodyPr vert="horz" lIns="91440" tIns="91440" rIns="91440" bIns="91440" rtlCol="0" anchor="t" anchorCtr="0">
+          <a:bodyPr vert="horz" lIns="91440" tIns="45720" rIns="91440" bIns="45720" rtlCol="0" anchor="t" anchorCtr="0">
             <a:normAutofit/>
           </a:bodyPr>
           <a:lstStyle/>
           <a:p>
-            <a:pPr marL="0" indent="0" algn="r">
-              <a:buNone/>
-            </a:pPr>
+            <a:pPr marL="0"/>
             <a:r>
-              <a:rPr lang="en-US" sz="1600" cap="all" dirty="0">
-                <a:solidFill>
-                  <a:schemeClr val="bg1"/>
-                </a:solidFill>
-              </a:rPr>
+              <a:rPr lang="en-US" cap="all"/>
               <a:t>We predict the average home price in CT, MD, TX, and WA will fluctuate with the average US pricing along with the Federal Funds Rate.  </a:t>
             </a:r>
           </a:p>
         </p:txBody>
       </p:sp>
+      <p:pic>
+        <p:nvPicPr>
+          <p:cNvPr id="28" name="Picture 27">
+            <a:extLst>
+              <a:ext uri="{FF2B5EF4-FFF2-40B4-BE49-F238E27FC236}">
+                <a16:creationId xmlns:a16="http://schemas.microsoft.com/office/drawing/2014/main" id="{3635D2BC-4EDA-4A3E-83BF-035608099BD5}"/>
+              </a:ext>
+              <a:ext uri="{C183D7F6-B498-43B3-948B-1728B52AA6E4}">
+                <adec:decorative xmlns:adec="http://schemas.microsoft.com/office/drawing/2017/decorative" val="1"/>
+              </a:ext>
+            </a:extLst>
+          </p:cNvPr>
+          <p:cNvPicPr>
+            <a:picLocks noGrp="1" noRot="1" noChangeAspect="1" noMove="1" noResize="1" noEditPoints="1" noAdjustHandles="1" noChangeArrowheads="1" noChangeShapeType="1" noCrop="1"/>
+          </p:cNvPicPr>
+          <p:nvPr>
+            <p:extLst>
+              <p:ext uri="{386F3935-93C4-4BCD-93E2-E3B085C9AB24}">
+                <p16:designElem xmlns:p16="http://schemas.microsoft.com/office/powerpoint/2015/main" val="1"/>
+              </p:ext>
+            </p:extLst>
+          </p:nvPr>
+        </p:nvPicPr>
+        <p:blipFill rotWithShape="1">
+          <a:blip r:embed="rId2">
+            <a:extLst>
+              <a:ext uri="{28A0092B-C50C-407E-A947-70E740481C1C}">
+                <a14:useLocalDpi xmlns:a14="http://schemas.microsoft.com/office/drawing/2010/main" val="0"/>
+              </a:ext>
+            </a:extLst>
+          </a:blip>
+          <a:srcRect t="1538" b="-1538"/>
+          <a:stretch/>
+        </p:blipFill>
+        <p:spPr bwMode="black">
+          <a:xfrm>
+            <a:off x="0" y="6126480"/>
+            <a:ext cx="12192000" cy="742950"/>
+          </a:xfrm>
+          <a:prstGeom prst="rect">
+            <a:avLst/>
+          </a:prstGeom>
+        </p:spPr>
+      </p:pic>
       <p:cxnSp>
         <p:nvCxnSpPr>
-          <p:cNvPr id="25" name="Straight Connector 24">
+          <p:cNvPr id="30" name="Straight Connector 29">
             <a:extLst>
               <a:ext uri="{FF2B5EF4-FFF2-40B4-BE49-F238E27FC236}">
-                <a16:creationId xmlns:a16="http://schemas.microsoft.com/office/drawing/2014/main" id="{65A72820-B696-4EB4-A62D-3F1E2E3EC4C3}"/>
+                <a16:creationId xmlns:a16="http://schemas.microsoft.com/office/drawing/2014/main" id="{A3C86EB9-7FA9-42F7-B348-A7FD17436A94}"/>
               </a:ext>
               <a:ext uri="{C183D7F6-B498-43B3-948B-1728B52AA6E4}">
                 <adec:decorative xmlns:adec="http://schemas.microsoft.com/office/drawing/2017/decorative" val="1"/>
@@ -8104,22 +7416,28 @@
         </p:nvCxnSpPr>
         <p:spPr>
           <a:xfrm>
-            <a:off x="1300525" y="4420075"/>
-            <a:ext cx="5303520" cy="0"/>
+            <a:off x="0" y="6128413"/>
+            <a:ext cx="12192000" cy="0"/>
           </a:xfrm>
           <a:prstGeom prst="line">
             <a:avLst/>
           </a:prstGeom>
-          <a:ln w="31750"/>
+          <a:ln w="12700">
+            <a:solidFill>
+              <a:srgbClr val="000001">
+                <a:alpha val="20000"/>
+              </a:srgbClr>
+            </a:solidFill>
+          </a:ln>
         </p:spPr>
         <p:style>
-          <a:lnRef idx="3">
+          <a:lnRef idx="1">
             <a:schemeClr val="accent1"/>
           </a:lnRef>
           <a:fillRef idx="0">
             <a:schemeClr val="accent1"/>
           </a:fillRef>
-          <a:effectRef idx="2">
+          <a:effectRef idx="0">
             <a:schemeClr val="accent1"/>
           </a:effectRef>
           <a:fontRef idx="minor">
@@ -8253,7 +7571,7 @@
             </a:gs>
           </a:gsLst>
           <a:path path="circle">
-            <a:fillToRect l="50000" t="50000" r="50000" b="50000"/>
+            <a:fillToRect l="43000" r="43000" b="100000"/>
           </a:path>
         </a:gradFill>
         <a:effectLst/>
@@ -8275,10 +7593,10 @@
       </p:grpSpPr>
       <p:sp>
         <p:nvSpPr>
-          <p:cNvPr id="20" name="Rectangle 7">
+          <p:cNvPr id="9" name="Rectangle 8">
             <a:extLst>
               <a:ext uri="{FF2B5EF4-FFF2-40B4-BE49-F238E27FC236}">
-                <a16:creationId xmlns:a16="http://schemas.microsoft.com/office/drawing/2014/main" id="{23522FE7-5A29-4EF6-B1EF-2CA55748A772}"/>
+                <a16:creationId xmlns:a16="http://schemas.microsoft.com/office/drawing/2014/main" id="{1CE580D1-F917-4567-AFB4-99AA9B52ADF0}"/>
               </a:ext>
               <a:ext uri="{C183D7F6-B498-43B3-948B-1728B52AA6E4}">
                 <adec:decorative xmlns:adec="http://schemas.microsoft.com/office/drawing/2017/decorative" val="1"/>
@@ -8348,10 +7666,10 @@
       </p:sp>
       <p:pic>
         <p:nvPicPr>
-          <p:cNvPr id="21" name="Picture 9">
+          <p:cNvPr id="11" name="Picture 10">
             <a:extLst>
               <a:ext uri="{FF2B5EF4-FFF2-40B4-BE49-F238E27FC236}">
-                <a16:creationId xmlns:a16="http://schemas.microsoft.com/office/drawing/2014/main" id="{C2192E09-EBC7-416C-B887-DFF915D7F43D}"/>
+                <a16:creationId xmlns:a16="http://schemas.microsoft.com/office/drawing/2014/main" id="{1F5620B8-A2D8-4568-B566-F0453A0D9167}"/>
               </a:ext>
               <a:ext uri="{C183D7F6-B498-43B3-948B-1728B52AA6E4}">
                 <adec:decorative xmlns:adec="http://schemas.microsoft.com/office/drawing/2017/decorative" val="1"/>
@@ -8392,10 +7710,10 @@
       </p:pic>
       <p:cxnSp>
         <p:nvCxnSpPr>
-          <p:cNvPr id="22" name="Straight Connector 11">
+          <p:cNvPr id="13" name="Straight Connector 12">
             <a:extLst>
               <a:ext uri="{FF2B5EF4-FFF2-40B4-BE49-F238E27FC236}">
-                <a16:creationId xmlns:a16="http://schemas.microsoft.com/office/drawing/2014/main" id="{2924498D-E084-44BE-A196-CFCE35564350}"/>
+                <a16:creationId xmlns:a16="http://schemas.microsoft.com/office/drawing/2014/main" id="{1C7D2BA4-4B7A-4596-8BCC-5CF715423894}"/>
               </a:ext>
               <a:ext uri="{C183D7F6-B498-43B3-948B-1728B52AA6E4}">
                 <adec:decorative xmlns:adec="http://schemas.microsoft.com/office/drawing/2017/decorative" val="1"/>
@@ -8446,10 +7764,10 @@
       </p:cxnSp>
       <p:cxnSp>
         <p:nvCxnSpPr>
-          <p:cNvPr id="23" name="Straight Connector 13">
+          <p:cNvPr id="15" name="Straight Connector 14">
             <a:extLst>
               <a:ext uri="{FF2B5EF4-FFF2-40B4-BE49-F238E27FC236}">
-                <a16:creationId xmlns:a16="http://schemas.microsoft.com/office/drawing/2014/main" id="{14C12901-9FCC-461E-A64A-89B4791235E9}"/>
+                <a16:creationId xmlns:a16="http://schemas.microsoft.com/office/drawing/2014/main" id="{4977F1E1-2B6F-4BB6-899F-67D8764D83C5}"/>
               </a:ext>
               <a:ext uri="{C183D7F6-B498-43B3-948B-1728B52AA6E4}">
                 <adec:decorative xmlns:adec="http://schemas.microsoft.com/office/drawing/2017/decorative" val="1"/>
@@ -8469,8 +7787,8 @@
         </p:nvCxnSpPr>
         <p:spPr>
           <a:xfrm>
-            <a:off x="1453896" y="1847088"/>
-            <a:ext cx="9607522" cy="0"/>
+            <a:off x="2417780" y="3528542"/>
+            <a:ext cx="8637072" cy="0"/>
           </a:xfrm>
           <a:prstGeom prst="line">
             <a:avLst/>
@@ -8494,10 +7812,10 @@
       </p:cxnSp>
       <p:sp useBgFill="1">
         <p:nvSpPr>
-          <p:cNvPr id="24" name="Rectangle 15">
+          <p:cNvPr id="17" name="Rectangle 16">
             <a:extLst>
               <a:ext uri="{FF2B5EF4-FFF2-40B4-BE49-F238E27FC236}">
-                <a16:creationId xmlns:a16="http://schemas.microsoft.com/office/drawing/2014/main" id="{F63C748C-967B-4A7B-A90F-3EDD0F485AC6}"/>
+                <a16:creationId xmlns:a16="http://schemas.microsoft.com/office/drawing/2014/main" id="{8D095B41-7312-4603-9F0F-93387C353134}"/>
               </a:ext>
               <a:ext uri="{C183D7F6-B498-43B3-948B-1728B52AA6E4}">
                 <adec:decorative xmlns:adec="http://schemas.microsoft.com/office/drawing/2017/decorative" val="1"/>
@@ -8517,7 +7835,7 @@
         </p:nvSpPr>
         <p:spPr>
           <a:xfrm>
-            <a:off x="303" y="0"/>
+            <a:off x="2" y="0"/>
             <a:ext cx="12191695" cy="6858000"/>
           </a:xfrm>
           <a:prstGeom prst="rect">
@@ -8552,12 +7870,50 @@
           </a:p>
         </p:txBody>
       </p:sp>
+      <p:pic>
+        <p:nvPicPr>
+          <p:cNvPr id="5" name="Picture 4" descr="Magnifying glass showing decling performance">
+            <a:extLst>
+              <a:ext uri="{FF2B5EF4-FFF2-40B4-BE49-F238E27FC236}">
+                <a16:creationId xmlns:a16="http://schemas.microsoft.com/office/drawing/2014/main" id="{FBF75CB6-91BE-BE21-CB4E-595FF66CDE8F}"/>
+              </a:ext>
+            </a:extLst>
+          </p:cNvPr>
+          <p:cNvPicPr>
+            <a:picLocks noChangeAspect="1"/>
+          </p:cNvPicPr>
+          <p:nvPr/>
+        </p:nvPicPr>
+        <p:blipFill rotWithShape="1">
+          <a:blip r:embed="rId3">
+            <a:duotone>
+              <a:schemeClr val="bg2">
+                <a:shade val="45000"/>
+                <a:satMod val="135000"/>
+              </a:schemeClr>
+              <a:prstClr val="white"/>
+            </a:duotone>
+            <a:alphaModFix amt="50000"/>
+          </a:blip>
+          <a:srcRect t="1219" r="-1" b="14509"/>
+          <a:stretch/>
+        </p:blipFill>
+        <p:spPr>
+          <a:xfrm>
+            <a:off x="305" y="10"/>
+            <a:ext cx="12191695" cy="6857990"/>
+          </a:xfrm>
+          <a:prstGeom prst="rect">
+            <a:avLst/>
+          </a:prstGeom>
+        </p:spPr>
+      </p:pic>
       <p:sp>
         <p:nvSpPr>
-          <p:cNvPr id="25" name="Rectangle 17">
+          <p:cNvPr id="19" name="Rectangle 18">
             <a:extLst>
               <a:ext uri="{FF2B5EF4-FFF2-40B4-BE49-F238E27FC236}">
-                <a16:creationId xmlns:a16="http://schemas.microsoft.com/office/drawing/2014/main" id="{C0143637-4934-44E4-B909-BAF1E7B27972}"/>
+                <a16:creationId xmlns:a16="http://schemas.microsoft.com/office/drawing/2014/main" id="{1042C936-444C-4F0D-9737-291EAFE1E7E4}"/>
               </a:ext>
               <a:ext uri="{C183D7F6-B498-43B3-948B-1728B52AA6E4}">
                 <adec:decorative xmlns:adec="http://schemas.microsoft.com/office/drawing/2017/decorative" val="1"/>
@@ -8577,12 +7933,28 @@
         </p:nvSpPr>
         <p:spPr>
           <a:xfrm>
-            <a:off x="0" y="-2"/>
-            <a:ext cx="4062127" cy="6858002"/>
+            <a:off x="0" y="2019476"/>
+            <a:ext cx="12192000" cy="4105941"/>
           </a:xfrm>
           <a:prstGeom prst="rect">
             <a:avLst/>
           </a:prstGeom>
+          <a:gradFill flip="none" rotWithShape="1">
+            <a:gsLst>
+              <a:gs pos="0">
+                <a:schemeClr val="bg2">
+                  <a:alpha val="0"/>
+                </a:schemeClr>
+              </a:gs>
+              <a:gs pos="100000">
+                <a:schemeClr val="bg2">
+                  <a:alpha val="80000"/>
+                </a:schemeClr>
+              </a:gs>
+            </a:gsLst>
+            <a:lin ang="5400000" scaled="0"/>
+            <a:tileRect/>
+          </a:gradFill>
           <a:ln>
             <a:noFill/>
           </a:ln>
@@ -8630,27 +8002,26 @@
         </p:nvSpPr>
         <p:spPr>
           <a:xfrm>
-            <a:off x="849683" y="1240076"/>
-            <a:ext cx="2727813" cy="4584527"/>
+            <a:off x="2417779" y="802298"/>
+            <a:ext cx="8637073" cy="2541431"/>
           </a:xfrm>
         </p:spPr>
         <p:txBody>
-          <a:bodyPr vert="horz" lIns="91440" tIns="45720" rIns="91440" bIns="45720" rtlCol="0" anchor="t">
+          <a:bodyPr vert="horz" lIns="91440" tIns="45720" rIns="91440" bIns="0" rtlCol="0" anchor="b">
             <a:normAutofit/>
           </a:bodyPr>
           <a:lstStyle/>
           <a:p>
             <a:r>
-              <a:rPr lang="en-US" b="0" i="0" kern="1200" cap="all" dirty="0">
-                <a:solidFill>
-                  <a:srgbClr val="FFFFFF"/>
-                </a:solidFill>
-                <a:effectLst/>
-                <a:latin typeface="+mj-lt"/>
-                <a:ea typeface="+mj-ea"/>
-                <a:cs typeface="+mj-cs"/>
-              </a:rPr>
-              <a:t>Data cleaning Process</a:t>
+              <a:rPr lang="en-US" sz="4400" dirty="0"/>
+              <a:t>Data merging &amp; </a:t>
+            </a:r>
+            <a:br>
+              <a:rPr lang="en-US" sz="4400" dirty="0"/>
+            </a:br>
+            <a:r>
+              <a:rPr lang="en-US" sz="4400" dirty="0"/>
+              <a:t>Formatting Process</a:t>
             </a:r>
           </a:p>
         </p:txBody>
@@ -8673,23 +8044,172 @@
         </p:nvSpPr>
         <p:spPr>
           <a:xfrm>
-            <a:off x="4705594" y="1240077"/>
-            <a:ext cx="6034827" cy="4916465"/>
+            <a:off x="2417780" y="3531204"/>
+            <a:ext cx="8637072" cy="977621"/>
           </a:xfrm>
         </p:spPr>
         <p:txBody>
-          <a:bodyPr vert="horz" lIns="91440" tIns="45720" rIns="91440" bIns="45720" rtlCol="0" anchor="t" anchorCtr="0">
+          <a:bodyPr vert="horz" lIns="91440" tIns="91440" rIns="91440" bIns="91440" rtlCol="0" anchorCtr="0">
             <a:normAutofit/>
           </a:bodyPr>
           <a:lstStyle/>
           <a:p>
+            <a:pPr marL="0" indent="0">
+              <a:buNone/>
+            </a:pPr>
             <a:r>
-              <a:rPr lang="en-US" dirty="0"/>
+              <a:rPr lang="en-US" sz="1800" cap="all" dirty="0"/>
               <a:t>After gathering the different sources of data</a:t>
             </a:r>
           </a:p>
         </p:txBody>
       </p:sp>
+      <p:cxnSp>
+        <p:nvCxnSpPr>
+          <p:cNvPr id="21" name="Straight Connector 20">
+            <a:extLst>
+              <a:ext uri="{FF2B5EF4-FFF2-40B4-BE49-F238E27FC236}">
+                <a16:creationId xmlns:a16="http://schemas.microsoft.com/office/drawing/2014/main" id="{B61C4D9F-F4AF-4ED2-9310-56EB2E19C084}"/>
+              </a:ext>
+              <a:ext uri="{C183D7F6-B498-43B3-948B-1728B52AA6E4}">
+                <adec:decorative xmlns:adec="http://schemas.microsoft.com/office/drawing/2017/decorative" val="1"/>
+              </a:ext>
+            </a:extLst>
+          </p:cNvPr>
+          <p:cNvCxnSpPr>
+            <a:cxnSpLocks noGrp="1" noRot="1" noChangeAspect="1" noMove="1" noResize="1" noEditPoints="1" noAdjustHandles="1" noChangeArrowheads="1" noChangeShapeType="1"/>
+          </p:cNvCxnSpPr>
+          <p:nvPr>
+            <p:extLst>
+              <p:ext uri="{386F3935-93C4-4BCD-93E2-E3B085C9AB24}">
+                <p16:designElem xmlns:p16="http://schemas.microsoft.com/office/powerpoint/2015/main" val="1"/>
+              </p:ext>
+            </p:extLst>
+          </p:nvPr>
+        </p:nvCxnSpPr>
+        <p:spPr>
+          <a:xfrm>
+            <a:off x="2417780" y="3528543"/>
+            <a:ext cx="8637072" cy="0"/>
+          </a:xfrm>
+          <a:prstGeom prst="line">
+            <a:avLst/>
+          </a:prstGeom>
+          <a:ln w="31750"/>
+        </p:spPr>
+        <p:style>
+          <a:lnRef idx="3">
+            <a:schemeClr val="accent1"/>
+          </a:lnRef>
+          <a:fillRef idx="0">
+            <a:schemeClr val="accent1"/>
+          </a:fillRef>
+          <a:effectRef idx="2">
+            <a:schemeClr val="accent1"/>
+          </a:effectRef>
+          <a:fontRef idx="minor">
+            <a:schemeClr val="tx1"/>
+          </a:fontRef>
+        </p:style>
+      </p:cxnSp>
+      <p:pic>
+        <p:nvPicPr>
+          <p:cNvPr id="23" name="Picture 22">
+            <a:extLst>
+              <a:ext uri="{FF2B5EF4-FFF2-40B4-BE49-F238E27FC236}">
+                <a16:creationId xmlns:a16="http://schemas.microsoft.com/office/drawing/2014/main" id="{419FDB25-3050-4009-9806-3000DDD1C083}"/>
+              </a:ext>
+              <a:ext uri="{C183D7F6-B498-43B3-948B-1728B52AA6E4}">
+                <adec:decorative xmlns:adec="http://schemas.microsoft.com/office/drawing/2017/decorative" val="1"/>
+              </a:ext>
+            </a:extLst>
+          </p:cNvPr>
+          <p:cNvPicPr>
+            <a:picLocks noGrp="1" noRot="1" noChangeAspect="1" noMove="1" noResize="1" noEditPoints="1" noAdjustHandles="1" noChangeArrowheads="1" noChangeShapeType="1" noCrop="1"/>
+          </p:cNvPicPr>
+          <p:nvPr>
+            <p:extLst>
+              <p:ext uri="{386F3935-93C4-4BCD-93E2-E3B085C9AB24}">
+                <p16:designElem xmlns:p16="http://schemas.microsoft.com/office/powerpoint/2015/main" val="1"/>
+              </p:ext>
+            </p:extLst>
+          </p:nvPr>
+        </p:nvPicPr>
+        <p:blipFill rotWithShape="1">
+          <a:blip r:embed="rId2">
+            <a:extLst>
+              <a:ext uri="{28A0092B-C50C-407E-A947-70E740481C1C}">
+                <a14:useLocalDpi xmlns:a14="http://schemas.microsoft.com/office/drawing/2010/main" val="0"/>
+              </a:ext>
+            </a:extLst>
+          </a:blip>
+          <a:srcRect t="1538" b="-1538"/>
+          <a:stretch/>
+        </p:blipFill>
+        <p:spPr bwMode="black">
+          <a:xfrm>
+            <a:off x="0" y="6126480"/>
+            <a:ext cx="12192000" cy="742950"/>
+          </a:xfrm>
+          <a:prstGeom prst="rect">
+            <a:avLst/>
+          </a:prstGeom>
+        </p:spPr>
+      </p:pic>
+      <p:cxnSp>
+        <p:nvCxnSpPr>
+          <p:cNvPr id="25" name="Straight Connector 24">
+            <a:extLst>
+              <a:ext uri="{FF2B5EF4-FFF2-40B4-BE49-F238E27FC236}">
+                <a16:creationId xmlns:a16="http://schemas.microsoft.com/office/drawing/2014/main" id="{8063EF0F-7BC0-4CFB-AB98-20A8DD91D70F}"/>
+              </a:ext>
+              <a:ext uri="{C183D7F6-B498-43B3-948B-1728B52AA6E4}">
+                <adec:decorative xmlns:adec="http://schemas.microsoft.com/office/drawing/2017/decorative" val="1"/>
+              </a:ext>
+            </a:extLst>
+          </p:cNvPr>
+          <p:cNvCxnSpPr>
+            <a:cxnSpLocks noGrp="1" noRot="1" noChangeAspect="1" noMove="1" noResize="1" noEditPoints="1" noAdjustHandles="1" noChangeArrowheads="1" noChangeShapeType="1"/>
+          </p:cNvCxnSpPr>
+          <p:nvPr>
+            <p:extLst>
+              <p:ext uri="{386F3935-93C4-4BCD-93E2-E3B085C9AB24}">
+                <p16:designElem xmlns:p16="http://schemas.microsoft.com/office/powerpoint/2015/main" val="1"/>
+              </p:ext>
+            </p:extLst>
+          </p:nvPr>
+        </p:nvCxnSpPr>
+        <p:spPr>
+          <a:xfrm>
+            <a:off x="0" y="6128413"/>
+            <a:ext cx="12192000" cy="0"/>
+          </a:xfrm>
+          <a:prstGeom prst="line">
+            <a:avLst/>
+          </a:prstGeom>
+          <a:ln w="12700">
+            <a:solidFill>
+              <a:srgbClr val="000001">
+                <a:alpha val="20000"/>
+              </a:srgbClr>
+            </a:solidFill>
+          </a:ln>
+        </p:spPr>
+        <p:style>
+          <a:lnRef idx="1">
+            <a:schemeClr val="accent1"/>
+          </a:lnRef>
+          <a:fillRef idx="0">
+            <a:schemeClr val="accent1"/>
+          </a:fillRef>
+          <a:effectRef idx="0">
+            <a:schemeClr val="accent1"/>
+          </a:effectRef>
+          <a:fontRef idx="minor">
+            <a:schemeClr val="tx1"/>
+          </a:fontRef>
+        </p:style>
+      </p:cxnSp>
     </p:spTree>
     <p:extLst>
       <p:ext uri="{BB962C8B-B14F-4D97-AF65-F5344CB8AC3E}">
@@ -8700,6 +8220,98 @@
   <p:clrMapOvr>
     <a:masterClrMapping/>
   </p:clrMapOvr>
+  <p:timing>
+    <p:tnLst>
+      <p:par>
+        <p:cTn id="1" dur="indefinite" restart="never" nodeType="tmRoot">
+          <p:childTnLst>
+            <p:seq concurrent="1" nextAc="seek">
+              <p:cTn id="2" dur="indefinite" nodeType="mainSeq">
+                <p:childTnLst>
+                  <p:par>
+                    <p:cTn id="3" fill="hold">
+                      <p:stCondLst>
+                        <p:cond delay="indefinite"/>
+                        <p:cond evt="onBegin" delay="0">
+                          <p:tn val="2"/>
+                        </p:cond>
+                      </p:stCondLst>
+                      <p:childTnLst>
+                        <p:par>
+                          <p:cTn id="4" fill="hold">
+                            <p:stCondLst>
+                              <p:cond delay="0"/>
+                            </p:stCondLst>
+                            <p:childTnLst>
+                              <p:par>
+                                <p:cTn id="5" presetID="10" presetClass="entr" presetSubtype="0" fill="hold" grpId="0" nodeType="withEffect">
+                                  <p:stCondLst>
+                                    <p:cond delay="1000"/>
+                                  </p:stCondLst>
+                                  <p:iterate>
+                                    <p:tmPct val="10000"/>
+                                  </p:iterate>
+                                  <p:childTnLst>
+                                    <p:set>
+                                      <p:cBhvr>
+                                        <p:cTn id="6" dur="1" fill="hold">
+                                          <p:stCondLst>
+                                            <p:cond delay="0"/>
+                                          </p:stCondLst>
+                                        </p:cTn>
+                                        <p:tgtEl>
+                                          <p:spTgt spid="2"/>
+                                        </p:tgtEl>
+                                        <p:attrNameLst>
+                                          <p:attrName>style.visibility</p:attrName>
+                                        </p:attrNameLst>
+                                      </p:cBhvr>
+                                      <p:to>
+                                        <p:strVal val="visible"/>
+                                      </p:to>
+                                    </p:set>
+                                    <p:animEffect transition="in" filter="fade">
+                                      <p:cBhvr>
+                                        <p:cTn id="7" dur="700"/>
+                                        <p:tgtEl>
+                                          <p:spTgt spid="2"/>
+                                        </p:tgtEl>
+                                      </p:cBhvr>
+                                    </p:animEffect>
+                                  </p:childTnLst>
+                                </p:cTn>
+                              </p:par>
+                            </p:childTnLst>
+                          </p:cTn>
+                        </p:par>
+                      </p:childTnLst>
+                    </p:cTn>
+                  </p:par>
+                </p:childTnLst>
+              </p:cTn>
+              <p:prevCondLst>
+                <p:cond evt="onPrev" delay="0">
+                  <p:tgtEl>
+                    <p:sldTgt/>
+                  </p:tgtEl>
+                </p:cond>
+              </p:prevCondLst>
+              <p:nextCondLst>
+                <p:cond evt="onNext" delay="0">
+                  <p:tgtEl>
+                    <p:sldTgt/>
+                  </p:tgtEl>
+                </p:cond>
+              </p:nextCondLst>
+            </p:seq>
+          </p:childTnLst>
+        </p:cTn>
+      </p:par>
+    </p:tnLst>
+    <p:bldLst>
+      <p:bldP spid="2" grpId="0"/>
+    </p:bldLst>
+  </p:timing>
 </p:sld>
 </file>
 
@@ -8743,7 +8355,7 @@
           <a:p>
             <a:r>
               <a:rPr lang="en-US" dirty="0"/>
-              <a:t>Fixing data</a:t>
+              <a:t>Modification of data</a:t>
             </a:r>
           </a:p>
         </p:txBody>
@@ -8844,359 +8456,6 @@
       </p:grpSpPr>
       <p:sp>
         <p:nvSpPr>
-          <p:cNvPr id="8" name="Rectangle 7">
-            <a:extLst>
-              <a:ext uri="{FF2B5EF4-FFF2-40B4-BE49-F238E27FC236}">
-                <a16:creationId xmlns:a16="http://schemas.microsoft.com/office/drawing/2014/main" id="{23522FE7-5A29-4EF6-B1EF-2CA55748A772}"/>
-              </a:ext>
-              <a:ext uri="{C183D7F6-B498-43B3-948B-1728B52AA6E4}">
-                <adec:decorative xmlns:adec="http://schemas.microsoft.com/office/drawing/2017/decorative" val="1"/>
-              </a:ext>
-            </a:extLst>
-          </p:cNvPr>
-          <p:cNvSpPr>
-            <a:spLocks noGrp="1" noRot="1" noChangeAspect="1" noMove="1" noResize="1" noEditPoints="1" noAdjustHandles="1" noChangeArrowheads="1" noChangeShapeType="1" noTextEdit="1"/>
-          </p:cNvSpPr>
-          <p:nvPr>
-            <p:extLst>
-              <p:ext uri="{386F3935-93C4-4BCD-93E2-E3B085C9AB24}">
-                <p16:designElem xmlns:p16="http://schemas.microsoft.com/office/powerpoint/2015/main" val="1"/>
-              </p:ext>
-            </p:extLst>
-          </p:nvPr>
-        </p:nvSpPr>
-        <p:spPr>
-          <a:xfrm>
-            <a:off x="0" y="2019476"/>
-            <a:ext cx="12192000" cy="4105941"/>
-          </a:xfrm>
-          <a:prstGeom prst="rect">
-            <a:avLst/>
-          </a:prstGeom>
-          <a:gradFill flip="none" rotWithShape="1">
-            <a:gsLst>
-              <a:gs pos="0">
-                <a:schemeClr val="bg2">
-                  <a:alpha val="0"/>
-                </a:schemeClr>
-              </a:gs>
-              <a:gs pos="100000">
-                <a:schemeClr val="bg2"/>
-              </a:gs>
-            </a:gsLst>
-            <a:lin ang="5400000" scaled="0"/>
-            <a:tileRect/>
-          </a:gradFill>
-          <a:ln>
-            <a:noFill/>
-          </a:ln>
-        </p:spPr>
-        <p:style>
-          <a:lnRef idx="2">
-            <a:schemeClr val="accent1">
-              <a:shade val="50000"/>
-            </a:schemeClr>
-          </a:lnRef>
-          <a:fillRef idx="1">
-            <a:schemeClr val="accent1"/>
-          </a:fillRef>
-          <a:effectRef idx="0">
-            <a:schemeClr val="accent1"/>
-          </a:effectRef>
-          <a:fontRef idx="minor">
-            <a:schemeClr val="lt1"/>
-          </a:fontRef>
-        </p:style>
-        <p:txBody>
-          <a:bodyPr/>
-          <a:lstStyle/>
-          <a:p>
-            <a:endParaRPr lang="en-US"/>
-          </a:p>
-        </p:txBody>
-      </p:sp>
-      <p:pic>
-        <p:nvPicPr>
-          <p:cNvPr id="10" name="Picture 9">
-            <a:extLst>
-              <a:ext uri="{FF2B5EF4-FFF2-40B4-BE49-F238E27FC236}">
-                <a16:creationId xmlns:a16="http://schemas.microsoft.com/office/drawing/2014/main" id="{C2192E09-EBC7-416C-B887-DFF915D7F43D}"/>
-              </a:ext>
-              <a:ext uri="{C183D7F6-B498-43B3-948B-1728B52AA6E4}">
-                <adec:decorative xmlns:adec="http://schemas.microsoft.com/office/drawing/2017/decorative" val="1"/>
-              </a:ext>
-            </a:extLst>
-          </p:cNvPr>
-          <p:cNvPicPr>
-            <a:picLocks noGrp="1" noRot="1" noChangeAspect="1" noMove="1" noResize="1" noEditPoints="1" noAdjustHandles="1" noChangeArrowheads="1" noChangeShapeType="1" noCrop="1"/>
-          </p:cNvPicPr>
-          <p:nvPr>
-            <p:extLst>
-              <p:ext uri="{386F3935-93C4-4BCD-93E2-E3B085C9AB24}">
-                <p16:designElem xmlns:p16="http://schemas.microsoft.com/office/powerpoint/2015/main" val="1"/>
-              </p:ext>
-            </p:extLst>
-          </p:nvPr>
-        </p:nvPicPr>
-        <p:blipFill rotWithShape="1">
-          <a:blip r:embed="rId2">
-            <a:extLst>
-              <a:ext uri="{28A0092B-C50C-407E-A947-70E740481C1C}">
-                <a14:useLocalDpi xmlns:a14="http://schemas.microsoft.com/office/drawing/2010/main" val="0"/>
-              </a:ext>
-            </a:extLst>
-          </a:blip>
-          <a:srcRect t="1538" b="-1538"/>
-          <a:stretch/>
-        </p:blipFill>
-        <p:spPr bwMode="black">
-          <a:xfrm>
-            <a:off x="0" y="6126480"/>
-            <a:ext cx="12192000" cy="742950"/>
-          </a:xfrm>
-          <a:prstGeom prst="rect">
-            <a:avLst/>
-          </a:prstGeom>
-        </p:spPr>
-      </p:pic>
-      <p:cxnSp>
-        <p:nvCxnSpPr>
-          <p:cNvPr id="12" name="Straight Connector 11">
-            <a:extLst>
-              <a:ext uri="{FF2B5EF4-FFF2-40B4-BE49-F238E27FC236}">
-                <a16:creationId xmlns:a16="http://schemas.microsoft.com/office/drawing/2014/main" id="{2924498D-E084-44BE-A196-CFCE35564350}"/>
-              </a:ext>
-              <a:ext uri="{C183D7F6-B498-43B3-948B-1728B52AA6E4}">
-                <adec:decorative xmlns:adec="http://schemas.microsoft.com/office/drawing/2017/decorative" val="1"/>
-              </a:ext>
-            </a:extLst>
-          </p:cNvPr>
-          <p:cNvCxnSpPr>
-            <a:cxnSpLocks noGrp="1" noRot="1" noChangeAspect="1" noMove="1" noResize="1" noEditPoints="1" noAdjustHandles="1" noChangeArrowheads="1" noChangeShapeType="1"/>
-          </p:cNvCxnSpPr>
-          <p:nvPr>
-            <p:extLst>
-              <p:ext uri="{386F3935-93C4-4BCD-93E2-E3B085C9AB24}">
-                <p16:designElem xmlns:p16="http://schemas.microsoft.com/office/powerpoint/2015/main" val="1"/>
-              </p:ext>
-            </p:extLst>
-          </p:nvPr>
-        </p:nvCxnSpPr>
-        <p:spPr>
-          <a:xfrm>
-            <a:off x="0" y="6128413"/>
-            <a:ext cx="12192000" cy="0"/>
-          </a:xfrm>
-          <a:prstGeom prst="line">
-            <a:avLst/>
-          </a:prstGeom>
-          <a:ln w="12700">
-            <a:solidFill>
-              <a:srgbClr val="000001">
-                <a:alpha val="20000"/>
-              </a:srgbClr>
-            </a:solidFill>
-          </a:ln>
-        </p:spPr>
-        <p:style>
-          <a:lnRef idx="1">
-            <a:schemeClr val="accent1"/>
-          </a:lnRef>
-          <a:fillRef idx="0">
-            <a:schemeClr val="accent1"/>
-          </a:fillRef>
-          <a:effectRef idx="0">
-            <a:schemeClr val="accent1"/>
-          </a:effectRef>
-          <a:fontRef idx="minor">
-            <a:schemeClr val="tx1"/>
-          </a:fontRef>
-        </p:style>
-      </p:cxnSp>
-      <p:cxnSp>
-        <p:nvCxnSpPr>
-          <p:cNvPr id="14" name="Straight Connector 13">
-            <a:extLst>
-              <a:ext uri="{FF2B5EF4-FFF2-40B4-BE49-F238E27FC236}">
-                <a16:creationId xmlns:a16="http://schemas.microsoft.com/office/drawing/2014/main" id="{3BBC7667-C352-4842-9AFD-E5C16AD002F4}"/>
-              </a:ext>
-              <a:ext uri="{C183D7F6-B498-43B3-948B-1728B52AA6E4}">
-                <adec:decorative xmlns:adec="http://schemas.microsoft.com/office/drawing/2017/decorative" val="1"/>
-              </a:ext>
-            </a:extLst>
-          </p:cNvPr>
-          <p:cNvCxnSpPr>
-            <a:cxnSpLocks noGrp="1" noRot="1" noChangeAspect="1" noMove="1" noResize="1" noEditPoints="1" noAdjustHandles="1" noChangeArrowheads="1" noChangeShapeType="1"/>
-          </p:cNvCxnSpPr>
-          <p:nvPr>
-            <p:extLst>
-              <p:ext uri="{386F3935-93C4-4BCD-93E2-E3B085C9AB24}">
-                <p16:designElem xmlns:p16="http://schemas.microsoft.com/office/powerpoint/2015/main" val="1"/>
-              </p:ext>
-            </p:extLst>
-          </p:nvPr>
-        </p:nvCxnSpPr>
-        <p:spPr>
-          <a:xfrm>
-            <a:off x="2417780" y="3528542"/>
-            <a:ext cx="8637072" cy="0"/>
-          </a:xfrm>
-          <a:prstGeom prst="line">
-            <a:avLst/>
-          </a:prstGeom>
-          <a:ln w="31750"/>
-        </p:spPr>
-        <p:style>
-          <a:lnRef idx="3">
-            <a:schemeClr val="accent1"/>
-          </a:lnRef>
-          <a:fillRef idx="0">
-            <a:schemeClr val="accent1"/>
-          </a:fillRef>
-          <a:effectRef idx="2">
-            <a:schemeClr val="accent1"/>
-          </a:effectRef>
-          <a:fontRef idx="minor">
-            <a:schemeClr val="tx1"/>
-          </a:fontRef>
-        </p:style>
-      </p:cxnSp>
-      <p:sp useBgFill="1">
-        <p:nvSpPr>
-          <p:cNvPr id="16" name="Rectangle 15">
-            <a:extLst>
-              <a:ext uri="{FF2B5EF4-FFF2-40B4-BE49-F238E27FC236}">
-                <a16:creationId xmlns:a16="http://schemas.microsoft.com/office/drawing/2014/main" id="{1EE485E7-7D6D-4CB0-A3AD-261D97B2EFEA}"/>
-              </a:ext>
-              <a:ext uri="{C183D7F6-B498-43B3-948B-1728B52AA6E4}">
-                <adec:decorative xmlns:adec="http://schemas.microsoft.com/office/drawing/2017/decorative" val="1"/>
-              </a:ext>
-            </a:extLst>
-          </p:cNvPr>
-          <p:cNvSpPr>
-            <a:spLocks noGrp="1" noRot="1" noChangeAspect="1" noMove="1" noResize="1" noEditPoints="1" noAdjustHandles="1" noChangeArrowheads="1" noChangeShapeType="1" noTextEdit="1"/>
-          </p:cNvSpPr>
-          <p:nvPr>
-            <p:extLst>
-              <p:ext uri="{386F3935-93C4-4BCD-93E2-E3B085C9AB24}">
-                <p16:designElem xmlns:p16="http://schemas.microsoft.com/office/powerpoint/2015/main" val="1"/>
-              </p:ext>
-            </p:extLst>
-          </p:nvPr>
-        </p:nvSpPr>
-        <p:spPr>
-          <a:xfrm>
-            <a:off x="2" y="0"/>
-            <a:ext cx="12191695" cy="6858000"/>
-          </a:xfrm>
-          <a:prstGeom prst="rect">
-            <a:avLst/>
-          </a:prstGeom>
-          <a:ln>
-            <a:noFill/>
-          </a:ln>
-        </p:spPr>
-        <p:style>
-          <a:lnRef idx="2">
-            <a:schemeClr val="accent1">
-              <a:shade val="50000"/>
-            </a:schemeClr>
-          </a:lnRef>
-          <a:fillRef idx="1">
-            <a:schemeClr val="accent1"/>
-          </a:fillRef>
-          <a:effectRef idx="0">
-            <a:schemeClr val="accent1"/>
-          </a:effectRef>
-          <a:fontRef idx="minor">
-            <a:schemeClr val="lt1"/>
-          </a:fontRef>
-        </p:style>
-        <p:txBody>
-          <a:bodyPr rtlCol="0" anchor="ctr"/>
-          <a:lstStyle/>
-          <a:p>
-            <a:pPr algn="ctr"/>
-            <a:endParaRPr lang="en-US"/>
-          </a:p>
-        </p:txBody>
-      </p:sp>
-      <p:sp>
-        <p:nvSpPr>
-          <p:cNvPr id="18" name="Rectangle 17">
-            <a:extLst>
-              <a:ext uri="{FF2B5EF4-FFF2-40B4-BE49-F238E27FC236}">
-                <a16:creationId xmlns:a16="http://schemas.microsoft.com/office/drawing/2014/main" id="{A55E3208-F0C4-4962-8946-065C94F89635}"/>
-              </a:ext>
-              <a:ext uri="{C183D7F6-B498-43B3-948B-1728B52AA6E4}">
-                <adec:decorative xmlns:adec="http://schemas.microsoft.com/office/drawing/2017/decorative" val="1"/>
-              </a:ext>
-            </a:extLst>
-          </p:cNvPr>
-          <p:cNvSpPr>
-            <a:spLocks noGrp="1" noRot="1" noChangeAspect="1" noMove="1" noResize="1" noEditPoints="1" noAdjustHandles="1" noChangeArrowheads="1" noChangeShapeType="1" noTextEdit="1"/>
-          </p:cNvSpPr>
-          <p:nvPr>
-            <p:extLst>
-              <p:ext uri="{386F3935-93C4-4BCD-93E2-E3B085C9AB24}">
-                <p16:designElem xmlns:p16="http://schemas.microsoft.com/office/powerpoint/2015/main" val="1"/>
-              </p:ext>
-            </p:extLst>
-          </p:nvPr>
-        </p:nvSpPr>
-        <p:spPr>
-          <a:xfrm>
-            <a:off x="0" y="2019476"/>
-            <a:ext cx="12192000" cy="4105941"/>
-          </a:xfrm>
-          <a:prstGeom prst="rect">
-            <a:avLst/>
-          </a:prstGeom>
-          <a:gradFill flip="none" rotWithShape="1">
-            <a:gsLst>
-              <a:gs pos="0">
-                <a:schemeClr val="bg2">
-                  <a:alpha val="0"/>
-                </a:schemeClr>
-              </a:gs>
-              <a:gs pos="100000">
-                <a:schemeClr val="bg2"/>
-              </a:gs>
-            </a:gsLst>
-            <a:lin ang="5400000" scaled="0"/>
-            <a:tileRect/>
-          </a:gradFill>
-          <a:ln>
-            <a:noFill/>
-          </a:ln>
-        </p:spPr>
-        <p:style>
-          <a:lnRef idx="2">
-            <a:schemeClr val="accent1">
-              <a:shade val="50000"/>
-            </a:schemeClr>
-          </a:lnRef>
-          <a:fillRef idx="1">
-            <a:schemeClr val="accent1"/>
-          </a:fillRef>
-          <a:effectRef idx="0">
-            <a:schemeClr val="accent1"/>
-          </a:effectRef>
-          <a:fontRef idx="minor">
-            <a:schemeClr val="lt1"/>
-          </a:fontRef>
-        </p:style>
-        <p:txBody>
-          <a:bodyPr rtlCol="0" anchor="ctr"/>
-          <a:lstStyle/>
-          <a:p>
-            <a:pPr lvl="0" algn="ctr"/>
-            <a:endParaRPr lang="en-US" dirty="0"/>
-          </a:p>
-        </p:txBody>
-      </p:sp>
-      <p:sp>
-        <p:nvSpPr>
           <p:cNvPr id="2" name="Title 1">
             <a:extLst>
               <a:ext uri="{FF2B5EF4-FFF2-40B4-BE49-F238E27FC236}">
@@ -9275,152 +8534,6 @@
           </a:p>
         </p:txBody>
       </p:sp>
-      <p:cxnSp>
-        <p:nvCxnSpPr>
-          <p:cNvPr id="20" name="Straight Connector 19">
-            <a:extLst>
-              <a:ext uri="{FF2B5EF4-FFF2-40B4-BE49-F238E27FC236}">
-                <a16:creationId xmlns:a16="http://schemas.microsoft.com/office/drawing/2014/main" id="{4FAE17D3-C2DC-4665-AF20-33C5BACD5E01}"/>
-              </a:ext>
-              <a:ext uri="{C183D7F6-B498-43B3-948B-1728B52AA6E4}">
-                <adec:decorative xmlns:adec="http://schemas.microsoft.com/office/drawing/2017/decorative" val="1"/>
-              </a:ext>
-            </a:extLst>
-          </p:cNvPr>
-          <p:cNvCxnSpPr>
-            <a:cxnSpLocks noGrp="1" noRot="1" noChangeAspect="1" noMove="1" noResize="1" noEditPoints="1" noAdjustHandles="1" noChangeArrowheads="1" noChangeShapeType="1"/>
-          </p:cNvCxnSpPr>
-          <p:nvPr>
-            <p:extLst>
-              <p:ext uri="{386F3935-93C4-4BCD-93E2-E3B085C9AB24}">
-                <p16:designElem xmlns:p16="http://schemas.microsoft.com/office/powerpoint/2015/main" val="1"/>
-              </p:ext>
-            </p:extLst>
-          </p:nvPr>
-        </p:nvCxnSpPr>
-        <p:spPr>
-          <a:xfrm>
-            <a:off x="4654296" y="1375124"/>
-            <a:ext cx="0" cy="3017520"/>
-          </a:xfrm>
-          <a:prstGeom prst="line">
-            <a:avLst/>
-          </a:prstGeom>
-          <a:ln w="31750"/>
-        </p:spPr>
-        <p:style>
-          <a:lnRef idx="1">
-            <a:schemeClr val="accent1"/>
-          </a:lnRef>
-          <a:fillRef idx="0">
-            <a:schemeClr val="accent1"/>
-          </a:fillRef>
-          <a:effectRef idx="0">
-            <a:schemeClr val="accent1"/>
-          </a:effectRef>
-          <a:fontRef idx="minor">
-            <a:schemeClr val="tx1"/>
-          </a:fontRef>
-        </p:style>
-      </p:cxnSp>
-      <p:pic>
-        <p:nvPicPr>
-          <p:cNvPr id="22" name="Picture 21">
-            <a:extLst>
-              <a:ext uri="{FF2B5EF4-FFF2-40B4-BE49-F238E27FC236}">
-                <a16:creationId xmlns:a16="http://schemas.microsoft.com/office/drawing/2014/main" id="{7021C573-B3FF-44B8-A5DE-AB39E9AA6B96}"/>
-              </a:ext>
-              <a:ext uri="{C183D7F6-B498-43B3-948B-1728B52AA6E4}">
-                <adec:decorative xmlns:adec="http://schemas.microsoft.com/office/drawing/2017/decorative" val="1"/>
-              </a:ext>
-            </a:extLst>
-          </p:cNvPr>
-          <p:cNvPicPr>
-            <a:picLocks noGrp="1" noRot="1" noChangeAspect="1" noMove="1" noResize="1" noEditPoints="1" noAdjustHandles="1" noChangeArrowheads="1" noChangeShapeType="1" noCrop="1"/>
-          </p:cNvPicPr>
-          <p:nvPr>
-            <p:extLst>
-              <p:ext uri="{386F3935-93C4-4BCD-93E2-E3B085C9AB24}">
-                <p16:designElem xmlns:p16="http://schemas.microsoft.com/office/powerpoint/2015/main" val="1"/>
-              </p:ext>
-            </p:extLst>
-          </p:nvPr>
-        </p:nvPicPr>
-        <p:blipFill rotWithShape="1">
-          <a:blip r:embed="rId2">
-            <a:extLst>
-              <a:ext uri="{28A0092B-C50C-407E-A947-70E740481C1C}">
-                <a14:useLocalDpi xmlns:a14="http://schemas.microsoft.com/office/drawing/2010/main" val="0"/>
-              </a:ext>
-            </a:extLst>
-          </a:blip>
-          <a:srcRect t="1538" b="-1538"/>
-          <a:stretch/>
-        </p:blipFill>
-        <p:spPr bwMode="black">
-          <a:xfrm>
-            <a:off x="0" y="6126480"/>
-            <a:ext cx="12192000" cy="742950"/>
-          </a:xfrm>
-          <a:prstGeom prst="rect">
-            <a:avLst/>
-          </a:prstGeom>
-        </p:spPr>
-      </p:pic>
-      <p:cxnSp>
-        <p:nvCxnSpPr>
-          <p:cNvPr id="24" name="Straight Connector 23">
-            <a:extLst>
-              <a:ext uri="{FF2B5EF4-FFF2-40B4-BE49-F238E27FC236}">
-                <a16:creationId xmlns:a16="http://schemas.microsoft.com/office/drawing/2014/main" id="{50B0CCD4-E9B0-43B2-806F-05EDF57A7628}"/>
-              </a:ext>
-              <a:ext uri="{C183D7F6-B498-43B3-948B-1728B52AA6E4}">
-                <adec:decorative xmlns:adec="http://schemas.microsoft.com/office/drawing/2017/decorative" val="1"/>
-              </a:ext>
-            </a:extLst>
-          </p:cNvPr>
-          <p:cNvCxnSpPr>
-            <a:cxnSpLocks noGrp="1" noRot="1" noChangeAspect="1" noMove="1" noResize="1" noEditPoints="1" noAdjustHandles="1" noChangeArrowheads="1" noChangeShapeType="1"/>
-          </p:cNvCxnSpPr>
-          <p:nvPr>
-            <p:extLst>
-              <p:ext uri="{386F3935-93C4-4BCD-93E2-E3B085C9AB24}">
-                <p16:designElem xmlns:p16="http://schemas.microsoft.com/office/powerpoint/2015/main" val="1"/>
-              </p:ext>
-            </p:extLst>
-          </p:nvPr>
-        </p:nvCxnSpPr>
-        <p:spPr>
-          <a:xfrm>
-            <a:off x="0" y="6128413"/>
-            <a:ext cx="12192000" cy="0"/>
-          </a:xfrm>
-          <a:prstGeom prst="line">
-            <a:avLst/>
-          </a:prstGeom>
-          <a:ln w="12700">
-            <a:solidFill>
-              <a:srgbClr val="000001">
-                <a:alpha val="20000"/>
-              </a:srgbClr>
-            </a:solidFill>
-          </a:ln>
-        </p:spPr>
-        <p:style>
-          <a:lnRef idx="1">
-            <a:schemeClr val="accent1"/>
-          </a:lnRef>
-          <a:fillRef idx="0">
-            <a:schemeClr val="accent1"/>
-          </a:fillRef>
-          <a:effectRef idx="0">
-            <a:schemeClr val="accent1"/>
-          </a:effectRef>
-          <a:fontRef idx="minor">
-            <a:schemeClr val="tx1"/>
-          </a:fontRef>
-        </p:style>
-      </p:cxnSp>
     </p:spTree>
     <p:extLst>
       <p:ext uri="{BB962C8B-B14F-4D97-AF65-F5344CB8AC3E}">
@@ -9534,20 +8647,20 @@
         <a:gradFill rotWithShape="1">
           <a:gsLst>
             <a:gs pos="0">
-              <a:schemeClr val="bg1">
+              <a:schemeClr val="bg2">
                 <a:tint val="94000"/>
                 <a:satMod val="80000"/>
                 <a:lumMod val="106000"/>
               </a:schemeClr>
             </a:gs>
             <a:gs pos="100000">
-              <a:schemeClr val="bg1">
+              <a:schemeClr val="bg2">
                 <a:shade val="80000"/>
               </a:schemeClr>
             </a:gs>
           </a:gsLst>
           <a:path path="circle">
-            <a:fillToRect l="50000" t="50000" r="50000" b="50000"/>
+            <a:fillToRect l="43000" r="43000" b="100000"/>
           </a:path>
         </a:gradFill>
         <a:effectLst/>
@@ -9569,10 +8682,10 @@
       </p:grpSpPr>
       <p:sp>
         <p:nvSpPr>
-          <p:cNvPr id="8" name="Rectangle 7">
+          <p:cNvPr id="13" name="Rectangle 12">
             <a:extLst>
               <a:ext uri="{FF2B5EF4-FFF2-40B4-BE49-F238E27FC236}">
-                <a16:creationId xmlns:a16="http://schemas.microsoft.com/office/drawing/2014/main" id="{23522FE7-5A29-4EF6-B1EF-2CA55748A772}"/>
+                <a16:creationId xmlns:a16="http://schemas.microsoft.com/office/drawing/2014/main" id="{1CE580D1-F917-4567-AFB4-99AA9B52ADF0}"/>
               </a:ext>
               <a:ext uri="{C183D7F6-B498-43B3-948B-1728B52AA6E4}">
                 <adec:decorative xmlns:adec="http://schemas.microsoft.com/office/drawing/2017/decorative" val="1"/>
@@ -9642,10 +8755,10 @@
       </p:sp>
       <p:pic>
         <p:nvPicPr>
-          <p:cNvPr id="10" name="Picture 9">
+          <p:cNvPr id="15" name="Picture 14">
             <a:extLst>
               <a:ext uri="{FF2B5EF4-FFF2-40B4-BE49-F238E27FC236}">
-                <a16:creationId xmlns:a16="http://schemas.microsoft.com/office/drawing/2014/main" id="{C2192E09-EBC7-416C-B887-DFF915D7F43D}"/>
+                <a16:creationId xmlns:a16="http://schemas.microsoft.com/office/drawing/2014/main" id="{1F5620B8-A2D8-4568-B566-F0453A0D9167}"/>
               </a:ext>
               <a:ext uri="{C183D7F6-B498-43B3-948B-1728B52AA6E4}">
                 <adec:decorative xmlns:adec="http://schemas.microsoft.com/office/drawing/2017/decorative" val="1"/>
@@ -9686,10 +8799,10 @@
       </p:pic>
       <p:cxnSp>
         <p:nvCxnSpPr>
-          <p:cNvPr id="12" name="Straight Connector 11">
+          <p:cNvPr id="17" name="Straight Connector 16">
             <a:extLst>
               <a:ext uri="{FF2B5EF4-FFF2-40B4-BE49-F238E27FC236}">
-                <a16:creationId xmlns:a16="http://schemas.microsoft.com/office/drawing/2014/main" id="{2924498D-E084-44BE-A196-CFCE35564350}"/>
+                <a16:creationId xmlns:a16="http://schemas.microsoft.com/office/drawing/2014/main" id="{1C7D2BA4-4B7A-4596-8BCC-5CF715423894}"/>
               </a:ext>
               <a:ext uri="{C183D7F6-B498-43B3-948B-1728B52AA6E4}">
                 <adec:decorative xmlns:adec="http://schemas.microsoft.com/office/drawing/2017/decorative" val="1"/>
@@ -9740,10 +8853,10 @@
       </p:cxnSp>
       <p:cxnSp>
         <p:nvCxnSpPr>
-          <p:cNvPr id="14" name="Straight Connector 13">
+          <p:cNvPr id="19" name="Straight Connector 18">
             <a:extLst>
               <a:ext uri="{FF2B5EF4-FFF2-40B4-BE49-F238E27FC236}">
-                <a16:creationId xmlns:a16="http://schemas.microsoft.com/office/drawing/2014/main" id="{14C12901-9FCC-461E-A64A-89B4791235E9}"/>
+                <a16:creationId xmlns:a16="http://schemas.microsoft.com/office/drawing/2014/main" id="{C9D4B225-18E9-4C5B-94D8-2ABE6D161E4A}"/>
               </a:ext>
               <a:ext uri="{C183D7F6-B498-43B3-948B-1728B52AA6E4}">
                 <adec:decorative xmlns:adec="http://schemas.microsoft.com/office/drawing/2017/decorative" val="1"/>
@@ -9786,6 +8899,1052 @@
           </a:fontRef>
         </p:style>
       </p:cxnSp>
+      <p:sp useBgFill="1">
+        <p:nvSpPr>
+          <p:cNvPr id="21" name="Rectangle 20">
+            <a:extLst>
+              <a:ext uri="{FF2B5EF4-FFF2-40B4-BE49-F238E27FC236}">
+                <a16:creationId xmlns:a16="http://schemas.microsoft.com/office/drawing/2014/main" id="{021A4066-B261-49FE-952E-A0FE3EE75CD2}"/>
+              </a:ext>
+              <a:ext uri="{C183D7F6-B498-43B3-948B-1728B52AA6E4}">
+                <adec:decorative xmlns:adec="http://schemas.microsoft.com/office/drawing/2017/decorative" val="1"/>
+              </a:ext>
+            </a:extLst>
+          </p:cNvPr>
+          <p:cNvSpPr>
+            <a:spLocks noGrp="1" noRot="1" noChangeAspect="1" noMove="1" noResize="1" noEditPoints="1" noAdjustHandles="1" noChangeArrowheads="1" noChangeShapeType="1" noTextEdit="1"/>
+          </p:cNvSpPr>
+          <p:nvPr>
+            <p:extLst>
+              <p:ext uri="{386F3935-93C4-4BCD-93E2-E3B085C9AB24}">
+                <p16:designElem xmlns:p16="http://schemas.microsoft.com/office/powerpoint/2015/main" val="1"/>
+              </p:ext>
+            </p:extLst>
+          </p:nvPr>
+        </p:nvSpPr>
+        <p:spPr>
+          <a:xfrm>
+            <a:off x="2" y="0"/>
+            <a:ext cx="12191695" cy="6858000"/>
+          </a:xfrm>
+          <a:prstGeom prst="rect">
+            <a:avLst/>
+          </a:prstGeom>
+          <a:ln>
+            <a:noFill/>
+          </a:ln>
+        </p:spPr>
+        <p:style>
+          <a:lnRef idx="2">
+            <a:schemeClr val="accent1">
+              <a:shade val="50000"/>
+            </a:schemeClr>
+          </a:lnRef>
+          <a:fillRef idx="1">
+            <a:schemeClr val="accent1"/>
+          </a:fillRef>
+          <a:effectRef idx="0">
+            <a:schemeClr val="accent1"/>
+          </a:effectRef>
+          <a:fontRef idx="minor">
+            <a:schemeClr val="lt1"/>
+          </a:fontRef>
+        </p:style>
+        <p:txBody>
+          <a:bodyPr rtlCol="0" anchor="ctr"/>
+          <a:lstStyle/>
+          <a:p>
+            <a:pPr algn="ctr"/>
+            <a:endParaRPr lang="en-US"/>
+          </a:p>
+        </p:txBody>
+      </p:sp>
+      <p:cxnSp>
+        <p:nvCxnSpPr>
+          <p:cNvPr id="23" name="Straight Connector 22">
+            <a:extLst>
+              <a:ext uri="{FF2B5EF4-FFF2-40B4-BE49-F238E27FC236}">
+                <a16:creationId xmlns:a16="http://schemas.microsoft.com/office/drawing/2014/main" id="{381B4579-E2EA-4BD7-94FF-0A0BEE135C6B}"/>
+              </a:ext>
+              <a:ext uri="{C183D7F6-B498-43B3-948B-1728B52AA6E4}">
+                <adec:decorative xmlns:adec="http://schemas.microsoft.com/office/drawing/2017/decorative" val="1"/>
+              </a:ext>
+            </a:extLst>
+          </p:cNvPr>
+          <p:cNvCxnSpPr>
+            <a:cxnSpLocks noGrp="1" noRot="1" noChangeAspect="1" noMove="1" noResize="1" noEditPoints="1" noAdjustHandles="1" noChangeArrowheads="1" noChangeShapeType="1"/>
+          </p:cNvCxnSpPr>
+          <p:nvPr>
+            <p:extLst>
+              <p:ext uri="{386F3935-93C4-4BCD-93E2-E3B085C9AB24}">
+                <p16:designElem xmlns:p16="http://schemas.microsoft.com/office/powerpoint/2015/main" val="1"/>
+              </p:ext>
+            </p:extLst>
+          </p:nvPr>
+        </p:nvCxnSpPr>
+        <p:spPr>
+          <a:xfrm>
+            <a:off x="1453896" y="1847088"/>
+            <a:ext cx="3530885" cy="0"/>
+          </a:xfrm>
+          <a:prstGeom prst="line">
+            <a:avLst/>
+          </a:prstGeom>
+          <a:ln w="31750"/>
+        </p:spPr>
+        <p:style>
+          <a:lnRef idx="3">
+            <a:schemeClr val="accent1"/>
+          </a:lnRef>
+          <a:fillRef idx="0">
+            <a:schemeClr val="accent1"/>
+          </a:fillRef>
+          <a:effectRef idx="2">
+            <a:schemeClr val="accent1"/>
+          </a:effectRef>
+          <a:fontRef idx="minor">
+            <a:schemeClr val="tx1"/>
+          </a:fontRef>
+        </p:style>
+      </p:cxnSp>
+      <p:sp>
+        <p:nvSpPr>
+          <p:cNvPr id="2" name="Title 1">
+            <a:extLst>
+              <a:ext uri="{FF2B5EF4-FFF2-40B4-BE49-F238E27FC236}">
+                <a16:creationId xmlns:a16="http://schemas.microsoft.com/office/drawing/2014/main" id="{94359E3C-B387-04D6-462F-F0383F4CC92F}"/>
+              </a:ext>
+            </a:extLst>
+          </p:cNvPr>
+          <p:cNvSpPr>
+            <a:spLocks noGrp="1"/>
+          </p:cNvSpPr>
+          <p:nvPr>
+            <p:ph type="title"/>
+          </p:nvPr>
+        </p:nvSpPr>
+        <p:spPr>
+          <a:xfrm>
+            <a:off x="1451580" y="804520"/>
+            <a:ext cx="3530157" cy="1049235"/>
+          </a:xfrm>
+        </p:spPr>
+        <p:txBody>
+          <a:bodyPr vert="horz" lIns="91440" tIns="45720" rIns="91440" bIns="45720" rtlCol="0" anchor="t">
+            <a:normAutofit/>
+          </a:bodyPr>
+          <a:lstStyle/>
+          <a:p>
+            <a:r>
+              <a:rPr lang="en-US"/>
+              <a:t>Final graph visualization</a:t>
+            </a:r>
+          </a:p>
+        </p:txBody>
+      </p:sp>
+      <p:sp>
+        <p:nvSpPr>
+          <p:cNvPr id="25" name="Rectangle 24">
+            <a:extLst>
+              <a:ext uri="{FF2B5EF4-FFF2-40B4-BE49-F238E27FC236}">
+                <a16:creationId xmlns:a16="http://schemas.microsoft.com/office/drawing/2014/main" id="{81958111-BC13-4D45-AB27-0C2C83F9BA64}"/>
+              </a:ext>
+              <a:ext uri="{C183D7F6-B498-43B3-948B-1728B52AA6E4}">
+                <adec:decorative xmlns:adec="http://schemas.microsoft.com/office/drawing/2017/decorative" val="1"/>
+              </a:ext>
+            </a:extLst>
+          </p:cNvPr>
+          <p:cNvSpPr>
+            <a:spLocks noGrp="1" noRot="1" noChangeAspect="1" noMove="1" noResize="1" noEditPoints="1" noAdjustHandles="1" noChangeArrowheads="1" noChangeShapeType="1" noTextEdit="1"/>
+          </p:cNvSpPr>
+          <p:nvPr>
+            <p:extLst>
+              <p:ext uri="{386F3935-93C4-4BCD-93E2-E3B085C9AB24}">
+                <p16:designElem xmlns:p16="http://schemas.microsoft.com/office/powerpoint/2015/main" val="1"/>
+              </p:ext>
+            </p:extLst>
+          </p:nvPr>
+        </p:nvSpPr>
+        <p:spPr>
+          <a:xfrm>
+            <a:off x="0" y="2019476"/>
+            <a:ext cx="12192000" cy="4105941"/>
+          </a:xfrm>
+          <a:prstGeom prst="rect">
+            <a:avLst/>
+          </a:prstGeom>
+          <a:gradFill flip="none" rotWithShape="1">
+            <a:gsLst>
+              <a:gs pos="0">
+                <a:schemeClr val="bg2">
+                  <a:alpha val="0"/>
+                </a:schemeClr>
+              </a:gs>
+              <a:gs pos="100000">
+                <a:schemeClr val="bg2"/>
+              </a:gs>
+            </a:gsLst>
+            <a:lin ang="5400000" scaled="0"/>
+            <a:tileRect/>
+          </a:gradFill>
+          <a:ln>
+            <a:noFill/>
+          </a:ln>
+        </p:spPr>
+        <p:style>
+          <a:lnRef idx="2">
+            <a:schemeClr val="accent1">
+              <a:shade val="50000"/>
+            </a:schemeClr>
+          </a:lnRef>
+          <a:fillRef idx="1">
+            <a:schemeClr val="accent1"/>
+          </a:fillRef>
+          <a:effectRef idx="0">
+            <a:schemeClr val="accent1"/>
+          </a:effectRef>
+          <a:fontRef idx="minor">
+            <a:schemeClr val="lt1"/>
+          </a:fontRef>
+        </p:style>
+        <p:txBody>
+          <a:bodyPr rtlCol="0" anchor="ctr"/>
+          <a:lstStyle/>
+          <a:p>
+            <a:pPr lvl="0" algn="ctr"/>
+            <a:endParaRPr lang="en-US"/>
+          </a:p>
+        </p:txBody>
+      </p:sp>
+      <p:sp>
+        <p:nvSpPr>
+          <p:cNvPr id="6" name="TextBox 5">
+            <a:extLst>
+              <a:ext uri="{FF2B5EF4-FFF2-40B4-BE49-F238E27FC236}">
+                <a16:creationId xmlns:a16="http://schemas.microsoft.com/office/drawing/2014/main" id="{6EF45D4D-5FEB-9F83-6188-17213237D9DC}"/>
+              </a:ext>
+            </a:extLst>
+          </p:cNvPr>
+          <p:cNvSpPr txBox="1"/>
+          <p:nvPr/>
+        </p:nvSpPr>
+        <p:spPr>
+          <a:xfrm>
+            <a:off x="1451581" y="2015732"/>
+            <a:ext cx="3526523" cy="3450613"/>
+          </a:xfrm>
+          <a:prstGeom prst="rect">
+            <a:avLst/>
+          </a:prstGeom>
+        </p:spPr>
+        <p:txBody>
+          <a:bodyPr vert="horz" lIns="91440" tIns="45720" rIns="91440" bIns="45720" rtlCol="0" anchor="t" anchorCtr="0">
+            <a:normAutofit/>
+          </a:bodyPr>
+          <a:lstStyle/>
+          <a:p>
+            <a:pPr marL="285750" indent="-228600" defTabSz="914400">
+              <a:lnSpc>
+                <a:spcPct val="120000"/>
+              </a:lnSpc>
+              <a:spcAft>
+                <a:spcPts val="600"/>
+              </a:spcAft>
+              <a:buClr>
+                <a:schemeClr val="accent1"/>
+              </a:buClr>
+              <a:buSzPct val="100000"/>
+              <a:buFont typeface="Arial" panose="020B0604020202020204" pitchFamily="34" charset="0"/>
+              <a:buChar char="•"/>
+            </a:pPr>
+            <a:r>
+              <a:rPr lang="en-US" dirty="0"/>
+              <a:t>This graph shows from the 4 states(CT,  MD, TX, WA) how they were originally were aligned with the Interest Rate but the sudden decline in 2008 threw this off.</a:t>
+            </a:r>
+          </a:p>
+        </p:txBody>
+      </p:sp>
+      <p:grpSp>
+        <p:nvGrpSpPr>
+          <p:cNvPr id="27" name="Group 26">
+            <a:extLst>
+              <a:ext uri="{FF2B5EF4-FFF2-40B4-BE49-F238E27FC236}">
+                <a16:creationId xmlns:a16="http://schemas.microsoft.com/office/drawing/2014/main" id="{82188758-E18A-4CE5-9D03-F4BF5D887C3F}"/>
+              </a:ext>
+              <a:ext uri="{C183D7F6-B498-43B3-948B-1728B52AA6E4}">
+                <adec:decorative xmlns:adec="http://schemas.microsoft.com/office/drawing/2017/decorative" val="1"/>
+              </a:ext>
+            </a:extLst>
+          </p:cNvPr>
+          <p:cNvGrpSpPr>
+            <a:grpSpLocks noGrp="1" noUngrp="1" noRot="1" noChangeAspect="1" noMove="1" noResize="1"/>
+          </p:cNvGrpSpPr>
+          <p:nvPr>
+            <p:extLst>
+              <p:ext uri="{386F3935-93C4-4BCD-93E2-E3B085C9AB24}">
+                <p16:designElem xmlns:p16="http://schemas.microsoft.com/office/powerpoint/2015/main" val="1"/>
+              </p:ext>
+            </p:extLst>
+          </p:nvPr>
+        </p:nvGrpSpPr>
+        <p:grpSpPr>
+          <a:xfrm>
+            <a:off x="5460131" y="482171"/>
+            <a:ext cx="6091791" cy="5149101"/>
+            <a:chOff x="5446003" y="583365"/>
+            <a:chExt cx="6091790" cy="5181928"/>
+          </a:xfrm>
+        </p:grpSpPr>
+        <p:sp>
+          <p:nvSpPr>
+            <p:cNvPr id="28" name="Rectangle 27">
+              <a:extLst>
+                <a:ext uri="{FF2B5EF4-FFF2-40B4-BE49-F238E27FC236}">
+                  <a16:creationId xmlns:a16="http://schemas.microsoft.com/office/drawing/2014/main" id="{821513DD-C15F-4381-AEA6-ED9E5E218CA6}"/>
+                </a:ext>
+                <a:ext uri="{C183D7F6-B498-43B3-948B-1728B52AA6E4}">
+                  <adec:decorative xmlns:adec="http://schemas.microsoft.com/office/drawing/2017/decorative" val="1"/>
+                </a:ext>
+              </a:extLst>
+            </p:cNvPr>
+            <p:cNvSpPr/>
+            <p:nvPr>
+              <p:extLst>
+                <p:ext uri="{386F3935-93C4-4BCD-93E2-E3B085C9AB24}">
+                  <p16:designElem xmlns:p16="http://schemas.microsoft.com/office/powerpoint/2015/main" val="1"/>
+                </p:ext>
+              </p:extLst>
+            </p:nvPr>
+          </p:nvSpPr>
+          <p:spPr>
+            <a:xfrm>
+              <a:off x="5446003" y="583365"/>
+              <a:ext cx="6091790" cy="5181928"/>
+            </a:xfrm>
+            <a:prstGeom prst="rect">
+              <a:avLst/>
+            </a:prstGeom>
+            <a:gradFill>
+              <a:gsLst>
+                <a:gs pos="0">
+                  <a:srgbClr val="000001"/>
+                </a:gs>
+                <a:gs pos="100000">
+                  <a:srgbClr val="191919"/>
+                </a:gs>
+              </a:gsLst>
+            </a:gradFill>
+            <a:ln w="76200" cmpd="sng">
+              <a:noFill/>
+              <a:miter lim="800000"/>
+            </a:ln>
+            <a:effectLst>
+              <a:outerShdw blurRad="127000" dist="228600" dir="4740000" sx="98000" sy="98000" algn="tl" rotWithShape="0">
+                <a:srgbClr val="000000">
+                  <a:alpha val="34000"/>
+                </a:srgbClr>
+              </a:outerShdw>
+            </a:effectLst>
+            <a:scene3d>
+              <a:camera prst="orthographicFront"/>
+              <a:lightRig rig="threePt" dir="t"/>
+            </a:scene3d>
+            <a:sp3d>
+              <a:bevelT w="152400" h="50800" prst="softRound"/>
+            </a:sp3d>
+          </p:spPr>
+          <p:style>
+            <a:lnRef idx="1">
+              <a:schemeClr val="accent1"/>
+            </a:lnRef>
+            <a:fillRef idx="3">
+              <a:schemeClr val="accent1"/>
+            </a:fillRef>
+            <a:effectRef idx="2">
+              <a:schemeClr val="accent1"/>
+            </a:effectRef>
+            <a:fontRef idx="minor">
+              <a:schemeClr val="lt1"/>
+            </a:fontRef>
+          </p:style>
+          <p:txBody>
+            <a:bodyPr rtlCol="0" anchor="ctr"/>
+            <a:lstStyle/>
+            <a:p>
+              <a:pPr algn="ctr"/>
+              <a:endParaRPr lang="en-US"/>
+            </a:p>
+          </p:txBody>
+        </p:sp>
+        <p:sp>
+          <p:nvSpPr>
+            <p:cNvPr id="29" name="Rectangle 28">
+              <a:extLst>
+                <a:ext uri="{FF2B5EF4-FFF2-40B4-BE49-F238E27FC236}">
+                  <a16:creationId xmlns:a16="http://schemas.microsoft.com/office/drawing/2014/main" id="{CED2DE01-7F43-4858-85FC-27022DA78120}"/>
+                </a:ext>
+                <a:ext uri="{C183D7F6-B498-43B3-948B-1728B52AA6E4}">
+                  <adec:decorative xmlns:adec="http://schemas.microsoft.com/office/drawing/2017/decorative" val="1"/>
+                </a:ext>
+              </a:extLst>
+            </p:cNvPr>
+            <p:cNvSpPr/>
+            <p:nvPr>
+              <p:extLst>
+                <p:ext uri="{386F3935-93C4-4BCD-93E2-E3B085C9AB24}">
+                  <p16:designElem xmlns:p16="http://schemas.microsoft.com/office/powerpoint/2015/main" val="1"/>
+                </p:ext>
+              </p:extLst>
+            </p:nvPr>
+          </p:nvSpPr>
+          <p:spPr>
+            <a:xfrm>
+              <a:off x="5764828" y="915807"/>
+              <a:ext cx="5461779" cy="4494927"/>
+            </a:xfrm>
+            <a:prstGeom prst="rect">
+              <a:avLst/>
+            </a:prstGeom>
+            <a:gradFill>
+              <a:gsLst>
+                <a:gs pos="0">
+                  <a:srgbClr val="DADADA"/>
+                </a:gs>
+                <a:gs pos="100000">
+                  <a:srgbClr val="FFFFFE"/>
+                </a:gs>
+              </a:gsLst>
+              <a:lin ang="16200000" scaled="0"/>
+            </a:gradFill>
+            <a:ln w="50800" cmpd="sng">
+              <a:solidFill>
+                <a:srgbClr val="191919"/>
+              </a:solidFill>
+              <a:miter lim="800000"/>
+            </a:ln>
+            <a:effectLst>
+              <a:innerShdw blurRad="63500" dist="88900" dir="14100000">
+                <a:srgbClr val="000000">
+                  <a:alpha val="30000"/>
+                </a:srgbClr>
+              </a:innerShdw>
+            </a:effectLst>
+            <a:scene3d>
+              <a:camera prst="orthographicFront"/>
+              <a:lightRig rig="threePt" dir="t"/>
+            </a:scene3d>
+            <a:sp3d>
+              <a:bevelT prst="relaxedInset"/>
+            </a:sp3d>
+          </p:spPr>
+          <p:style>
+            <a:lnRef idx="1">
+              <a:schemeClr val="accent1"/>
+            </a:lnRef>
+            <a:fillRef idx="3">
+              <a:schemeClr val="accent1"/>
+            </a:fillRef>
+            <a:effectRef idx="2">
+              <a:schemeClr val="accent1"/>
+            </a:effectRef>
+            <a:fontRef idx="minor">
+              <a:schemeClr val="lt1"/>
+            </a:fontRef>
+          </p:style>
+          <p:txBody>
+            <a:bodyPr rtlCol="0" anchor="ctr"/>
+            <a:lstStyle/>
+            <a:p>
+              <a:pPr algn="ctr"/>
+              <a:endParaRPr lang="en-US"/>
+            </a:p>
+          </p:txBody>
+        </p:sp>
+      </p:grpSp>
+      <p:pic>
+        <p:nvPicPr>
+          <p:cNvPr id="8" name="Picture 7">
+            <a:extLst>
+              <a:ext uri="{FF2B5EF4-FFF2-40B4-BE49-F238E27FC236}">
+                <a16:creationId xmlns:a16="http://schemas.microsoft.com/office/drawing/2014/main" id="{18D2D077-D227-9324-208A-942D9E5FD2EA}"/>
+              </a:ext>
+            </a:extLst>
+          </p:cNvPr>
+          <p:cNvPicPr>
+            <a:picLocks noChangeAspect="1"/>
+          </p:cNvPicPr>
+          <p:nvPr/>
+        </p:nvPicPr>
+        <p:blipFill rotWithShape="1">
+          <a:blip r:embed="rId3"/>
+          <a:srcRect r="6465" b="-2"/>
+          <a:stretch/>
+        </p:blipFill>
+        <p:spPr>
+          <a:xfrm>
+            <a:off x="6093926" y="1116345"/>
+            <a:ext cx="4821551" cy="3866172"/>
+          </a:xfrm>
+          <a:prstGeom prst="rect">
+            <a:avLst/>
+          </a:prstGeom>
+        </p:spPr>
+      </p:pic>
+      <p:pic>
+        <p:nvPicPr>
+          <p:cNvPr id="31" name="Picture 30">
+            <a:extLst>
+              <a:ext uri="{FF2B5EF4-FFF2-40B4-BE49-F238E27FC236}">
+                <a16:creationId xmlns:a16="http://schemas.microsoft.com/office/drawing/2014/main" id="{D42F4933-2ECF-4EE5-BCE4-F19E3CA609FE}"/>
+              </a:ext>
+              <a:ext uri="{C183D7F6-B498-43B3-948B-1728B52AA6E4}">
+                <adec:decorative xmlns:adec="http://schemas.microsoft.com/office/drawing/2017/decorative" val="1"/>
+              </a:ext>
+            </a:extLst>
+          </p:cNvPr>
+          <p:cNvPicPr>
+            <a:picLocks noGrp="1" noRot="1" noChangeAspect="1" noMove="1" noResize="1" noEditPoints="1" noAdjustHandles="1" noChangeArrowheads="1" noChangeShapeType="1" noCrop="1"/>
+          </p:cNvPicPr>
+          <p:nvPr>
+            <p:extLst>
+              <p:ext uri="{386F3935-93C4-4BCD-93E2-E3B085C9AB24}">
+                <p16:designElem xmlns:p16="http://schemas.microsoft.com/office/powerpoint/2015/main" val="1"/>
+              </p:ext>
+            </p:extLst>
+          </p:nvPr>
+        </p:nvPicPr>
+        <p:blipFill rotWithShape="1">
+          <a:blip r:embed="rId2">
+            <a:extLst>
+              <a:ext uri="{28A0092B-C50C-407E-A947-70E740481C1C}">
+                <a14:useLocalDpi xmlns:a14="http://schemas.microsoft.com/office/drawing/2010/main" val="0"/>
+              </a:ext>
+            </a:extLst>
+          </a:blip>
+          <a:srcRect t="1538" b="-1538"/>
+          <a:stretch/>
+        </p:blipFill>
+        <p:spPr bwMode="black">
+          <a:xfrm>
+            <a:off x="0" y="6126480"/>
+            <a:ext cx="12192000" cy="742950"/>
+          </a:xfrm>
+          <a:prstGeom prst="rect">
+            <a:avLst/>
+          </a:prstGeom>
+        </p:spPr>
+      </p:pic>
+      <p:cxnSp>
+        <p:nvCxnSpPr>
+          <p:cNvPr id="33" name="Straight Connector 32">
+            <a:extLst>
+              <a:ext uri="{FF2B5EF4-FFF2-40B4-BE49-F238E27FC236}">
+                <a16:creationId xmlns:a16="http://schemas.microsoft.com/office/drawing/2014/main" id="{C6FAC23C-014D-4AC5-AD1B-36F7D0E7EF32}"/>
+              </a:ext>
+              <a:ext uri="{C183D7F6-B498-43B3-948B-1728B52AA6E4}">
+                <adec:decorative xmlns:adec="http://schemas.microsoft.com/office/drawing/2017/decorative" val="1"/>
+              </a:ext>
+            </a:extLst>
+          </p:cNvPr>
+          <p:cNvCxnSpPr>
+            <a:cxnSpLocks noGrp="1" noRot="1" noChangeAspect="1" noMove="1" noResize="1" noEditPoints="1" noAdjustHandles="1" noChangeArrowheads="1" noChangeShapeType="1"/>
+          </p:cNvCxnSpPr>
+          <p:nvPr>
+            <p:extLst>
+              <p:ext uri="{386F3935-93C4-4BCD-93E2-E3B085C9AB24}">
+                <p16:designElem xmlns:p16="http://schemas.microsoft.com/office/powerpoint/2015/main" val="1"/>
+              </p:ext>
+            </p:extLst>
+          </p:nvPr>
+        </p:nvCxnSpPr>
+        <p:spPr>
+          <a:xfrm>
+            <a:off x="0" y="6128413"/>
+            <a:ext cx="12192000" cy="0"/>
+          </a:xfrm>
+          <a:prstGeom prst="line">
+            <a:avLst/>
+          </a:prstGeom>
+          <a:ln w="12700">
+            <a:solidFill>
+              <a:srgbClr val="000001">
+                <a:alpha val="20000"/>
+              </a:srgbClr>
+            </a:solidFill>
+          </a:ln>
+        </p:spPr>
+        <p:style>
+          <a:lnRef idx="1">
+            <a:schemeClr val="accent1"/>
+          </a:lnRef>
+          <a:fillRef idx="0">
+            <a:schemeClr val="accent1"/>
+          </a:fillRef>
+          <a:effectRef idx="0">
+            <a:schemeClr val="accent1"/>
+          </a:effectRef>
+          <a:fontRef idx="minor">
+            <a:schemeClr val="tx1"/>
+          </a:fontRef>
+        </p:style>
+      </p:cxnSp>
+    </p:spTree>
+    <p:extLst>
+      <p:ext uri="{BB962C8B-B14F-4D97-AF65-F5344CB8AC3E}">
+        <p14:creationId xmlns:p14="http://schemas.microsoft.com/office/powerpoint/2010/main" val="112748823"/>
+      </p:ext>
+    </p:extLst>
+  </p:cSld>
+  <p:clrMapOvr>
+    <a:masterClrMapping/>
+  </p:clrMapOvr>
+  <p:timing>
+    <p:tnLst>
+      <p:par>
+        <p:cTn id="1" dur="indefinite" restart="never" nodeType="tmRoot">
+          <p:childTnLst>
+            <p:seq concurrent="1" nextAc="seek">
+              <p:cTn id="2" dur="indefinite" nodeType="mainSeq">
+                <p:childTnLst>
+                  <p:par>
+                    <p:cTn id="3" fill="hold">
+                      <p:stCondLst>
+                        <p:cond delay="indefinite"/>
+                        <p:cond evt="onBegin" delay="0">
+                          <p:tn val="2"/>
+                        </p:cond>
+                      </p:stCondLst>
+                      <p:childTnLst>
+                        <p:par>
+                          <p:cTn id="4" fill="hold">
+                            <p:stCondLst>
+                              <p:cond delay="0"/>
+                            </p:stCondLst>
+                            <p:childTnLst>
+                              <p:par>
+                                <p:cTn id="5" presetID="10" presetClass="entr" presetSubtype="0" fill="hold" grpId="0" nodeType="withEffect">
+                                  <p:stCondLst>
+                                    <p:cond delay="1000"/>
+                                  </p:stCondLst>
+                                  <p:iterate type="lt">
+                                    <p:tmPct val="10000"/>
+                                  </p:iterate>
+                                  <p:childTnLst>
+                                    <p:set>
+                                      <p:cBhvr>
+                                        <p:cTn id="6" dur="1" fill="hold">
+                                          <p:stCondLst>
+                                            <p:cond delay="0"/>
+                                          </p:stCondLst>
+                                        </p:cTn>
+                                        <p:tgtEl>
+                                          <p:spTgt spid="2"/>
+                                        </p:tgtEl>
+                                        <p:attrNameLst>
+                                          <p:attrName>style.visibility</p:attrName>
+                                        </p:attrNameLst>
+                                      </p:cBhvr>
+                                      <p:to>
+                                        <p:strVal val="visible"/>
+                                      </p:to>
+                                    </p:set>
+                                    <p:animEffect transition="in" filter="fade">
+                                      <p:cBhvr>
+                                        <p:cTn id="7" dur="400"/>
+                                        <p:tgtEl>
+                                          <p:spTgt spid="2"/>
+                                        </p:tgtEl>
+                                      </p:cBhvr>
+                                    </p:animEffect>
+                                  </p:childTnLst>
+                                </p:cTn>
+                              </p:par>
+                            </p:childTnLst>
+                          </p:cTn>
+                        </p:par>
+                      </p:childTnLst>
+                    </p:cTn>
+                  </p:par>
+                </p:childTnLst>
+              </p:cTn>
+              <p:prevCondLst>
+                <p:cond evt="onPrev" delay="0">
+                  <p:tgtEl>
+                    <p:sldTgt/>
+                  </p:tgtEl>
+                </p:cond>
+              </p:prevCondLst>
+              <p:nextCondLst>
+                <p:cond evt="onNext" delay="0">
+                  <p:tgtEl>
+                    <p:sldTgt/>
+                  </p:tgtEl>
+                </p:cond>
+              </p:nextCondLst>
+            </p:seq>
+          </p:childTnLst>
+        </p:cTn>
+      </p:par>
+    </p:tnLst>
+    <p:bldLst>
+      <p:bldP spid="2" grpId="0"/>
+    </p:bldLst>
+  </p:timing>
+</p:sld>
+</file>
+
+<file path=ppt/slides/slide9.xml><?xml version="1.0" encoding="utf-8"?>
+<p:sld xmlns:a="http://schemas.openxmlformats.org/drawingml/2006/main" xmlns:r="http://schemas.openxmlformats.org/officeDocument/2006/relationships" xmlns:p="http://schemas.openxmlformats.org/presentationml/2006/main">
+  <p:cSld>
+    <p:bg>
+      <p:bgPr>
+        <a:gradFill rotWithShape="1">
+          <a:gsLst>
+            <a:gs pos="0">
+              <a:schemeClr val="bg2">
+                <a:tint val="94000"/>
+                <a:satMod val="80000"/>
+                <a:lumMod val="106000"/>
+              </a:schemeClr>
+            </a:gs>
+            <a:gs pos="100000">
+              <a:schemeClr val="bg2">
+                <a:shade val="80000"/>
+              </a:schemeClr>
+            </a:gs>
+          </a:gsLst>
+          <a:path path="circle">
+            <a:fillToRect l="43000" r="43000" b="100000"/>
+          </a:path>
+        </a:gradFill>
+        <a:effectLst/>
+      </p:bgPr>
+    </p:bg>
+    <p:spTree>
+      <p:nvGrpSpPr>
+        <p:cNvPr id="1" name=""/>
+        <p:cNvGrpSpPr/>
+        <p:nvPr/>
+      </p:nvGrpSpPr>
+      <p:grpSpPr>
+        <a:xfrm>
+          <a:off x="0" y="0"/>
+          <a:ext cx="0" cy="0"/>
+          <a:chOff x="0" y="0"/>
+          <a:chExt cx="0" cy="0"/>
+        </a:xfrm>
+      </p:grpSpPr>
+      <p:sp>
+        <p:nvSpPr>
+          <p:cNvPr id="10" name="Rectangle 9">
+            <a:extLst>
+              <a:ext uri="{FF2B5EF4-FFF2-40B4-BE49-F238E27FC236}">
+                <a16:creationId xmlns:a16="http://schemas.microsoft.com/office/drawing/2014/main" id="{1CE580D1-F917-4567-AFB4-99AA9B52ADF0}"/>
+              </a:ext>
+              <a:ext uri="{C183D7F6-B498-43B3-948B-1728B52AA6E4}">
+                <adec:decorative xmlns:adec="http://schemas.microsoft.com/office/drawing/2017/decorative" val="1"/>
+              </a:ext>
+            </a:extLst>
+          </p:cNvPr>
+          <p:cNvSpPr>
+            <a:spLocks noGrp="1" noRot="1" noChangeAspect="1" noMove="1" noResize="1" noEditPoints="1" noAdjustHandles="1" noChangeArrowheads="1" noChangeShapeType="1" noTextEdit="1"/>
+          </p:cNvSpPr>
+          <p:nvPr>
+            <p:extLst>
+              <p:ext uri="{386F3935-93C4-4BCD-93E2-E3B085C9AB24}">
+                <p16:designElem xmlns:p16="http://schemas.microsoft.com/office/powerpoint/2015/main" val="1"/>
+              </p:ext>
+            </p:extLst>
+          </p:nvPr>
+        </p:nvSpPr>
+        <p:spPr>
+          <a:xfrm>
+            <a:off x="0" y="2019476"/>
+            <a:ext cx="12192000" cy="4105941"/>
+          </a:xfrm>
+          <a:prstGeom prst="rect">
+            <a:avLst/>
+          </a:prstGeom>
+          <a:gradFill flip="none" rotWithShape="1">
+            <a:gsLst>
+              <a:gs pos="0">
+                <a:schemeClr val="bg2">
+                  <a:alpha val="0"/>
+                </a:schemeClr>
+              </a:gs>
+              <a:gs pos="100000">
+                <a:schemeClr val="bg2"/>
+              </a:gs>
+            </a:gsLst>
+            <a:lin ang="5400000" scaled="0"/>
+            <a:tileRect/>
+          </a:gradFill>
+          <a:ln>
+            <a:noFill/>
+          </a:ln>
+        </p:spPr>
+        <p:style>
+          <a:lnRef idx="2">
+            <a:schemeClr val="accent1">
+              <a:shade val="50000"/>
+            </a:schemeClr>
+          </a:lnRef>
+          <a:fillRef idx="1">
+            <a:schemeClr val="accent1"/>
+          </a:fillRef>
+          <a:effectRef idx="0">
+            <a:schemeClr val="accent1"/>
+          </a:effectRef>
+          <a:fontRef idx="minor">
+            <a:schemeClr val="lt1"/>
+          </a:fontRef>
+        </p:style>
+        <p:txBody>
+          <a:bodyPr/>
+          <a:lstStyle/>
+          <a:p>
+            <a:endParaRPr lang="en-US"/>
+          </a:p>
+        </p:txBody>
+      </p:sp>
+      <p:pic>
+        <p:nvPicPr>
+          <p:cNvPr id="12" name="Picture 11">
+            <a:extLst>
+              <a:ext uri="{FF2B5EF4-FFF2-40B4-BE49-F238E27FC236}">
+                <a16:creationId xmlns:a16="http://schemas.microsoft.com/office/drawing/2014/main" id="{1F5620B8-A2D8-4568-B566-F0453A0D9167}"/>
+              </a:ext>
+              <a:ext uri="{C183D7F6-B498-43B3-948B-1728B52AA6E4}">
+                <adec:decorative xmlns:adec="http://schemas.microsoft.com/office/drawing/2017/decorative" val="1"/>
+              </a:ext>
+            </a:extLst>
+          </p:cNvPr>
+          <p:cNvPicPr>
+            <a:picLocks noGrp="1" noRot="1" noChangeAspect="1" noMove="1" noResize="1" noEditPoints="1" noAdjustHandles="1" noChangeArrowheads="1" noChangeShapeType="1" noCrop="1"/>
+          </p:cNvPicPr>
+          <p:nvPr>
+            <p:extLst>
+              <p:ext uri="{386F3935-93C4-4BCD-93E2-E3B085C9AB24}">
+                <p16:designElem xmlns:p16="http://schemas.microsoft.com/office/powerpoint/2015/main" val="1"/>
+              </p:ext>
+            </p:extLst>
+          </p:nvPr>
+        </p:nvPicPr>
+        <p:blipFill rotWithShape="1">
+          <a:blip r:embed="rId2">
+            <a:extLst>
+              <a:ext uri="{28A0092B-C50C-407E-A947-70E740481C1C}">
+                <a14:useLocalDpi xmlns:a14="http://schemas.microsoft.com/office/drawing/2010/main" val="0"/>
+              </a:ext>
+            </a:extLst>
+          </a:blip>
+          <a:srcRect t="1538" b="-1538"/>
+          <a:stretch/>
+        </p:blipFill>
+        <p:spPr bwMode="black">
+          <a:xfrm>
+            <a:off x="0" y="6126480"/>
+            <a:ext cx="12192000" cy="742950"/>
+          </a:xfrm>
+          <a:prstGeom prst="rect">
+            <a:avLst/>
+          </a:prstGeom>
+        </p:spPr>
+      </p:pic>
+      <p:cxnSp>
+        <p:nvCxnSpPr>
+          <p:cNvPr id="14" name="Straight Connector 13">
+            <a:extLst>
+              <a:ext uri="{FF2B5EF4-FFF2-40B4-BE49-F238E27FC236}">
+                <a16:creationId xmlns:a16="http://schemas.microsoft.com/office/drawing/2014/main" id="{1C7D2BA4-4B7A-4596-8BCC-5CF715423894}"/>
+              </a:ext>
+              <a:ext uri="{C183D7F6-B498-43B3-948B-1728B52AA6E4}">
+                <adec:decorative xmlns:adec="http://schemas.microsoft.com/office/drawing/2017/decorative" val="1"/>
+              </a:ext>
+            </a:extLst>
+          </p:cNvPr>
+          <p:cNvCxnSpPr>
+            <a:cxnSpLocks noGrp="1" noRot="1" noChangeAspect="1" noMove="1" noResize="1" noEditPoints="1" noAdjustHandles="1" noChangeArrowheads="1" noChangeShapeType="1"/>
+          </p:cNvCxnSpPr>
+          <p:nvPr>
+            <p:extLst>
+              <p:ext uri="{386F3935-93C4-4BCD-93E2-E3B085C9AB24}">
+                <p16:designElem xmlns:p16="http://schemas.microsoft.com/office/powerpoint/2015/main" val="1"/>
+              </p:ext>
+            </p:extLst>
+          </p:nvPr>
+        </p:nvCxnSpPr>
+        <p:spPr>
+          <a:xfrm>
+            <a:off x="0" y="6128413"/>
+            <a:ext cx="12192000" cy="0"/>
+          </a:xfrm>
+          <a:prstGeom prst="line">
+            <a:avLst/>
+          </a:prstGeom>
+          <a:ln w="12700">
+            <a:solidFill>
+              <a:srgbClr val="000001">
+                <a:alpha val="20000"/>
+              </a:srgbClr>
+            </a:solidFill>
+          </a:ln>
+        </p:spPr>
+        <p:style>
+          <a:lnRef idx="1">
+            <a:schemeClr val="accent1"/>
+          </a:lnRef>
+          <a:fillRef idx="0">
+            <a:schemeClr val="accent1"/>
+          </a:fillRef>
+          <a:effectRef idx="0">
+            <a:schemeClr val="accent1"/>
+          </a:effectRef>
+          <a:fontRef idx="minor">
+            <a:schemeClr val="tx1"/>
+          </a:fontRef>
+        </p:style>
+      </p:cxnSp>
+      <p:cxnSp>
+        <p:nvCxnSpPr>
+          <p:cNvPr id="16" name="Straight Connector 15">
+            <a:extLst>
+              <a:ext uri="{FF2B5EF4-FFF2-40B4-BE49-F238E27FC236}">
+                <a16:creationId xmlns:a16="http://schemas.microsoft.com/office/drawing/2014/main" id="{C9D4B225-18E9-4C5B-94D8-2ABE6D161E4A}"/>
+              </a:ext>
+              <a:ext uri="{C183D7F6-B498-43B3-948B-1728B52AA6E4}">
+                <adec:decorative xmlns:adec="http://schemas.microsoft.com/office/drawing/2017/decorative" val="1"/>
+              </a:ext>
+            </a:extLst>
+          </p:cNvPr>
+          <p:cNvCxnSpPr>
+            <a:cxnSpLocks noGrp="1" noRot="1" noChangeAspect="1" noMove="1" noResize="1" noEditPoints="1" noAdjustHandles="1" noChangeArrowheads="1" noChangeShapeType="1"/>
+          </p:cNvCxnSpPr>
+          <p:nvPr>
+            <p:extLst>
+              <p:ext uri="{386F3935-93C4-4BCD-93E2-E3B085C9AB24}">
+                <p16:designElem xmlns:p16="http://schemas.microsoft.com/office/powerpoint/2015/main" val="1"/>
+              </p:ext>
+            </p:extLst>
+          </p:nvPr>
+        </p:nvCxnSpPr>
+        <p:spPr>
+          <a:xfrm>
+            <a:off x="1453896" y="1847088"/>
+            <a:ext cx="9607522" cy="0"/>
+          </a:xfrm>
+          <a:prstGeom prst="line">
+            <a:avLst/>
+          </a:prstGeom>
+          <a:ln w="31750"/>
+        </p:spPr>
+        <p:style>
+          <a:lnRef idx="3">
+            <a:schemeClr val="accent1"/>
+          </a:lnRef>
+          <a:fillRef idx="0">
+            <a:schemeClr val="accent1"/>
+          </a:fillRef>
+          <a:effectRef idx="2">
+            <a:schemeClr val="accent1"/>
+          </a:effectRef>
+          <a:fontRef idx="minor">
+            <a:schemeClr val="tx1"/>
+          </a:fontRef>
+        </p:style>
+      </p:cxnSp>
+      <p:pic>
+        <p:nvPicPr>
+          <p:cNvPr id="5" name="Picture 4" descr="Houses in an area">
+            <a:extLst>
+              <a:ext uri="{FF2B5EF4-FFF2-40B4-BE49-F238E27FC236}">
+                <a16:creationId xmlns:a16="http://schemas.microsoft.com/office/drawing/2014/main" id="{305605FB-CF60-EAE8-FB51-3D42EBBFA3F6}"/>
+              </a:ext>
+            </a:extLst>
+          </p:cNvPr>
+          <p:cNvPicPr>
+            <a:picLocks noChangeAspect="1"/>
+          </p:cNvPicPr>
+          <p:nvPr/>
+        </p:nvPicPr>
+        <p:blipFill rotWithShape="1">
+          <a:blip r:embed="rId3"/>
+          <a:srcRect l="9091" t="21151" b="2238"/>
+          <a:stretch/>
+        </p:blipFill>
+        <p:spPr>
+          <a:xfrm>
+            <a:off x="305" y="10"/>
+            <a:ext cx="12191695" cy="6857990"/>
+          </a:xfrm>
+          <a:prstGeom prst="rect">
+            <a:avLst/>
+          </a:prstGeom>
+        </p:spPr>
+      </p:pic>
+      <p:sp>
+        <p:nvSpPr>
+          <p:cNvPr id="18" name="Rectangle 17">
+            <a:extLst>
+              <a:ext uri="{FF2B5EF4-FFF2-40B4-BE49-F238E27FC236}">
+                <a16:creationId xmlns:a16="http://schemas.microsoft.com/office/drawing/2014/main" id="{368B8211-0B9F-4516-8771-3316E00DB965}"/>
+              </a:ext>
+              <a:ext uri="{C183D7F6-B498-43B3-948B-1728B52AA6E4}">
+                <adec:decorative xmlns:adec="http://schemas.microsoft.com/office/drawing/2017/decorative" val="1"/>
+              </a:ext>
+            </a:extLst>
+          </p:cNvPr>
+          <p:cNvSpPr>
+            <a:spLocks noGrp="1" noRot="1" noChangeAspect="1" noMove="1" noResize="1" noEditPoints="1" noAdjustHandles="1" noChangeArrowheads="1" noChangeShapeType="1" noTextEdit="1"/>
+          </p:cNvSpPr>
+          <p:nvPr>
+            <p:extLst>
+              <p:ext uri="{386F3935-93C4-4BCD-93E2-E3B085C9AB24}">
+                <p16:designElem xmlns:p16="http://schemas.microsoft.com/office/powerpoint/2015/main" val="1"/>
+              </p:ext>
+            </p:extLst>
+          </p:nvPr>
+        </p:nvSpPr>
+        <p:spPr>
+          <a:xfrm>
+            <a:off x="3891643" y="636753"/>
+            <a:ext cx="8299435" cy="5572811"/>
+          </a:xfrm>
+          <a:prstGeom prst="rect">
+            <a:avLst/>
+          </a:prstGeom>
+          <a:solidFill>
+            <a:srgbClr val="000001">
+              <a:alpha val="74902"/>
+            </a:srgbClr>
+          </a:solidFill>
+          <a:ln>
+            <a:noFill/>
+          </a:ln>
+        </p:spPr>
+        <p:style>
+          <a:lnRef idx="1">
+            <a:schemeClr val="accent1"/>
+          </a:lnRef>
+          <a:fillRef idx="3">
+            <a:schemeClr val="accent1"/>
+          </a:fillRef>
+          <a:effectRef idx="2">
+            <a:schemeClr val="accent1"/>
+          </a:effectRef>
+          <a:fontRef idx="minor">
+            <a:schemeClr val="lt1"/>
+          </a:fontRef>
+        </p:style>
+        <p:txBody>
+          <a:bodyPr rtlCol="0" anchor="ctr"/>
+          <a:lstStyle/>
+          <a:p>
+            <a:pPr algn="ctr"/>
+            <a:endParaRPr lang="en-US"/>
+          </a:p>
+        </p:txBody>
+      </p:sp>
       <p:sp>
         <p:nvSpPr>
           <p:cNvPr id="2" name="Title 1">
@@ -9804,8 +9963,8 @@
         </p:nvSpPr>
         <p:spPr>
           <a:xfrm>
-            <a:off x="1451579" y="804519"/>
-            <a:ext cx="9603275" cy="1049235"/>
+            <a:off x="4063421" y="804520"/>
+            <a:ext cx="6815731" cy="1049235"/>
           </a:xfrm>
         </p:spPr>
         <p:txBody>
@@ -9815,20 +9974,68 @@
           <a:lstStyle/>
           <a:p>
             <a:r>
-              <a:rPr lang="en-US" b="0" i="0" kern="1200" cap="all" dirty="0">
+              <a:rPr lang="en-US">
                 <a:solidFill>
-                  <a:schemeClr val="tx1"/>
+                  <a:srgbClr val="FFFFFE"/>
                 </a:solidFill>
-                <a:effectLst/>
-                <a:latin typeface="+mj-lt"/>
-                <a:ea typeface="+mj-ea"/>
-                <a:cs typeface="+mj-cs"/>
               </a:rPr>
               <a:t>conclusion</a:t>
             </a:r>
           </a:p>
         </p:txBody>
       </p:sp>
+      <p:cxnSp>
+        <p:nvCxnSpPr>
+          <p:cNvPr id="20" name="Straight Connector 19">
+            <a:extLst>
+              <a:ext uri="{FF2B5EF4-FFF2-40B4-BE49-F238E27FC236}">
+                <a16:creationId xmlns:a16="http://schemas.microsoft.com/office/drawing/2014/main" id="{B7582E73-8B46-4A0E-944E-58357C80883F}"/>
+              </a:ext>
+              <a:ext uri="{C183D7F6-B498-43B3-948B-1728B52AA6E4}">
+                <adec:decorative xmlns:adec="http://schemas.microsoft.com/office/drawing/2017/decorative" val="1"/>
+              </a:ext>
+            </a:extLst>
+          </p:cNvPr>
+          <p:cNvCxnSpPr>
+            <a:cxnSpLocks noGrp="1" noRot="1" noChangeAspect="1" noMove="1" noResize="1" noEditPoints="1" noAdjustHandles="1" noChangeArrowheads="1" noChangeShapeType="1"/>
+          </p:cNvCxnSpPr>
+          <p:nvPr>
+            <p:extLst>
+              <p:ext uri="{386F3935-93C4-4BCD-93E2-E3B085C9AB24}">
+                <p16:designElem xmlns:p16="http://schemas.microsoft.com/office/powerpoint/2015/main" val="1"/>
+              </p:ext>
+            </p:extLst>
+          </p:nvPr>
+        </p:nvCxnSpPr>
+        <p:spPr>
+          <a:xfrm>
+            <a:off x="4065789" y="1847088"/>
+            <a:ext cx="6813363" cy="0"/>
+          </a:xfrm>
+          <a:prstGeom prst="line">
+            <a:avLst/>
+          </a:prstGeom>
+          <a:ln w="31750">
+            <a:solidFill>
+              <a:srgbClr val="B2905A"/>
+            </a:solidFill>
+          </a:ln>
+        </p:spPr>
+        <p:style>
+          <a:lnRef idx="3">
+            <a:schemeClr val="accent1"/>
+          </a:lnRef>
+          <a:fillRef idx="0">
+            <a:schemeClr val="accent1"/>
+          </a:fillRef>
+          <a:effectRef idx="2">
+            <a:schemeClr val="accent1"/>
+          </a:effectRef>
+          <a:fontRef idx="minor">
+            <a:schemeClr val="tx1"/>
+          </a:fontRef>
+        </p:style>
+      </p:cxnSp>
       <p:sp>
         <p:nvSpPr>
           <p:cNvPr id="3" name="Vertical Text Placeholder 2">
@@ -9847,8 +10054,8 @@
         </p:nvSpPr>
         <p:spPr>
           <a:xfrm>
-            <a:off x="1451579" y="2015732"/>
-            <a:ext cx="9603275" cy="3450613"/>
+            <a:off x="4063421" y="2015733"/>
+            <a:ext cx="6815731" cy="4021267"/>
           </a:xfrm>
         </p:spPr>
         <p:txBody>
@@ -9857,7 +10064,73 @@
           </a:bodyPr>
           <a:lstStyle/>
           <a:p>
-            <a:endParaRPr lang="en-US" dirty="0"/>
+            <a:pPr>
+              <a:lnSpc>
+                <a:spcPct val="110000"/>
+              </a:lnSpc>
+              <a:buClr>
+                <a:srgbClr val="B2905A"/>
+              </a:buClr>
+            </a:pPr>
+            <a:r>
+              <a:rPr lang="en-US" sz="1700">
+                <a:solidFill>
+                  <a:srgbClr val="FFFFFE"/>
+                </a:solidFill>
+              </a:rPr>
+              <a:t>Interest Rate did not have as big as an impact on the Housing Prices as we initial thought it would. The prices decreased on a slow decline due to government intervention to encourage house buying after the housing bubble burst in 2008. The interest rates were cut sharply regarding this as well. </a:t>
+            </a:r>
+          </a:p>
+          <a:p>
+            <a:pPr>
+              <a:lnSpc>
+                <a:spcPct val="110000"/>
+              </a:lnSpc>
+              <a:buClr>
+                <a:srgbClr val="B2905A"/>
+              </a:buClr>
+            </a:pPr>
+            <a:r>
+              <a:rPr lang="en-US" sz="1700">
+                <a:solidFill>
+                  <a:srgbClr val="FFFFFE"/>
+                </a:solidFill>
+              </a:rPr>
+              <a:t>What has happened is the interest rate was cut sharply in 2008 due to the housing crisis to encourage house buying while mostly retaining the Housing Prices. Which leads to the graphs showing a sudden decline while a steady pricing line remains. </a:t>
+            </a:r>
+          </a:p>
+          <a:p>
+            <a:pPr>
+              <a:lnSpc>
+                <a:spcPct val="110000"/>
+              </a:lnSpc>
+              <a:buClr>
+                <a:srgbClr val="B2905A"/>
+              </a:buClr>
+            </a:pPr>
+            <a:r>
+              <a:rPr lang="en-US" sz="1700">
+                <a:solidFill>
+                  <a:srgbClr val="FFFFFE"/>
+                </a:solidFill>
+              </a:rPr>
+              <a:t>Overall, our hypothesis was proven partially incorrect. Originally, the Interest Rate did have a larger impact initially, but other factors decreased its effect substantially for years beyond 2008.</a:t>
+            </a:r>
+          </a:p>
+          <a:p>
+            <a:pPr>
+              <a:lnSpc>
+                <a:spcPct val="110000"/>
+              </a:lnSpc>
+              <a:buClr>
+                <a:srgbClr val="B2905A"/>
+              </a:buClr>
+            </a:pPr>
+            <a:endParaRPr lang="en-US" sz="1700">
+              <a:solidFill>
+                <a:srgbClr val="FFFFFE"/>
+              </a:solidFill>
+            </a:endParaRPr>
           </a:p>
         </p:txBody>
       </p:sp>
@@ -9869,7 +10142,7 @@
     </p:extLst>
   </p:cSld>
   <p:clrMapOvr>
-    <a:overrideClrMapping bg1="dk1" tx1="lt1" bg2="dk2" tx2="lt2" accent1="accent1" accent2="accent2" accent3="accent3" accent4="accent4" accent5="accent5" accent6="accent6" hlink="hlink" folHlink="folHlink"/>
+    <a:masterClrMapping/>
   </p:clrMapOvr>
 </p:sld>
 </file>
@@ -10111,7 +10384,7 @@
             </a:gs>
           </a:gsLst>
           <a:path path="circle">
-            <a:fillToRect l="50000" t="50000" r="50000" b="50000"/>
+            <a:fillToRect l="43000" r="43000" b="100000"/>
           </a:path>
         </a:gradFill>
       </a:bgFillStyleLst>

--- a/Python Project(Team CMD).pptx
+++ b/Python Project(Team CMD).pptx
@@ -118,2485 +118,6 @@
     </p:ext>
   </p:extLst>
 </p:presentation>
-</file>
-
-<file path=ppt/diagrams/colors1.xml><?xml version="1.0" encoding="utf-8"?>
-<dgm:colorsDef xmlns:dgm="http://schemas.openxmlformats.org/drawingml/2006/diagram" xmlns:a="http://schemas.openxmlformats.org/drawingml/2006/main" uniqueId="urn:microsoft.com/office/officeart/2005/8/colors/accent1_2">
-  <dgm:title val=""/>
-  <dgm:desc val=""/>
-  <dgm:catLst>
-    <dgm:cat type="accent1" pri="11200"/>
-  </dgm:catLst>
-  <dgm:styleLbl name="node0">
-    <dgm:fillClrLst meth="repeat">
-      <a:schemeClr val="accent1"/>
-    </dgm:fillClrLst>
-    <dgm:linClrLst meth="repeat">
-      <a:schemeClr val="lt1"/>
-    </dgm:linClrLst>
-    <dgm:effectClrLst/>
-    <dgm:txLinClrLst/>
-    <dgm:txFillClrLst/>
-    <dgm:txEffectClrLst/>
-  </dgm:styleLbl>
-  <dgm:styleLbl name="alignNode1">
-    <dgm:fillClrLst meth="repeat">
-      <a:schemeClr val="accent1"/>
-    </dgm:fillClrLst>
-    <dgm:linClrLst meth="repeat">
-      <a:schemeClr val="accent1"/>
-    </dgm:linClrLst>
-    <dgm:effectClrLst/>
-    <dgm:txLinClrLst/>
-    <dgm:txFillClrLst/>
-    <dgm:txEffectClrLst/>
-  </dgm:styleLbl>
-  <dgm:styleLbl name="node1">
-    <dgm:fillClrLst meth="repeat">
-      <a:schemeClr val="accent1"/>
-    </dgm:fillClrLst>
-    <dgm:linClrLst meth="repeat">
-      <a:schemeClr val="lt1"/>
-    </dgm:linClrLst>
-    <dgm:effectClrLst/>
-    <dgm:txLinClrLst/>
-    <dgm:txFillClrLst/>
-    <dgm:txEffectClrLst/>
-  </dgm:styleLbl>
-  <dgm:styleLbl name="lnNode1">
-    <dgm:fillClrLst meth="repeat">
-      <a:schemeClr val="accent1"/>
-    </dgm:fillClrLst>
-    <dgm:linClrLst meth="repeat">
-      <a:schemeClr val="lt1"/>
-    </dgm:linClrLst>
-    <dgm:effectClrLst/>
-    <dgm:txLinClrLst/>
-    <dgm:txFillClrLst/>
-    <dgm:txEffectClrLst/>
-  </dgm:styleLbl>
-  <dgm:styleLbl name="vennNode1">
-    <dgm:fillClrLst meth="repeat">
-      <a:schemeClr val="accent1">
-        <a:alpha val="50000"/>
-      </a:schemeClr>
-    </dgm:fillClrLst>
-    <dgm:linClrLst meth="repeat">
-      <a:schemeClr val="lt1"/>
-    </dgm:linClrLst>
-    <dgm:effectClrLst/>
-    <dgm:txLinClrLst/>
-    <dgm:txFillClrLst/>
-    <dgm:txEffectClrLst/>
-  </dgm:styleLbl>
-  <dgm:styleLbl name="node2">
-    <dgm:fillClrLst meth="repeat">
-      <a:schemeClr val="accent1"/>
-    </dgm:fillClrLst>
-    <dgm:linClrLst meth="repeat">
-      <a:schemeClr val="lt1"/>
-    </dgm:linClrLst>
-    <dgm:effectClrLst/>
-    <dgm:txLinClrLst/>
-    <dgm:txFillClrLst/>
-    <dgm:txEffectClrLst/>
-  </dgm:styleLbl>
-  <dgm:styleLbl name="node3">
-    <dgm:fillClrLst meth="repeat">
-      <a:schemeClr val="accent1"/>
-    </dgm:fillClrLst>
-    <dgm:linClrLst meth="repeat">
-      <a:schemeClr val="lt1"/>
-    </dgm:linClrLst>
-    <dgm:effectClrLst/>
-    <dgm:txLinClrLst/>
-    <dgm:txFillClrLst/>
-    <dgm:txEffectClrLst/>
-  </dgm:styleLbl>
-  <dgm:styleLbl name="node4">
-    <dgm:fillClrLst meth="repeat">
-      <a:schemeClr val="accent1"/>
-    </dgm:fillClrLst>
-    <dgm:linClrLst meth="repeat">
-      <a:schemeClr val="lt1"/>
-    </dgm:linClrLst>
-    <dgm:effectClrLst/>
-    <dgm:txLinClrLst/>
-    <dgm:txFillClrLst/>
-    <dgm:txEffectClrLst/>
-  </dgm:styleLbl>
-  <dgm:styleLbl name="fgImgPlace1">
-    <dgm:fillClrLst meth="repeat">
-      <a:schemeClr val="accent1">
-        <a:tint val="50000"/>
-      </a:schemeClr>
-    </dgm:fillClrLst>
-    <dgm:linClrLst meth="repeat">
-      <a:schemeClr val="lt1"/>
-    </dgm:linClrLst>
-    <dgm:effectClrLst/>
-    <dgm:txLinClrLst/>
-    <dgm:txFillClrLst meth="repeat">
-      <a:schemeClr val="lt1"/>
-    </dgm:txFillClrLst>
-    <dgm:txEffectClrLst/>
-  </dgm:styleLbl>
-  <dgm:styleLbl name="alignImgPlace1">
-    <dgm:fillClrLst meth="repeat">
-      <a:schemeClr val="accent1">
-        <a:tint val="50000"/>
-      </a:schemeClr>
-    </dgm:fillClrLst>
-    <dgm:linClrLst meth="repeat">
-      <a:schemeClr val="lt1"/>
-    </dgm:linClrLst>
-    <dgm:effectClrLst/>
-    <dgm:txLinClrLst/>
-    <dgm:txFillClrLst meth="repeat">
-      <a:schemeClr val="lt1"/>
-    </dgm:txFillClrLst>
-    <dgm:txEffectClrLst/>
-  </dgm:styleLbl>
-  <dgm:styleLbl name="bgImgPlace1">
-    <dgm:fillClrLst meth="repeat">
-      <a:schemeClr val="accent1">
-        <a:tint val="50000"/>
-      </a:schemeClr>
-    </dgm:fillClrLst>
-    <dgm:linClrLst meth="repeat">
-      <a:schemeClr val="lt1"/>
-    </dgm:linClrLst>
-    <dgm:effectClrLst/>
-    <dgm:txLinClrLst/>
-    <dgm:txFillClrLst meth="repeat">
-      <a:schemeClr val="lt1"/>
-    </dgm:txFillClrLst>
-    <dgm:txEffectClrLst/>
-  </dgm:styleLbl>
-  <dgm:styleLbl name="sibTrans2D1">
-    <dgm:fillClrLst meth="repeat">
-      <a:schemeClr val="accent1">
-        <a:tint val="60000"/>
-      </a:schemeClr>
-    </dgm:fillClrLst>
-    <dgm:linClrLst meth="repeat">
-      <a:schemeClr val="accent1">
-        <a:tint val="60000"/>
-      </a:schemeClr>
-    </dgm:linClrLst>
-    <dgm:effectClrLst/>
-    <dgm:txLinClrLst/>
-    <dgm:txFillClrLst/>
-    <dgm:txEffectClrLst/>
-  </dgm:styleLbl>
-  <dgm:styleLbl name="fgSibTrans2D1">
-    <dgm:fillClrLst meth="repeat">
-      <a:schemeClr val="accent1">
-        <a:tint val="60000"/>
-      </a:schemeClr>
-    </dgm:fillClrLst>
-    <dgm:linClrLst meth="repeat">
-      <a:schemeClr val="accent1">
-        <a:tint val="60000"/>
-      </a:schemeClr>
-    </dgm:linClrLst>
-    <dgm:effectClrLst/>
-    <dgm:txLinClrLst/>
-    <dgm:txFillClrLst/>
-    <dgm:txEffectClrLst/>
-  </dgm:styleLbl>
-  <dgm:styleLbl name="bgSibTrans2D1">
-    <dgm:fillClrLst meth="repeat">
-      <a:schemeClr val="accent1">
-        <a:tint val="60000"/>
-      </a:schemeClr>
-    </dgm:fillClrLst>
-    <dgm:linClrLst meth="repeat">
-      <a:schemeClr val="accent1">
-        <a:tint val="60000"/>
-      </a:schemeClr>
-    </dgm:linClrLst>
-    <dgm:effectClrLst/>
-    <dgm:txLinClrLst/>
-    <dgm:txFillClrLst/>
-    <dgm:txEffectClrLst/>
-  </dgm:styleLbl>
-  <dgm:styleLbl name="sibTrans1D1">
-    <dgm:fillClrLst meth="repeat">
-      <a:schemeClr val="accent1"/>
-    </dgm:fillClrLst>
-    <dgm:linClrLst meth="repeat">
-      <a:schemeClr val="accent1"/>
-    </dgm:linClrLst>
-    <dgm:effectClrLst/>
-    <dgm:txLinClrLst/>
-    <dgm:txFillClrLst meth="repeat">
-      <a:schemeClr val="tx1"/>
-    </dgm:txFillClrLst>
-    <dgm:txEffectClrLst/>
-  </dgm:styleLbl>
-  <dgm:styleLbl name="callout">
-    <dgm:fillClrLst meth="repeat">
-      <a:schemeClr val="accent1"/>
-    </dgm:fillClrLst>
-    <dgm:linClrLst meth="repeat">
-      <a:schemeClr val="accent1">
-        <a:tint val="50000"/>
-      </a:schemeClr>
-    </dgm:linClrLst>
-    <dgm:effectClrLst/>
-    <dgm:txLinClrLst/>
-    <dgm:txFillClrLst meth="repeat">
-      <a:schemeClr val="tx1"/>
-    </dgm:txFillClrLst>
-    <dgm:txEffectClrLst/>
-  </dgm:styleLbl>
-  <dgm:styleLbl name="asst0">
-    <dgm:fillClrLst meth="repeat">
-      <a:schemeClr val="accent1"/>
-    </dgm:fillClrLst>
-    <dgm:linClrLst meth="repeat">
-      <a:schemeClr val="lt1"/>
-    </dgm:linClrLst>
-    <dgm:effectClrLst/>
-    <dgm:txLinClrLst/>
-    <dgm:txFillClrLst/>
-    <dgm:txEffectClrLst/>
-  </dgm:styleLbl>
-  <dgm:styleLbl name="asst1">
-    <dgm:fillClrLst meth="repeat">
-      <a:schemeClr val="accent1"/>
-    </dgm:fillClrLst>
-    <dgm:linClrLst meth="repeat">
-      <a:schemeClr val="lt1"/>
-    </dgm:linClrLst>
-    <dgm:effectClrLst/>
-    <dgm:txLinClrLst/>
-    <dgm:txFillClrLst/>
-    <dgm:txEffectClrLst/>
-  </dgm:styleLbl>
-  <dgm:styleLbl name="asst2">
-    <dgm:fillClrLst meth="repeat">
-      <a:schemeClr val="accent1"/>
-    </dgm:fillClrLst>
-    <dgm:linClrLst meth="repeat">
-      <a:schemeClr val="lt1"/>
-    </dgm:linClrLst>
-    <dgm:effectClrLst/>
-    <dgm:txLinClrLst/>
-    <dgm:txFillClrLst/>
-    <dgm:txEffectClrLst/>
-  </dgm:styleLbl>
-  <dgm:styleLbl name="asst3">
-    <dgm:fillClrLst meth="repeat">
-      <a:schemeClr val="accent1"/>
-    </dgm:fillClrLst>
-    <dgm:linClrLst meth="repeat">
-      <a:schemeClr val="lt1"/>
-    </dgm:linClrLst>
-    <dgm:effectClrLst/>
-    <dgm:txLinClrLst/>
-    <dgm:txFillClrLst/>
-    <dgm:txEffectClrLst/>
-  </dgm:styleLbl>
-  <dgm:styleLbl name="asst4">
-    <dgm:fillClrLst meth="repeat">
-      <a:schemeClr val="accent1"/>
-    </dgm:fillClrLst>
-    <dgm:linClrLst meth="repeat">
-      <a:schemeClr val="lt1"/>
-    </dgm:linClrLst>
-    <dgm:effectClrLst/>
-    <dgm:txLinClrLst/>
-    <dgm:txFillClrLst/>
-    <dgm:txEffectClrLst/>
-  </dgm:styleLbl>
-  <dgm:styleLbl name="parChTrans2D1">
-    <dgm:fillClrLst meth="repeat">
-      <a:schemeClr val="accent1">
-        <a:tint val="60000"/>
-      </a:schemeClr>
-    </dgm:fillClrLst>
-    <dgm:linClrLst meth="repeat">
-      <a:schemeClr val="accent1">
-        <a:tint val="60000"/>
-      </a:schemeClr>
-    </dgm:linClrLst>
-    <dgm:effectClrLst/>
-    <dgm:txLinClrLst/>
-    <dgm:txFillClrLst meth="repeat">
-      <a:schemeClr val="lt1"/>
-    </dgm:txFillClrLst>
-    <dgm:txEffectClrLst/>
-  </dgm:styleLbl>
-  <dgm:styleLbl name="parChTrans2D2">
-    <dgm:fillClrLst meth="repeat">
-      <a:schemeClr val="accent1"/>
-    </dgm:fillClrLst>
-    <dgm:linClrLst meth="repeat">
-      <a:schemeClr val="accent1"/>
-    </dgm:linClrLst>
-    <dgm:effectClrLst/>
-    <dgm:txLinClrLst/>
-    <dgm:txFillClrLst meth="repeat">
-      <a:schemeClr val="lt1"/>
-    </dgm:txFillClrLst>
-    <dgm:txEffectClrLst/>
-  </dgm:styleLbl>
-  <dgm:styleLbl name="parChTrans2D3">
-    <dgm:fillClrLst meth="repeat">
-      <a:schemeClr val="accent1"/>
-    </dgm:fillClrLst>
-    <dgm:linClrLst meth="repeat">
-      <a:schemeClr val="accent1"/>
-    </dgm:linClrLst>
-    <dgm:effectClrLst/>
-    <dgm:txLinClrLst/>
-    <dgm:txFillClrLst meth="repeat">
-      <a:schemeClr val="lt1"/>
-    </dgm:txFillClrLst>
-    <dgm:txEffectClrLst/>
-  </dgm:styleLbl>
-  <dgm:styleLbl name="parChTrans2D4">
-    <dgm:fillClrLst meth="repeat">
-      <a:schemeClr val="accent1"/>
-    </dgm:fillClrLst>
-    <dgm:linClrLst meth="repeat">
-      <a:schemeClr val="accent1"/>
-    </dgm:linClrLst>
-    <dgm:effectClrLst/>
-    <dgm:txLinClrLst/>
-    <dgm:txFillClrLst meth="repeat">
-      <a:schemeClr val="lt1"/>
-    </dgm:txFillClrLst>
-    <dgm:txEffectClrLst/>
-  </dgm:styleLbl>
-  <dgm:styleLbl name="parChTrans1D1">
-    <dgm:fillClrLst meth="repeat">
-      <a:schemeClr val="accent1"/>
-    </dgm:fillClrLst>
-    <dgm:linClrLst meth="repeat">
-      <a:schemeClr val="accent1">
-        <a:shade val="60000"/>
-      </a:schemeClr>
-    </dgm:linClrLst>
-    <dgm:effectClrLst/>
-    <dgm:txLinClrLst/>
-    <dgm:txFillClrLst meth="repeat">
-      <a:schemeClr val="tx1"/>
-    </dgm:txFillClrLst>
-    <dgm:txEffectClrLst/>
-  </dgm:styleLbl>
-  <dgm:styleLbl name="parChTrans1D2">
-    <dgm:fillClrLst meth="repeat">
-      <a:schemeClr val="accent1"/>
-    </dgm:fillClrLst>
-    <dgm:linClrLst meth="repeat">
-      <a:schemeClr val="accent1">
-        <a:shade val="60000"/>
-      </a:schemeClr>
-    </dgm:linClrLst>
-    <dgm:effectClrLst/>
-    <dgm:txLinClrLst/>
-    <dgm:txFillClrLst meth="repeat">
-      <a:schemeClr val="tx1"/>
-    </dgm:txFillClrLst>
-    <dgm:txEffectClrLst/>
-  </dgm:styleLbl>
-  <dgm:styleLbl name="parChTrans1D3">
-    <dgm:fillClrLst meth="repeat">
-      <a:schemeClr val="accent1"/>
-    </dgm:fillClrLst>
-    <dgm:linClrLst meth="repeat">
-      <a:schemeClr val="accent1">
-        <a:shade val="80000"/>
-      </a:schemeClr>
-    </dgm:linClrLst>
-    <dgm:effectClrLst/>
-    <dgm:txLinClrLst/>
-    <dgm:txFillClrLst meth="repeat">
-      <a:schemeClr val="tx1"/>
-    </dgm:txFillClrLst>
-    <dgm:txEffectClrLst/>
-  </dgm:styleLbl>
-  <dgm:styleLbl name="parChTrans1D4">
-    <dgm:fillClrLst meth="repeat">
-      <a:schemeClr val="accent1"/>
-    </dgm:fillClrLst>
-    <dgm:linClrLst meth="repeat">
-      <a:schemeClr val="accent1">
-        <a:shade val="80000"/>
-      </a:schemeClr>
-    </dgm:linClrLst>
-    <dgm:effectClrLst/>
-    <dgm:txLinClrLst/>
-    <dgm:txFillClrLst meth="repeat">
-      <a:schemeClr val="tx1"/>
-    </dgm:txFillClrLst>
-    <dgm:txEffectClrLst/>
-  </dgm:styleLbl>
-  <dgm:styleLbl name="fgAcc1">
-    <dgm:fillClrLst meth="repeat">
-      <a:schemeClr val="lt1">
-        <a:alpha val="90000"/>
-      </a:schemeClr>
-    </dgm:fillClrLst>
-    <dgm:linClrLst meth="repeat">
-      <a:schemeClr val="accent1"/>
-    </dgm:linClrLst>
-    <dgm:effectClrLst/>
-    <dgm:txLinClrLst/>
-    <dgm:txFillClrLst meth="repeat">
-      <a:schemeClr val="dk1"/>
-    </dgm:txFillClrLst>
-    <dgm:txEffectClrLst/>
-  </dgm:styleLbl>
-  <dgm:styleLbl name="conFgAcc1">
-    <dgm:fillClrLst meth="repeat">
-      <a:schemeClr val="lt1">
-        <a:alpha val="90000"/>
-      </a:schemeClr>
-    </dgm:fillClrLst>
-    <dgm:linClrLst meth="repeat">
-      <a:schemeClr val="accent1"/>
-    </dgm:linClrLst>
-    <dgm:effectClrLst/>
-    <dgm:txLinClrLst/>
-    <dgm:txFillClrLst meth="repeat">
-      <a:schemeClr val="dk1"/>
-    </dgm:txFillClrLst>
-    <dgm:txEffectClrLst/>
-  </dgm:styleLbl>
-  <dgm:styleLbl name="alignAcc1">
-    <dgm:fillClrLst meth="repeat">
-      <a:schemeClr val="lt1">
-        <a:alpha val="90000"/>
-      </a:schemeClr>
-    </dgm:fillClrLst>
-    <dgm:linClrLst meth="repeat">
-      <a:schemeClr val="accent1"/>
-    </dgm:linClrLst>
-    <dgm:effectClrLst/>
-    <dgm:txLinClrLst/>
-    <dgm:txFillClrLst meth="repeat">
-      <a:schemeClr val="dk1"/>
-    </dgm:txFillClrLst>
-    <dgm:txEffectClrLst/>
-  </dgm:styleLbl>
-  <dgm:styleLbl name="trAlignAcc1">
-    <dgm:fillClrLst meth="repeat">
-      <a:schemeClr val="lt1">
-        <a:alpha val="40000"/>
-      </a:schemeClr>
-    </dgm:fillClrLst>
-    <dgm:linClrLst meth="repeat">
-      <a:schemeClr val="accent1"/>
-    </dgm:linClrLst>
-    <dgm:effectClrLst/>
-    <dgm:txLinClrLst/>
-    <dgm:txFillClrLst meth="repeat">
-      <a:schemeClr val="dk1"/>
-    </dgm:txFillClrLst>
-    <dgm:txEffectClrLst/>
-  </dgm:styleLbl>
-  <dgm:styleLbl name="bgAcc1">
-    <dgm:fillClrLst meth="repeat">
-      <a:schemeClr val="lt1">
-        <a:alpha val="90000"/>
-      </a:schemeClr>
-    </dgm:fillClrLst>
-    <dgm:linClrLst meth="repeat">
-      <a:schemeClr val="accent1"/>
-    </dgm:linClrLst>
-    <dgm:effectClrLst/>
-    <dgm:txLinClrLst/>
-    <dgm:txFillClrLst meth="repeat">
-      <a:schemeClr val="dk1"/>
-    </dgm:txFillClrLst>
-    <dgm:txEffectClrLst/>
-  </dgm:styleLbl>
-  <dgm:styleLbl name="solidFgAcc1">
-    <dgm:fillClrLst meth="repeat">
-      <a:schemeClr val="lt1"/>
-    </dgm:fillClrLst>
-    <dgm:linClrLst meth="repeat">
-      <a:schemeClr val="accent1"/>
-    </dgm:linClrLst>
-    <dgm:effectClrLst/>
-    <dgm:txLinClrLst/>
-    <dgm:txFillClrLst meth="repeat">
-      <a:schemeClr val="dk1"/>
-    </dgm:txFillClrLst>
-    <dgm:txEffectClrLst/>
-  </dgm:styleLbl>
-  <dgm:styleLbl name="solidAlignAcc1">
-    <dgm:fillClrLst meth="repeat">
-      <a:schemeClr val="lt1"/>
-    </dgm:fillClrLst>
-    <dgm:linClrLst meth="repeat">
-      <a:schemeClr val="accent1"/>
-    </dgm:linClrLst>
-    <dgm:effectClrLst/>
-    <dgm:txLinClrLst/>
-    <dgm:txFillClrLst meth="repeat">
-      <a:schemeClr val="dk1"/>
-    </dgm:txFillClrLst>
-    <dgm:txEffectClrLst/>
-  </dgm:styleLbl>
-  <dgm:styleLbl name="solidBgAcc1">
-    <dgm:fillClrLst meth="repeat">
-      <a:schemeClr val="lt1"/>
-    </dgm:fillClrLst>
-    <dgm:linClrLst meth="repeat">
-      <a:schemeClr val="accent1"/>
-    </dgm:linClrLst>
-    <dgm:effectClrLst/>
-    <dgm:txLinClrLst/>
-    <dgm:txFillClrLst meth="repeat">
-      <a:schemeClr val="dk1"/>
-    </dgm:txFillClrLst>
-    <dgm:txEffectClrLst/>
-  </dgm:styleLbl>
-  <dgm:styleLbl name="fgAccFollowNode1">
-    <dgm:fillClrLst meth="repeat">
-      <a:schemeClr val="accent1">
-        <a:alpha val="90000"/>
-        <a:tint val="40000"/>
-      </a:schemeClr>
-    </dgm:fillClrLst>
-    <dgm:linClrLst meth="repeat">
-      <a:schemeClr val="accent1">
-        <a:alpha val="90000"/>
-        <a:tint val="40000"/>
-      </a:schemeClr>
-    </dgm:linClrLst>
-    <dgm:effectClrLst/>
-    <dgm:txLinClrLst/>
-    <dgm:txFillClrLst meth="repeat">
-      <a:schemeClr val="dk1"/>
-    </dgm:txFillClrLst>
-    <dgm:txEffectClrLst/>
-  </dgm:styleLbl>
-  <dgm:styleLbl name="alignAccFollowNode1">
-    <dgm:fillClrLst meth="repeat">
-      <a:schemeClr val="accent1">
-        <a:alpha val="90000"/>
-        <a:tint val="40000"/>
-      </a:schemeClr>
-    </dgm:fillClrLst>
-    <dgm:linClrLst meth="repeat">
-      <a:schemeClr val="accent1">
-        <a:alpha val="90000"/>
-        <a:tint val="40000"/>
-      </a:schemeClr>
-    </dgm:linClrLst>
-    <dgm:effectClrLst/>
-    <dgm:txLinClrLst/>
-    <dgm:txFillClrLst meth="repeat">
-      <a:schemeClr val="dk1"/>
-    </dgm:txFillClrLst>
-    <dgm:txEffectClrLst/>
-  </dgm:styleLbl>
-  <dgm:styleLbl name="bgAccFollowNode1">
-    <dgm:fillClrLst meth="repeat">
-      <a:schemeClr val="accent1">
-        <a:alpha val="90000"/>
-        <a:tint val="40000"/>
-      </a:schemeClr>
-    </dgm:fillClrLst>
-    <dgm:linClrLst meth="repeat">
-      <a:schemeClr val="accent1">
-        <a:alpha val="90000"/>
-        <a:tint val="40000"/>
-      </a:schemeClr>
-    </dgm:linClrLst>
-    <dgm:effectClrLst/>
-    <dgm:txLinClrLst/>
-    <dgm:txFillClrLst meth="repeat">
-      <a:schemeClr val="dk1"/>
-    </dgm:txFillClrLst>
-    <dgm:txEffectClrLst/>
-  </dgm:styleLbl>
-  <dgm:styleLbl name="fgAcc0">
-    <dgm:fillClrLst meth="repeat">
-      <a:schemeClr val="lt1">
-        <a:alpha val="90000"/>
-      </a:schemeClr>
-    </dgm:fillClrLst>
-    <dgm:linClrLst meth="repeat">
-      <a:schemeClr val="accent1"/>
-    </dgm:linClrLst>
-    <dgm:effectClrLst/>
-    <dgm:txLinClrLst/>
-    <dgm:txFillClrLst meth="repeat">
-      <a:schemeClr val="dk1"/>
-    </dgm:txFillClrLst>
-    <dgm:txEffectClrLst/>
-  </dgm:styleLbl>
-  <dgm:styleLbl name="fgAcc2">
-    <dgm:fillClrLst meth="repeat">
-      <a:schemeClr val="lt1">
-        <a:alpha val="90000"/>
-      </a:schemeClr>
-    </dgm:fillClrLst>
-    <dgm:linClrLst meth="repeat">
-      <a:schemeClr val="accent1"/>
-    </dgm:linClrLst>
-    <dgm:effectClrLst/>
-    <dgm:txLinClrLst/>
-    <dgm:txFillClrLst meth="repeat">
-      <a:schemeClr val="dk1"/>
-    </dgm:txFillClrLst>
-    <dgm:txEffectClrLst/>
-  </dgm:styleLbl>
-  <dgm:styleLbl name="fgAcc3">
-    <dgm:fillClrLst meth="repeat">
-      <a:schemeClr val="lt1">
-        <a:alpha val="90000"/>
-      </a:schemeClr>
-    </dgm:fillClrLst>
-    <dgm:linClrLst meth="repeat">
-      <a:schemeClr val="accent1"/>
-    </dgm:linClrLst>
-    <dgm:effectClrLst/>
-    <dgm:txLinClrLst/>
-    <dgm:txFillClrLst meth="repeat">
-      <a:schemeClr val="dk1"/>
-    </dgm:txFillClrLst>
-    <dgm:txEffectClrLst/>
-  </dgm:styleLbl>
-  <dgm:styleLbl name="fgAcc4">
-    <dgm:fillClrLst meth="repeat">
-      <a:schemeClr val="lt1">
-        <a:alpha val="90000"/>
-      </a:schemeClr>
-    </dgm:fillClrLst>
-    <dgm:linClrLst meth="repeat">
-      <a:schemeClr val="accent1"/>
-    </dgm:linClrLst>
-    <dgm:effectClrLst/>
-    <dgm:txLinClrLst/>
-    <dgm:txFillClrLst meth="repeat">
-      <a:schemeClr val="dk1"/>
-    </dgm:txFillClrLst>
-    <dgm:txEffectClrLst/>
-  </dgm:styleLbl>
-  <dgm:styleLbl name="bgShp">
-    <dgm:fillClrLst meth="repeat">
-      <a:schemeClr val="accent1">
-        <a:tint val="40000"/>
-      </a:schemeClr>
-    </dgm:fillClrLst>
-    <dgm:linClrLst meth="repeat">
-      <a:schemeClr val="accent1"/>
-    </dgm:linClrLst>
-    <dgm:effectClrLst/>
-    <dgm:txLinClrLst/>
-    <dgm:txFillClrLst meth="repeat">
-      <a:schemeClr val="dk1"/>
-    </dgm:txFillClrLst>
-    <dgm:txEffectClrLst/>
-  </dgm:styleLbl>
-  <dgm:styleLbl name="dkBgShp">
-    <dgm:fillClrLst meth="repeat">
-      <a:schemeClr val="accent1">
-        <a:shade val="80000"/>
-      </a:schemeClr>
-    </dgm:fillClrLst>
-    <dgm:linClrLst meth="repeat">
-      <a:schemeClr val="accent1"/>
-    </dgm:linClrLst>
-    <dgm:effectClrLst/>
-    <dgm:txLinClrLst/>
-    <dgm:txFillClrLst meth="repeat">
-      <a:schemeClr val="lt1"/>
-    </dgm:txFillClrLst>
-    <dgm:txEffectClrLst/>
-  </dgm:styleLbl>
-  <dgm:styleLbl name="trBgShp">
-    <dgm:fillClrLst meth="repeat">
-      <a:schemeClr val="accent1">
-        <a:tint val="50000"/>
-        <a:alpha val="40000"/>
-      </a:schemeClr>
-    </dgm:fillClrLst>
-    <dgm:linClrLst meth="repeat">
-      <a:schemeClr val="accent1"/>
-    </dgm:linClrLst>
-    <dgm:effectClrLst/>
-    <dgm:txLinClrLst/>
-    <dgm:txFillClrLst meth="repeat">
-      <a:schemeClr val="lt1"/>
-    </dgm:txFillClrLst>
-    <dgm:txEffectClrLst/>
-  </dgm:styleLbl>
-  <dgm:styleLbl name="fgShp">
-    <dgm:fillClrLst meth="repeat">
-      <a:schemeClr val="accent1">
-        <a:tint val="60000"/>
-      </a:schemeClr>
-    </dgm:fillClrLst>
-    <dgm:linClrLst meth="repeat">
-      <a:schemeClr val="lt1"/>
-    </dgm:linClrLst>
-    <dgm:effectClrLst/>
-    <dgm:txLinClrLst/>
-    <dgm:txFillClrLst meth="repeat">
-      <a:schemeClr val="dk1"/>
-    </dgm:txFillClrLst>
-    <dgm:txEffectClrLst/>
-  </dgm:styleLbl>
-  <dgm:styleLbl name="revTx">
-    <dgm:fillClrLst meth="repeat">
-      <a:schemeClr val="lt1">
-        <a:alpha val="0"/>
-      </a:schemeClr>
-    </dgm:fillClrLst>
-    <dgm:linClrLst meth="repeat">
-      <a:schemeClr val="dk1">
-        <a:alpha val="0"/>
-      </a:schemeClr>
-    </dgm:linClrLst>
-    <dgm:effectClrLst/>
-    <dgm:txLinClrLst/>
-    <dgm:txFillClrLst meth="repeat">
-      <a:schemeClr val="tx1"/>
-    </dgm:txFillClrLst>
-    <dgm:txEffectClrLst/>
-  </dgm:styleLbl>
-</dgm:colorsDef>
-</file>
-
-<file path=ppt/diagrams/data1.xml><?xml version="1.0" encoding="utf-8"?>
-<dgm:dataModel xmlns:dgm="http://schemas.openxmlformats.org/drawingml/2006/diagram" xmlns:a="http://schemas.openxmlformats.org/drawingml/2006/main">
-  <dgm:ptLst>
-    <dgm:pt modelId="{53689696-86C5-406C-B85F-16B4EED91A77}" type="doc">
-      <dgm:prSet loTypeId="urn:microsoft.com/office/officeart/2005/8/layout/default" loCatId="list" qsTypeId="urn:microsoft.com/office/officeart/2005/8/quickstyle/simple1" qsCatId="simple" csTypeId="urn:microsoft.com/office/officeart/2005/8/colors/accent1_2" csCatId="accent1" phldr="1"/>
-      <dgm:spPr/>
-      <dgm:t>
-        <a:bodyPr/>
-        <a:lstStyle/>
-        <a:p>
-          <a:endParaRPr lang="en-US"/>
-        </a:p>
-      </dgm:t>
-    </dgm:pt>
-    <dgm:pt modelId="{F509D5F7-7225-4C94-9469-FBAD1D945C84}">
-      <dgm:prSet/>
-      <dgm:spPr/>
-      <dgm:t>
-        <a:bodyPr/>
-        <a:lstStyle/>
-        <a:p>
-          <a:r>
-            <a:rPr lang="en-US" dirty="0"/>
-            <a:t>This is our data sources:</a:t>
-          </a:r>
-        </a:p>
-      </dgm:t>
-    </dgm:pt>
-    <dgm:pt modelId="{9E375D92-2CC7-433C-AF49-17BFCFAF92DF}" type="parTrans" cxnId="{A7B36CB7-E510-495B-ACCA-65D0C48CF251}">
-      <dgm:prSet/>
-      <dgm:spPr/>
-      <dgm:t>
-        <a:bodyPr/>
-        <a:lstStyle/>
-        <a:p>
-          <a:endParaRPr lang="en-US"/>
-        </a:p>
-      </dgm:t>
-    </dgm:pt>
-    <dgm:pt modelId="{685DF970-4D24-424C-BC0B-569E4678D3AC}" type="sibTrans" cxnId="{A7B36CB7-E510-495B-ACCA-65D0C48CF251}">
-      <dgm:prSet/>
-      <dgm:spPr/>
-      <dgm:t>
-        <a:bodyPr/>
-        <a:lstStyle/>
-        <a:p>
-          <a:endParaRPr lang="en-US"/>
-        </a:p>
-      </dgm:t>
-    </dgm:pt>
-    <dgm:pt modelId="{61B992E4-9559-45FA-9311-98F320A99671}">
-      <dgm:prSet/>
-      <dgm:spPr/>
-      <dgm:t>
-        <a:bodyPr/>
-        <a:lstStyle/>
-        <a:p>
-          <a:r>
-            <a:rPr lang="en-US" dirty="0"/>
-            <a:t>https://www.kaggle.com/datasets/federalreserve/interest-rates</a:t>
-          </a:r>
-        </a:p>
-      </dgm:t>
-    </dgm:pt>
-    <dgm:pt modelId="{2E0827A1-C84D-4E47-A063-B655DEF7E71C}" type="parTrans" cxnId="{88ACADB3-CB05-4D2D-A979-EA20195E81CA}">
-      <dgm:prSet/>
-      <dgm:spPr/>
-      <dgm:t>
-        <a:bodyPr/>
-        <a:lstStyle/>
-        <a:p>
-          <a:endParaRPr lang="en-US"/>
-        </a:p>
-      </dgm:t>
-    </dgm:pt>
-    <dgm:pt modelId="{B9B38C3C-2B11-4FD0-A706-EBB1B942B8FF}" type="sibTrans" cxnId="{88ACADB3-CB05-4D2D-A979-EA20195E81CA}">
-      <dgm:prSet/>
-      <dgm:spPr/>
-      <dgm:t>
-        <a:bodyPr/>
-        <a:lstStyle/>
-        <a:p>
-          <a:endParaRPr lang="en-US"/>
-        </a:p>
-      </dgm:t>
-    </dgm:pt>
-    <dgm:pt modelId="{F70A3303-75F1-4E11-B0D4-530EC14B46ED}">
-      <dgm:prSet/>
-      <dgm:spPr/>
-      <dgm:t>
-        <a:bodyPr/>
-        <a:lstStyle/>
-        <a:p>
-          <a:r>
-            <a:rPr lang="en-US" dirty="0"/>
-            <a:t>https://www.bankrate.com/banking/federal-reserve/history-of-federal-funds-rate/#2001</a:t>
-          </a:r>
-        </a:p>
-      </dgm:t>
-    </dgm:pt>
-    <dgm:pt modelId="{D0BFAA1D-3B6D-43A9-AE89-171E9D6500BB}" type="parTrans" cxnId="{F772E292-24B7-4C78-B441-54FC663D1636}">
-      <dgm:prSet/>
-      <dgm:spPr/>
-      <dgm:t>
-        <a:bodyPr/>
-        <a:lstStyle/>
-        <a:p>
-          <a:endParaRPr lang="en-US"/>
-        </a:p>
-      </dgm:t>
-    </dgm:pt>
-    <dgm:pt modelId="{9946608C-C6ED-4A24-A0B7-E59A3F2A07E5}" type="sibTrans" cxnId="{F772E292-24B7-4C78-B441-54FC663D1636}">
-      <dgm:prSet/>
-      <dgm:spPr/>
-      <dgm:t>
-        <a:bodyPr/>
-        <a:lstStyle/>
-        <a:p>
-          <a:endParaRPr lang="en-US"/>
-        </a:p>
-      </dgm:t>
-    </dgm:pt>
-    <dgm:pt modelId="{F5350DB5-B0E4-4983-8525-D4AB3F855030}">
-      <dgm:prSet/>
-      <dgm:spPr/>
-      <dgm:t>
-        <a:bodyPr/>
-        <a:lstStyle/>
-        <a:p>
-          <a:r>
-            <a:rPr lang="en-US" dirty="0"/>
-            <a:t>https://fred.stlouisfed.org/series/MDSTHPI</a:t>
-          </a:r>
-        </a:p>
-      </dgm:t>
-    </dgm:pt>
-    <dgm:pt modelId="{F3902C1E-71C2-4D4B-84EB-A0AACB158BAE}" type="parTrans" cxnId="{801BCE64-118A-418D-8EA1-C5BE29BC080B}">
-      <dgm:prSet/>
-      <dgm:spPr/>
-      <dgm:t>
-        <a:bodyPr/>
-        <a:lstStyle/>
-        <a:p>
-          <a:endParaRPr lang="en-US"/>
-        </a:p>
-      </dgm:t>
-    </dgm:pt>
-    <dgm:pt modelId="{79BCBEFF-FA4D-4B90-B239-7AE43C3665ED}" type="sibTrans" cxnId="{801BCE64-118A-418D-8EA1-C5BE29BC080B}">
-      <dgm:prSet/>
-      <dgm:spPr/>
-      <dgm:t>
-        <a:bodyPr/>
-        <a:lstStyle/>
-        <a:p>
-          <a:endParaRPr lang="en-US"/>
-        </a:p>
-      </dgm:t>
-    </dgm:pt>
-    <dgm:pt modelId="{19896EBC-A9C0-451B-8E84-86D5DA97D6F4}">
-      <dgm:prSet/>
-      <dgm:spPr/>
-      <dgm:t>
-        <a:bodyPr/>
-        <a:lstStyle/>
-        <a:p>
-          <a:r>
-            <a:rPr lang="en-US" dirty="0"/>
-            <a:t>https://fred.stlouisfed.org/series/TXSTHPI#0</a:t>
-          </a:r>
-        </a:p>
-      </dgm:t>
-    </dgm:pt>
-    <dgm:pt modelId="{32DE95E1-9A04-4717-BAFF-036EC11455C9}" type="parTrans" cxnId="{F8562CF5-56FA-4CBE-842F-4C7F8137B0B6}">
-      <dgm:prSet/>
-      <dgm:spPr/>
-      <dgm:t>
-        <a:bodyPr/>
-        <a:lstStyle/>
-        <a:p>
-          <a:endParaRPr lang="en-US"/>
-        </a:p>
-      </dgm:t>
-    </dgm:pt>
-    <dgm:pt modelId="{763F5F22-2B4B-41B5-888B-A1773EA0DB68}" type="sibTrans" cxnId="{F8562CF5-56FA-4CBE-842F-4C7F8137B0B6}">
-      <dgm:prSet/>
-      <dgm:spPr/>
-      <dgm:t>
-        <a:bodyPr/>
-        <a:lstStyle/>
-        <a:p>
-          <a:endParaRPr lang="en-US"/>
-        </a:p>
-      </dgm:t>
-    </dgm:pt>
-    <dgm:pt modelId="{8055428F-B291-4026-B3DA-8BB2C1F30D15}">
-      <dgm:prSet/>
-      <dgm:spPr/>
-      <dgm:t>
-        <a:bodyPr/>
-        <a:lstStyle/>
-        <a:p>
-          <a:r>
-            <a:rPr lang="en-US" dirty="0"/>
-            <a:t>https://fred.stlouisfed.org/series/CTSTHPI</a:t>
-          </a:r>
-        </a:p>
-      </dgm:t>
-    </dgm:pt>
-    <dgm:pt modelId="{E8EE9F44-73CA-4989-BB6B-86987834291D}" type="parTrans" cxnId="{DD0077C9-A14C-4AAE-90A0-D31D28CA2133}">
-      <dgm:prSet/>
-      <dgm:spPr/>
-      <dgm:t>
-        <a:bodyPr/>
-        <a:lstStyle/>
-        <a:p>
-          <a:endParaRPr lang="en-US"/>
-        </a:p>
-      </dgm:t>
-    </dgm:pt>
-    <dgm:pt modelId="{60047A1C-E40F-4A10-A726-EEDC6228EC9F}" type="sibTrans" cxnId="{DD0077C9-A14C-4AAE-90A0-D31D28CA2133}">
-      <dgm:prSet/>
-      <dgm:spPr/>
-      <dgm:t>
-        <a:bodyPr/>
-        <a:lstStyle/>
-        <a:p>
-          <a:endParaRPr lang="en-US"/>
-        </a:p>
-      </dgm:t>
-    </dgm:pt>
-    <dgm:pt modelId="{BE200833-1E03-4B08-9875-3364500D9826}">
-      <dgm:prSet/>
-      <dgm:spPr/>
-      <dgm:t>
-        <a:bodyPr/>
-        <a:lstStyle/>
-        <a:p>
-          <a:r>
-            <a:rPr lang="en-US" dirty="0"/>
-            <a:t>https://fred.stlouisfed.org/series/USSTHPI</a:t>
-          </a:r>
-        </a:p>
-      </dgm:t>
-    </dgm:pt>
-    <dgm:pt modelId="{AFE5AB87-6769-4D22-B8A3-FF1957B1C920}" type="parTrans" cxnId="{63B692B4-FA99-4EF3-9164-5AAAAB56C582}">
-      <dgm:prSet/>
-      <dgm:spPr/>
-      <dgm:t>
-        <a:bodyPr/>
-        <a:lstStyle/>
-        <a:p>
-          <a:endParaRPr lang="en-US"/>
-        </a:p>
-      </dgm:t>
-    </dgm:pt>
-    <dgm:pt modelId="{A303E789-3D8F-4EC1-BCAA-AAF4B6F9F107}" type="sibTrans" cxnId="{63B692B4-FA99-4EF3-9164-5AAAAB56C582}">
-      <dgm:prSet/>
-      <dgm:spPr/>
-      <dgm:t>
-        <a:bodyPr/>
-        <a:lstStyle/>
-        <a:p>
-          <a:endParaRPr lang="en-US"/>
-        </a:p>
-      </dgm:t>
-    </dgm:pt>
-    <dgm:pt modelId="{416521F1-22FB-4FE0-B858-69C22B8F329E}">
-      <dgm:prSet/>
-      <dgm:spPr/>
-      <dgm:t>
-        <a:bodyPr/>
-        <a:lstStyle/>
-        <a:p>
-          <a:r>
-            <a:rPr lang="en-US" dirty="0"/>
-            <a:t>https://www.macrotrends.net/2015/fed-funds-rate-historical-chart</a:t>
-          </a:r>
-        </a:p>
-      </dgm:t>
-    </dgm:pt>
-    <dgm:pt modelId="{A256E162-E6DF-485F-A836-16F4E1A12176}" type="parTrans" cxnId="{4A8571C5-E62A-41F9-8F25-87A8EF54D33A}">
-      <dgm:prSet/>
-      <dgm:spPr/>
-    </dgm:pt>
-    <dgm:pt modelId="{CA04B69A-7221-472F-859F-DA1103AA3AEE}" type="sibTrans" cxnId="{4A8571C5-E62A-41F9-8F25-87A8EF54D33A}">
-      <dgm:prSet/>
-      <dgm:spPr/>
-    </dgm:pt>
-    <dgm:pt modelId="{CD44A96D-BD97-4912-8CE3-D42504B829B5}" type="pres">
-      <dgm:prSet presAssocID="{53689696-86C5-406C-B85F-16B4EED91A77}" presName="diagram" presStyleCnt="0">
-        <dgm:presLayoutVars>
-          <dgm:dir/>
-          <dgm:resizeHandles val="exact"/>
-        </dgm:presLayoutVars>
-      </dgm:prSet>
-      <dgm:spPr/>
-    </dgm:pt>
-    <dgm:pt modelId="{174D358D-2989-4846-9FEB-4048FD0FAF57}" type="pres">
-      <dgm:prSet presAssocID="{F509D5F7-7225-4C94-9469-FBAD1D945C84}" presName="node" presStyleLbl="node1" presStyleIdx="0" presStyleCnt="1">
-        <dgm:presLayoutVars>
-          <dgm:bulletEnabled val="1"/>
-        </dgm:presLayoutVars>
-      </dgm:prSet>
-      <dgm:spPr/>
-    </dgm:pt>
-  </dgm:ptLst>
-  <dgm:cxnLst>
-    <dgm:cxn modelId="{624E470C-D798-46BC-AD0B-6E8A180DF7FC}" type="presOf" srcId="{BE200833-1E03-4B08-9875-3364500D9826}" destId="{174D358D-2989-4846-9FEB-4048FD0FAF57}" srcOrd="0" destOrd="6" presId="urn:microsoft.com/office/officeart/2005/8/layout/default"/>
-    <dgm:cxn modelId="{7A842A1C-6C95-4254-80B0-833E0DC91124}" type="presOf" srcId="{8055428F-B291-4026-B3DA-8BB2C1F30D15}" destId="{174D358D-2989-4846-9FEB-4048FD0FAF57}" srcOrd="0" destOrd="5" presId="urn:microsoft.com/office/officeart/2005/8/layout/default"/>
-    <dgm:cxn modelId="{3395602B-2538-40DD-B6E1-A1346B8BACF8}" type="presOf" srcId="{61B992E4-9559-45FA-9311-98F320A99671}" destId="{174D358D-2989-4846-9FEB-4048FD0FAF57}" srcOrd="0" destOrd="1" presId="urn:microsoft.com/office/officeart/2005/8/layout/default"/>
-    <dgm:cxn modelId="{801BCE64-118A-418D-8EA1-C5BE29BC080B}" srcId="{F509D5F7-7225-4C94-9469-FBAD1D945C84}" destId="{F5350DB5-B0E4-4983-8525-D4AB3F855030}" srcOrd="2" destOrd="0" parTransId="{F3902C1E-71C2-4D4B-84EB-A0AACB158BAE}" sibTransId="{79BCBEFF-FA4D-4B90-B239-7AE43C3665ED}"/>
-    <dgm:cxn modelId="{E961614B-D36A-4682-875B-8804A3B44184}" type="presOf" srcId="{F509D5F7-7225-4C94-9469-FBAD1D945C84}" destId="{174D358D-2989-4846-9FEB-4048FD0FAF57}" srcOrd="0" destOrd="0" presId="urn:microsoft.com/office/officeart/2005/8/layout/default"/>
-    <dgm:cxn modelId="{4D4A6571-FAFE-4BDB-960C-0839AC1457BA}" type="presOf" srcId="{416521F1-22FB-4FE0-B858-69C22B8F329E}" destId="{174D358D-2989-4846-9FEB-4048FD0FAF57}" srcOrd="0" destOrd="7" presId="urn:microsoft.com/office/officeart/2005/8/layout/default"/>
-    <dgm:cxn modelId="{FB0A5977-87C6-4B12-8CA3-BC11B509CF9F}" type="presOf" srcId="{53689696-86C5-406C-B85F-16B4EED91A77}" destId="{CD44A96D-BD97-4912-8CE3-D42504B829B5}" srcOrd="0" destOrd="0" presId="urn:microsoft.com/office/officeart/2005/8/layout/default"/>
-    <dgm:cxn modelId="{E95C1983-9319-4F16-9D13-41907F5AEB56}" type="presOf" srcId="{19896EBC-A9C0-451B-8E84-86D5DA97D6F4}" destId="{174D358D-2989-4846-9FEB-4048FD0FAF57}" srcOrd="0" destOrd="4" presId="urn:microsoft.com/office/officeart/2005/8/layout/default"/>
-    <dgm:cxn modelId="{F772E292-24B7-4C78-B441-54FC663D1636}" srcId="{F509D5F7-7225-4C94-9469-FBAD1D945C84}" destId="{F70A3303-75F1-4E11-B0D4-530EC14B46ED}" srcOrd="1" destOrd="0" parTransId="{D0BFAA1D-3B6D-43A9-AE89-171E9D6500BB}" sibTransId="{9946608C-C6ED-4A24-A0B7-E59A3F2A07E5}"/>
-    <dgm:cxn modelId="{42F7AD9D-2AA6-42C2-B711-979FFAB28A21}" type="presOf" srcId="{F70A3303-75F1-4E11-B0D4-530EC14B46ED}" destId="{174D358D-2989-4846-9FEB-4048FD0FAF57}" srcOrd="0" destOrd="2" presId="urn:microsoft.com/office/officeart/2005/8/layout/default"/>
-    <dgm:cxn modelId="{88ACADB3-CB05-4D2D-A979-EA20195E81CA}" srcId="{F509D5F7-7225-4C94-9469-FBAD1D945C84}" destId="{61B992E4-9559-45FA-9311-98F320A99671}" srcOrd="0" destOrd="0" parTransId="{2E0827A1-C84D-4E47-A063-B655DEF7E71C}" sibTransId="{B9B38C3C-2B11-4FD0-A706-EBB1B942B8FF}"/>
-    <dgm:cxn modelId="{63B692B4-FA99-4EF3-9164-5AAAAB56C582}" srcId="{F509D5F7-7225-4C94-9469-FBAD1D945C84}" destId="{BE200833-1E03-4B08-9875-3364500D9826}" srcOrd="5" destOrd="0" parTransId="{AFE5AB87-6769-4D22-B8A3-FF1957B1C920}" sibTransId="{A303E789-3D8F-4EC1-BCAA-AAF4B6F9F107}"/>
-    <dgm:cxn modelId="{A7B36CB7-E510-495B-ACCA-65D0C48CF251}" srcId="{53689696-86C5-406C-B85F-16B4EED91A77}" destId="{F509D5F7-7225-4C94-9469-FBAD1D945C84}" srcOrd="0" destOrd="0" parTransId="{9E375D92-2CC7-433C-AF49-17BFCFAF92DF}" sibTransId="{685DF970-4D24-424C-BC0B-569E4678D3AC}"/>
-    <dgm:cxn modelId="{4A8571C5-E62A-41F9-8F25-87A8EF54D33A}" srcId="{F509D5F7-7225-4C94-9469-FBAD1D945C84}" destId="{416521F1-22FB-4FE0-B858-69C22B8F329E}" srcOrd="6" destOrd="0" parTransId="{A256E162-E6DF-485F-A836-16F4E1A12176}" sibTransId="{CA04B69A-7221-472F-859F-DA1103AA3AEE}"/>
-    <dgm:cxn modelId="{DD0077C9-A14C-4AAE-90A0-D31D28CA2133}" srcId="{F509D5F7-7225-4C94-9469-FBAD1D945C84}" destId="{8055428F-B291-4026-B3DA-8BB2C1F30D15}" srcOrd="4" destOrd="0" parTransId="{E8EE9F44-73CA-4989-BB6B-86987834291D}" sibTransId="{60047A1C-E40F-4A10-A726-EEDC6228EC9F}"/>
-    <dgm:cxn modelId="{DDF8DFF1-18E5-4C74-A275-46446601334C}" type="presOf" srcId="{F5350DB5-B0E4-4983-8525-D4AB3F855030}" destId="{174D358D-2989-4846-9FEB-4048FD0FAF57}" srcOrd="0" destOrd="3" presId="urn:microsoft.com/office/officeart/2005/8/layout/default"/>
-    <dgm:cxn modelId="{F8562CF5-56FA-4CBE-842F-4C7F8137B0B6}" srcId="{F509D5F7-7225-4C94-9469-FBAD1D945C84}" destId="{19896EBC-A9C0-451B-8E84-86D5DA97D6F4}" srcOrd="3" destOrd="0" parTransId="{32DE95E1-9A04-4717-BAFF-036EC11455C9}" sibTransId="{763F5F22-2B4B-41B5-888B-A1773EA0DB68}"/>
-    <dgm:cxn modelId="{7746BF36-1334-4A46-9FB3-AA6512A300C8}" type="presParOf" srcId="{CD44A96D-BD97-4912-8CE3-D42504B829B5}" destId="{174D358D-2989-4846-9FEB-4048FD0FAF57}" srcOrd="0" destOrd="0" presId="urn:microsoft.com/office/officeart/2005/8/layout/default"/>
-  </dgm:cxnLst>
-  <dgm:bg/>
-  <dgm:whole/>
-  <dgm:extLst>
-    <a:ext uri="http://schemas.microsoft.com/office/drawing/2008/diagram">
-      <dsp:dataModelExt xmlns:dsp="http://schemas.microsoft.com/office/drawing/2008/diagram" relId="rId6" minVer="http://schemas.openxmlformats.org/drawingml/2006/diagram"/>
-    </a:ext>
-  </dgm:extLst>
-</dgm:dataModel>
-</file>
-
-<file path=ppt/diagrams/drawing1.xml><?xml version="1.0" encoding="utf-8"?>
-<dsp:drawing xmlns:dgm="http://schemas.openxmlformats.org/drawingml/2006/diagram" xmlns:dsp="http://schemas.microsoft.com/office/drawing/2008/diagram" xmlns:a="http://schemas.openxmlformats.org/drawingml/2006/main">
-  <dsp:spTree>
-    <dsp:nvGrpSpPr>
-      <dsp:cNvPr id="0" name=""/>
-      <dsp:cNvGrpSpPr/>
-    </dsp:nvGrpSpPr>
-    <dsp:grpSpPr/>
-    <dsp:sp modelId="{174D358D-2989-4846-9FEB-4048FD0FAF57}">
-      <dsp:nvSpPr>
-        <dsp:cNvPr id="0" name=""/>
-        <dsp:cNvSpPr/>
-      </dsp:nvSpPr>
-      <dsp:spPr>
-        <a:xfrm>
-          <a:off x="1895299" y="1974"/>
-          <a:ext cx="6478113" cy="3886867"/>
-        </a:xfrm>
-        <a:prstGeom prst="rect">
-          <a:avLst/>
-        </a:prstGeom>
-        <a:solidFill>
-          <a:schemeClr val="accent1">
-            <a:hueOff val="0"/>
-            <a:satOff val="0"/>
-            <a:lumOff val="0"/>
-            <a:alphaOff val="0"/>
-          </a:schemeClr>
-        </a:solidFill>
-        <a:ln w="15875" cap="flat" cmpd="sng" algn="ctr">
-          <a:solidFill>
-            <a:schemeClr val="lt1">
-              <a:hueOff val="0"/>
-              <a:satOff val="0"/>
-              <a:lumOff val="0"/>
-              <a:alphaOff val="0"/>
-            </a:schemeClr>
-          </a:solidFill>
-          <a:prstDash val="solid"/>
-        </a:ln>
-        <a:effectLst/>
-      </dsp:spPr>
-      <dsp:style>
-        <a:lnRef idx="2">
-          <a:scrgbClr r="0" g="0" b="0"/>
-        </a:lnRef>
-        <a:fillRef idx="1">
-          <a:scrgbClr r="0" g="0" b="0"/>
-        </a:fillRef>
-        <a:effectRef idx="0">
-          <a:scrgbClr r="0" g="0" b="0"/>
-        </a:effectRef>
-        <a:fontRef idx="minor">
-          <a:schemeClr val="lt1"/>
-        </a:fontRef>
-      </dsp:style>
-      <dsp:txBody>
-        <a:bodyPr spcFirstLastPara="0" vert="horz" wrap="square" lIns="99060" tIns="99060" rIns="99060" bIns="99060" numCol="1" spcCol="1270" anchor="t" anchorCtr="0">
-          <a:noAutofit/>
-        </a:bodyPr>
-        <a:lstStyle/>
-        <a:p>
-          <a:pPr marL="0" lvl="0" indent="0" algn="l" defTabSz="1155700">
-            <a:lnSpc>
-              <a:spcPct val="90000"/>
-            </a:lnSpc>
-            <a:spcBef>
-              <a:spcPct val="0"/>
-            </a:spcBef>
-            <a:spcAft>
-              <a:spcPct val="35000"/>
-            </a:spcAft>
-            <a:buNone/>
-          </a:pPr>
-          <a:r>
-            <a:rPr lang="en-US" sz="2600" kern="1200" dirty="0"/>
-            <a:t>This is our data sources:</a:t>
-          </a:r>
-        </a:p>
-        <a:p>
-          <a:pPr marL="228600" lvl="1" indent="-228600" algn="l" defTabSz="889000">
-            <a:lnSpc>
-              <a:spcPct val="90000"/>
-            </a:lnSpc>
-            <a:spcBef>
-              <a:spcPct val="0"/>
-            </a:spcBef>
-            <a:spcAft>
-              <a:spcPct val="15000"/>
-            </a:spcAft>
-            <a:buChar char="•"/>
-          </a:pPr>
-          <a:r>
-            <a:rPr lang="en-US" sz="2000" kern="1200" dirty="0"/>
-            <a:t>https://www.kaggle.com/datasets/federalreserve/interest-rates</a:t>
-          </a:r>
-        </a:p>
-        <a:p>
-          <a:pPr marL="228600" lvl="1" indent="-228600" algn="l" defTabSz="889000">
-            <a:lnSpc>
-              <a:spcPct val="90000"/>
-            </a:lnSpc>
-            <a:spcBef>
-              <a:spcPct val="0"/>
-            </a:spcBef>
-            <a:spcAft>
-              <a:spcPct val="15000"/>
-            </a:spcAft>
-            <a:buChar char="•"/>
-          </a:pPr>
-          <a:r>
-            <a:rPr lang="en-US" sz="2000" kern="1200" dirty="0"/>
-            <a:t>https://www.bankrate.com/banking/federal-reserve/history-of-federal-funds-rate/#2001</a:t>
-          </a:r>
-        </a:p>
-        <a:p>
-          <a:pPr marL="228600" lvl="1" indent="-228600" algn="l" defTabSz="889000">
-            <a:lnSpc>
-              <a:spcPct val="90000"/>
-            </a:lnSpc>
-            <a:spcBef>
-              <a:spcPct val="0"/>
-            </a:spcBef>
-            <a:spcAft>
-              <a:spcPct val="15000"/>
-            </a:spcAft>
-            <a:buChar char="•"/>
-          </a:pPr>
-          <a:r>
-            <a:rPr lang="en-US" sz="2000" kern="1200" dirty="0"/>
-            <a:t>https://fred.stlouisfed.org/series/MDSTHPI</a:t>
-          </a:r>
-        </a:p>
-        <a:p>
-          <a:pPr marL="228600" lvl="1" indent="-228600" algn="l" defTabSz="889000">
-            <a:lnSpc>
-              <a:spcPct val="90000"/>
-            </a:lnSpc>
-            <a:spcBef>
-              <a:spcPct val="0"/>
-            </a:spcBef>
-            <a:spcAft>
-              <a:spcPct val="15000"/>
-            </a:spcAft>
-            <a:buChar char="•"/>
-          </a:pPr>
-          <a:r>
-            <a:rPr lang="en-US" sz="2000" kern="1200" dirty="0"/>
-            <a:t>https://fred.stlouisfed.org/series/TXSTHPI#0</a:t>
-          </a:r>
-        </a:p>
-        <a:p>
-          <a:pPr marL="228600" lvl="1" indent="-228600" algn="l" defTabSz="889000">
-            <a:lnSpc>
-              <a:spcPct val="90000"/>
-            </a:lnSpc>
-            <a:spcBef>
-              <a:spcPct val="0"/>
-            </a:spcBef>
-            <a:spcAft>
-              <a:spcPct val="15000"/>
-            </a:spcAft>
-            <a:buChar char="•"/>
-          </a:pPr>
-          <a:r>
-            <a:rPr lang="en-US" sz="2000" kern="1200" dirty="0"/>
-            <a:t>https://fred.stlouisfed.org/series/CTSTHPI</a:t>
-          </a:r>
-        </a:p>
-        <a:p>
-          <a:pPr marL="228600" lvl="1" indent="-228600" algn="l" defTabSz="889000">
-            <a:lnSpc>
-              <a:spcPct val="90000"/>
-            </a:lnSpc>
-            <a:spcBef>
-              <a:spcPct val="0"/>
-            </a:spcBef>
-            <a:spcAft>
-              <a:spcPct val="15000"/>
-            </a:spcAft>
-            <a:buChar char="•"/>
-          </a:pPr>
-          <a:r>
-            <a:rPr lang="en-US" sz="2000" kern="1200" dirty="0"/>
-            <a:t>https://fred.stlouisfed.org/series/USSTHPI</a:t>
-          </a:r>
-        </a:p>
-        <a:p>
-          <a:pPr marL="228600" lvl="1" indent="-228600" algn="l" defTabSz="889000">
-            <a:lnSpc>
-              <a:spcPct val="90000"/>
-            </a:lnSpc>
-            <a:spcBef>
-              <a:spcPct val="0"/>
-            </a:spcBef>
-            <a:spcAft>
-              <a:spcPct val="15000"/>
-            </a:spcAft>
-            <a:buChar char="•"/>
-          </a:pPr>
-          <a:r>
-            <a:rPr lang="en-US" sz="2000" kern="1200" dirty="0"/>
-            <a:t>https://www.macrotrends.net/2015/fed-funds-rate-historical-chart</a:t>
-          </a:r>
-        </a:p>
-      </dsp:txBody>
-      <dsp:txXfrm>
-        <a:off x="1895299" y="1974"/>
-        <a:ext cx="6478113" cy="3886867"/>
-      </dsp:txXfrm>
-    </dsp:sp>
-  </dsp:spTree>
-</dsp:drawing>
-</file>
-
-<file path=ppt/diagrams/layout1.xml><?xml version="1.0" encoding="utf-8"?>
-<dgm:layoutDef xmlns:dgm="http://schemas.openxmlformats.org/drawingml/2006/diagram" xmlns:a="http://schemas.openxmlformats.org/drawingml/2006/main" uniqueId="urn:microsoft.com/office/officeart/2005/8/layout/default">
-  <dgm:title val=""/>
-  <dgm:desc val=""/>
-  <dgm:catLst>
-    <dgm:cat type="list" pri="400"/>
-  </dgm:catLst>
-  <dgm:sampData>
-    <dgm:dataModel>
-      <dgm:ptLst>
-        <dgm:pt modelId="0" type="doc"/>
-        <dgm:pt modelId="1">
-          <dgm:prSet phldr="1"/>
-        </dgm:pt>
-        <dgm:pt modelId="2">
-          <dgm:prSet phldr="1"/>
-        </dgm:pt>
-        <dgm:pt modelId="3">
-          <dgm:prSet phldr="1"/>
-        </dgm:pt>
-        <dgm:pt modelId="4">
-          <dgm:prSet phldr="1"/>
-        </dgm:pt>
-        <dgm:pt modelId="5">
-          <dgm:prSet phldr="1"/>
-        </dgm:pt>
-      </dgm:ptLst>
-      <dgm:cxnLst>
-        <dgm:cxn modelId="6" srcId="0" destId="1" srcOrd="0" destOrd="0"/>
-        <dgm:cxn modelId="7" srcId="0" destId="2" srcOrd="1" destOrd="0"/>
-        <dgm:cxn modelId="8" srcId="0" destId="3" srcOrd="2" destOrd="0"/>
-        <dgm:cxn modelId="9" srcId="0" destId="4" srcOrd="3" destOrd="0"/>
-        <dgm:cxn modelId="10" srcId="0" destId="5" srcOrd="4" destOrd="0"/>
-      </dgm:cxnLst>
-      <dgm:bg/>
-      <dgm:whole/>
-    </dgm:dataModel>
-  </dgm:sampData>
-  <dgm:styleData>
-    <dgm:dataModel>
-      <dgm:ptLst>
-        <dgm:pt modelId="0" type="doc"/>
-        <dgm:pt modelId="1"/>
-        <dgm:pt modelId="2"/>
-      </dgm:ptLst>
-      <dgm:cxnLst>
-        <dgm:cxn modelId="3" srcId="0" destId="1" srcOrd="0" destOrd="0"/>
-        <dgm:cxn modelId="4" srcId="0" destId="2" srcOrd="1" destOrd="0"/>
-      </dgm:cxnLst>
-      <dgm:bg/>
-      <dgm:whole/>
-    </dgm:dataModel>
-  </dgm:styleData>
-  <dgm:clrData>
-    <dgm:dataModel>
-      <dgm:ptLst>
-        <dgm:pt modelId="0" type="doc"/>
-        <dgm:pt modelId="1"/>
-        <dgm:pt modelId="2"/>
-        <dgm:pt modelId="3"/>
-        <dgm:pt modelId="4"/>
-        <dgm:pt modelId="5"/>
-        <dgm:pt modelId="6"/>
-      </dgm:ptLst>
-      <dgm:cxnLst>
-        <dgm:cxn modelId="7" srcId="0" destId="1" srcOrd="0" destOrd="0"/>
-        <dgm:cxn modelId="8" srcId="0" destId="2" srcOrd="1" destOrd="0"/>
-        <dgm:cxn modelId="9" srcId="0" destId="3" srcOrd="2" destOrd="0"/>
-        <dgm:cxn modelId="10" srcId="0" destId="4" srcOrd="3" destOrd="0"/>
-        <dgm:cxn modelId="11" srcId="0" destId="5" srcOrd="4" destOrd="0"/>
-        <dgm:cxn modelId="12" srcId="0" destId="6" srcOrd="5" destOrd="0"/>
-      </dgm:cxnLst>
-      <dgm:bg/>
-      <dgm:whole/>
-    </dgm:dataModel>
-  </dgm:clrData>
-  <dgm:layoutNode name="diagram">
-    <dgm:varLst>
-      <dgm:dir/>
-      <dgm:resizeHandles val="exact"/>
-    </dgm:varLst>
-    <dgm:choose name="Name0">
-      <dgm:if name="Name1" func="var" arg="dir" op="equ" val="norm">
-        <dgm:alg type="snake">
-          <dgm:param type="grDir" val="tL"/>
-          <dgm:param type="flowDir" val="row"/>
-          <dgm:param type="contDir" val="sameDir"/>
-          <dgm:param type="off" val="ctr"/>
-        </dgm:alg>
-      </dgm:if>
-      <dgm:else name="Name2">
-        <dgm:alg type="snake">
-          <dgm:param type="grDir" val="tR"/>
-          <dgm:param type="flowDir" val="row"/>
-          <dgm:param type="contDir" val="sameDir"/>
-          <dgm:param type="off" val="ctr"/>
-        </dgm:alg>
-      </dgm:else>
-    </dgm:choose>
-    <dgm:shape xmlns:r="http://schemas.openxmlformats.org/officeDocument/2006/relationships" r:blip="">
-      <dgm:adjLst/>
-    </dgm:shape>
-    <dgm:presOf/>
-    <dgm:constrLst>
-      <dgm:constr type="w" for="ch" forName="node" refType="w"/>
-      <dgm:constr type="h" for="ch" forName="node" refType="w" refFor="ch" refForName="node" fact="0.6"/>
-      <dgm:constr type="w" for="ch" forName="sibTrans" refType="w" refFor="ch" refForName="node" fact="0.1"/>
-      <dgm:constr type="sp" refType="w" refFor="ch" refForName="sibTrans"/>
-      <dgm:constr type="primFontSz" for="ch" forName="node" op="equ" val="65"/>
-    </dgm:constrLst>
-    <dgm:ruleLst/>
-    <dgm:forEach name="Name3" axis="ch" ptType="node">
-      <dgm:layoutNode name="node">
-        <dgm:varLst>
-          <dgm:bulletEnabled val="1"/>
-        </dgm:varLst>
-        <dgm:alg type="tx"/>
-        <dgm:shape xmlns:r="http://schemas.openxmlformats.org/officeDocument/2006/relationships" type="rect" r:blip="">
-          <dgm:adjLst/>
-        </dgm:shape>
-        <dgm:presOf axis="desOrSelf" ptType="node"/>
-        <dgm:constrLst>
-          <dgm:constr type="lMarg" refType="primFontSz" fact="0.3"/>
-          <dgm:constr type="rMarg" refType="primFontSz" fact="0.3"/>
-          <dgm:constr type="tMarg" refType="primFontSz" fact="0.3"/>
-          <dgm:constr type="bMarg" refType="primFontSz" fact="0.3"/>
-        </dgm:constrLst>
-        <dgm:ruleLst>
-          <dgm:rule type="primFontSz" val="5" fact="NaN" max="NaN"/>
-        </dgm:ruleLst>
-      </dgm:layoutNode>
-      <dgm:forEach name="Name4" axis="followSib" ptType="sibTrans" cnt="1">
-        <dgm:layoutNode name="sibTrans">
-          <dgm:alg type="sp"/>
-          <dgm:shape xmlns:r="http://schemas.openxmlformats.org/officeDocument/2006/relationships" r:blip="">
-            <dgm:adjLst/>
-          </dgm:shape>
-          <dgm:presOf/>
-          <dgm:constrLst/>
-          <dgm:ruleLst/>
-        </dgm:layoutNode>
-      </dgm:forEach>
-    </dgm:forEach>
-  </dgm:layoutNode>
-</dgm:layoutDef>
-</file>
-
-<file path=ppt/diagrams/quickStyle1.xml><?xml version="1.0" encoding="utf-8"?>
-<dgm:styleDef xmlns:dgm="http://schemas.openxmlformats.org/drawingml/2006/diagram" xmlns:a="http://schemas.openxmlformats.org/drawingml/2006/main" uniqueId="urn:microsoft.com/office/officeart/2005/8/quickstyle/simple1">
-  <dgm:title val=""/>
-  <dgm:desc val=""/>
-  <dgm:catLst>
-    <dgm:cat type="simple" pri="10100"/>
-  </dgm:catLst>
-  <dgm:scene3d>
-    <a:camera prst="orthographicFront"/>
-    <a:lightRig rig="threePt" dir="t"/>
-  </dgm:scene3d>
-  <dgm:styleLbl name="node0">
-    <dgm:scene3d>
-      <a:camera prst="orthographicFront"/>
-      <a:lightRig rig="threePt" dir="t"/>
-    </dgm:scene3d>
-    <dgm:sp3d/>
-    <dgm:txPr/>
-    <dgm:style>
-      <a:lnRef idx="2">
-        <a:scrgbClr r="0" g="0" b="0"/>
-      </a:lnRef>
-      <a:fillRef idx="1">
-        <a:scrgbClr r="0" g="0" b="0"/>
-      </a:fillRef>
-      <a:effectRef idx="0">
-        <a:scrgbClr r="0" g="0" b="0"/>
-      </a:effectRef>
-      <a:fontRef idx="minor">
-        <a:schemeClr val="lt1"/>
-      </a:fontRef>
-    </dgm:style>
-  </dgm:styleLbl>
-  <dgm:styleLbl name="lnNode1">
-    <dgm:scene3d>
-      <a:camera prst="orthographicFront"/>
-      <a:lightRig rig="threePt" dir="t"/>
-    </dgm:scene3d>
-    <dgm:sp3d/>
-    <dgm:txPr/>
-    <dgm:style>
-      <a:lnRef idx="2">
-        <a:scrgbClr r="0" g="0" b="0"/>
-      </a:lnRef>
-      <a:fillRef idx="1">
-        <a:scrgbClr r="0" g="0" b="0"/>
-      </a:fillRef>
-      <a:effectRef idx="0">
-        <a:scrgbClr r="0" g="0" b="0"/>
-      </a:effectRef>
-      <a:fontRef idx="minor">
-        <a:schemeClr val="lt1"/>
-      </a:fontRef>
-    </dgm:style>
-  </dgm:styleLbl>
-  <dgm:styleLbl name="vennNode1">
-    <dgm:scene3d>
-      <a:camera prst="orthographicFront"/>
-      <a:lightRig rig="threePt" dir="t"/>
-    </dgm:scene3d>
-    <dgm:sp3d/>
-    <dgm:txPr/>
-    <dgm:style>
-      <a:lnRef idx="2">
-        <a:scrgbClr r="0" g="0" b="0"/>
-      </a:lnRef>
-      <a:fillRef idx="1">
-        <a:scrgbClr r="0" g="0" b="0"/>
-      </a:fillRef>
-      <a:effectRef idx="0">
-        <a:scrgbClr r="0" g="0" b="0"/>
-      </a:effectRef>
-      <a:fontRef idx="minor">
-        <a:schemeClr val="tx1"/>
-      </a:fontRef>
-    </dgm:style>
-  </dgm:styleLbl>
-  <dgm:styleLbl name="alignNode1">
-    <dgm:scene3d>
-      <a:camera prst="orthographicFront"/>
-      <a:lightRig rig="threePt" dir="t"/>
-    </dgm:scene3d>
-    <dgm:sp3d/>
-    <dgm:txPr/>
-    <dgm:style>
-      <a:lnRef idx="2">
-        <a:scrgbClr r="0" g="0" b="0"/>
-      </a:lnRef>
-      <a:fillRef idx="1">
-        <a:scrgbClr r="0" g="0" b="0"/>
-      </a:fillRef>
-      <a:effectRef idx="0">
-        <a:scrgbClr r="0" g="0" b="0"/>
-      </a:effectRef>
-      <a:fontRef idx="minor">
-        <a:schemeClr val="lt1"/>
-      </a:fontRef>
-    </dgm:style>
-  </dgm:styleLbl>
-  <dgm:styleLbl name="node1">
-    <dgm:scene3d>
-      <a:camera prst="orthographicFront"/>
-      <a:lightRig rig="threePt" dir="t"/>
-    </dgm:scene3d>
-    <dgm:sp3d/>
-    <dgm:txPr/>
-    <dgm:style>
-      <a:lnRef idx="2">
-        <a:scrgbClr r="0" g="0" b="0"/>
-      </a:lnRef>
-      <a:fillRef idx="1">
-        <a:scrgbClr r="0" g="0" b="0"/>
-      </a:fillRef>
-      <a:effectRef idx="0">
-        <a:scrgbClr r="0" g="0" b="0"/>
-      </a:effectRef>
-      <a:fontRef idx="minor">
-        <a:schemeClr val="lt1"/>
-      </a:fontRef>
-    </dgm:style>
-  </dgm:styleLbl>
-  <dgm:styleLbl name="node2">
-    <dgm:scene3d>
-      <a:camera prst="orthographicFront"/>
-      <a:lightRig rig="threePt" dir="t"/>
-    </dgm:scene3d>
-    <dgm:sp3d/>
-    <dgm:txPr/>
-    <dgm:style>
-      <a:lnRef idx="2">
-        <a:scrgbClr r="0" g="0" b="0"/>
-      </a:lnRef>
-      <a:fillRef idx="1">
-        <a:scrgbClr r="0" g="0" b="0"/>
-      </a:fillRef>
-      <a:effectRef idx="0">
-        <a:scrgbClr r="0" g="0" b="0"/>
-      </a:effectRef>
-      <a:fontRef idx="minor">
-        <a:schemeClr val="lt1"/>
-      </a:fontRef>
-    </dgm:style>
-  </dgm:styleLbl>
-  <dgm:styleLbl name="node3">
-    <dgm:scene3d>
-      <a:camera prst="orthographicFront"/>
-      <a:lightRig rig="threePt" dir="t"/>
-    </dgm:scene3d>
-    <dgm:sp3d/>
-    <dgm:txPr/>
-    <dgm:style>
-      <a:lnRef idx="2">
-        <a:scrgbClr r="0" g="0" b="0"/>
-      </a:lnRef>
-      <a:fillRef idx="1">
-        <a:scrgbClr r="0" g="0" b="0"/>
-      </a:fillRef>
-      <a:effectRef idx="0">
-        <a:scrgbClr r="0" g="0" b="0"/>
-      </a:effectRef>
-      <a:fontRef idx="minor">
-        <a:schemeClr val="lt1"/>
-      </a:fontRef>
-    </dgm:style>
-  </dgm:styleLbl>
-  <dgm:styleLbl name="node4">
-    <dgm:scene3d>
-      <a:camera prst="orthographicFront"/>
-      <a:lightRig rig="threePt" dir="t"/>
-    </dgm:scene3d>
-    <dgm:sp3d/>
-    <dgm:txPr/>
-    <dgm:style>
-      <a:lnRef idx="2">
-        <a:scrgbClr r="0" g="0" b="0"/>
-      </a:lnRef>
-      <a:fillRef idx="1">
-        <a:scrgbClr r="0" g="0" b="0"/>
-      </a:fillRef>
-      <a:effectRef idx="0">
-        <a:scrgbClr r="0" g="0" b="0"/>
-      </a:effectRef>
-      <a:fontRef idx="minor">
-        <a:schemeClr val="lt1"/>
-      </a:fontRef>
-    </dgm:style>
-  </dgm:styleLbl>
-  <dgm:styleLbl name="fgImgPlace1">
-    <dgm:scene3d>
-      <a:camera prst="orthographicFront"/>
-      <a:lightRig rig="threePt" dir="t"/>
-    </dgm:scene3d>
-    <dgm:sp3d/>
-    <dgm:txPr/>
-    <dgm:style>
-      <a:lnRef idx="2">
-        <a:scrgbClr r="0" g="0" b="0"/>
-      </a:lnRef>
-      <a:fillRef idx="1">
-        <a:scrgbClr r="0" g="0" b="0"/>
-      </a:fillRef>
-      <a:effectRef idx="0">
-        <a:scrgbClr r="0" g="0" b="0"/>
-      </a:effectRef>
-      <a:fontRef idx="minor"/>
-    </dgm:style>
-  </dgm:styleLbl>
-  <dgm:styleLbl name="alignImgPlace1">
-    <dgm:scene3d>
-      <a:camera prst="orthographicFront"/>
-      <a:lightRig rig="threePt" dir="t"/>
-    </dgm:scene3d>
-    <dgm:sp3d/>
-    <dgm:txPr/>
-    <dgm:style>
-      <a:lnRef idx="2">
-        <a:scrgbClr r="0" g="0" b="0"/>
-      </a:lnRef>
-      <a:fillRef idx="1">
-        <a:scrgbClr r="0" g="0" b="0"/>
-      </a:fillRef>
-      <a:effectRef idx="0">
-        <a:scrgbClr r="0" g="0" b="0"/>
-      </a:effectRef>
-      <a:fontRef idx="minor"/>
-    </dgm:style>
-  </dgm:styleLbl>
-  <dgm:styleLbl name="bgImgPlace1">
-    <dgm:scene3d>
-      <a:camera prst="orthographicFront"/>
-      <a:lightRig rig="threePt" dir="t"/>
-    </dgm:scene3d>
-    <dgm:sp3d/>
-    <dgm:txPr/>
-    <dgm:style>
-      <a:lnRef idx="2">
-        <a:scrgbClr r="0" g="0" b="0"/>
-      </a:lnRef>
-      <a:fillRef idx="1">
-        <a:scrgbClr r="0" g="0" b="0"/>
-      </a:fillRef>
-      <a:effectRef idx="0">
-        <a:scrgbClr r="0" g="0" b="0"/>
-      </a:effectRef>
-      <a:fontRef idx="minor"/>
-    </dgm:style>
-  </dgm:styleLbl>
-  <dgm:styleLbl name="sibTrans2D1">
-    <dgm:scene3d>
-      <a:camera prst="orthographicFront"/>
-      <a:lightRig rig="threePt" dir="t"/>
-    </dgm:scene3d>
-    <dgm:sp3d/>
-    <dgm:txPr/>
-    <dgm:style>
-      <a:lnRef idx="0">
-        <a:scrgbClr r="0" g="0" b="0"/>
-      </a:lnRef>
-      <a:fillRef idx="1">
-        <a:scrgbClr r="0" g="0" b="0"/>
-      </a:fillRef>
-      <a:effectRef idx="0">
-        <a:scrgbClr r="0" g="0" b="0"/>
-      </a:effectRef>
-      <a:fontRef idx="minor">
-        <a:schemeClr val="lt1"/>
-      </a:fontRef>
-    </dgm:style>
-  </dgm:styleLbl>
-  <dgm:styleLbl name="fgSibTrans2D1">
-    <dgm:scene3d>
-      <a:camera prst="orthographicFront"/>
-      <a:lightRig rig="threePt" dir="t"/>
-    </dgm:scene3d>
-    <dgm:sp3d/>
-    <dgm:txPr/>
-    <dgm:style>
-      <a:lnRef idx="0">
-        <a:scrgbClr r="0" g="0" b="0"/>
-      </a:lnRef>
-      <a:fillRef idx="1">
-        <a:scrgbClr r="0" g="0" b="0"/>
-      </a:fillRef>
-      <a:effectRef idx="0">
-        <a:scrgbClr r="0" g="0" b="0"/>
-      </a:effectRef>
-      <a:fontRef idx="minor">
-        <a:schemeClr val="lt1"/>
-      </a:fontRef>
-    </dgm:style>
-  </dgm:styleLbl>
-  <dgm:styleLbl name="bgSibTrans2D1">
-    <dgm:scene3d>
-      <a:camera prst="orthographicFront"/>
-      <a:lightRig rig="threePt" dir="t"/>
-    </dgm:scene3d>
-    <dgm:sp3d/>
-    <dgm:txPr/>
-    <dgm:style>
-      <a:lnRef idx="0">
-        <a:scrgbClr r="0" g="0" b="0"/>
-      </a:lnRef>
-      <a:fillRef idx="1">
-        <a:scrgbClr r="0" g="0" b="0"/>
-      </a:fillRef>
-      <a:effectRef idx="0">
-        <a:scrgbClr r="0" g="0" b="0"/>
-      </a:effectRef>
-      <a:fontRef idx="minor">
-        <a:schemeClr val="lt1"/>
-      </a:fontRef>
-    </dgm:style>
-  </dgm:styleLbl>
-  <dgm:styleLbl name="sibTrans1D1">
-    <dgm:scene3d>
-      <a:camera prst="orthographicFront"/>
-      <a:lightRig rig="threePt" dir="t"/>
-    </dgm:scene3d>
-    <dgm:sp3d/>
-    <dgm:txPr/>
-    <dgm:style>
-      <a:lnRef idx="1">
-        <a:scrgbClr r="0" g="0" b="0"/>
-      </a:lnRef>
-      <a:fillRef idx="0">
-        <a:scrgbClr r="0" g="0" b="0"/>
-      </a:fillRef>
-      <a:effectRef idx="0">
-        <a:scrgbClr r="0" g="0" b="0"/>
-      </a:effectRef>
-      <a:fontRef idx="minor"/>
-    </dgm:style>
-  </dgm:styleLbl>
-  <dgm:styleLbl name="callout">
-    <dgm:scene3d>
-      <a:camera prst="orthographicFront"/>
-      <a:lightRig rig="threePt" dir="t"/>
-    </dgm:scene3d>
-    <dgm:sp3d/>
-    <dgm:txPr/>
-    <dgm:style>
-      <a:lnRef idx="2">
-        <a:scrgbClr r="0" g="0" b="0"/>
-      </a:lnRef>
-      <a:fillRef idx="1">
-        <a:scrgbClr r="0" g="0" b="0"/>
-      </a:fillRef>
-      <a:effectRef idx="0">
-        <a:scrgbClr r="0" g="0" b="0"/>
-      </a:effectRef>
-      <a:fontRef idx="minor"/>
-    </dgm:style>
-  </dgm:styleLbl>
-  <dgm:styleLbl name="asst0">
-    <dgm:scene3d>
-      <a:camera prst="orthographicFront"/>
-      <a:lightRig rig="threePt" dir="t"/>
-    </dgm:scene3d>
-    <dgm:sp3d/>
-    <dgm:txPr/>
-    <dgm:style>
-      <a:lnRef idx="2">
-        <a:scrgbClr r="0" g="0" b="0"/>
-      </a:lnRef>
-      <a:fillRef idx="1">
-        <a:scrgbClr r="0" g="0" b="0"/>
-      </a:fillRef>
-      <a:effectRef idx="0">
-        <a:scrgbClr r="0" g="0" b="0"/>
-      </a:effectRef>
-      <a:fontRef idx="minor">
-        <a:schemeClr val="lt1"/>
-      </a:fontRef>
-    </dgm:style>
-  </dgm:styleLbl>
-  <dgm:styleLbl name="asst1">
-    <dgm:scene3d>
-      <a:camera prst="orthographicFront"/>
-      <a:lightRig rig="threePt" dir="t"/>
-    </dgm:scene3d>
-    <dgm:sp3d/>
-    <dgm:txPr/>
-    <dgm:style>
-      <a:lnRef idx="2">
-        <a:scrgbClr r="0" g="0" b="0"/>
-      </a:lnRef>
-      <a:fillRef idx="1">
-        <a:scrgbClr r="0" g="0" b="0"/>
-      </a:fillRef>
-      <a:effectRef idx="0">
-        <a:scrgbClr r="0" g="0" b="0"/>
-      </a:effectRef>
-      <a:fontRef idx="minor">
-        <a:schemeClr val="lt1"/>
-      </a:fontRef>
-    </dgm:style>
-  </dgm:styleLbl>
-  <dgm:styleLbl name="asst2">
-    <dgm:scene3d>
-      <a:camera prst="orthographicFront"/>
-      <a:lightRig rig="threePt" dir="t"/>
-    </dgm:scene3d>
-    <dgm:sp3d/>
-    <dgm:txPr/>
-    <dgm:style>
-      <a:lnRef idx="2">
-        <a:scrgbClr r="0" g="0" b="0"/>
-      </a:lnRef>
-      <a:fillRef idx="1">
-        <a:scrgbClr r="0" g="0" b="0"/>
-      </a:fillRef>
-      <a:effectRef idx="0">
-        <a:scrgbClr r="0" g="0" b="0"/>
-      </a:effectRef>
-      <a:fontRef idx="minor">
-        <a:schemeClr val="lt1"/>
-      </a:fontRef>
-    </dgm:style>
-  </dgm:styleLbl>
-  <dgm:styleLbl name="asst3">
-    <dgm:scene3d>
-      <a:camera prst="orthographicFront"/>
-      <a:lightRig rig="threePt" dir="t"/>
-    </dgm:scene3d>
-    <dgm:sp3d/>
-    <dgm:txPr/>
-    <dgm:style>
-      <a:lnRef idx="2">
-        <a:scrgbClr r="0" g="0" b="0"/>
-      </a:lnRef>
-      <a:fillRef idx="1">
-        <a:scrgbClr r="0" g="0" b="0"/>
-      </a:fillRef>
-      <a:effectRef idx="0">
-        <a:scrgbClr r="0" g="0" b="0"/>
-      </a:effectRef>
-      <a:fontRef idx="minor">
-        <a:schemeClr val="lt1"/>
-      </a:fontRef>
-    </dgm:style>
-  </dgm:styleLbl>
-  <dgm:styleLbl name="asst4">
-    <dgm:scene3d>
-      <a:camera prst="orthographicFront"/>
-      <a:lightRig rig="threePt" dir="t"/>
-    </dgm:scene3d>
-    <dgm:sp3d/>
-    <dgm:txPr/>
-    <dgm:style>
-      <a:lnRef idx="2">
-        <a:scrgbClr r="0" g="0" b="0"/>
-      </a:lnRef>
-      <a:fillRef idx="1">
-        <a:scrgbClr r="0" g="0" b="0"/>
-      </a:fillRef>
-      <a:effectRef idx="0">
-        <a:scrgbClr r="0" g="0" b="0"/>
-      </a:effectRef>
-      <a:fontRef idx="minor">
-        <a:schemeClr val="lt1"/>
-      </a:fontRef>
-    </dgm:style>
-  </dgm:styleLbl>
-  <dgm:styleLbl name="parChTrans2D1">
-    <dgm:scene3d>
-      <a:camera prst="orthographicFront"/>
-      <a:lightRig rig="threePt" dir="t"/>
-    </dgm:scene3d>
-    <dgm:sp3d/>
-    <dgm:txPr/>
-    <dgm:style>
-      <a:lnRef idx="2">
-        <a:scrgbClr r="0" g="0" b="0"/>
-      </a:lnRef>
-      <a:fillRef idx="1">
-        <a:scrgbClr r="0" g="0" b="0"/>
-      </a:fillRef>
-      <a:effectRef idx="0">
-        <a:scrgbClr r="0" g="0" b="0"/>
-      </a:effectRef>
-      <a:fontRef idx="minor">
-        <a:schemeClr val="lt1"/>
-      </a:fontRef>
-    </dgm:style>
-  </dgm:styleLbl>
-  <dgm:styleLbl name="parChTrans2D2">
-    <dgm:scene3d>
-      <a:camera prst="orthographicFront"/>
-      <a:lightRig rig="threePt" dir="t"/>
-    </dgm:scene3d>
-    <dgm:sp3d/>
-    <dgm:txPr/>
-    <dgm:style>
-      <a:lnRef idx="2">
-        <a:scrgbClr r="0" g="0" b="0"/>
-      </a:lnRef>
-      <a:fillRef idx="1">
-        <a:scrgbClr r="0" g="0" b="0"/>
-      </a:fillRef>
-      <a:effectRef idx="0">
-        <a:scrgbClr r="0" g="0" b="0"/>
-      </a:effectRef>
-      <a:fontRef idx="minor">
-        <a:schemeClr val="lt1"/>
-      </a:fontRef>
-    </dgm:style>
-  </dgm:styleLbl>
-  <dgm:styleLbl name="parChTrans2D3">
-    <dgm:scene3d>
-      <a:camera prst="orthographicFront"/>
-      <a:lightRig rig="threePt" dir="t"/>
-    </dgm:scene3d>
-    <dgm:sp3d/>
-    <dgm:txPr/>
-    <dgm:style>
-      <a:lnRef idx="2">
-        <a:scrgbClr r="0" g="0" b="0"/>
-      </a:lnRef>
-      <a:fillRef idx="1">
-        <a:scrgbClr r="0" g="0" b="0"/>
-      </a:fillRef>
-      <a:effectRef idx="0">
-        <a:scrgbClr r="0" g="0" b="0"/>
-      </a:effectRef>
-      <a:fontRef idx="minor">
-        <a:schemeClr val="lt1"/>
-      </a:fontRef>
-    </dgm:style>
-  </dgm:styleLbl>
-  <dgm:styleLbl name="parChTrans2D4">
-    <dgm:scene3d>
-      <a:camera prst="orthographicFront"/>
-      <a:lightRig rig="threePt" dir="t"/>
-    </dgm:scene3d>
-    <dgm:sp3d/>
-    <dgm:txPr/>
-    <dgm:style>
-      <a:lnRef idx="2">
-        <a:scrgbClr r="0" g="0" b="0"/>
-      </a:lnRef>
-      <a:fillRef idx="1">
-        <a:scrgbClr r="0" g="0" b="0"/>
-      </a:fillRef>
-      <a:effectRef idx="0">
-        <a:scrgbClr r="0" g="0" b="0"/>
-      </a:effectRef>
-      <a:fontRef idx="minor">
-        <a:schemeClr val="lt1"/>
-      </a:fontRef>
-    </dgm:style>
-  </dgm:styleLbl>
-  <dgm:styleLbl name="parChTrans1D1">
-    <dgm:scene3d>
-      <a:camera prst="orthographicFront"/>
-      <a:lightRig rig="threePt" dir="t"/>
-    </dgm:scene3d>
-    <dgm:sp3d/>
-    <dgm:txPr/>
-    <dgm:style>
-      <a:lnRef idx="2">
-        <a:scrgbClr r="0" g="0" b="0"/>
-      </a:lnRef>
-      <a:fillRef idx="0">
-        <a:scrgbClr r="0" g="0" b="0"/>
-      </a:fillRef>
-      <a:effectRef idx="0">
-        <a:scrgbClr r="0" g="0" b="0"/>
-      </a:effectRef>
-      <a:fontRef idx="minor"/>
-    </dgm:style>
-  </dgm:styleLbl>
-  <dgm:styleLbl name="parChTrans1D2">
-    <dgm:scene3d>
-      <a:camera prst="orthographicFront"/>
-      <a:lightRig rig="threePt" dir="t"/>
-    </dgm:scene3d>
-    <dgm:sp3d/>
-    <dgm:txPr/>
-    <dgm:style>
-      <a:lnRef idx="2">
-        <a:scrgbClr r="0" g="0" b="0"/>
-      </a:lnRef>
-      <a:fillRef idx="0">
-        <a:scrgbClr r="0" g="0" b="0"/>
-      </a:fillRef>
-      <a:effectRef idx="0">
-        <a:scrgbClr r="0" g="0" b="0"/>
-      </a:effectRef>
-      <a:fontRef idx="minor"/>
-    </dgm:style>
-  </dgm:styleLbl>
-  <dgm:styleLbl name="parChTrans1D3">
-    <dgm:scene3d>
-      <a:camera prst="orthographicFront"/>
-      <a:lightRig rig="threePt" dir="t"/>
-    </dgm:scene3d>
-    <dgm:sp3d/>
-    <dgm:txPr/>
-    <dgm:style>
-      <a:lnRef idx="2">
-        <a:scrgbClr r="0" g="0" b="0"/>
-      </a:lnRef>
-      <a:fillRef idx="0">
-        <a:scrgbClr r="0" g="0" b="0"/>
-      </a:fillRef>
-      <a:effectRef idx="0">
-        <a:scrgbClr r="0" g="0" b="0"/>
-      </a:effectRef>
-      <a:fontRef idx="minor"/>
-    </dgm:style>
-  </dgm:styleLbl>
-  <dgm:styleLbl name="parChTrans1D4">
-    <dgm:scene3d>
-      <a:camera prst="orthographicFront"/>
-      <a:lightRig rig="threePt" dir="t"/>
-    </dgm:scene3d>
-    <dgm:sp3d/>
-    <dgm:txPr/>
-    <dgm:style>
-      <a:lnRef idx="2">
-        <a:scrgbClr r="0" g="0" b="0"/>
-      </a:lnRef>
-      <a:fillRef idx="0">
-        <a:scrgbClr r="0" g="0" b="0"/>
-      </a:fillRef>
-      <a:effectRef idx="0">
-        <a:scrgbClr r="0" g="0" b="0"/>
-      </a:effectRef>
-      <a:fontRef idx="minor"/>
-    </dgm:style>
-  </dgm:styleLbl>
-  <dgm:styleLbl name="fgAcc1">
-    <dgm:scene3d>
-      <a:camera prst="orthographicFront"/>
-      <a:lightRig rig="threePt" dir="t"/>
-    </dgm:scene3d>
-    <dgm:sp3d/>
-    <dgm:txPr/>
-    <dgm:style>
-      <a:lnRef idx="2">
-        <a:scrgbClr r="0" g="0" b="0"/>
-      </a:lnRef>
-      <a:fillRef idx="1">
-        <a:scrgbClr r="0" g="0" b="0"/>
-      </a:fillRef>
-      <a:effectRef idx="0">
-        <a:scrgbClr r="0" g="0" b="0"/>
-      </a:effectRef>
-      <a:fontRef idx="minor"/>
-    </dgm:style>
-  </dgm:styleLbl>
-  <dgm:styleLbl name="conFgAcc1">
-    <dgm:scene3d>
-      <a:camera prst="orthographicFront"/>
-      <a:lightRig rig="threePt" dir="t"/>
-    </dgm:scene3d>
-    <dgm:sp3d/>
-    <dgm:txPr/>
-    <dgm:style>
-      <a:lnRef idx="2">
-        <a:scrgbClr r="0" g="0" b="0"/>
-      </a:lnRef>
-      <a:fillRef idx="1">
-        <a:scrgbClr r="0" g="0" b="0"/>
-      </a:fillRef>
-      <a:effectRef idx="0">
-        <a:scrgbClr r="0" g="0" b="0"/>
-      </a:effectRef>
-      <a:fontRef idx="minor"/>
-    </dgm:style>
-  </dgm:styleLbl>
-  <dgm:styleLbl name="alignAcc1">
-    <dgm:scene3d>
-      <a:camera prst="orthographicFront"/>
-      <a:lightRig rig="threePt" dir="t"/>
-    </dgm:scene3d>
-    <dgm:sp3d/>
-    <dgm:txPr/>
-    <dgm:style>
-      <a:lnRef idx="2">
-        <a:scrgbClr r="0" g="0" b="0"/>
-      </a:lnRef>
-      <a:fillRef idx="1">
-        <a:scrgbClr r="0" g="0" b="0"/>
-      </a:fillRef>
-      <a:effectRef idx="0">
-        <a:scrgbClr r="0" g="0" b="0"/>
-      </a:effectRef>
-      <a:fontRef idx="minor"/>
-    </dgm:style>
-  </dgm:styleLbl>
-  <dgm:styleLbl name="trAlignAcc1">
-    <dgm:scene3d>
-      <a:camera prst="orthographicFront"/>
-      <a:lightRig rig="threePt" dir="t"/>
-    </dgm:scene3d>
-    <dgm:sp3d/>
-    <dgm:txPr/>
-    <dgm:style>
-      <a:lnRef idx="1">
-        <a:scrgbClr r="0" g="0" b="0"/>
-      </a:lnRef>
-      <a:fillRef idx="1">
-        <a:scrgbClr r="0" g="0" b="0"/>
-      </a:fillRef>
-      <a:effectRef idx="0">
-        <a:scrgbClr r="0" g="0" b="0"/>
-      </a:effectRef>
-      <a:fontRef idx="minor"/>
-    </dgm:style>
-  </dgm:styleLbl>
-  <dgm:styleLbl name="bgAcc1">
-    <dgm:scene3d>
-      <a:camera prst="orthographicFront"/>
-      <a:lightRig rig="threePt" dir="t"/>
-    </dgm:scene3d>
-    <dgm:sp3d/>
-    <dgm:txPr/>
-    <dgm:style>
-      <a:lnRef idx="2">
-        <a:scrgbClr r="0" g="0" b="0"/>
-      </a:lnRef>
-      <a:fillRef idx="1">
-        <a:scrgbClr r="0" g="0" b="0"/>
-      </a:fillRef>
-      <a:effectRef idx="0">
-        <a:scrgbClr r="0" g="0" b="0"/>
-      </a:effectRef>
-      <a:fontRef idx="minor"/>
-    </dgm:style>
-  </dgm:styleLbl>
-  <dgm:styleLbl name="solidFgAcc1">
-    <dgm:scene3d>
-      <a:camera prst="orthographicFront"/>
-      <a:lightRig rig="threePt" dir="t"/>
-    </dgm:scene3d>
-    <dgm:sp3d/>
-    <dgm:txPr/>
-    <dgm:style>
-      <a:lnRef idx="2">
-        <a:scrgbClr r="0" g="0" b="0"/>
-      </a:lnRef>
-      <a:fillRef idx="1">
-        <a:scrgbClr r="0" g="0" b="0"/>
-      </a:fillRef>
-      <a:effectRef idx="0">
-        <a:scrgbClr r="0" g="0" b="0"/>
-      </a:effectRef>
-      <a:fontRef idx="minor"/>
-    </dgm:style>
-  </dgm:styleLbl>
-  <dgm:styleLbl name="solidAlignAcc1">
-    <dgm:scene3d>
-      <a:camera prst="orthographicFront"/>
-      <a:lightRig rig="threePt" dir="t"/>
-    </dgm:scene3d>
-    <dgm:sp3d/>
-    <dgm:txPr/>
-    <dgm:style>
-      <a:lnRef idx="2">
-        <a:scrgbClr r="0" g="0" b="0"/>
-      </a:lnRef>
-      <a:fillRef idx="1">
-        <a:scrgbClr r="0" g="0" b="0"/>
-      </a:fillRef>
-      <a:effectRef idx="0">
-        <a:scrgbClr r="0" g="0" b="0"/>
-      </a:effectRef>
-      <a:fontRef idx="minor"/>
-    </dgm:style>
-  </dgm:styleLbl>
-  <dgm:styleLbl name="solidBgAcc1">
-    <dgm:scene3d>
-      <a:camera prst="orthographicFront"/>
-      <a:lightRig rig="threePt" dir="t"/>
-    </dgm:scene3d>
-    <dgm:sp3d/>
-    <dgm:txPr/>
-    <dgm:style>
-      <a:lnRef idx="2">
-        <a:scrgbClr r="0" g="0" b="0"/>
-      </a:lnRef>
-      <a:fillRef idx="1">
-        <a:scrgbClr r="0" g="0" b="0"/>
-      </a:fillRef>
-      <a:effectRef idx="0">
-        <a:scrgbClr r="0" g="0" b="0"/>
-      </a:effectRef>
-      <a:fontRef idx="minor"/>
-    </dgm:style>
-  </dgm:styleLbl>
-  <dgm:styleLbl name="fgAccFollowNode1">
-    <dgm:scene3d>
-      <a:camera prst="orthographicFront"/>
-      <a:lightRig rig="threePt" dir="t"/>
-    </dgm:scene3d>
-    <dgm:sp3d/>
-    <dgm:txPr/>
-    <dgm:style>
-      <a:lnRef idx="2">
-        <a:scrgbClr r="0" g="0" b="0"/>
-      </a:lnRef>
-      <a:fillRef idx="1">
-        <a:scrgbClr r="0" g="0" b="0"/>
-      </a:fillRef>
-      <a:effectRef idx="0">
-        <a:scrgbClr r="0" g="0" b="0"/>
-      </a:effectRef>
-      <a:fontRef idx="minor"/>
-    </dgm:style>
-  </dgm:styleLbl>
-  <dgm:styleLbl name="alignAccFollowNode1">
-    <dgm:scene3d>
-      <a:camera prst="orthographicFront"/>
-      <a:lightRig rig="threePt" dir="t"/>
-    </dgm:scene3d>
-    <dgm:sp3d/>
-    <dgm:txPr/>
-    <dgm:style>
-      <a:lnRef idx="2">
-        <a:scrgbClr r="0" g="0" b="0"/>
-      </a:lnRef>
-      <a:fillRef idx="1">
-        <a:scrgbClr r="0" g="0" b="0"/>
-      </a:fillRef>
-      <a:effectRef idx="0">
-        <a:scrgbClr r="0" g="0" b="0"/>
-      </a:effectRef>
-      <a:fontRef idx="minor"/>
-    </dgm:style>
-  </dgm:styleLbl>
-  <dgm:styleLbl name="bgAccFollowNode1">
-    <dgm:scene3d>
-      <a:camera prst="orthographicFront"/>
-      <a:lightRig rig="threePt" dir="t"/>
-    </dgm:scene3d>
-    <dgm:sp3d/>
-    <dgm:txPr/>
-    <dgm:style>
-      <a:lnRef idx="2">
-        <a:scrgbClr r="0" g="0" b="0"/>
-      </a:lnRef>
-      <a:fillRef idx="1">
-        <a:scrgbClr r="0" g="0" b="0"/>
-      </a:fillRef>
-      <a:effectRef idx="0">
-        <a:scrgbClr r="0" g="0" b="0"/>
-      </a:effectRef>
-      <a:fontRef idx="minor"/>
-    </dgm:style>
-  </dgm:styleLbl>
-  <dgm:styleLbl name="fgAcc0">
-    <dgm:scene3d>
-      <a:camera prst="orthographicFront"/>
-      <a:lightRig rig="threePt" dir="t"/>
-    </dgm:scene3d>
-    <dgm:sp3d/>
-    <dgm:txPr/>
-    <dgm:style>
-      <a:lnRef idx="2">
-        <a:scrgbClr r="0" g="0" b="0"/>
-      </a:lnRef>
-      <a:fillRef idx="1">
-        <a:scrgbClr r="0" g="0" b="0"/>
-      </a:fillRef>
-      <a:effectRef idx="0">
-        <a:scrgbClr r="0" g="0" b="0"/>
-      </a:effectRef>
-      <a:fontRef idx="minor"/>
-    </dgm:style>
-  </dgm:styleLbl>
-  <dgm:styleLbl name="fgAcc2">
-    <dgm:scene3d>
-      <a:camera prst="orthographicFront"/>
-      <a:lightRig rig="threePt" dir="t"/>
-    </dgm:scene3d>
-    <dgm:sp3d/>
-    <dgm:txPr/>
-    <dgm:style>
-      <a:lnRef idx="2">
-        <a:scrgbClr r="0" g="0" b="0"/>
-      </a:lnRef>
-      <a:fillRef idx="1">
-        <a:scrgbClr r="0" g="0" b="0"/>
-      </a:fillRef>
-      <a:effectRef idx="0">
-        <a:scrgbClr r="0" g="0" b="0"/>
-      </a:effectRef>
-      <a:fontRef idx="minor"/>
-    </dgm:style>
-  </dgm:styleLbl>
-  <dgm:styleLbl name="fgAcc3">
-    <dgm:scene3d>
-      <a:camera prst="orthographicFront"/>
-      <a:lightRig rig="threePt" dir="t"/>
-    </dgm:scene3d>
-    <dgm:sp3d/>
-    <dgm:txPr/>
-    <dgm:style>
-      <a:lnRef idx="2">
-        <a:scrgbClr r="0" g="0" b="0"/>
-      </a:lnRef>
-      <a:fillRef idx="1">
-        <a:scrgbClr r="0" g="0" b="0"/>
-      </a:fillRef>
-      <a:effectRef idx="0">
-        <a:scrgbClr r="0" g="0" b="0"/>
-      </a:effectRef>
-      <a:fontRef idx="minor"/>
-    </dgm:style>
-  </dgm:styleLbl>
-  <dgm:styleLbl name="fgAcc4">
-    <dgm:scene3d>
-      <a:camera prst="orthographicFront"/>
-      <a:lightRig rig="threePt" dir="t"/>
-    </dgm:scene3d>
-    <dgm:sp3d/>
-    <dgm:txPr/>
-    <dgm:style>
-      <a:lnRef idx="2">
-        <a:scrgbClr r="0" g="0" b="0"/>
-      </a:lnRef>
-      <a:fillRef idx="1">
-        <a:scrgbClr r="0" g="0" b="0"/>
-      </a:fillRef>
-      <a:effectRef idx="0">
-        <a:scrgbClr r="0" g="0" b="0"/>
-      </a:effectRef>
-      <a:fontRef idx="minor"/>
-    </dgm:style>
-  </dgm:styleLbl>
-  <dgm:styleLbl name="bgShp">
-    <dgm:scene3d>
-      <a:camera prst="orthographicFront"/>
-      <a:lightRig rig="threePt" dir="t"/>
-    </dgm:scene3d>
-    <dgm:sp3d/>
-    <dgm:txPr/>
-    <dgm:style>
-      <a:lnRef idx="0">
-        <a:scrgbClr r="0" g="0" b="0"/>
-      </a:lnRef>
-      <a:fillRef idx="1">
-        <a:scrgbClr r="0" g="0" b="0"/>
-      </a:fillRef>
-      <a:effectRef idx="0">
-        <a:scrgbClr r="0" g="0" b="0"/>
-      </a:effectRef>
-      <a:fontRef idx="minor"/>
-    </dgm:style>
-  </dgm:styleLbl>
-  <dgm:styleLbl name="dkBgShp">
-    <dgm:scene3d>
-      <a:camera prst="orthographicFront"/>
-      <a:lightRig rig="threePt" dir="t"/>
-    </dgm:scene3d>
-    <dgm:sp3d/>
-    <dgm:txPr/>
-    <dgm:style>
-      <a:lnRef idx="0">
-        <a:scrgbClr r="0" g="0" b="0"/>
-      </a:lnRef>
-      <a:fillRef idx="1">
-        <a:scrgbClr r="0" g="0" b="0"/>
-      </a:fillRef>
-      <a:effectRef idx="0">
-        <a:scrgbClr r="0" g="0" b="0"/>
-      </a:effectRef>
-      <a:fontRef idx="minor"/>
-    </dgm:style>
-  </dgm:styleLbl>
-  <dgm:styleLbl name="trBgShp">
-    <dgm:scene3d>
-      <a:camera prst="orthographicFront"/>
-      <a:lightRig rig="threePt" dir="t"/>
-    </dgm:scene3d>
-    <dgm:sp3d/>
-    <dgm:txPr/>
-    <dgm:style>
-      <a:lnRef idx="0">
-        <a:scrgbClr r="0" g="0" b="0"/>
-      </a:lnRef>
-      <a:fillRef idx="1">
-        <a:scrgbClr r="0" g="0" b="0"/>
-      </a:fillRef>
-      <a:effectRef idx="0">
-        <a:scrgbClr r="0" g="0" b="0"/>
-      </a:effectRef>
-      <a:fontRef idx="minor"/>
-    </dgm:style>
-  </dgm:styleLbl>
-  <dgm:styleLbl name="fgShp">
-    <dgm:scene3d>
-      <a:camera prst="orthographicFront"/>
-      <a:lightRig rig="threePt" dir="t"/>
-    </dgm:scene3d>
-    <dgm:sp3d/>
-    <dgm:txPr/>
-    <dgm:style>
-      <a:lnRef idx="2">
-        <a:scrgbClr r="0" g="0" b="0"/>
-      </a:lnRef>
-      <a:fillRef idx="1">
-        <a:scrgbClr r="0" g="0" b="0"/>
-      </a:fillRef>
-      <a:effectRef idx="0">
-        <a:scrgbClr r="0" g="0" b="0"/>
-      </a:effectRef>
-      <a:fontRef idx="minor"/>
-    </dgm:style>
-  </dgm:styleLbl>
-  <dgm:styleLbl name="revTx">
-    <dgm:scene3d>
-      <a:camera prst="orthographicFront"/>
-      <a:lightRig rig="threePt" dir="t"/>
-    </dgm:scene3d>
-    <dgm:sp3d/>
-    <dgm:txPr/>
-    <dgm:style>
-      <a:lnRef idx="0">
-        <a:scrgbClr r="0" g="0" b="0"/>
-      </a:lnRef>
-      <a:fillRef idx="0">
-        <a:scrgbClr r="0" g="0" b="0"/>
-      </a:fillRef>
-      <a:effectRef idx="0">
-        <a:scrgbClr r="0" g="0" b="0"/>
-      </a:effectRef>
-      <a:fontRef idx="minor"/>
-    </dgm:style>
-  </dgm:styleLbl>
-</dgm:styleDef>
 </file>
 
 <file path=ppt/slideLayouts/slideLayout1.xml><?xml version="1.0" encoding="utf-8"?>
@@ -6232,121 +3753,63 @@
           <a:chExt cx="0" cy="0"/>
         </a:xfrm>
       </p:grpSpPr>
-      <p:sp>
-        <p:nvSpPr>
-          <p:cNvPr id="2" name="Title 1">
+      <p:sp useBgFill="1">
+        <p:nvSpPr>
+          <p:cNvPr id="9" name="Rectangle 8">
             <a:extLst>
               <a:ext uri="{FF2B5EF4-FFF2-40B4-BE49-F238E27FC236}">
-                <a16:creationId xmlns:a16="http://schemas.microsoft.com/office/drawing/2014/main" id="{AB6D9923-9500-7254-4D32-D4156EA99532}"/>
+                <a16:creationId xmlns:a16="http://schemas.microsoft.com/office/drawing/2014/main" id="{19E9CB2B-7C9D-4B98-AD54-C7DE19B7B12D}"/>
+              </a:ext>
+              <a:ext uri="{C183D7F6-B498-43B3-948B-1728B52AA6E4}">
+                <adec:decorative xmlns:adec="http://schemas.microsoft.com/office/drawing/2017/decorative" val="1"/>
               </a:ext>
             </a:extLst>
           </p:cNvPr>
           <p:cNvSpPr>
-            <a:spLocks noGrp="1"/>
+            <a:spLocks noGrp="1" noRot="1" noChangeAspect="1" noMove="1" noResize="1" noEditPoints="1" noAdjustHandles="1" noChangeArrowheads="1" noChangeShapeType="1" noTextEdit="1"/>
           </p:cNvSpPr>
           <p:nvPr>
-            <p:ph type="ctrTitle"/>
-          </p:nvPr>
-        </p:nvSpPr>
-        <p:spPr>
-          <a:xfrm>
-            <a:off x="1452616" y="962902"/>
-            <a:ext cx="4176384" cy="2380828"/>
-          </a:xfrm>
-        </p:spPr>
-        <p:txBody>
-          <a:bodyPr vert="horz" lIns="91440" tIns="45720" rIns="91440" bIns="45720" rtlCol="0">
-            <a:normAutofit/>
-          </a:bodyPr>
+            <p:extLst>
+              <p:ext uri="{386F3935-93C4-4BCD-93E2-E3B085C9AB24}">
+                <p16:designElem xmlns:p16="http://schemas.microsoft.com/office/powerpoint/2015/main" val="1"/>
+              </p:ext>
+            </p:extLst>
+          </p:nvPr>
+        </p:nvSpPr>
+        <p:spPr>
+          <a:xfrm>
+            <a:off x="2" y="0"/>
+            <a:ext cx="12191695" cy="6858000"/>
+          </a:xfrm>
+          <a:prstGeom prst="rect">
+            <a:avLst/>
+          </a:prstGeom>
+          <a:ln>
+            <a:noFill/>
+          </a:ln>
+        </p:spPr>
+        <p:style>
+          <a:lnRef idx="2">
+            <a:schemeClr val="accent1">
+              <a:shade val="50000"/>
+            </a:schemeClr>
+          </a:lnRef>
+          <a:fillRef idx="1">
+            <a:schemeClr val="accent1"/>
+          </a:fillRef>
+          <a:effectRef idx="0">
+            <a:schemeClr val="accent1"/>
+          </a:effectRef>
+          <a:fontRef idx="minor">
+            <a:schemeClr val="lt1"/>
+          </a:fontRef>
+        </p:style>
+        <p:txBody>
+          <a:bodyPr rtlCol="0" anchor="ctr"/>
           <a:lstStyle/>
           <a:p>
-            <a:r>
-              <a:rPr lang="en-US" sz="4100" u="sng" kern="1200" cap="all" spc="120" baseline="0">
-                <a:latin typeface="+mj-lt"/>
-                <a:ea typeface="+mj-ea"/>
-                <a:cs typeface="+mj-cs"/>
-              </a:rPr>
-              <a:t>Houses:</a:t>
-            </a:r>
-            <a:r>
-              <a:rPr lang="en-US" sz="4100" kern="1200" cap="all" spc="120" baseline="0">
-                <a:latin typeface="+mj-lt"/>
-                <a:ea typeface="+mj-ea"/>
-                <a:cs typeface="+mj-cs"/>
-              </a:rPr>
-              <a:t> </a:t>
-            </a:r>
-            <a:br>
-              <a:rPr lang="en-US" sz="4100" kern="1200" cap="all" spc="120" baseline="0">
-                <a:latin typeface="+mj-lt"/>
-                <a:ea typeface="+mj-ea"/>
-                <a:cs typeface="+mj-cs"/>
-              </a:rPr>
-            </a:br>
-            <a:r>
-              <a:rPr lang="en-US" sz="4100" i="1" kern="1200" cap="all" spc="120" baseline="0">
-                <a:latin typeface="+mj-lt"/>
-                <a:ea typeface="+mj-ea"/>
-                <a:cs typeface="+mj-cs"/>
-              </a:rPr>
-              <a:t>The Lost American Dream</a:t>
-            </a:r>
-          </a:p>
-        </p:txBody>
-      </p:sp>
-      <p:sp>
-        <p:nvSpPr>
-          <p:cNvPr id="3" name="Subtitle 2">
-            <a:extLst>
-              <a:ext uri="{FF2B5EF4-FFF2-40B4-BE49-F238E27FC236}">
-                <a16:creationId xmlns:a16="http://schemas.microsoft.com/office/drawing/2014/main" id="{6CCC5A6B-09E1-9BCD-15BB-C6E44B20854F}"/>
-              </a:ext>
-            </a:extLst>
-          </p:cNvPr>
-          <p:cNvSpPr>
-            <a:spLocks noGrp="1"/>
-          </p:cNvSpPr>
-          <p:nvPr>
-            <p:ph type="subTitle" idx="1"/>
-          </p:nvPr>
-        </p:nvSpPr>
-        <p:spPr>
-          <a:xfrm>
-            <a:off x="1452617" y="3531204"/>
-            <a:ext cx="4171479" cy="1610643"/>
-          </a:xfrm>
-        </p:spPr>
-        <p:txBody>
-          <a:bodyPr vert="horz" lIns="91440" tIns="45720" rIns="91440" bIns="45720" rtlCol="0">
-            <a:normAutofit/>
-          </a:bodyPr>
-          <a:lstStyle/>
-          <a:p>
-            <a:r>
-              <a:rPr lang="en-US" sz="1600" dirty="0"/>
-              <a:t>Python Project</a:t>
-            </a:r>
-            <a:br>
-              <a:rPr lang="en-US" sz="1600" dirty="0"/>
-            </a:br>
-            <a:br>
-              <a:rPr lang="en-US" sz="1600" dirty="0"/>
-            </a:br>
-            <a:r>
-              <a:rPr lang="en-US" sz="1600" dirty="0"/>
-              <a:t>Team Members:</a:t>
-            </a:r>
-            <a:br>
-              <a:rPr lang="en-US" sz="1600" dirty="0"/>
-            </a:br>
-            <a:r>
-              <a:rPr lang="en-US" sz="1600" dirty="0"/>
-              <a:t>Marvina L., Ciin Cing, </a:t>
-            </a:r>
-            <a:r>
-              <a:rPr lang="en-US" sz="1600"/>
-              <a:t>Dren L.</a:t>
-            </a:r>
+            <a:pPr algn="ctr"/>
+            <a:endParaRPr lang="en-US"/>
           </a:p>
         </p:txBody>
       </p:sp>
@@ -6366,19 +3829,489 @@
         </p:nvPicPr>
         <p:blipFill rotWithShape="1">
           <a:blip r:embed="rId2"/>
-          <a:srcRect l="13657" r="21660"/>
+          <a:srcRect l="9161" t="9091" r="32055" b="1"/>
           <a:stretch/>
         </p:blipFill>
         <p:spPr>
           <a:xfrm>
-            <a:off x="6502658" y="805583"/>
-            <a:ext cx="4143947" cy="4660762"/>
+            <a:off x="6096000" y="10"/>
+            <a:ext cx="6095697" cy="6857990"/>
           </a:xfrm>
           <a:prstGeom prst="rect">
             <a:avLst/>
           </a:prstGeom>
         </p:spPr>
       </p:pic>
+      <p:grpSp>
+        <p:nvGrpSpPr>
+          <p:cNvPr id="11" name="Group 10">
+            <a:extLst>
+              <a:ext uri="{FF2B5EF4-FFF2-40B4-BE49-F238E27FC236}">
+                <a16:creationId xmlns:a16="http://schemas.microsoft.com/office/drawing/2014/main" id="{8349A827-399B-4A6D-926F-6D0F2FB8FD81}"/>
+              </a:ext>
+              <a:ext uri="{C183D7F6-B498-43B3-948B-1728B52AA6E4}">
+                <adec:decorative xmlns:adec="http://schemas.microsoft.com/office/drawing/2017/decorative" val="1"/>
+              </a:ext>
+            </a:extLst>
+          </p:cNvPr>
+          <p:cNvGrpSpPr>
+            <a:grpSpLocks noGrp="1" noUngrp="1" noRot="1" noChangeAspect="1" noMove="1" noResize="1"/>
+          </p:cNvGrpSpPr>
+          <p:nvPr>
+            <p:extLst>
+              <p:ext uri="{386F3935-93C4-4BCD-93E2-E3B085C9AB24}">
+                <p16:designElem xmlns:p16="http://schemas.microsoft.com/office/powerpoint/2015/main" val="1"/>
+              </p:ext>
+            </p:extLst>
+          </p:nvPr>
+        </p:nvGrpSpPr>
+        <p:grpSpPr>
+          <a:xfrm>
+            <a:off x="680702" y="1149383"/>
+            <a:ext cx="6562082" cy="4236223"/>
+            <a:chOff x="7807230" y="2012810"/>
+            <a:chExt cx="3251252" cy="3459865"/>
+          </a:xfrm>
+        </p:grpSpPr>
+        <p:sp>
+          <p:nvSpPr>
+            <p:cNvPr id="12" name="Rectangle 11">
+              <a:extLst>
+                <a:ext uri="{FF2B5EF4-FFF2-40B4-BE49-F238E27FC236}">
+                  <a16:creationId xmlns:a16="http://schemas.microsoft.com/office/drawing/2014/main" id="{FBD550E0-F195-46B4-A173-36FCD40A46D1}"/>
+                </a:ext>
+                <a:ext uri="{C183D7F6-B498-43B3-948B-1728B52AA6E4}">
+                  <adec:decorative xmlns:adec="http://schemas.microsoft.com/office/drawing/2017/decorative" val="1"/>
+                </a:ext>
+              </a:extLst>
+            </p:cNvPr>
+            <p:cNvSpPr/>
+            <p:nvPr>
+              <p:extLst>
+                <p:ext uri="{386F3935-93C4-4BCD-93E2-E3B085C9AB24}">
+                  <p16:designElem xmlns:p16="http://schemas.microsoft.com/office/powerpoint/2015/main" val="1"/>
+                </p:ext>
+              </p:extLst>
+            </p:nvPr>
+          </p:nvSpPr>
+          <p:spPr>
+            <a:xfrm>
+              <a:off x="7807230" y="2012810"/>
+              <a:ext cx="3251252" cy="3459865"/>
+            </a:xfrm>
+            <a:prstGeom prst="rect">
+              <a:avLst/>
+            </a:prstGeom>
+            <a:gradFill>
+              <a:gsLst>
+                <a:gs pos="0">
+                  <a:srgbClr val="000001"/>
+                </a:gs>
+                <a:gs pos="100000">
+                  <a:srgbClr val="191919"/>
+                </a:gs>
+              </a:gsLst>
+            </a:gradFill>
+            <a:ln w="76200" cmpd="sng">
+              <a:noFill/>
+              <a:miter lim="800000"/>
+            </a:ln>
+            <a:effectLst>
+              <a:outerShdw blurRad="127000" dist="190500" dir="4740000" sx="98000" sy="98000" algn="tl" rotWithShape="0">
+                <a:srgbClr val="000000">
+                  <a:alpha val="34000"/>
+                </a:srgbClr>
+              </a:outerShdw>
+            </a:effectLst>
+            <a:scene3d>
+              <a:camera prst="orthographicFront"/>
+              <a:lightRig rig="threePt" dir="t"/>
+            </a:scene3d>
+            <a:sp3d>
+              <a:bevelT w="152400" h="50800" prst="softRound"/>
+            </a:sp3d>
+          </p:spPr>
+          <p:style>
+            <a:lnRef idx="1">
+              <a:schemeClr val="accent1"/>
+            </a:lnRef>
+            <a:fillRef idx="3">
+              <a:schemeClr val="accent1"/>
+            </a:fillRef>
+            <a:effectRef idx="2">
+              <a:schemeClr val="accent1"/>
+            </a:effectRef>
+            <a:fontRef idx="minor">
+              <a:schemeClr val="lt1"/>
+            </a:fontRef>
+          </p:style>
+          <p:txBody>
+            <a:bodyPr rtlCol="0" anchor="ctr"/>
+            <a:lstStyle/>
+            <a:p>
+              <a:pPr algn="ctr"/>
+              <a:endParaRPr lang="en-US"/>
+            </a:p>
+          </p:txBody>
+        </p:sp>
+        <p:sp>
+          <p:nvSpPr>
+            <p:cNvPr id="13" name="Rectangle 12">
+              <a:extLst>
+                <a:ext uri="{FF2B5EF4-FFF2-40B4-BE49-F238E27FC236}">
+                  <a16:creationId xmlns:a16="http://schemas.microsoft.com/office/drawing/2014/main" id="{30B80ACA-FD08-4616-AD69-6BC181FA29DB}"/>
+                </a:ext>
+                <a:ext uri="{C183D7F6-B498-43B3-948B-1728B52AA6E4}">
+                  <adec:decorative xmlns:adec="http://schemas.microsoft.com/office/drawing/2017/decorative" val="1"/>
+                </a:ext>
+              </a:extLst>
+            </p:cNvPr>
+            <p:cNvSpPr/>
+            <p:nvPr>
+              <p:extLst>
+                <p:ext uri="{386F3935-93C4-4BCD-93E2-E3B085C9AB24}">
+                  <p16:designElem xmlns:p16="http://schemas.microsoft.com/office/powerpoint/2015/main" val="1"/>
+                </p:ext>
+              </p:extLst>
+            </p:nvPr>
+          </p:nvSpPr>
+          <p:spPr>
+            <a:xfrm>
+              <a:off x="7807231" y="2026142"/>
+              <a:ext cx="3251250" cy="3440203"/>
+            </a:xfrm>
+            <a:prstGeom prst="rect">
+              <a:avLst/>
+            </a:prstGeom>
+            <a:gradFill>
+              <a:gsLst>
+                <a:gs pos="0">
+                  <a:srgbClr val="DADADA"/>
+                </a:gs>
+                <a:gs pos="100000">
+                  <a:srgbClr val="FFFFFE"/>
+                </a:gs>
+              </a:gsLst>
+              <a:lin ang="16200000" scaled="0"/>
+            </a:gradFill>
+            <a:ln w="76200" cmpd="sng">
+              <a:solidFill>
+                <a:srgbClr val="191919"/>
+              </a:solidFill>
+              <a:miter lim="800000"/>
+            </a:ln>
+            <a:effectLst>
+              <a:innerShdw blurRad="63500" dist="88900" dir="14100000">
+                <a:srgbClr val="000000">
+                  <a:alpha val="30000"/>
+                </a:srgbClr>
+              </a:innerShdw>
+            </a:effectLst>
+            <a:scene3d>
+              <a:camera prst="orthographicFront"/>
+              <a:lightRig rig="threePt" dir="t"/>
+            </a:scene3d>
+            <a:sp3d>
+              <a:bevelT w="38100" h="38100" prst="relaxedInset"/>
+            </a:sp3d>
+          </p:spPr>
+          <p:style>
+            <a:lnRef idx="1">
+              <a:schemeClr val="accent1"/>
+            </a:lnRef>
+            <a:fillRef idx="3">
+              <a:schemeClr val="accent1"/>
+            </a:fillRef>
+            <a:effectRef idx="2">
+              <a:schemeClr val="accent1"/>
+            </a:effectRef>
+            <a:fontRef idx="minor">
+              <a:schemeClr val="lt1"/>
+            </a:fontRef>
+          </p:style>
+          <p:txBody>
+            <a:bodyPr rtlCol="0" anchor="ctr"/>
+            <a:lstStyle/>
+            <a:p>
+              <a:pPr algn="ctr"/>
+              <a:endParaRPr lang="en-US"/>
+            </a:p>
+          </p:txBody>
+        </p:sp>
+      </p:grpSp>
+      <p:sp>
+        <p:nvSpPr>
+          <p:cNvPr id="15" name="Rectangle 14">
+            <a:extLst>
+              <a:ext uri="{FF2B5EF4-FFF2-40B4-BE49-F238E27FC236}">
+                <a16:creationId xmlns:a16="http://schemas.microsoft.com/office/drawing/2014/main" id="{B371F200-D1FD-4B04-AD59-0B916F679D84}"/>
+              </a:ext>
+              <a:ext uri="{C183D7F6-B498-43B3-948B-1728B52AA6E4}">
+                <adec:decorative xmlns:adec="http://schemas.microsoft.com/office/drawing/2017/decorative" val="1"/>
+              </a:ext>
+            </a:extLst>
+          </p:cNvPr>
+          <p:cNvSpPr>
+            <a:spLocks noGrp="1" noRot="1" noChangeAspect="1" noMove="1" noResize="1" noEditPoints="1" noAdjustHandles="1" noChangeArrowheads="1" noChangeShapeType="1" noTextEdit="1"/>
+          </p:cNvSpPr>
+          <p:nvPr>
+            <p:extLst>
+              <p:ext uri="{386F3935-93C4-4BCD-93E2-E3B085C9AB24}">
+                <p16:designElem xmlns:p16="http://schemas.microsoft.com/office/powerpoint/2015/main" val="1"/>
+              </p:ext>
+            </p:extLst>
+          </p:nvPr>
+        </p:nvSpPr>
+        <p:spPr>
+          <a:xfrm>
+            <a:off x="999087" y="1479842"/>
+            <a:ext cx="5925312" cy="3575304"/>
+          </a:xfrm>
+          <a:prstGeom prst="rect">
+            <a:avLst/>
+          </a:prstGeom>
+          <a:solidFill>
+            <a:schemeClr val="tx2"/>
+          </a:solidFill>
+          <a:ln w="6350">
+            <a:solidFill>
+              <a:schemeClr val="bg2"/>
+            </a:solidFill>
+          </a:ln>
+        </p:spPr>
+        <p:style>
+          <a:lnRef idx="2">
+            <a:schemeClr val="accent1">
+              <a:shade val="50000"/>
+            </a:schemeClr>
+          </a:lnRef>
+          <a:fillRef idx="1">
+            <a:schemeClr val="accent1"/>
+          </a:fillRef>
+          <a:effectRef idx="0">
+            <a:schemeClr val="accent1"/>
+          </a:effectRef>
+          <a:fontRef idx="minor">
+            <a:schemeClr val="lt1"/>
+          </a:fontRef>
+        </p:style>
+        <p:txBody>
+          <a:bodyPr rtlCol="0" anchor="ctr"/>
+          <a:lstStyle/>
+          <a:p>
+            <a:pPr algn="ctr"/>
+            <a:endParaRPr lang="en-US"/>
+          </a:p>
+        </p:txBody>
+      </p:sp>
+      <p:sp>
+        <p:nvSpPr>
+          <p:cNvPr id="2" name="Title 1">
+            <a:extLst>
+              <a:ext uri="{FF2B5EF4-FFF2-40B4-BE49-F238E27FC236}">
+                <a16:creationId xmlns:a16="http://schemas.microsoft.com/office/drawing/2014/main" id="{AB6D9923-9500-7254-4D32-D4156EA99532}"/>
+              </a:ext>
+            </a:extLst>
+          </p:cNvPr>
+          <p:cNvSpPr>
+            <a:spLocks noGrp="1"/>
+          </p:cNvSpPr>
+          <p:nvPr>
+            <p:ph type="ctrTitle"/>
+          </p:nvPr>
+        </p:nvSpPr>
+        <p:spPr>
+          <a:xfrm>
+            <a:off x="1300526" y="1649897"/>
+            <a:ext cx="5429361" cy="2602700"/>
+          </a:xfrm>
+        </p:spPr>
+        <p:txBody>
+          <a:bodyPr vert="horz" lIns="91440" tIns="45720" rIns="91440" bIns="45720" rtlCol="0" anchor="t" anchorCtr="0">
+            <a:normAutofit/>
+          </a:bodyPr>
+          <a:lstStyle/>
+          <a:p>
+            <a:pPr algn="r"/>
+            <a:r>
+              <a:rPr lang="en-US" sz="3600" u="sng" kern="1200" cap="all" spc="120" baseline="0" dirty="0">
+                <a:solidFill>
+                  <a:schemeClr val="bg1"/>
+                </a:solidFill>
+                <a:latin typeface="+mj-lt"/>
+                <a:ea typeface="+mj-ea"/>
+                <a:cs typeface="+mj-cs"/>
+              </a:rPr>
+              <a:t>Houses:</a:t>
+            </a:r>
+            <a:r>
+              <a:rPr lang="en-US" sz="3600" kern="1200" cap="all" spc="120" baseline="0" dirty="0">
+                <a:solidFill>
+                  <a:schemeClr val="bg1"/>
+                </a:solidFill>
+                <a:latin typeface="+mj-lt"/>
+                <a:ea typeface="+mj-ea"/>
+                <a:cs typeface="+mj-cs"/>
+              </a:rPr>
+              <a:t> </a:t>
+            </a:r>
+            <a:br>
+              <a:rPr lang="en-US" sz="3600" kern="1200" cap="all" spc="120" baseline="0" dirty="0">
+                <a:solidFill>
+                  <a:schemeClr val="bg1"/>
+                </a:solidFill>
+                <a:latin typeface="+mj-lt"/>
+                <a:ea typeface="+mj-ea"/>
+                <a:cs typeface="+mj-cs"/>
+              </a:rPr>
+            </a:br>
+            <a:r>
+              <a:rPr lang="en-US" sz="3600" i="1" kern="1200" cap="all" spc="120" baseline="0" dirty="0">
+                <a:solidFill>
+                  <a:schemeClr val="bg1"/>
+                </a:solidFill>
+                <a:latin typeface="+mj-lt"/>
+                <a:ea typeface="+mj-ea"/>
+                <a:cs typeface="+mj-cs"/>
+              </a:rPr>
+              <a:t>The Lost American Dream</a:t>
+            </a:r>
+          </a:p>
+        </p:txBody>
+      </p:sp>
+      <p:sp>
+        <p:nvSpPr>
+          <p:cNvPr id="3" name="Subtitle 2">
+            <a:extLst>
+              <a:ext uri="{FF2B5EF4-FFF2-40B4-BE49-F238E27FC236}">
+                <a16:creationId xmlns:a16="http://schemas.microsoft.com/office/drawing/2014/main" id="{6CCC5A6B-09E1-9BCD-15BB-C6E44B20854F}"/>
+              </a:ext>
+            </a:extLst>
+          </p:cNvPr>
+          <p:cNvSpPr>
+            <a:spLocks noGrp="1"/>
+          </p:cNvSpPr>
+          <p:nvPr>
+            <p:ph type="subTitle" idx="1"/>
+          </p:nvPr>
+        </p:nvSpPr>
+        <p:spPr>
+          <a:xfrm>
+            <a:off x="1300526" y="3094182"/>
+            <a:ext cx="5303519" cy="1892211"/>
+          </a:xfrm>
+        </p:spPr>
+        <p:txBody>
+          <a:bodyPr vert="horz" lIns="91440" tIns="45720" rIns="91440" bIns="45720" rtlCol="0" anchor="ctr">
+            <a:noAutofit/>
+          </a:bodyPr>
+          <a:lstStyle/>
+          <a:p>
+            <a:pPr algn="r">
+              <a:lnSpc>
+                <a:spcPct val="110000"/>
+              </a:lnSpc>
+            </a:pPr>
+            <a:r>
+              <a:rPr lang="en-US" sz="1000" dirty="0">
+                <a:solidFill>
+                  <a:schemeClr val="bg1"/>
+                </a:solidFill>
+              </a:rPr>
+              <a:t>Python Project</a:t>
+            </a:r>
+            <a:br>
+              <a:rPr lang="en-US" sz="1000" dirty="0">
+                <a:solidFill>
+                  <a:schemeClr val="bg1"/>
+                </a:solidFill>
+              </a:rPr>
+            </a:br>
+            <a:br>
+              <a:rPr lang="en-US" sz="1000" dirty="0">
+                <a:solidFill>
+                  <a:schemeClr val="bg1"/>
+                </a:solidFill>
+              </a:rPr>
+            </a:br>
+            <a:r>
+              <a:rPr lang="en-US" sz="1000" dirty="0">
+                <a:solidFill>
+                  <a:schemeClr val="bg1"/>
+                </a:solidFill>
+              </a:rPr>
+              <a:t>Team Members:</a:t>
+            </a:r>
+            <a:br>
+              <a:rPr lang="en-US" sz="1000" dirty="0">
+                <a:solidFill>
+                  <a:schemeClr val="bg1"/>
+                </a:solidFill>
+              </a:rPr>
+            </a:br>
+            <a:r>
+              <a:rPr lang="en-US" sz="1000" dirty="0">
+                <a:solidFill>
+                  <a:schemeClr val="bg1"/>
+                </a:solidFill>
+              </a:rPr>
+              <a:t>Marvina L., Ciin Cing, Dren L.</a:t>
+            </a:r>
+          </a:p>
+        </p:txBody>
+      </p:sp>
+      <p:cxnSp>
+        <p:nvCxnSpPr>
+          <p:cNvPr id="17" name="Straight Connector 16">
+            <a:extLst>
+              <a:ext uri="{FF2B5EF4-FFF2-40B4-BE49-F238E27FC236}">
+                <a16:creationId xmlns:a16="http://schemas.microsoft.com/office/drawing/2014/main" id="{65A72820-B696-4EB4-A62D-3F1E2E3EC4C3}"/>
+              </a:ext>
+              <a:ext uri="{C183D7F6-B498-43B3-948B-1728B52AA6E4}">
+                <adec:decorative xmlns:adec="http://schemas.microsoft.com/office/drawing/2017/decorative" val="1"/>
+              </a:ext>
+            </a:extLst>
+          </p:cNvPr>
+          <p:cNvCxnSpPr>
+            <a:cxnSpLocks noGrp="1" noRot="1" noChangeAspect="1" noMove="1" noResize="1" noEditPoints="1" noAdjustHandles="1" noChangeArrowheads="1" noChangeShapeType="1"/>
+          </p:cNvCxnSpPr>
+          <p:nvPr>
+            <p:extLst>
+              <p:ext uri="{386F3935-93C4-4BCD-93E2-E3B085C9AB24}">
+                <p16:designElem xmlns:p16="http://schemas.microsoft.com/office/powerpoint/2015/main" val="1"/>
+              </p:ext>
+            </p:extLst>
+          </p:nvPr>
+        </p:nvCxnSpPr>
+        <p:spPr>
+          <a:xfrm>
+            <a:off x="1300525" y="4420075"/>
+            <a:ext cx="5303520" cy="0"/>
+          </a:xfrm>
+          <a:prstGeom prst="line">
+            <a:avLst/>
+          </a:prstGeom>
+          <a:ln w="31750">
+            <a:solidFill>
+              <a:srgbClr val="989C34"/>
+            </a:solidFill>
+          </a:ln>
+        </p:spPr>
+        <p:style>
+          <a:lnRef idx="3">
+            <a:schemeClr val="accent1"/>
+          </a:lnRef>
+          <a:fillRef idx="0">
+            <a:schemeClr val="accent1"/>
+          </a:fillRef>
+          <a:effectRef idx="2">
+            <a:schemeClr val="accent1"/>
+          </a:effectRef>
+          <a:fontRef idx="minor">
+            <a:schemeClr val="tx1"/>
+          </a:fontRef>
+        </p:style>
+      </p:cxnSp>
     </p:spTree>
     <p:extLst>
       <p:ext uri="{BB962C8B-B14F-4D97-AF65-F5344CB8AC3E}">
@@ -6397,9 +4330,25 @@
   <p:cSld>
     <p:bg>
       <p:bgPr>
-        <a:solidFill>
-          <a:schemeClr val="bg2"/>
-        </a:solidFill>
+        <a:gradFill rotWithShape="1">
+          <a:gsLst>
+            <a:gs pos="0">
+              <a:schemeClr val="bg2">
+                <a:tint val="94000"/>
+                <a:satMod val="80000"/>
+                <a:lumMod val="106000"/>
+              </a:schemeClr>
+            </a:gs>
+            <a:gs pos="100000">
+              <a:schemeClr val="bg2">
+                <a:shade val="80000"/>
+              </a:schemeClr>
+            </a:gs>
+          </a:gsLst>
+          <a:path path="circle">
+            <a:fillToRect l="43000" r="43000" b="100000"/>
+          </a:path>
+        </a:gradFill>
         <a:effectLst/>
       </p:bgPr>
     </p:bg>
@@ -6419,6 +4368,576 @@
       </p:grpSpPr>
       <p:sp>
         <p:nvSpPr>
+          <p:cNvPr id="46" name="Rectangle 32">
+            <a:extLst>
+              <a:ext uri="{FF2B5EF4-FFF2-40B4-BE49-F238E27FC236}">
+                <a16:creationId xmlns:a16="http://schemas.microsoft.com/office/drawing/2014/main" id="{1CE580D1-F917-4567-AFB4-99AA9B52ADF0}"/>
+              </a:ext>
+              <a:ext uri="{C183D7F6-B498-43B3-948B-1728B52AA6E4}">
+                <adec:decorative xmlns:adec="http://schemas.microsoft.com/office/drawing/2017/decorative" val="1"/>
+              </a:ext>
+            </a:extLst>
+          </p:cNvPr>
+          <p:cNvSpPr>
+            <a:spLocks noGrp="1" noRot="1" noChangeAspect="1" noMove="1" noResize="1" noEditPoints="1" noAdjustHandles="1" noChangeArrowheads="1" noChangeShapeType="1" noTextEdit="1"/>
+          </p:cNvSpPr>
+          <p:nvPr>
+            <p:extLst>
+              <p:ext uri="{386F3935-93C4-4BCD-93E2-E3B085C9AB24}">
+                <p16:designElem xmlns:p16="http://schemas.microsoft.com/office/powerpoint/2015/main" val="1"/>
+              </p:ext>
+            </p:extLst>
+          </p:nvPr>
+        </p:nvSpPr>
+        <p:spPr>
+          <a:xfrm>
+            <a:off x="0" y="2019476"/>
+            <a:ext cx="12192000" cy="4105941"/>
+          </a:xfrm>
+          <a:prstGeom prst="rect">
+            <a:avLst/>
+          </a:prstGeom>
+          <a:gradFill flip="none" rotWithShape="1">
+            <a:gsLst>
+              <a:gs pos="0">
+                <a:schemeClr val="bg2">
+                  <a:alpha val="0"/>
+                </a:schemeClr>
+              </a:gs>
+              <a:gs pos="100000">
+                <a:schemeClr val="bg2"/>
+              </a:gs>
+            </a:gsLst>
+            <a:lin ang="5400000" scaled="0"/>
+            <a:tileRect/>
+          </a:gradFill>
+          <a:ln>
+            <a:noFill/>
+          </a:ln>
+        </p:spPr>
+        <p:style>
+          <a:lnRef idx="2">
+            <a:schemeClr val="accent1">
+              <a:shade val="50000"/>
+            </a:schemeClr>
+          </a:lnRef>
+          <a:fillRef idx="1">
+            <a:schemeClr val="accent1"/>
+          </a:fillRef>
+          <a:effectRef idx="0">
+            <a:schemeClr val="accent1"/>
+          </a:effectRef>
+          <a:fontRef idx="minor">
+            <a:schemeClr val="lt1"/>
+          </a:fontRef>
+        </p:style>
+        <p:txBody>
+          <a:bodyPr/>
+          <a:lstStyle/>
+          <a:p>
+            <a:endParaRPr lang="en-US"/>
+          </a:p>
+        </p:txBody>
+      </p:sp>
+      <p:pic>
+        <p:nvPicPr>
+          <p:cNvPr id="48" name="Picture 34">
+            <a:extLst>
+              <a:ext uri="{FF2B5EF4-FFF2-40B4-BE49-F238E27FC236}">
+                <a16:creationId xmlns:a16="http://schemas.microsoft.com/office/drawing/2014/main" id="{1F5620B8-A2D8-4568-B566-F0453A0D9167}"/>
+              </a:ext>
+              <a:ext uri="{C183D7F6-B498-43B3-948B-1728B52AA6E4}">
+                <adec:decorative xmlns:adec="http://schemas.microsoft.com/office/drawing/2017/decorative" val="1"/>
+              </a:ext>
+            </a:extLst>
+          </p:cNvPr>
+          <p:cNvPicPr>
+            <a:picLocks noGrp="1" noRot="1" noChangeAspect="1" noMove="1" noResize="1" noEditPoints="1" noAdjustHandles="1" noChangeArrowheads="1" noChangeShapeType="1" noCrop="1"/>
+          </p:cNvPicPr>
+          <p:nvPr>
+            <p:extLst>
+              <p:ext uri="{386F3935-93C4-4BCD-93E2-E3B085C9AB24}">
+                <p16:designElem xmlns:p16="http://schemas.microsoft.com/office/powerpoint/2015/main" val="1"/>
+              </p:ext>
+            </p:extLst>
+          </p:nvPr>
+        </p:nvPicPr>
+        <p:blipFill rotWithShape="1">
+          <a:blip r:embed="rId2">
+            <a:extLst>
+              <a:ext uri="{28A0092B-C50C-407E-A947-70E740481C1C}">
+                <a14:useLocalDpi xmlns:a14="http://schemas.microsoft.com/office/drawing/2010/main" val="0"/>
+              </a:ext>
+            </a:extLst>
+          </a:blip>
+          <a:srcRect t="1538" b="-1538"/>
+          <a:stretch/>
+        </p:blipFill>
+        <p:spPr bwMode="black">
+          <a:xfrm>
+            <a:off x="0" y="6126480"/>
+            <a:ext cx="12192000" cy="742950"/>
+          </a:xfrm>
+          <a:prstGeom prst="rect">
+            <a:avLst/>
+          </a:prstGeom>
+        </p:spPr>
+      </p:pic>
+      <p:cxnSp>
+        <p:nvCxnSpPr>
+          <p:cNvPr id="50" name="Straight Connector 36">
+            <a:extLst>
+              <a:ext uri="{FF2B5EF4-FFF2-40B4-BE49-F238E27FC236}">
+                <a16:creationId xmlns:a16="http://schemas.microsoft.com/office/drawing/2014/main" id="{1C7D2BA4-4B7A-4596-8BCC-5CF715423894}"/>
+              </a:ext>
+              <a:ext uri="{C183D7F6-B498-43B3-948B-1728B52AA6E4}">
+                <adec:decorative xmlns:adec="http://schemas.microsoft.com/office/drawing/2017/decorative" val="1"/>
+              </a:ext>
+            </a:extLst>
+          </p:cNvPr>
+          <p:cNvCxnSpPr>
+            <a:cxnSpLocks noGrp="1" noRot="1" noChangeAspect="1" noMove="1" noResize="1" noEditPoints="1" noAdjustHandles="1" noChangeArrowheads="1" noChangeShapeType="1"/>
+          </p:cNvCxnSpPr>
+          <p:nvPr>
+            <p:extLst>
+              <p:ext uri="{386F3935-93C4-4BCD-93E2-E3B085C9AB24}">
+                <p16:designElem xmlns:p16="http://schemas.microsoft.com/office/powerpoint/2015/main" val="1"/>
+              </p:ext>
+            </p:extLst>
+          </p:nvPr>
+        </p:nvCxnSpPr>
+        <p:spPr>
+          <a:xfrm>
+            <a:off x="0" y="6128413"/>
+            <a:ext cx="12192000" cy="0"/>
+          </a:xfrm>
+          <a:prstGeom prst="line">
+            <a:avLst/>
+          </a:prstGeom>
+          <a:ln w="12700">
+            <a:solidFill>
+              <a:srgbClr val="000001">
+                <a:alpha val="20000"/>
+              </a:srgbClr>
+            </a:solidFill>
+          </a:ln>
+        </p:spPr>
+        <p:style>
+          <a:lnRef idx="1">
+            <a:schemeClr val="accent1"/>
+          </a:lnRef>
+          <a:fillRef idx="0">
+            <a:schemeClr val="accent1"/>
+          </a:fillRef>
+          <a:effectRef idx="0">
+            <a:schemeClr val="accent1"/>
+          </a:effectRef>
+          <a:fontRef idx="minor">
+            <a:schemeClr val="tx1"/>
+          </a:fontRef>
+        </p:style>
+      </p:cxnSp>
+      <p:cxnSp>
+        <p:nvCxnSpPr>
+          <p:cNvPr id="51" name="Straight Connector 38">
+            <a:extLst>
+              <a:ext uri="{FF2B5EF4-FFF2-40B4-BE49-F238E27FC236}">
+                <a16:creationId xmlns:a16="http://schemas.microsoft.com/office/drawing/2014/main" id="{4977F1E1-2B6F-4BB6-899F-67D8764D83C5}"/>
+              </a:ext>
+              <a:ext uri="{C183D7F6-B498-43B3-948B-1728B52AA6E4}">
+                <adec:decorative xmlns:adec="http://schemas.microsoft.com/office/drawing/2017/decorative" val="1"/>
+              </a:ext>
+            </a:extLst>
+          </p:cNvPr>
+          <p:cNvCxnSpPr>
+            <a:cxnSpLocks noGrp="1" noRot="1" noChangeAspect="1" noMove="1" noResize="1" noEditPoints="1" noAdjustHandles="1" noChangeArrowheads="1" noChangeShapeType="1"/>
+          </p:cNvCxnSpPr>
+          <p:nvPr>
+            <p:extLst>
+              <p:ext uri="{386F3935-93C4-4BCD-93E2-E3B085C9AB24}">
+                <p16:designElem xmlns:p16="http://schemas.microsoft.com/office/powerpoint/2015/main" val="1"/>
+              </p:ext>
+            </p:extLst>
+          </p:nvPr>
+        </p:nvCxnSpPr>
+        <p:spPr>
+          <a:xfrm>
+            <a:off x="2417780" y="3528542"/>
+            <a:ext cx="8637072" cy="0"/>
+          </a:xfrm>
+          <a:prstGeom prst="line">
+            <a:avLst/>
+          </a:prstGeom>
+          <a:ln w="31750"/>
+        </p:spPr>
+        <p:style>
+          <a:lnRef idx="3">
+            <a:schemeClr val="accent1"/>
+          </a:lnRef>
+          <a:fillRef idx="0">
+            <a:schemeClr val="accent1"/>
+          </a:fillRef>
+          <a:effectRef idx="2">
+            <a:schemeClr val="accent1"/>
+          </a:effectRef>
+          <a:fontRef idx="minor">
+            <a:schemeClr val="tx1"/>
+          </a:fontRef>
+        </p:style>
+      </p:cxnSp>
+      <p:sp useBgFill="1">
+        <p:nvSpPr>
+          <p:cNvPr id="52" name="Rectangle 40">
+            <a:extLst>
+              <a:ext uri="{FF2B5EF4-FFF2-40B4-BE49-F238E27FC236}">
+                <a16:creationId xmlns:a16="http://schemas.microsoft.com/office/drawing/2014/main" id="{19E9CB2B-7C9D-4B98-AD54-C7DE19B7B12D}"/>
+              </a:ext>
+              <a:ext uri="{C183D7F6-B498-43B3-948B-1728B52AA6E4}">
+                <adec:decorative xmlns:adec="http://schemas.microsoft.com/office/drawing/2017/decorative" val="1"/>
+              </a:ext>
+            </a:extLst>
+          </p:cNvPr>
+          <p:cNvSpPr>
+            <a:spLocks noGrp="1" noRot="1" noChangeAspect="1" noMove="1" noResize="1" noEditPoints="1" noAdjustHandles="1" noChangeArrowheads="1" noChangeShapeType="1" noTextEdit="1"/>
+          </p:cNvSpPr>
+          <p:nvPr>
+            <p:extLst>
+              <p:ext uri="{386F3935-93C4-4BCD-93E2-E3B085C9AB24}">
+                <p16:designElem xmlns:p16="http://schemas.microsoft.com/office/powerpoint/2015/main" val="1"/>
+              </p:ext>
+            </p:extLst>
+          </p:nvPr>
+        </p:nvSpPr>
+        <p:spPr>
+          <a:xfrm>
+            <a:off x="2" y="0"/>
+            <a:ext cx="12191695" cy="6858000"/>
+          </a:xfrm>
+          <a:prstGeom prst="rect">
+            <a:avLst/>
+          </a:prstGeom>
+          <a:ln>
+            <a:noFill/>
+          </a:ln>
+        </p:spPr>
+        <p:style>
+          <a:lnRef idx="2">
+            <a:schemeClr val="accent1">
+              <a:shade val="50000"/>
+            </a:schemeClr>
+          </a:lnRef>
+          <a:fillRef idx="1">
+            <a:schemeClr val="accent1"/>
+          </a:fillRef>
+          <a:effectRef idx="0">
+            <a:schemeClr val="accent1"/>
+          </a:effectRef>
+          <a:fontRef idx="minor">
+            <a:schemeClr val="lt1"/>
+          </a:fontRef>
+        </p:style>
+        <p:txBody>
+          <a:bodyPr rtlCol="0" anchor="ctr"/>
+          <a:lstStyle/>
+          <a:p>
+            <a:pPr algn="ctr"/>
+            <a:endParaRPr lang="en-US"/>
+          </a:p>
+        </p:txBody>
+      </p:sp>
+      <p:pic>
+        <p:nvPicPr>
+          <p:cNvPr id="27" name="Picture 4" descr="Houses in a subdivision">
+            <a:extLst>
+              <a:ext uri="{FF2B5EF4-FFF2-40B4-BE49-F238E27FC236}">
+                <a16:creationId xmlns:a16="http://schemas.microsoft.com/office/drawing/2014/main" id="{C5C88C42-F190-40C3-A504-FA28B8EB0EC0}"/>
+              </a:ext>
+            </a:extLst>
+          </p:cNvPr>
+          <p:cNvPicPr>
+            <a:picLocks noChangeAspect="1"/>
+          </p:cNvPicPr>
+          <p:nvPr/>
+        </p:nvPicPr>
+        <p:blipFill rotWithShape="1">
+          <a:blip r:embed="rId3"/>
+          <a:srcRect l="14584" t="9091" r="31480"/>
+          <a:stretch/>
+        </p:blipFill>
+        <p:spPr>
+          <a:xfrm>
+            <a:off x="6096000" y="10"/>
+            <a:ext cx="6095697" cy="6857990"/>
+          </a:xfrm>
+          <a:prstGeom prst="rect">
+            <a:avLst/>
+          </a:prstGeom>
+        </p:spPr>
+      </p:pic>
+      <p:grpSp>
+        <p:nvGrpSpPr>
+          <p:cNvPr id="53" name="Group 42">
+            <a:extLst>
+              <a:ext uri="{FF2B5EF4-FFF2-40B4-BE49-F238E27FC236}">
+                <a16:creationId xmlns:a16="http://schemas.microsoft.com/office/drawing/2014/main" id="{8349A827-399B-4A6D-926F-6D0F2FB8FD81}"/>
+              </a:ext>
+              <a:ext uri="{C183D7F6-B498-43B3-948B-1728B52AA6E4}">
+                <adec:decorative xmlns:adec="http://schemas.microsoft.com/office/drawing/2017/decorative" val="1"/>
+              </a:ext>
+            </a:extLst>
+          </p:cNvPr>
+          <p:cNvGrpSpPr>
+            <a:grpSpLocks noGrp="1" noUngrp="1" noRot="1" noChangeAspect="1" noMove="1" noResize="1"/>
+          </p:cNvGrpSpPr>
+          <p:nvPr>
+            <p:extLst>
+              <p:ext uri="{386F3935-93C4-4BCD-93E2-E3B085C9AB24}">
+                <p16:designElem xmlns:p16="http://schemas.microsoft.com/office/powerpoint/2015/main" val="1"/>
+              </p:ext>
+            </p:extLst>
+          </p:nvPr>
+        </p:nvGrpSpPr>
+        <p:grpSpPr>
+          <a:xfrm>
+            <a:off x="680702" y="1149383"/>
+            <a:ext cx="6562082" cy="4236223"/>
+            <a:chOff x="7807230" y="2012810"/>
+            <a:chExt cx="3251252" cy="3459865"/>
+          </a:xfrm>
+        </p:grpSpPr>
+        <p:sp>
+          <p:nvSpPr>
+            <p:cNvPr id="44" name="Rectangle 43">
+              <a:extLst>
+                <a:ext uri="{FF2B5EF4-FFF2-40B4-BE49-F238E27FC236}">
+                  <a16:creationId xmlns:a16="http://schemas.microsoft.com/office/drawing/2014/main" id="{FBD550E0-F195-46B4-A173-36FCD40A46D1}"/>
+                </a:ext>
+                <a:ext uri="{C183D7F6-B498-43B3-948B-1728B52AA6E4}">
+                  <adec:decorative xmlns:adec="http://schemas.microsoft.com/office/drawing/2017/decorative" val="1"/>
+                </a:ext>
+              </a:extLst>
+            </p:cNvPr>
+            <p:cNvSpPr/>
+            <p:nvPr>
+              <p:extLst>
+                <p:ext uri="{386F3935-93C4-4BCD-93E2-E3B085C9AB24}">
+                  <p16:designElem xmlns:p16="http://schemas.microsoft.com/office/powerpoint/2015/main" val="1"/>
+                </p:ext>
+              </p:extLst>
+            </p:nvPr>
+          </p:nvSpPr>
+          <p:spPr>
+            <a:xfrm>
+              <a:off x="7807230" y="2012810"/>
+              <a:ext cx="3251252" cy="3459865"/>
+            </a:xfrm>
+            <a:prstGeom prst="rect">
+              <a:avLst/>
+            </a:prstGeom>
+            <a:gradFill>
+              <a:gsLst>
+                <a:gs pos="0">
+                  <a:srgbClr val="000001"/>
+                </a:gs>
+                <a:gs pos="100000">
+                  <a:srgbClr val="191919"/>
+                </a:gs>
+              </a:gsLst>
+            </a:gradFill>
+            <a:ln w="76200" cmpd="sng">
+              <a:noFill/>
+              <a:miter lim="800000"/>
+            </a:ln>
+            <a:effectLst>
+              <a:outerShdw blurRad="127000" dist="190500" dir="4740000" sx="98000" sy="98000" algn="tl" rotWithShape="0">
+                <a:srgbClr val="000000">
+                  <a:alpha val="34000"/>
+                </a:srgbClr>
+              </a:outerShdw>
+            </a:effectLst>
+            <a:scene3d>
+              <a:camera prst="orthographicFront"/>
+              <a:lightRig rig="threePt" dir="t"/>
+            </a:scene3d>
+            <a:sp3d>
+              <a:bevelT w="152400" h="50800" prst="softRound"/>
+            </a:sp3d>
+          </p:spPr>
+          <p:style>
+            <a:lnRef idx="1">
+              <a:schemeClr val="accent1"/>
+            </a:lnRef>
+            <a:fillRef idx="3">
+              <a:schemeClr val="accent1"/>
+            </a:fillRef>
+            <a:effectRef idx="2">
+              <a:schemeClr val="accent1"/>
+            </a:effectRef>
+            <a:fontRef idx="minor">
+              <a:schemeClr val="lt1"/>
+            </a:fontRef>
+          </p:style>
+          <p:txBody>
+            <a:bodyPr rtlCol="0" anchor="ctr"/>
+            <a:lstStyle/>
+            <a:p>
+              <a:pPr algn="ctr"/>
+              <a:endParaRPr lang="en-US"/>
+            </a:p>
+          </p:txBody>
+        </p:sp>
+        <p:sp>
+          <p:nvSpPr>
+            <p:cNvPr id="45" name="Rectangle 44">
+              <a:extLst>
+                <a:ext uri="{FF2B5EF4-FFF2-40B4-BE49-F238E27FC236}">
+                  <a16:creationId xmlns:a16="http://schemas.microsoft.com/office/drawing/2014/main" id="{30B80ACA-FD08-4616-AD69-6BC181FA29DB}"/>
+                </a:ext>
+                <a:ext uri="{C183D7F6-B498-43B3-948B-1728B52AA6E4}">
+                  <adec:decorative xmlns:adec="http://schemas.microsoft.com/office/drawing/2017/decorative" val="1"/>
+                </a:ext>
+              </a:extLst>
+            </p:cNvPr>
+            <p:cNvSpPr/>
+            <p:nvPr>
+              <p:extLst>
+                <p:ext uri="{386F3935-93C4-4BCD-93E2-E3B085C9AB24}">
+                  <p16:designElem xmlns:p16="http://schemas.microsoft.com/office/powerpoint/2015/main" val="1"/>
+                </p:ext>
+              </p:extLst>
+            </p:nvPr>
+          </p:nvSpPr>
+          <p:spPr>
+            <a:xfrm>
+              <a:off x="7807231" y="2026142"/>
+              <a:ext cx="3251250" cy="3440203"/>
+            </a:xfrm>
+            <a:prstGeom prst="rect">
+              <a:avLst/>
+            </a:prstGeom>
+            <a:gradFill>
+              <a:gsLst>
+                <a:gs pos="0">
+                  <a:srgbClr val="DADADA"/>
+                </a:gs>
+                <a:gs pos="100000">
+                  <a:srgbClr val="FFFFFE"/>
+                </a:gs>
+              </a:gsLst>
+              <a:lin ang="16200000" scaled="0"/>
+            </a:gradFill>
+            <a:ln w="76200" cmpd="sng">
+              <a:solidFill>
+                <a:srgbClr val="191919"/>
+              </a:solidFill>
+              <a:miter lim="800000"/>
+            </a:ln>
+            <a:effectLst>
+              <a:innerShdw blurRad="63500" dist="88900" dir="14100000">
+                <a:srgbClr val="000000">
+                  <a:alpha val="30000"/>
+                </a:srgbClr>
+              </a:innerShdw>
+            </a:effectLst>
+            <a:scene3d>
+              <a:camera prst="orthographicFront"/>
+              <a:lightRig rig="threePt" dir="t"/>
+            </a:scene3d>
+            <a:sp3d>
+              <a:bevelT w="38100" h="38100" prst="relaxedInset"/>
+            </a:sp3d>
+          </p:spPr>
+          <p:style>
+            <a:lnRef idx="1">
+              <a:schemeClr val="accent1"/>
+            </a:lnRef>
+            <a:fillRef idx="3">
+              <a:schemeClr val="accent1"/>
+            </a:fillRef>
+            <a:effectRef idx="2">
+              <a:schemeClr val="accent1"/>
+            </a:effectRef>
+            <a:fontRef idx="minor">
+              <a:schemeClr val="lt1"/>
+            </a:fontRef>
+          </p:style>
+          <p:txBody>
+            <a:bodyPr rtlCol="0" anchor="ctr"/>
+            <a:lstStyle/>
+            <a:p>
+              <a:pPr algn="ctr"/>
+              <a:endParaRPr lang="en-US"/>
+            </a:p>
+          </p:txBody>
+        </p:sp>
+      </p:grpSp>
+      <p:sp>
+        <p:nvSpPr>
+          <p:cNvPr id="47" name="Rectangle 46">
+            <a:extLst>
+              <a:ext uri="{FF2B5EF4-FFF2-40B4-BE49-F238E27FC236}">
+                <a16:creationId xmlns:a16="http://schemas.microsoft.com/office/drawing/2014/main" id="{B371F200-D1FD-4B04-AD59-0B916F679D84}"/>
+              </a:ext>
+              <a:ext uri="{C183D7F6-B498-43B3-948B-1728B52AA6E4}">
+                <adec:decorative xmlns:adec="http://schemas.microsoft.com/office/drawing/2017/decorative" val="1"/>
+              </a:ext>
+            </a:extLst>
+          </p:cNvPr>
+          <p:cNvSpPr>
+            <a:spLocks noGrp="1" noRot="1" noChangeAspect="1" noMove="1" noResize="1" noEditPoints="1" noAdjustHandles="1" noChangeArrowheads="1" noChangeShapeType="1" noTextEdit="1"/>
+          </p:cNvSpPr>
+          <p:nvPr>
+            <p:extLst>
+              <p:ext uri="{386F3935-93C4-4BCD-93E2-E3B085C9AB24}">
+                <p16:designElem xmlns:p16="http://schemas.microsoft.com/office/powerpoint/2015/main" val="1"/>
+              </p:ext>
+            </p:extLst>
+          </p:nvPr>
+        </p:nvSpPr>
+        <p:spPr>
+          <a:xfrm>
+            <a:off x="999087" y="1479842"/>
+            <a:ext cx="5925312" cy="3575304"/>
+          </a:xfrm>
+          <a:prstGeom prst="rect">
+            <a:avLst/>
+          </a:prstGeom>
+          <a:solidFill>
+            <a:schemeClr val="tx2"/>
+          </a:solidFill>
+          <a:ln w="6350">
+            <a:solidFill>
+              <a:schemeClr val="bg2"/>
+            </a:solidFill>
+          </a:ln>
+        </p:spPr>
+        <p:style>
+          <a:lnRef idx="2">
+            <a:schemeClr val="accent1">
+              <a:shade val="50000"/>
+            </a:schemeClr>
+          </a:lnRef>
+          <a:fillRef idx="1">
+            <a:schemeClr val="accent1"/>
+          </a:fillRef>
+          <a:effectRef idx="0">
+            <a:schemeClr val="accent1"/>
+          </a:effectRef>
+          <a:fontRef idx="minor">
+            <a:schemeClr val="lt1"/>
+          </a:fontRef>
+        </p:style>
+        <p:txBody>
+          <a:bodyPr rtlCol="0" anchor="ctr"/>
+          <a:lstStyle/>
+          <a:p>
+            <a:pPr algn="ctr"/>
+            <a:endParaRPr lang="en-US"/>
+          </a:p>
+        </p:txBody>
+      </p:sp>
+      <p:sp>
+        <p:nvSpPr>
           <p:cNvPr id="2" name="Title 1">
             <a:extLst>
               <a:ext uri="{FF2B5EF4-FFF2-40B4-BE49-F238E27FC236}">
@@ -6435,18 +4954,23 @@
         </p:nvSpPr>
         <p:spPr>
           <a:xfrm>
-            <a:off x="5140235" y="1027937"/>
-            <a:ext cx="6083708" cy="3711894"/>
-          </a:xfrm>
-        </p:spPr>
-        <p:txBody>
-          <a:bodyPr vert="horz" lIns="91440" tIns="45720" rIns="91440" bIns="0" rtlCol="0" anchor="ctr">
+            <a:off x="1300526" y="1649897"/>
+            <a:ext cx="5429361" cy="2602700"/>
+          </a:xfrm>
+        </p:spPr>
+        <p:txBody>
+          <a:bodyPr vert="horz" lIns="91440" tIns="45720" rIns="91440" bIns="0" rtlCol="0" anchor="t" anchorCtr="0">
             <a:normAutofit/>
           </a:bodyPr>
           <a:lstStyle/>
           <a:p>
-            <a:r>
-              <a:rPr lang="en-US" sz="5400"/>
+            <a:pPr algn="r"/>
+            <a:r>
+              <a:rPr lang="en-US" dirty="0">
+                <a:solidFill>
+                  <a:schemeClr val="bg1"/>
+                </a:solidFill>
+              </a:rPr>
               <a:t>Project Details</a:t>
             </a:r>
           </a:p>
@@ -6470,13 +4994,13 @@
         </p:nvSpPr>
         <p:spPr>
           <a:xfrm>
-            <a:off x="968057" y="1027937"/>
-            <a:ext cx="3254899" cy="3711894"/>
+            <a:off x="1300526" y="2383694"/>
+            <a:ext cx="5303519" cy="2602699"/>
           </a:xfrm>
         </p:spPr>
         <p:txBody>
           <a:bodyPr vert="horz" lIns="91440" tIns="91440" rIns="91440" bIns="91440" rtlCol="0" anchor="ctr">
-            <a:normAutofit/>
+            <a:noAutofit/>
           </a:bodyPr>
           <a:lstStyle/>
           <a:p>
@@ -6486,29 +5010,109 @@
               </a:lnSpc>
             </a:pPr>
             <a:r>
-              <a:rPr lang="en-US" sz="1500" cap="all" dirty="0"/>
+              <a:rPr lang="en-US" sz="1600" cap="all" dirty="0">
+                <a:solidFill>
+                  <a:schemeClr val="bg1"/>
+                </a:solidFill>
+              </a:rPr>
               <a:t>Our project focuses on the Home Prices and Interest Rates focusing on houses on average in the US overall. </a:t>
             </a:r>
             <a:br>
-              <a:rPr lang="en-US" sz="1500" cap="all" dirty="0"/>
+              <a:rPr lang="en-US" sz="1600" cap="all" dirty="0">
+                <a:solidFill>
+                  <a:schemeClr val="bg1"/>
+                </a:solidFill>
+              </a:rPr>
             </a:br>
             <a:br>
-              <a:rPr lang="en-US" sz="1500" cap="all" dirty="0"/>
+              <a:rPr lang="en-US" sz="1600" cap="all" dirty="0">
+                <a:solidFill>
+                  <a:schemeClr val="bg1"/>
+                </a:solidFill>
+              </a:rPr>
             </a:br>
             <a:r>
-              <a:rPr lang="en-US" sz="1500" cap="all" dirty="0"/>
+              <a:rPr lang="en-US" sz="1600" cap="all" dirty="0">
+                <a:solidFill>
+                  <a:schemeClr val="bg1"/>
+                </a:solidFill>
+              </a:rPr>
               <a:t>Also,  alongside four states for comparison with how Those two key factors may have been impacted.</a:t>
             </a:r>
             <a:br>
-              <a:rPr lang="en-US" sz="1500" cap="all" dirty="0"/>
+              <a:rPr lang="en-US" sz="1600" cap="all" dirty="0">
+                <a:solidFill>
+                  <a:schemeClr val="bg1"/>
+                </a:solidFill>
+              </a:rPr>
             </a:br>
             <a:br>
-              <a:rPr lang="en-US" sz="1500" cap="all" dirty="0"/>
+              <a:rPr lang="en-US" sz="1600" cap="all" dirty="0">
+                <a:solidFill>
+                  <a:schemeClr val="bg1"/>
+                </a:solidFill>
+              </a:rPr>
             </a:br>
-            <a:endParaRPr lang="en-US" sz="1500" cap="all" dirty="0"/>
-          </a:p>
-        </p:txBody>
-      </p:sp>
+            <a:endParaRPr lang="en-US" sz="1600" cap="all" dirty="0">
+              <a:solidFill>
+                <a:schemeClr val="bg1"/>
+              </a:solidFill>
+            </a:endParaRPr>
+          </a:p>
+        </p:txBody>
+      </p:sp>
+      <p:cxnSp>
+        <p:nvCxnSpPr>
+          <p:cNvPr id="49" name="Straight Connector 48">
+            <a:extLst>
+              <a:ext uri="{FF2B5EF4-FFF2-40B4-BE49-F238E27FC236}">
+                <a16:creationId xmlns:a16="http://schemas.microsoft.com/office/drawing/2014/main" id="{65A72820-B696-4EB4-A62D-3F1E2E3EC4C3}"/>
+              </a:ext>
+              <a:ext uri="{C183D7F6-B498-43B3-948B-1728B52AA6E4}">
+                <adec:decorative xmlns:adec="http://schemas.microsoft.com/office/drawing/2017/decorative" val="1"/>
+              </a:ext>
+            </a:extLst>
+          </p:cNvPr>
+          <p:cNvCxnSpPr>
+            <a:cxnSpLocks noGrp="1" noRot="1" noChangeAspect="1" noMove="1" noResize="1" noEditPoints="1" noAdjustHandles="1" noChangeArrowheads="1" noChangeShapeType="1"/>
+          </p:cNvCxnSpPr>
+          <p:nvPr>
+            <p:extLst>
+              <p:ext uri="{386F3935-93C4-4BCD-93E2-E3B085C9AB24}">
+                <p16:designElem xmlns:p16="http://schemas.microsoft.com/office/powerpoint/2015/main" val="1"/>
+              </p:ext>
+            </p:extLst>
+          </p:nvPr>
+        </p:nvCxnSpPr>
+        <p:spPr>
+          <a:xfrm>
+            <a:off x="1300525" y="4420075"/>
+            <a:ext cx="5303520" cy="0"/>
+          </a:xfrm>
+          <a:prstGeom prst="line">
+            <a:avLst/>
+          </a:prstGeom>
+          <a:ln w="31750">
+            <a:solidFill>
+              <a:srgbClr val="B89660"/>
+            </a:solidFill>
+          </a:ln>
+        </p:spPr>
+        <p:style>
+          <a:lnRef idx="3">
+            <a:schemeClr val="accent1"/>
+          </a:lnRef>
+          <a:fillRef idx="0">
+            <a:schemeClr val="accent1"/>
+          </a:fillRef>
+          <a:effectRef idx="2">
+            <a:schemeClr val="accent1"/>
+          </a:effectRef>
+          <a:fontRef idx="minor">
+            <a:schemeClr val="tx1"/>
+          </a:fontRef>
+        </p:style>
+      </p:cxnSp>
     </p:spTree>
     <p:extLst>
       <p:ext uri="{BB962C8B-B14F-4D97-AF65-F5344CB8AC3E}">
@@ -6525,6 +5129,30 @@
 <file path=ppt/slides/slide3.xml><?xml version="1.0" encoding="utf-8"?>
 <p:sld xmlns:a="http://schemas.openxmlformats.org/drawingml/2006/main" xmlns:r="http://schemas.openxmlformats.org/officeDocument/2006/relationships" xmlns:p="http://schemas.openxmlformats.org/presentationml/2006/main">
   <p:cSld>
+    <p:bg>
+      <p:bgPr>
+        <a:gradFill rotWithShape="1">
+          <a:gsLst>
+            <a:gs pos="0">
+              <a:schemeClr val="bg2">
+                <a:tint val="94000"/>
+                <a:satMod val="80000"/>
+                <a:lumMod val="106000"/>
+              </a:schemeClr>
+            </a:gs>
+            <a:gs pos="100000">
+              <a:schemeClr val="bg2">
+                <a:shade val="80000"/>
+              </a:schemeClr>
+            </a:gs>
+          </a:gsLst>
+          <a:path path="circle">
+            <a:fillToRect l="43000" r="43000" b="100000"/>
+          </a:path>
+        </a:gradFill>
+        <a:effectLst/>
+      </p:bgPr>
+    </p:bg>
     <p:spTree>
       <p:nvGrpSpPr>
         <p:cNvPr id="1" name=""/>
@@ -6541,6 +5169,317 @@
       </p:grpSpPr>
       <p:sp>
         <p:nvSpPr>
+          <p:cNvPr id="31" name="Rectangle 30">
+            <a:extLst>
+              <a:ext uri="{FF2B5EF4-FFF2-40B4-BE49-F238E27FC236}">
+                <a16:creationId xmlns:a16="http://schemas.microsoft.com/office/drawing/2014/main" id="{1CE580D1-F917-4567-AFB4-99AA9B52ADF0}"/>
+              </a:ext>
+              <a:ext uri="{C183D7F6-B498-43B3-948B-1728B52AA6E4}">
+                <adec:decorative xmlns:adec="http://schemas.microsoft.com/office/drawing/2017/decorative" val="1"/>
+              </a:ext>
+            </a:extLst>
+          </p:cNvPr>
+          <p:cNvSpPr>
+            <a:spLocks noGrp="1" noRot="1" noChangeAspect="1" noMove="1" noResize="1" noEditPoints="1" noAdjustHandles="1" noChangeArrowheads="1" noChangeShapeType="1" noTextEdit="1"/>
+          </p:cNvSpPr>
+          <p:nvPr>
+            <p:extLst>
+              <p:ext uri="{386F3935-93C4-4BCD-93E2-E3B085C9AB24}">
+                <p16:designElem xmlns:p16="http://schemas.microsoft.com/office/powerpoint/2015/main" val="1"/>
+              </p:ext>
+            </p:extLst>
+          </p:nvPr>
+        </p:nvSpPr>
+        <p:spPr>
+          <a:xfrm>
+            <a:off x="0" y="2019476"/>
+            <a:ext cx="12192000" cy="4105941"/>
+          </a:xfrm>
+          <a:prstGeom prst="rect">
+            <a:avLst/>
+          </a:prstGeom>
+          <a:gradFill flip="none" rotWithShape="1">
+            <a:gsLst>
+              <a:gs pos="0">
+                <a:schemeClr val="bg2">
+                  <a:alpha val="0"/>
+                </a:schemeClr>
+              </a:gs>
+              <a:gs pos="100000">
+                <a:schemeClr val="bg2"/>
+              </a:gs>
+            </a:gsLst>
+            <a:lin ang="5400000" scaled="0"/>
+            <a:tileRect/>
+          </a:gradFill>
+          <a:ln>
+            <a:noFill/>
+          </a:ln>
+        </p:spPr>
+        <p:style>
+          <a:lnRef idx="2">
+            <a:schemeClr val="accent1">
+              <a:shade val="50000"/>
+            </a:schemeClr>
+          </a:lnRef>
+          <a:fillRef idx="1">
+            <a:schemeClr val="accent1"/>
+          </a:fillRef>
+          <a:effectRef idx="0">
+            <a:schemeClr val="accent1"/>
+          </a:effectRef>
+          <a:fontRef idx="minor">
+            <a:schemeClr val="lt1"/>
+          </a:fontRef>
+        </p:style>
+        <p:txBody>
+          <a:bodyPr/>
+          <a:lstStyle/>
+          <a:p>
+            <a:endParaRPr lang="en-US"/>
+          </a:p>
+        </p:txBody>
+      </p:sp>
+      <p:pic>
+        <p:nvPicPr>
+          <p:cNvPr id="33" name="Picture 32">
+            <a:extLst>
+              <a:ext uri="{FF2B5EF4-FFF2-40B4-BE49-F238E27FC236}">
+                <a16:creationId xmlns:a16="http://schemas.microsoft.com/office/drawing/2014/main" id="{1F5620B8-A2D8-4568-B566-F0453A0D9167}"/>
+              </a:ext>
+              <a:ext uri="{C183D7F6-B498-43B3-948B-1728B52AA6E4}">
+                <adec:decorative xmlns:adec="http://schemas.microsoft.com/office/drawing/2017/decorative" val="1"/>
+              </a:ext>
+            </a:extLst>
+          </p:cNvPr>
+          <p:cNvPicPr>
+            <a:picLocks noGrp="1" noRot="1" noChangeAspect="1" noMove="1" noResize="1" noEditPoints="1" noAdjustHandles="1" noChangeArrowheads="1" noChangeShapeType="1" noCrop="1"/>
+          </p:cNvPicPr>
+          <p:nvPr>
+            <p:extLst>
+              <p:ext uri="{386F3935-93C4-4BCD-93E2-E3B085C9AB24}">
+                <p16:designElem xmlns:p16="http://schemas.microsoft.com/office/powerpoint/2015/main" val="1"/>
+              </p:ext>
+            </p:extLst>
+          </p:nvPr>
+        </p:nvPicPr>
+        <p:blipFill rotWithShape="1">
+          <a:blip r:embed="rId2">
+            <a:extLst>
+              <a:ext uri="{28A0092B-C50C-407E-A947-70E740481C1C}">
+                <a14:useLocalDpi xmlns:a14="http://schemas.microsoft.com/office/drawing/2010/main" val="0"/>
+              </a:ext>
+            </a:extLst>
+          </a:blip>
+          <a:srcRect t="1538" b="-1538"/>
+          <a:stretch/>
+        </p:blipFill>
+        <p:spPr bwMode="black">
+          <a:xfrm>
+            <a:off x="0" y="6126480"/>
+            <a:ext cx="12192000" cy="742950"/>
+          </a:xfrm>
+          <a:prstGeom prst="rect">
+            <a:avLst/>
+          </a:prstGeom>
+        </p:spPr>
+      </p:pic>
+      <p:cxnSp>
+        <p:nvCxnSpPr>
+          <p:cNvPr id="35" name="Straight Connector 34">
+            <a:extLst>
+              <a:ext uri="{FF2B5EF4-FFF2-40B4-BE49-F238E27FC236}">
+                <a16:creationId xmlns:a16="http://schemas.microsoft.com/office/drawing/2014/main" id="{1C7D2BA4-4B7A-4596-8BCC-5CF715423894}"/>
+              </a:ext>
+              <a:ext uri="{C183D7F6-B498-43B3-948B-1728B52AA6E4}">
+                <adec:decorative xmlns:adec="http://schemas.microsoft.com/office/drawing/2017/decorative" val="1"/>
+              </a:ext>
+            </a:extLst>
+          </p:cNvPr>
+          <p:cNvCxnSpPr>
+            <a:cxnSpLocks noGrp="1" noRot="1" noChangeAspect="1" noMove="1" noResize="1" noEditPoints="1" noAdjustHandles="1" noChangeArrowheads="1" noChangeShapeType="1"/>
+          </p:cNvCxnSpPr>
+          <p:nvPr>
+            <p:extLst>
+              <p:ext uri="{386F3935-93C4-4BCD-93E2-E3B085C9AB24}">
+                <p16:designElem xmlns:p16="http://schemas.microsoft.com/office/powerpoint/2015/main" val="1"/>
+              </p:ext>
+            </p:extLst>
+          </p:nvPr>
+        </p:nvCxnSpPr>
+        <p:spPr>
+          <a:xfrm>
+            <a:off x="0" y="6128413"/>
+            <a:ext cx="12192000" cy="0"/>
+          </a:xfrm>
+          <a:prstGeom prst="line">
+            <a:avLst/>
+          </a:prstGeom>
+          <a:ln w="12700">
+            <a:solidFill>
+              <a:srgbClr val="000001">
+                <a:alpha val="20000"/>
+              </a:srgbClr>
+            </a:solidFill>
+          </a:ln>
+        </p:spPr>
+        <p:style>
+          <a:lnRef idx="1">
+            <a:schemeClr val="accent1"/>
+          </a:lnRef>
+          <a:fillRef idx="0">
+            <a:schemeClr val="accent1"/>
+          </a:fillRef>
+          <a:effectRef idx="0">
+            <a:schemeClr val="accent1"/>
+          </a:effectRef>
+          <a:fontRef idx="minor">
+            <a:schemeClr val="tx1"/>
+          </a:fontRef>
+        </p:style>
+      </p:cxnSp>
+      <p:cxnSp>
+        <p:nvCxnSpPr>
+          <p:cNvPr id="37" name="Straight Connector 36">
+            <a:extLst>
+              <a:ext uri="{FF2B5EF4-FFF2-40B4-BE49-F238E27FC236}">
+                <a16:creationId xmlns:a16="http://schemas.microsoft.com/office/drawing/2014/main" id="{C9D4B225-18E9-4C5B-94D8-2ABE6D161E4A}"/>
+              </a:ext>
+              <a:ext uri="{C183D7F6-B498-43B3-948B-1728B52AA6E4}">
+                <adec:decorative xmlns:adec="http://schemas.microsoft.com/office/drawing/2017/decorative" val="1"/>
+              </a:ext>
+            </a:extLst>
+          </p:cNvPr>
+          <p:cNvCxnSpPr>
+            <a:cxnSpLocks noGrp="1" noRot="1" noChangeAspect="1" noMove="1" noResize="1" noEditPoints="1" noAdjustHandles="1" noChangeArrowheads="1" noChangeShapeType="1"/>
+          </p:cNvCxnSpPr>
+          <p:nvPr>
+            <p:extLst>
+              <p:ext uri="{386F3935-93C4-4BCD-93E2-E3B085C9AB24}">
+                <p16:designElem xmlns:p16="http://schemas.microsoft.com/office/powerpoint/2015/main" val="1"/>
+              </p:ext>
+            </p:extLst>
+          </p:nvPr>
+        </p:nvCxnSpPr>
+        <p:spPr>
+          <a:xfrm>
+            <a:off x="1453896" y="1847088"/>
+            <a:ext cx="9607522" cy="0"/>
+          </a:xfrm>
+          <a:prstGeom prst="line">
+            <a:avLst/>
+          </a:prstGeom>
+          <a:ln w="31750"/>
+        </p:spPr>
+        <p:style>
+          <a:lnRef idx="3">
+            <a:schemeClr val="accent1"/>
+          </a:lnRef>
+          <a:fillRef idx="0">
+            <a:schemeClr val="accent1"/>
+          </a:fillRef>
+          <a:effectRef idx="2">
+            <a:schemeClr val="accent1"/>
+          </a:effectRef>
+          <a:fontRef idx="minor">
+            <a:schemeClr val="tx1"/>
+          </a:fontRef>
+        </p:style>
+      </p:cxnSp>
+      <p:pic>
+        <p:nvPicPr>
+          <p:cNvPr id="24" name="Picture 3" descr="Stock exchange numbers">
+            <a:extLst>
+              <a:ext uri="{FF2B5EF4-FFF2-40B4-BE49-F238E27FC236}">
+                <a16:creationId xmlns:a16="http://schemas.microsoft.com/office/drawing/2014/main" id="{DD89FB21-0B24-3640-CD88-56A8F78D0B6D}"/>
+              </a:ext>
+            </a:extLst>
+          </p:cNvPr>
+          <p:cNvPicPr>
+            <a:picLocks noChangeAspect="1"/>
+          </p:cNvPicPr>
+          <p:nvPr/>
+        </p:nvPicPr>
+        <p:blipFill rotWithShape="1">
+          <a:blip r:embed="rId3"/>
+          <a:srcRect l="9091" t="15983" b="7406"/>
+          <a:stretch/>
+        </p:blipFill>
+        <p:spPr>
+          <a:xfrm>
+            <a:off x="2" y="10"/>
+            <a:ext cx="12191695" cy="6857990"/>
+          </a:xfrm>
+          <a:prstGeom prst="rect">
+            <a:avLst/>
+          </a:prstGeom>
+        </p:spPr>
+      </p:pic>
+      <p:sp>
+        <p:nvSpPr>
+          <p:cNvPr id="39" name="Rectangle 38">
+            <a:extLst>
+              <a:ext uri="{FF2B5EF4-FFF2-40B4-BE49-F238E27FC236}">
+                <a16:creationId xmlns:a16="http://schemas.microsoft.com/office/drawing/2014/main" id="{368B8211-0B9F-4516-8771-3316E00DB965}"/>
+              </a:ext>
+              <a:ext uri="{C183D7F6-B498-43B3-948B-1728B52AA6E4}">
+                <adec:decorative xmlns:adec="http://schemas.microsoft.com/office/drawing/2017/decorative" val="1"/>
+              </a:ext>
+            </a:extLst>
+          </p:cNvPr>
+          <p:cNvSpPr>
+            <a:spLocks noGrp="1" noRot="1" noChangeAspect="1" noMove="1" noResize="1" noEditPoints="1" noAdjustHandles="1" noChangeArrowheads="1" noChangeShapeType="1" noTextEdit="1"/>
+          </p:cNvSpPr>
+          <p:nvPr>
+            <p:extLst>
+              <p:ext uri="{386F3935-93C4-4BCD-93E2-E3B085C9AB24}">
+                <p16:designElem xmlns:p16="http://schemas.microsoft.com/office/powerpoint/2015/main" val="1"/>
+              </p:ext>
+            </p:extLst>
+          </p:nvPr>
+        </p:nvSpPr>
+        <p:spPr>
+          <a:xfrm>
+            <a:off x="3891643" y="636753"/>
+            <a:ext cx="8299435" cy="5572811"/>
+          </a:xfrm>
+          <a:prstGeom prst="rect">
+            <a:avLst/>
+          </a:prstGeom>
+          <a:solidFill>
+            <a:srgbClr val="000001">
+              <a:alpha val="74902"/>
+            </a:srgbClr>
+          </a:solidFill>
+          <a:ln>
+            <a:noFill/>
+          </a:ln>
+        </p:spPr>
+        <p:style>
+          <a:lnRef idx="1">
+            <a:schemeClr val="accent1"/>
+          </a:lnRef>
+          <a:fillRef idx="3">
+            <a:schemeClr val="accent1"/>
+          </a:fillRef>
+          <a:effectRef idx="2">
+            <a:schemeClr val="accent1"/>
+          </a:effectRef>
+          <a:fontRef idx="minor">
+            <a:schemeClr val="lt1"/>
+          </a:fontRef>
+        </p:style>
+        <p:txBody>
+          <a:bodyPr rtlCol="0" anchor="ctr"/>
+          <a:lstStyle/>
+          <a:p>
+            <a:pPr algn="ctr"/>
+            <a:endParaRPr lang="en-US"/>
+          </a:p>
+        </p:txBody>
+      </p:sp>
+      <p:sp>
+        <p:nvSpPr>
           <p:cNvPr id="2" name="Title 1">
             <a:extLst>
               <a:ext uri="{FF2B5EF4-FFF2-40B4-BE49-F238E27FC236}">
@@ -6555,46 +5494,301 @@
             <p:ph type="title"/>
           </p:nvPr>
         </p:nvSpPr>
-        <p:spPr/>
-        <p:txBody>
-          <a:bodyPr/>
+        <p:spPr>
+          <a:xfrm>
+            <a:off x="4063421" y="804520"/>
+            <a:ext cx="6815731" cy="1049235"/>
+          </a:xfrm>
+        </p:spPr>
+        <p:txBody>
+          <a:bodyPr vert="horz" lIns="91440" tIns="45720" rIns="91440" bIns="45720" rtlCol="0" anchor="t">
+            <a:normAutofit/>
+          </a:bodyPr>
           <a:lstStyle/>
           <a:p>
             <a:r>
-              <a:rPr lang="en-US" dirty="0"/>
+              <a:rPr lang="en-US">
+                <a:solidFill>
+                  <a:srgbClr val="FFFFFE"/>
+                </a:solidFill>
+              </a:rPr>
               <a:t>Where we got our data</a:t>
             </a:r>
           </a:p>
         </p:txBody>
       </p:sp>
-      <p:graphicFrame>
-        <p:nvGraphicFramePr>
-          <p:cNvPr id="7" name="Vertical Text Placeholder 2">
+      <p:cxnSp>
+        <p:nvCxnSpPr>
+          <p:cNvPr id="41" name="Straight Connector 40">
             <a:extLst>
               <a:ext uri="{FF2B5EF4-FFF2-40B4-BE49-F238E27FC236}">
-                <a16:creationId xmlns:a16="http://schemas.microsoft.com/office/drawing/2014/main" id="{810EA8F8-856A-123F-3102-6FC7734FBB66}"/>
+                <a16:creationId xmlns:a16="http://schemas.microsoft.com/office/drawing/2014/main" id="{B7582E73-8B46-4A0E-944E-58357C80883F}"/>
+              </a:ext>
+              <a:ext uri="{C183D7F6-B498-43B3-948B-1728B52AA6E4}">
+                <adec:decorative xmlns:adec="http://schemas.microsoft.com/office/drawing/2017/decorative" val="1"/>
               </a:ext>
             </a:extLst>
           </p:cNvPr>
-          <p:cNvGraphicFramePr/>
+          <p:cNvCxnSpPr>
+            <a:cxnSpLocks noGrp="1" noRot="1" noChangeAspect="1" noMove="1" noResize="1" noEditPoints="1" noAdjustHandles="1" noChangeArrowheads="1" noChangeShapeType="1"/>
+          </p:cNvCxnSpPr>
           <p:nvPr>
             <p:extLst>
-              <p:ext uri="{D42A27DB-BD31-4B8C-83A1-F6EECF244321}">
-                <p14:modId xmlns:p14="http://schemas.microsoft.com/office/powerpoint/2010/main" val="1087034754"/>
+              <p:ext uri="{386F3935-93C4-4BCD-93E2-E3B085C9AB24}">
+                <p16:designElem xmlns:p16="http://schemas.microsoft.com/office/powerpoint/2015/main" val="1"/>
               </p:ext>
             </p:extLst>
           </p:nvPr>
-        </p:nvGraphicFramePr>
-        <p:xfrm>
-          <a:off x="960120" y="2290527"/>
-          <a:ext cx="10268712" cy="3890817"/>
-        </p:xfrm>
-        <a:graphic>
-          <a:graphicData uri="http://schemas.openxmlformats.org/drawingml/2006/diagram">
-            <dgm:relIds xmlns:dgm="http://schemas.openxmlformats.org/drawingml/2006/diagram" xmlns:r="http://schemas.openxmlformats.org/officeDocument/2006/relationships" r:dm="rId2" r:lo="rId3" r:qs="rId4" r:cs="rId5"/>
-          </a:graphicData>
-        </a:graphic>
-      </p:graphicFrame>
+        </p:nvCxnSpPr>
+        <p:spPr>
+          <a:xfrm>
+            <a:off x="4065789" y="1847088"/>
+            <a:ext cx="6813363" cy="0"/>
+          </a:xfrm>
+          <a:prstGeom prst="line">
+            <a:avLst/>
+          </a:prstGeom>
+          <a:ln w="31750">
+            <a:solidFill>
+              <a:srgbClr val="FEFF67"/>
+            </a:solidFill>
+          </a:ln>
+        </p:spPr>
+        <p:style>
+          <a:lnRef idx="3">
+            <a:schemeClr val="accent1"/>
+          </a:lnRef>
+          <a:fillRef idx="0">
+            <a:schemeClr val="accent1"/>
+          </a:fillRef>
+          <a:effectRef idx="2">
+            <a:schemeClr val="accent1"/>
+          </a:effectRef>
+          <a:fontRef idx="minor">
+            <a:schemeClr val="tx1"/>
+          </a:fontRef>
+        </p:style>
+      </p:cxnSp>
+      <p:sp>
+        <p:nvSpPr>
+          <p:cNvPr id="3" name="TextBox 2">
+            <a:extLst>
+              <a:ext uri="{FF2B5EF4-FFF2-40B4-BE49-F238E27FC236}">
+                <a16:creationId xmlns:a16="http://schemas.microsoft.com/office/drawing/2014/main" id="{E8275F70-1410-029C-6087-E19D14FE668C}"/>
+              </a:ext>
+            </a:extLst>
+          </p:cNvPr>
+          <p:cNvSpPr txBox="1"/>
+          <p:nvPr/>
+        </p:nvSpPr>
+        <p:spPr>
+          <a:xfrm>
+            <a:off x="4063421" y="2015733"/>
+            <a:ext cx="6815731" cy="4021267"/>
+          </a:xfrm>
+          <a:prstGeom prst="rect">
+            <a:avLst/>
+          </a:prstGeom>
+        </p:spPr>
+        <p:txBody>
+          <a:bodyPr vert="horz" lIns="91440" tIns="45720" rIns="91440" bIns="45720" rtlCol="0" anchor="t">
+            <a:normAutofit/>
+          </a:bodyPr>
+          <a:lstStyle/>
+          <a:p>
+            <a:pPr lvl="0" indent="-228600" defTabSz="914400">
+              <a:lnSpc>
+                <a:spcPct val="120000"/>
+              </a:lnSpc>
+              <a:spcAft>
+                <a:spcPts val="600"/>
+              </a:spcAft>
+              <a:buClr>
+                <a:srgbClr val="FEFF67"/>
+              </a:buClr>
+              <a:buSzPct val="100000"/>
+              <a:buFont typeface="Arial" panose="020B0604020202020204" pitchFamily="34" charset="0"/>
+              <a:buChar char="•"/>
+            </a:pPr>
+            <a:r>
+              <a:rPr lang="en-US">
+                <a:solidFill>
+                  <a:srgbClr val="FFFFFE"/>
+                </a:solidFill>
+              </a:rPr>
+              <a:t>This is our data sources:</a:t>
+            </a:r>
+          </a:p>
+          <a:p>
+            <a:pPr lvl="1" indent="-228600" defTabSz="914400">
+              <a:lnSpc>
+                <a:spcPct val="120000"/>
+              </a:lnSpc>
+              <a:spcAft>
+                <a:spcPts val="600"/>
+              </a:spcAft>
+              <a:buClr>
+                <a:srgbClr val="FEFF67"/>
+              </a:buClr>
+              <a:buSzPct val="100000"/>
+              <a:buFont typeface="Arial" panose="020B0604020202020204" pitchFamily="34" charset="0"/>
+              <a:buChar char="•"/>
+            </a:pPr>
+            <a:r>
+              <a:rPr lang="en-US">
+                <a:solidFill>
+                  <a:srgbClr val="FFFFFE"/>
+                </a:solidFill>
+              </a:rPr>
+              <a:t>https://www.kaggle.com/datasets/federalreserve/interest-rates</a:t>
+            </a:r>
+          </a:p>
+          <a:p>
+            <a:pPr lvl="1" indent="-228600" defTabSz="914400">
+              <a:lnSpc>
+                <a:spcPct val="120000"/>
+              </a:lnSpc>
+              <a:spcAft>
+                <a:spcPts val="600"/>
+              </a:spcAft>
+              <a:buClr>
+                <a:srgbClr val="FEFF67"/>
+              </a:buClr>
+              <a:buSzPct val="100000"/>
+              <a:buFont typeface="Arial" panose="020B0604020202020204" pitchFamily="34" charset="0"/>
+              <a:buChar char="•"/>
+            </a:pPr>
+            <a:r>
+              <a:rPr lang="en-US">
+                <a:solidFill>
+                  <a:srgbClr val="FFFFFE"/>
+                </a:solidFill>
+              </a:rPr>
+              <a:t>https://www.bankrate.com/banking/federal-reserve/history-of-federal-funds-rate/#2001</a:t>
+            </a:r>
+          </a:p>
+          <a:p>
+            <a:pPr lvl="1" indent="-228600" defTabSz="914400">
+              <a:lnSpc>
+                <a:spcPct val="120000"/>
+              </a:lnSpc>
+              <a:spcAft>
+                <a:spcPts val="600"/>
+              </a:spcAft>
+              <a:buClr>
+                <a:srgbClr val="FEFF67"/>
+              </a:buClr>
+              <a:buSzPct val="100000"/>
+              <a:buFont typeface="Arial" panose="020B0604020202020204" pitchFamily="34" charset="0"/>
+              <a:buChar char="•"/>
+            </a:pPr>
+            <a:r>
+              <a:rPr lang="en-US">
+                <a:solidFill>
+                  <a:srgbClr val="FFFFFE"/>
+                </a:solidFill>
+              </a:rPr>
+              <a:t>https://fred.stlouisfed.org/series/MDSTHPI</a:t>
+            </a:r>
+          </a:p>
+          <a:p>
+            <a:pPr lvl="1" indent="-228600" defTabSz="914400">
+              <a:lnSpc>
+                <a:spcPct val="120000"/>
+              </a:lnSpc>
+              <a:spcAft>
+                <a:spcPts val="600"/>
+              </a:spcAft>
+              <a:buClr>
+                <a:srgbClr val="FEFF67"/>
+              </a:buClr>
+              <a:buSzPct val="100000"/>
+              <a:buFont typeface="Arial" panose="020B0604020202020204" pitchFamily="34" charset="0"/>
+              <a:buChar char="•"/>
+            </a:pPr>
+            <a:r>
+              <a:rPr lang="en-US">
+                <a:solidFill>
+                  <a:srgbClr val="FFFFFE"/>
+                </a:solidFill>
+              </a:rPr>
+              <a:t>https://fred.stlouisfed.org/series/TXSTHPI#0</a:t>
+            </a:r>
+          </a:p>
+          <a:p>
+            <a:pPr lvl="1" indent="-228600" defTabSz="914400">
+              <a:lnSpc>
+                <a:spcPct val="120000"/>
+              </a:lnSpc>
+              <a:spcAft>
+                <a:spcPts val="600"/>
+              </a:spcAft>
+              <a:buClr>
+                <a:srgbClr val="FEFF67"/>
+              </a:buClr>
+              <a:buSzPct val="100000"/>
+              <a:buFont typeface="Arial" panose="020B0604020202020204" pitchFamily="34" charset="0"/>
+              <a:buChar char="•"/>
+            </a:pPr>
+            <a:r>
+              <a:rPr lang="en-US">
+                <a:solidFill>
+                  <a:srgbClr val="FFFFFE"/>
+                </a:solidFill>
+              </a:rPr>
+              <a:t>https://fred.stlouisfed.org/series/CTSTHPI</a:t>
+            </a:r>
+          </a:p>
+          <a:p>
+            <a:pPr lvl="1" indent="-228600" defTabSz="914400">
+              <a:lnSpc>
+                <a:spcPct val="120000"/>
+              </a:lnSpc>
+              <a:spcAft>
+                <a:spcPts val="600"/>
+              </a:spcAft>
+              <a:buClr>
+                <a:srgbClr val="FEFF67"/>
+              </a:buClr>
+              <a:buSzPct val="100000"/>
+              <a:buFont typeface="Arial" panose="020B0604020202020204" pitchFamily="34" charset="0"/>
+              <a:buChar char="•"/>
+            </a:pPr>
+            <a:r>
+              <a:rPr lang="en-US">
+                <a:solidFill>
+                  <a:srgbClr val="FFFFFE"/>
+                </a:solidFill>
+              </a:rPr>
+              <a:t>https://fred.stlouisfed.org/series/USSTHPI</a:t>
+            </a:r>
+          </a:p>
+          <a:p>
+            <a:pPr lvl="1" indent="-228600" defTabSz="914400">
+              <a:lnSpc>
+                <a:spcPct val="120000"/>
+              </a:lnSpc>
+              <a:spcAft>
+                <a:spcPts val="600"/>
+              </a:spcAft>
+              <a:buClr>
+                <a:srgbClr val="FEFF67"/>
+              </a:buClr>
+              <a:buSzPct val="100000"/>
+              <a:buFont typeface="Arial" panose="020B0604020202020204" pitchFamily="34" charset="0"/>
+              <a:buChar char="•"/>
+            </a:pPr>
+            <a:r>
+              <a:rPr lang="en-US">
+                <a:solidFill>
+                  <a:srgbClr val="FFFFFE"/>
+                </a:solidFill>
+              </a:rPr>
+              <a:t>https://www.macrotrends.net/2015/fed-funds-rate-historical-chart</a:t>
+            </a:r>
+          </a:p>
+        </p:txBody>
+      </p:sp>
     </p:spTree>
     <p:extLst>
       <p:ext uri="{BB962C8B-B14F-4D97-AF65-F5344CB8AC3E}">
@@ -6605,6 +5799,98 @@
   <p:clrMapOvr>
     <a:masterClrMapping/>
   </p:clrMapOvr>
+  <p:timing>
+    <p:tnLst>
+      <p:par>
+        <p:cTn id="1" dur="indefinite" restart="never" nodeType="tmRoot">
+          <p:childTnLst>
+            <p:seq concurrent="1" nextAc="seek">
+              <p:cTn id="2" dur="indefinite" nodeType="mainSeq">
+                <p:childTnLst>
+                  <p:par>
+                    <p:cTn id="3" fill="hold">
+                      <p:stCondLst>
+                        <p:cond delay="indefinite"/>
+                        <p:cond evt="onBegin" delay="0">
+                          <p:tn val="2"/>
+                        </p:cond>
+                      </p:stCondLst>
+                      <p:childTnLst>
+                        <p:par>
+                          <p:cTn id="4" fill="hold">
+                            <p:stCondLst>
+                              <p:cond delay="0"/>
+                            </p:stCondLst>
+                            <p:childTnLst>
+                              <p:par>
+                                <p:cTn id="5" presetID="10" presetClass="entr" presetSubtype="0" fill="hold" grpId="0" nodeType="withEffect">
+                                  <p:stCondLst>
+                                    <p:cond delay="1000"/>
+                                  </p:stCondLst>
+                                  <p:iterate>
+                                    <p:tmPct val="10000"/>
+                                  </p:iterate>
+                                  <p:childTnLst>
+                                    <p:set>
+                                      <p:cBhvr>
+                                        <p:cTn id="6" dur="1" fill="hold">
+                                          <p:stCondLst>
+                                            <p:cond delay="0"/>
+                                          </p:stCondLst>
+                                        </p:cTn>
+                                        <p:tgtEl>
+                                          <p:spTgt spid="2"/>
+                                        </p:tgtEl>
+                                        <p:attrNameLst>
+                                          <p:attrName>style.visibility</p:attrName>
+                                        </p:attrNameLst>
+                                      </p:cBhvr>
+                                      <p:to>
+                                        <p:strVal val="visible"/>
+                                      </p:to>
+                                    </p:set>
+                                    <p:animEffect transition="in" filter="fade">
+                                      <p:cBhvr>
+                                        <p:cTn id="7" dur="700"/>
+                                        <p:tgtEl>
+                                          <p:spTgt spid="2"/>
+                                        </p:tgtEl>
+                                      </p:cBhvr>
+                                    </p:animEffect>
+                                  </p:childTnLst>
+                                </p:cTn>
+                              </p:par>
+                            </p:childTnLst>
+                          </p:cTn>
+                        </p:par>
+                      </p:childTnLst>
+                    </p:cTn>
+                  </p:par>
+                </p:childTnLst>
+              </p:cTn>
+              <p:prevCondLst>
+                <p:cond evt="onPrev" delay="0">
+                  <p:tgtEl>
+                    <p:sldTgt/>
+                  </p:tgtEl>
+                </p:cond>
+              </p:prevCondLst>
+              <p:nextCondLst>
+                <p:cond evt="onNext" delay="0">
+                  <p:tgtEl>
+                    <p:sldTgt/>
+                  </p:tgtEl>
+                </p:cond>
+              </p:nextCondLst>
+            </p:seq>
+          </p:childTnLst>
+        </p:cTn>
+      </p:par>
+    </p:tnLst>
+    <p:bldLst>
+      <p:bldP spid="2" grpId="0"/>
+    </p:bldLst>
+  </p:timing>
 </p:sld>
 </file>
 
@@ -7341,7 +6627,7 @@
           <a:p>
             <a:pPr marL="0"/>
             <a:r>
-              <a:rPr lang="en-US" cap="all"/>
+              <a:rPr lang="en-US" cap="all" dirty="0"/>
               <a:t>We predict the average home price in CT, MD, TX, and WA will fluctuate with the average US pricing along with the Federal Funds Rate.  </a:t>
             </a:r>
           </a:p>
@@ -8383,35 +7669,19 @@
           <a:p>
             <a:r>
               <a:rPr lang="en-US" dirty="0"/>
-              <a:t>There was a few corrections and updates needed for the sheets including renaming columns, cutting down a few raw </a:t>
-            </a:r>
-            <a:r>
-              <a:rPr lang="en-US" dirty="0" err="1"/>
-              <a:t>csv.files</a:t>
-            </a:r>
+              <a:t>There was a few modifications and updates needed for the sheets including renaming columns, cutting down a few raw csv.files and rearranging dates to appear like the other sheets we had cleaned. </a:t>
+            </a:r>
+          </a:p>
+          <a:p>
             <a:r>
               <a:rPr lang="en-US" dirty="0"/>
-              <a:t> and rearranging dates to appear like the other sheets we had cleaned. </a:t>
+              <a:t>Some of the functions used were pandas DataFrame, averaging monthly numbers for Quarters, .datetime, read.csv, dt.to_period, dt.to_timestamp, and others. </a:t>
             </a:r>
           </a:p>
           <a:p>
             <a:r>
               <a:rPr lang="en-US" dirty="0"/>
-              <a:t>Some of the functions used were pandas DataFrame, averaging monthly numbers for Quarters, .datetime, read.csv, </a:t>
-            </a:r>
-            <a:r>
-              <a:rPr lang="en-US" dirty="0" err="1"/>
-              <a:t>dt.to_period</a:t>
-            </a:r>
-            <a:r>
-              <a:rPr lang="en-US" dirty="0"/>
-              <a:t>, dt.to_timestamp, and others. </a:t>
-            </a:r>
-          </a:p>
-          <a:p>
-            <a:r>
-              <a:rPr lang="en-US" dirty="0"/>
-              <a:t>Once these corrections were made, we were able to seamlessly connect our sheets together to be easily turned into graphs and plots that could be read visually.</a:t>
+              <a:t>Once these modifications were made, we were able to seamlessly connect our sheets together to be easily turned into graphs and plots that could be read visually.</a:t>
             </a:r>
           </a:p>
         </p:txBody>

--- a/Python Project(Team CMD).pptx
+++ b/Python Project(Team CMD).pptx
@@ -11,9 +11,10 @@
     <p:sldId id="259" r:id="rId5"/>
     <p:sldId id="260" r:id="rId6"/>
     <p:sldId id="261" r:id="rId7"/>
-    <p:sldId id="262" r:id="rId8"/>
-    <p:sldId id="264" r:id="rId9"/>
-    <p:sldId id="263" r:id="rId10"/>
+    <p:sldId id="265" r:id="rId8"/>
+    <p:sldId id="262" r:id="rId9"/>
+    <p:sldId id="264" r:id="rId10"/>
+    <p:sldId id="263" r:id="rId11"/>
   </p:sldIdLst>
   <p:sldSz cx="12192000" cy="6858000"/>
   <p:notesSz cx="6858000" cy="9144000"/>
@@ -261,7 +262,7 @@
             <a:fld id="{A37D6D71-8B28-4ED6-B932-04B197003D23}" type="datetimeFigureOut">
               <a:rPr lang="en-US" smtClean="0"/>
               <a:pPr algn="r"/>
-              <a:t>7/25/2023</a:t>
+              <a:t>7/25/23</a:t>
             </a:fld>
             <a:endParaRPr lang="en-US" dirty="0"/>
           </a:p>
@@ -480,7 +481,7 @@
             <a:fld id="{A37D6D71-8B28-4ED6-B932-04B197003D23}" type="datetimeFigureOut">
               <a:rPr lang="en-US" smtClean="0"/>
               <a:pPr algn="r"/>
-              <a:t>7/25/2023</a:t>
+              <a:t>7/25/23</a:t>
             </a:fld>
             <a:endParaRPr lang="en-US" dirty="0"/>
           </a:p>
@@ -703,7 +704,7 @@
             <a:fld id="{A37D6D71-8B28-4ED6-B932-04B197003D23}" type="datetimeFigureOut">
               <a:rPr lang="en-US" smtClean="0"/>
               <a:pPr algn="r"/>
-              <a:t>7/25/2023</a:t>
+              <a:t>7/25/23</a:t>
             </a:fld>
             <a:endParaRPr lang="en-US" dirty="0"/>
           </a:p>
@@ -912,7 +913,7 @@
             <a:fld id="{A37D6D71-8B28-4ED6-B932-04B197003D23}" type="datetimeFigureOut">
               <a:rPr lang="en-US" smtClean="0"/>
               <a:pPr algn="r"/>
-              <a:t>7/25/2023</a:t>
+              <a:t>7/25/23</a:t>
             </a:fld>
             <a:endParaRPr lang="en-US" dirty="0"/>
           </a:p>
@@ -1199,7 +1200,7 @@
             <a:fld id="{A37D6D71-8B28-4ED6-B932-04B197003D23}" type="datetimeFigureOut">
               <a:rPr lang="en-US" smtClean="0"/>
               <a:pPr algn="r"/>
-              <a:t>7/25/2023</a:t>
+              <a:t>7/25/23</a:t>
             </a:fld>
             <a:endParaRPr lang="en-US" dirty="0"/>
           </a:p>
@@ -1475,7 +1476,7 @@
             <a:fld id="{A37D6D71-8B28-4ED6-B932-04B197003D23}" type="datetimeFigureOut">
               <a:rPr lang="en-US" smtClean="0"/>
               <a:pPr algn="r"/>
-              <a:t>7/25/2023</a:t>
+              <a:t>7/25/23</a:t>
             </a:fld>
             <a:endParaRPr lang="en-US" dirty="0"/>
           </a:p>
@@ -1899,7 +1900,7 @@
             <a:fld id="{A37D6D71-8B28-4ED6-B932-04B197003D23}" type="datetimeFigureOut">
               <a:rPr lang="en-US" smtClean="0"/>
               <a:pPr algn="r"/>
-              <a:t>7/25/2023</a:t>
+              <a:t>7/25/23</a:t>
             </a:fld>
             <a:endParaRPr lang="en-US" dirty="0"/>
           </a:p>
@@ -2056,7 +2057,7 @@
             <a:fld id="{A37D6D71-8B28-4ED6-B932-04B197003D23}" type="datetimeFigureOut">
               <a:rPr lang="en-US" smtClean="0"/>
               <a:pPr algn="r"/>
-              <a:t>7/25/2023</a:t>
+              <a:t>7/25/23</a:t>
             </a:fld>
             <a:endParaRPr lang="en-US" dirty="0"/>
           </a:p>
@@ -2190,7 +2191,7 @@
             <a:fld id="{A37D6D71-8B28-4ED6-B932-04B197003D23}" type="datetimeFigureOut">
               <a:rPr lang="en-US" smtClean="0"/>
               <a:pPr algn="r"/>
-              <a:t>7/25/2023</a:t>
+              <a:t>7/25/23</a:t>
             </a:fld>
             <a:endParaRPr lang="en-US" dirty="0"/>
           </a:p>
@@ -2449,7 +2450,7 @@
             <a:fld id="{A37D6D71-8B28-4ED6-B932-04B197003D23}" type="datetimeFigureOut">
               <a:rPr lang="en-US" smtClean="0"/>
               <a:pPr algn="r"/>
-              <a:t>7/25/2023</a:t>
+              <a:t>7/25/23</a:t>
             </a:fld>
             <a:endParaRPr lang="en-US" dirty="0"/>
           </a:p>
@@ -2902,7 +2903,7 @@
             <a:fld id="{A37D6D71-8B28-4ED6-B932-04B197003D23}" type="datetimeFigureOut">
               <a:rPr lang="en-US" smtClean="0"/>
               <a:pPr algn="r"/>
-              <a:t>7/25/2023</a:t>
+              <a:t>7/25/23</a:t>
             </a:fld>
             <a:endParaRPr lang="en-US" dirty="0"/>
           </a:p>
@@ -3241,7 +3242,7 @@
             <a:fld id="{A37D6D71-8B28-4ED6-B932-04B197003D23}" type="datetimeFigureOut">
               <a:rPr lang="en-US" smtClean="0"/>
               <a:pPr algn="r"/>
-              <a:t>7/25/2023</a:t>
+              <a:t>7/25/23</a:t>
             </a:fld>
             <a:endParaRPr lang="en-US" spc="50" dirty="0"/>
           </a:p>
@@ -4325,6 +4326,560 @@
 </p:sld>
 </file>
 
+<file path=ppt/slides/slide10.xml><?xml version="1.0" encoding="utf-8"?>
+<p:sld xmlns:a="http://schemas.openxmlformats.org/drawingml/2006/main" xmlns:r="http://schemas.openxmlformats.org/officeDocument/2006/relationships" xmlns:p="http://schemas.openxmlformats.org/presentationml/2006/main">
+  <p:cSld>
+    <p:bg>
+      <p:bgPr>
+        <a:gradFill rotWithShape="1">
+          <a:gsLst>
+            <a:gs pos="0">
+              <a:schemeClr val="bg2">
+                <a:tint val="94000"/>
+                <a:satMod val="80000"/>
+                <a:lumMod val="106000"/>
+              </a:schemeClr>
+            </a:gs>
+            <a:gs pos="100000">
+              <a:schemeClr val="bg2">
+                <a:shade val="80000"/>
+              </a:schemeClr>
+            </a:gs>
+          </a:gsLst>
+          <a:path path="circle">
+            <a:fillToRect l="43000" r="43000" b="100000"/>
+          </a:path>
+        </a:gradFill>
+        <a:effectLst/>
+      </p:bgPr>
+    </p:bg>
+    <p:spTree>
+      <p:nvGrpSpPr>
+        <p:cNvPr id="1" name=""/>
+        <p:cNvGrpSpPr/>
+        <p:nvPr/>
+      </p:nvGrpSpPr>
+      <p:grpSpPr>
+        <a:xfrm>
+          <a:off x="0" y="0"/>
+          <a:ext cx="0" cy="0"/>
+          <a:chOff x="0" y="0"/>
+          <a:chExt cx="0" cy="0"/>
+        </a:xfrm>
+      </p:grpSpPr>
+      <p:sp>
+        <p:nvSpPr>
+          <p:cNvPr id="10" name="Rectangle 9">
+            <a:extLst>
+              <a:ext uri="{FF2B5EF4-FFF2-40B4-BE49-F238E27FC236}">
+                <a16:creationId xmlns:a16="http://schemas.microsoft.com/office/drawing/2014/main" id="{1CE580D1-F917-4567-AFB4-99AA9B52ADF0}"/>
+              </a:ext>
+              <a:ext uri="{C183D7F6-B498-43B3-948B-1728B52AA6E4}">
+                <adec:decorative xmlns:adec="http://schemas.microsoft.com/office/drawing/2017/decorative" val="1"/>
+              </a:ext>
+            </a:extLst>
+          </p:cNvPr>
+          <p:cNvSpPr>
+            <a:spLocks noGrp="1" noRot="1" noChangeAspect="1" noMove="1" noResize="1" noEditPoints="1" noAdjustHandles="1" noChangeArrowheads="1" noChangeShapeType="1" noTextEdit="1"/>
+          </p:cNvSpPr>
+          <p:nvPr>
+            <p:extLst>
+              <p:ext uri="{386F3935-93C4-4BCD-93E2-E3B085C9AB24}">
+                <p16:designElem xmlns:p16="http://schemas.microsoft.com/office/powerpoint/2015/main" val="1"/>
+              </p:ext>
+            </p:extLst>
+          </p:nvPr>
+        </p:nvSpPr>
+        <p:spPr>
+          <a:xfrm>
+            <a:off x="0" y="2019476"/>
+            <a:ext cx="12192000" cy="4105941"/>
+          </a:xfrm>
+          <a:prstGeom prst="rect">
+            <a:avLst/>
+          </a:prstGeom>
+          <a:gradFill flip="none" rotWithShape="1">
+            <a:gsLst>
+              <a:gs pos="0">
+                <a:schemeClr val="bg2">
+                  <a:alpha val="0"/>
+                </a:schemeClr>
+              </a:gs>
+              <a:gs pos="100000">
+                <a:schemeClr val="bg2"/>
+              </a:gs>
+            </a:gsLst>
+            <a:lin ang="5400000" scaled="0"/>
+            <a:tileRect/>
+          </a:gradFill>
+          <a:ln>
+            <a:noFill/>
+          </a:ln>
+        </p:spPr>
+        <p:style>
+          <a:lnRef idx="2">
+            <a:schemeClr val="accent1">
+              <a:shade val="50000"/>
+            </a:schemeClr>
+          </a:lnRef>
+          <a:fillRef idx="1">
+            <a:schemeClr val="accent1"/>
+          </a:fillRef>
+          <a:effectRef idx="0">
+            <a:schemeClr val="accent1"/>
+          </a:effectRef>
+          <a:fontRef idx="minor">
+            <a:schemeClr val="lt1"/>
+          </a:fontRef>
+        </p:style>
+        <p:txBody>
+          <a:bodyPr/>
+          <a:lstStyle/>
+          <a:p>
+            <a:endParaRPr lang="en-US"/>
+          </a:p>
+        </p:txBody>
+      </p:sp>
+      <p:pic>
+        <p:nvPicPr>
+          <p:cNvPr id="12" name="Picture 11">
+            <a:extLst>
+              <a:ext uri="{FF2B5EF4-FFF2-40B4-BE49-F238E27FC236}">
+                <a16:creationId xmlns:a16="http://schemas.microsoft.com/office/drawing/2014/main" id="{1F5620B8-A2D8-4568-B566-F0453A0D9167}"/>
+              </a:ext>
+              <a:ext uri="{C183D7F6-B498-43B3-948B-1728B52AA6E4}">
+                <adec:decorative xmlns:adec="http://schemas.microsoft.com/office/drawing/2017/decorative" val="1"/>
+              </a:ext>
+            </a:extLst>
+          </p:cNvPr>
+          <p:cNvPicPr>
+            <a:picLocks noGrp="1" noRot="1" noChangeAspect="1" noMove="1" noResize="1" noEditPoints="1" noAdjustHandles="1" noChangeArrowheads="1" noChangeShapeType="1" noCrop="1"/>
+          </p:cNvPicPr>
+          <p:nvPr>
+            <p:extLst>
+              <p:ext uri="{386F3935-93C4-4BCD-93E2-E3B085C9AB24}">
+                <p16:designElem xmlns:p16="http://schemas.microsoft.com/office/powerpoint/2015/main" val="1"/>
+              </p:ext>
+            </p:extLst>
+          </p:nvPr>
+        </p:nvPicPr>
+        <p:blipFill rotWithShape="1">
+          <a:blip r:embed="rId2">
+            <a:extLst>
+              <a:ext uri="{28A0092B-C50C-407E-A947-70E740481C1C}">
+                <a14:useLocalDpi xmlns:a14="http://schemas.microsoft.com/office/drawing/2010/main" val="0"/>
+              </a:ext>
+            </a:extLst>
+          </a:blip>
+          <a:srcRect t="1538" b="-1538"/>
+          <a:stretch/>
+        </p:blipFill>
+        <p:spPr bwMode="black">
+          <a:xfrm>
+            <a:off x="0" y="6126480"/>
+            <a:ext cx="12192000" cy="742950"/>
+          </a:xfrm>
+          <a:prstGeom prst="rect">
+            <a:avLst/>
+          </a:prstGeom>
+        </p:spPr>
+      </p:pic>
+      <p:cxnSp>
+        <p:nvCxnSpPr>
+          <p:cNvPr id="14" name="Straight Connector 13">
+            <a:extLst>
+              <a:ext uri="{FF2B5EF4-FFF2-40B4-BE49-F238E27FC236}">
+                <a16:creationId xmlns:a16="http://schemas.microsoft.com/office/drawing/2014/main" id="{1C7D2BA4-4B7A-4596-8BCC-5CF715423894}"/>
+              </a:ext>
+              <a:ext uri="{C183D7F6-B498-43B3-948B-1728B52AA6E4}">
+                <adec:decorative xmlns:adec="http://schemas.microsoft.com/office/drawing/2017/decorative" val="1"/>
+              </a:ext>
+            </a:extLst>
+          </p:cNvPr>
+          <p:cNvCxnSpPr>
+            <a:cxnSpLocks noGrp="1" noRot="1" noChangeAspect="1" noMove="1" noResize="1" noEditPoints="1" noAdjustHandles="1" noChangeArrowheads="1" noChangeShapeType="1"/>
+          </p:cNvCxnSpPr>
+          <p:nvPr>
+            <p:extLst>
+              <p:ext uri="{386F3935-93C4-4BCD-93E2-E3B085C9AB24}">
+                <p16:designElem xmlns:p16="http://schemas.microsoft.com/office/powerpoint/2015/main" val="1"/>
+              </p:ext>
+            </p:extLst>
+          </p:nvPr>
+        </p:nvCxnSpPr>
+        <p:spPr>
+          <a:xfrm>
+            <a:off x="0" y="6128413"/>
+            <a:ext cx="12192000" cy="0"/>
+          </a:xfrm>
+          <a:prstGeom prst="line">
+            <a:avLst/>
+          </a:prstGeom>
+          <a:ln w="12700">
+            <a:solidFill>
+              <a:srgbClr val="000001">
+                <a:alpha val="20000"/>
+              </a:srgbClr>
+            </a:solidFill>
+          </a:ln>
+        </p:spPr>
+        <p:style>
+          <a:lnRef idx="1">
+            <a:schemeClr val="accent1"/>
+          </a:lnRef>
+          <a:fillRef idx="0">
+            <a:schemeClr val="accent1"/>
+          </a:fillRef>
+          <a:effectRef idx="0">
+            <a:schemeClr val="accent1"/>
+          </a:effectRef>
+          <a:fontRef idx="minor">
+            <a:schemeClr val="tx1"/>
+          </a:fontRef>
+        </p:style>
+      </p:cxnSp>
+      <p:cxnSp>
+        <p:nvCxnSpPr>
+          <p:cNvPr id="16" name="Straight Connector 15">
+            <a:extLst>
+              <a:ext uri="{FF2B5EF4-FFF2-40B4-BE49-F238E27FC236}">
+                <a16:creationId xmlns:a16="http://schemas.microsoft.com/office/drawing/2014/main" id="{C9D4B225-18E9-4C5B-94D8-2ABE6D161E4A}"/>
+              </a:ext>
+              <a:ext uri="{C183D7F6-B498-43B3-948B-1728B52AA6E4}">
+                <adec:decorative xmlns:adec="http://schemas.microsoft.com/office/drawing/2017/decorative" val="1"/>
+              </a:ext>
+            </a:extLst>
+          </p:cNvPr>
+          <p:cNvCxnSpPr>
+            <a:cxnSpLocks noGrp="1" noRot="1" noChangeAspect="1" noMove="1" noResize="1" noEditPoints="1" noAdjustHandles="1" noChangeArrowheads="1" noChangeShapeType="1"/>
+          </p:cNvCxnSpPr>
+          <p:nvPr>
+            <p:extLst>
+              <p:ext uri="{386F3935-93C4-4BCD-93E2-E3B085C9AB24}">
+                <p16:designElem xmlns:p16="http://schemas.microsoft.com/office/powerpoint/2015/main" val="1"/>
+              </p:ext>
+            </p:extLst>
+          </p:nvPr>
+        </p:nvCxnSpPr>
+        <p:spPr>
+          <a:xfrm>
+            <a:off x="1453896" y="1847088"/>
+            <a:ext cx="9607522" cy="0"/>
+          </a:xfrm>
+          <a:prstGeom prst="line">
+            <a:avLst/>
+          </a:prstGeom>
+          <a:ln w="31750"/>
+        </p:spPr>
+        <p:style>
+          <a:lnRef idx="3">
+            <a:schemeClr val="accent1"/>
+          </a:lnRef>
+          <a:fillRef idx="0">
+            <a:schemeClr val="accent1"/>
+          </a:fillRef>
+          <a:effectRef idx="2">
+            <a:schemeClr val="accent1"/>
+          </a:effectRef>
+          <a:fontRef idx="minor">
+            <a:schemeClr val="tx1"/>
+          </a:fontRef>
+        </p:style>
+      </p:cxnSp>
+      <p:pic>
+        <p:nvPicPr>
+          <p:cNvPr id="5" name="Picture 4" descr="Houses in an area">
+            <a:extLst>
+              <a:ext uri="{FF2B5EF4-FFF2-40B4-BE49-F238E27FC236}">
+                <a16:creationId xmlns:a16="http://schemas.microsoft.com/office/drawing/2014/main" id="{305605FB-CF60-EAE8-FB51-3D42EBBFA3F6}"/>
+              </a:ext>
+            </a:extLst>
+          </p:cNvPr>
+          <p:cNvPicPr>
+            <a:picLocks noChangeAspect="1"/>
+          </p:cNvPicPr>
+          <p:nvPr/>
+        </p:nvPicPr>
+        <p:blipFill rotWithShape="1">
+          <a:blip r:embed="rId3"/>
+          <a:srcRect l="9091" t="21151" b="2238"/>
+          <a:stretch/>
+        </p:blipFill>
+        <p:spPr>
+          <a:xfrm>
+            <a:off x="305" y="10"/>
+            <a:ext cx="12191695" cy="6857990"/>
+          </a:xfrm>
+          <a:prstGeom prst="rect">
+            <a:avLst/>
+          </a:prstGeom>
+        </p:spPr>
+      </p:pic>
+      <p:sp>
+        <p:nvSpPr>
+          <p:cNvPr id="18" name="Rectangle 17">
+            <a:extLst>
+              <a:ext uri="{FF2B5EF4-FFF2-40B4-BE49-F238E27FC236}">
+                <a16:creationId xmlns:a16="http://schemas.microsoft.com/office/drawing/2014/main" id="{368B8211-0B9F-4516-8771-3316E00DB965}"/>
+              </a:ext>
+              <a:ext uri="{C183D7F6-B498-43B3-948B-1728B52AA6E4}">
+                <adec:decorative xmlns:adec="http://schemas.microsoft.com/office/drawing/2017/decorative" val="1"/>
+              </a:ext>
+            </a:extLst>
+          </p:cNvPr>
+          <p:cNvSpPr>
+            <a:spLocks noGrp="1" noRot="1" noChangeAspect="1" noMove="1" noResize="1" noEditPoints="1" noAdjustHandles="1" noChangeArrowheads="1" noChangeShapeType="1" noTextEdit="1"/>
+          </p:cNvSpPr>
+          <p:nvPr>
+            <p:extLst>
+              <p:ext uri="{386F3935-93C4-4BCD-93E2-E3B085C9AB24}">
+                <p16:designElem xmlns:p16="http://schemas.microsoft.com/office/powerpoint/2015/main" val="1"/>
+              </p:ext>
+            </p:extLst>
+          </p:nvPr>
+        </p:nvSpPr>
+        <p:spPr>
+          <a:xfrm>
+            <a:off x="3891643" y="636753"/>
+            <a:ext cx="8299435" cy="5572811"/>
+          </a:xfrm>
+          <a:prstGeom prst="rect">
+            <a:avLst/>
+          </a:prstGeom>
+          <a:solidFill>
+            <a:srgbClr val="000001">
+              <a:alpha val="74902"/>
+            </a:srgbClr>
+          </a:solidFill>
+          <a:ln>
+            <a:noFill/>
+          </a:ln>
+        </p:spPr>
+        <p:style>
+          <a:lnRef idx="1">
+            <a:schemeClr val="accent1"/>
+          </a:lnRef>
+          <a:fillRef idx="3">
+            <a:schemeClr val="accent1"/>
+          </a:fillRef>
+          <a:effectRef idx="2">
+            <a:schemeClr val="accent1"/>
+          </a:effectRef>
+          <a:fontRef idx="minor">
+            <a:schemeClr val="lt1"/>
+          </a:fontRef>
+        </p:style>
+        <p:txBody>
+          <a:bodyPr rtlCol="0" anchor="ctr"/>
+          <a:lstStyle/>
+          <a:p>
+            <a:pPr algn="ctr"/>
+            <a:endParaRPr lang="en-US"/>
+          </a:p>
+        </p:txBody>
+      </p:sp>
+      <p:sp>
+        <p:nvSpPr>
+          <p:cNvPr id="2" name="Title 1">
+            <a:extLst>
+              <a:ext uri="{FF2B5EF4-FFF2-40B4-BE49-F238E27FC236}">
+                <a16:creationId xmlns:a16="http://schemas.microsoft.com/office/drawing/2014/main" id="{A30584F3-6249-7897-09B7-093AC72BFE6C}"/>
+              </a:ext>
+            </a:extLst>
+          </p:cNvPr>
+          <p:cNvSpPr>
+            <a:spLocks noGrp="1"/>
+          </p:cNvSpPr>
+          <p:nvPr>
+            <p:ph type="title"/>
+          </p:nvPr>
+        </p:nvSpPr>
+        <p:spPr>
+          <a:xfrm>
+            <a:off x="4063421" y="804520"/>
+            <a:ext cx="6815731" cy="1049235"/>
+          </a:xfrm>
+        </p:spPr>
+        <p:txBody>
+          <a:bodyPr vert="horz" lIns="91440" tIns="45720" rIns="91440" bIns="45720" rtlCol="0" anchor="t">
+            <a:normAutofit/>
+          </a:bodyPr>
+          <a:lstStyle/>
+          <a:p>
+            <a:r>
+              <a:rPr lang="en-US">
+                <a:solidFill>
+                  <a:srgbClr val="FFFFFE"/>
+                </a:solidFill>
+              </a:rPr>
+              <a:t>conclusion</a:t>
+            </a:r>
+          </a:p>
+        </p:txBody>
+      </p:sp>
+      <p:cxnSp>
+        <p:nvCxnSpPr>
+          <p:cNvPr id="20" name="Straight Connector 19">
+            <a:extLst>
+              <a:ext uri="{FF2B5EF4-FFF2-40B4-BE49-F238E27FC236}">
+                <a16:creationId xmlns:a16="http://schemas.microsoft.com/office/drawing/2014/main" id="{B7582E73-8B46-4A0E-944E-58357C80883F}"/>
+              </a:ext>
+              <a:ext uri="{C183D7F6-B498-43B3-948B-1728B52AA6E4}">
+                <adec:decorative xmlns:adec="http://schemas.microsoft.com/office/drawing/2017/decorative" val="1"/>
+              </a:ext>
+            </a:extLst>
+          </p:cNvPr>
+          <p:cNvCxnSpPr>
+            <a:cxnSpLocks noGrp="1" noRot="1" noChangeAspect="1" noMove="1" noResize="1" noEditPoints="1" noAdjustHandles="1" noChangeArrowheads="1" noChangeShapeType="1"/>
+          </p:cNvCxnSpPr>
+          <p:nvPr>
+            <p:extLst>
+              <p:ext uri="{386F3935-93C4-4BCD-93E2-E3B085C9AB24}">
+                <p16:designElem xmlns:p16="http://schemas.microsoft.com/office/powerpoint/2015/main" val="1"/>
+              </p:ext>
+            </p:extLst>
+          </p:nvPr>
+        </p:nvCxnSpPr>
+        <p:spPr>
+          <a:xfrm>
+            <a:off x="4065789" y="1847088"/>
+            <a:ext cx="6813363" cy="0"/>
+          </a:xfrm>
+          <a:prstGeom prst="line">
+            <a:avLst/>
+          </a:prstGeom>
+          <a:ln w="31750">
+            <a:solidFill>
+              <a:srgbClr val="B2905A"/>
+            </a:solidFill>
+          </a:ln>
+        </p:spPr>
+        <p:style>
+          <a:lnRef idx="3">
+            <a:schemeClr val="accent1"/>
+          </a:lnRef>
+          <a:fillRef idx="0">
+            <a:schemeClr val="accent1"/>
+          </a:fillRef>
+          <a:effectRef idx="2">
+            <a:schemeClr val="accent1"/>
+          </a:effectRef>
+          <a:fontRef idx="minor">
+            <a:schemeClr val="tx1"/>
+          </a:fontRef>
+        </p:style>
+      </p:cxnSp>
+      <p:sp>
+        <p:nvSpPr>
+          <p:cNvPr id="3" name="Vertical Text Placeholder 2">
+            <a:extLst>
+              <a:ext uri="{FF2B5EF4-FFF2-40B4-BE49-F238E27FC236}">
+                <a16:creationId xmlns:a16="http://schemas.microsoft.com/office/drawing/2014/main" id="{BD0F0B39-4688-4DA0-3575-47C889694057}"/>
+              </a:ext>
+            </a:extLst>
+          </p:cNvPr>
+          <p:cNvSpPr>
+            <a:spLocks noGrp="1"/>
+          </p:cNvSpPr>
+          <p:nvPr>
+            <p:ph type="body" orient="vert" idx="1"/>
+          </p:nvPr>
+        </p:nvSpPr>
+        <p:spPr>
+          <a:xfrm>
+            <a:off x="4063421" y="2015733"/>
+            <a:ext cx="6815731" cy="4021267"/>
+          </a:xfrm>
+        </p:spPr>
+        <p:txBody>
+          <a:bodyPr vert="horz" lIns="91440" tIns="45720" rIns="91440" bIns="45720" rtlCol="0" anchor="t">
+            <a:normAutofit lnSpcReduction="10000"/>
+          </a:bodyPr>
+          <a:lstStyle/>
+          <a:p>
+            <a:pPr>
+              <a:lnSpc>
+                <a:spcPct val="110000"/>
+              </a:lnSpc>
+              <a:buClr>
+                <a:srgbClr val="B2905A"/>
+              </a:buClr>
+            </a:pPr>
+            <a:r>
+              <a:rPr lang="en-US" sz="1700" dirty="0">
+                <a:solidFill>
+                  <a:srgbClr val="FFFFFE"/>
+                </a:solidFill>
+              </a:rPr>
+              <a:t>Home prices in the markets we analyzed weren’t as significantly impacted by fluctuations in interest rates as initially hypothesized.  Home prices decreased at a slower rate, we believe, due to government interventions to stimulate home sales after the housing bubble burst in 2008. </a:t>
+            </a:r>
+          </a:p>
+          <a:p>
+            <a:pPr>
+              <a:lnSpc>
+                <a:spcPct val="110000"/>
+              </a:lnSpc>
+              <a:buClr>
+                <a:srgbClr val="B2905A"/>
+              </a:buClr>
+            </a:pPr>
+            <a:r>
+              <a:rPr lang="en-US" sz="1700" dirty="0">
+                <a:solidFill>
+                  <a:srgbClr val="FFFFFE"/>
+                </a:solidFill>
+              </a:rPr>
+              <a:t>When the interest rate was cut sharply in 2008, due to the housing crisis, house sales decreased while home prices remained unaffected.  The lines in our graphs display a sudden decline  in the interest rate, while the State HPIs remain steady.</a:t>
+            </a:r>
+          </a:p>
+          <a:p>
+            <a:pPr>
+              <a:lnSpc>
+                <a:spcPct val="110000"/>
+              </a:lnSpc>
+              <a:buClr>
+                <a:srgbClr val="B2905A"/>
+              </a:buClr>
+            </a:pPr>
+            <a:r>
+              <a:rPr lang="en-US" sz="1700" dirty="0">
+                <a:solidFill>
+                  <a:srgbClr val="FFFFFE"/>
+                </a:solidFill>
+              </a:rPr>
+              <a:t>Overall, we believe our hypothesis was proven to be only partially correct.  The data revealed that changes in the Federal interest rate did have significant impacts on the markets analyzed initially,  but other factors decreased its effect considerably during the years following 2008.</a:t>
+            </a:r>
+          </a:p>
+          <a:p>
+            <a:pPr>
+              <a:lnSpc>
+                <a:spcPct val="110000"/>
+              </a:lnSpc>
+              <a:buClr>
+                <a:srgbClr val="B2905A"/>
+              </a:buClr>
+            </a:pPr>
+            <a:endParaRPr lang="en-US" sz="1700" dirty="0">
+              <a:solidFill>
+                <a:srgbClr val="FFFFFE"/>
+              </a:solidFill>
+            </a:endParaRPr>
+          </a:p>
+        </p:txBody>
+      </p:sp>
+    </p:spTree>
+    <p:extLst>
+      <p:ext uri="{BB962C8B-B14F-4D97-AF65-F5344CB8AC3E}">
+        <p14:creationId xmlns:p14="http://schemas.microsoft.com/office/powerpoint/2010/main" val="1712410559"/>
+      </p:ext>
+    </p:extLst>
+  </p:cSld>
+  <p:clrMapOvr>
+    <a:masterClrMapping/>
+  </p:clrMapOvr>
+</p:sld>
+</file>
+
 <file path=ppt/slides/slide2.xml><?xml version="1.0" encoding="utf-8"?>
 <p:sld xmlns:a="http://schemas.openxmlformats.org/drawingml/2006/main" xmlns:r="http://schemas.openxmlformats.org/officeDocument/2006/relationships" xmlns:p="http://schemas.openxmlformats.org/presentationml/2006/main">
   <p:cSld>
@@ -5015,7 +5570,7 @@
                   <a:schemeClr val="bg1"/>
                 </a:solidFill>
               </a:rPr>
-              <a:t>Our project focuses on the Home Prices and Interest Rates focusing on houses on average in the US overall. </a:t>
+              <a:t>Our project focuses on Home Prices and Interest Rates in key states and the US overall</a:t>
             </a:r>
             <a:br>
               <a:rPr lang="en-US" sz="1600" cap="all" dirty="0">
@@ -5037,27 +5592,8 @@
                   <a:schemeClr val="bg1"/>
                 </a:solidFill>
               </a:rPr>
-              <a:t>Also,  alongside four states for comparison with how Those two key factors may have been impacted.</a:t>
-            </a:r>
-            <a:br>
-              <a:rPr lang="en-US" sz="1600" cap="all" dirty="0">
-                <a:solidFill>
-                  <a:schemeClr val="bg1"/>
-                </a:solidFill>
-              </a:rPr>
-            </a:br>
-            <a:br>
-              <a:rPr lang="en-US" sz="1600" cap="all" dirty="0">
-                <a:solidFill>
-                  <a:schemeClr val="bg1"/>
-                </a:solidFill>
-              </a:rPr>
-            </a:br>
-            <a:endParaRPr lang="en-US" sz="1600" cap="all" dirty="0">
-              <a:solidFill>
-                <a:schemeClr val="bg1"/>
-              </a:solidFill>
-            </a:endParaRPr>
+              <a:t>with a comparative analysis  of the two key components of the hypothesis</a:t>
+            </a:r>
           </a:p>
         </p:txBody>
       </p:sp>
@@ -6628,7 +7164,7 @@
             <a:pPr marL="0"/>
             <a:r>
               <a:rPr lang="en-US" cap="all" dirty="0"/>
-              <a:t>We predict the average home price in CT, MD, TX, and WA will fluctuate with the average US pricing along with the Federal Funds Rate.  </a:t>
+              <a:t>We predict the average home price in CT, MD, TX, and WA will fluctuate along with the average US home price in response to the Federal Funds interest Rate</a:t>
             </a:r>
           </a:p>
         </p:txBody>
@@ -7300,14 +7836,7 @@
           <a:p>
             <a:r>
               <a:rPr lang="en-US" sz="4400" dirty="0"/>
-              <a:t>Data merging &amp; </a:t>
-            </a:r>
-            <a:br>
-              <a:rPr lang="en-US" sz="4400" dirty="0"/>
-            </a:br>
-            <a:r>
-              <a:rPr lang="en-US" sz="4400" dirty="0"/>
-              <a:t>Formatting Process</a:t>
+              <a:t>Data CLEANING, MODIFICATION &amp; merging</a:t>
             </a:r>
           </a:p>
         </p:txBody>
@@ -7641,7 +8170,7 @@
           <a:p>
             <a:r>
               <a:rPr lang="en-US" dirty="0"/>
-              <a:t>Modification of data</a:t>
+              <a:t>CLEANING &amp; MERGING of data</a:t>
             </a:r>
           </a:p>
         </p:txBody>
@@ -7669,19 +8198,41 @@
           <a:p>
             <a:r>
               <a:rPr lang="en-US" dirty="0"/>
-              <a:t>There was a few modifications and updates needed for the sheets including renaming columns, cutting down a few raw csv.files and rearranging dates to appear like the other sheets we had cleaned. </a:t>
-            </a:r>
-          </a:p>
-          <a:p>
+              <a:t>After reading in and identifying which datatypes were in the .csv files</a:t>
+            </a:r>
+          </a:p>
+          <a:p>
+            <a:pPr lvl="1"/>
             <a:r>
               <a:rPr lang="en-US" dirty="0"/>
-              <a:t>Some of the functions used were pandas DataFrame, averaging monthly numbers for Quarters, .datetime, read.csv, dt.to_period, dt.to_timestamp, and others. </a:t>
-            </a:r>
-          </a:p>
-          <a:p>
+              <a:t>A datetime function was used to convert the date datatypes</a:t>
+            </a:r>
+          </a:p>
+          <a:p>
+            <a:pPr lvl="1"/>
             <a:r>
               <a:rPr lang="en-US" dirty="0"/>
-              <a:t>Once these modifications were made, we were able to seamlessly connect our sheets together to be easily turned into graphs and plots that could be read visually.</a:t>
+              <a:t>Re-formatted column names for data uniformity; and to ensure a successful merge</a:t>
+            </a:r>
+          </a:p>
+          <a:p>
+            <a:r>
+              <a:rPr lang="en-US" dirty="0"/>
+              <a:t>A </a:t>
+            </a:r>
+            <a:r>
+              <a:rPr lang="en-US" dirty="0" err="1"/>
+              <a:t>concat</a:t>
+            </a:r>
+            <a:r>
+              <a:rPr lang="en-US" dirty="0"/>
+              <a:t>( ) was used to merge six .csv files</a:t>
+            </a:r>
+          </a:p>
+          <a:p>
+            <a:r>
+              <a:rPr lang="en-US" dirty="0"/>
+              <a:t>A group decision was made to avoid missing values in our data:  we would adjust the time frame used in our Project to ensure there would be no missing values</a:t>
             </a:r>
           </a:p>
         </p:txBody>
@@ -7700,6 +8251,104 @@
 </file>
 
 <file path=ppt/slides/slide7.xml><?xml version="1.0" encoding="utf-8"?>
+<p:sld xmlns:a="http://schemas.openxmlformats.org/drawingml/2006/main" xmlns:r="http://schemas.openxmlformats.org/officeDocument/2006/relationships" xmlns:p="http://schemas.openxmlformats.org/presentationml/2006/main">
+  <p:cSld>
+    <p:spTree>
+      <p:nvGrpSpPr>
+        <p:cNvPr id="1" name=""/>
+        <p:cNvGrpSpPr/>
+        <p:nvPr/>
+      </p:nvGrpSpPr>
+      <p:grpSpPr>
+        <a:xfrm>
+          <a:off x="0" y="0"/>
+          <a:ext cx="0" cy="0"/>
+          <a:chOff x="0" y="0"/>
+          <a:chExt cx="0" cy="0"/>
+        </a:xfrm>
+      </p:grpSpPr>
+      <p:sp>
+        <p:nvSpPr>
+          <p:cNvPr id="2" name="Title 1">
+            <a:extLst>
+              <a:ext uri="{FF2B5EF4-FFF2-40B4-BE49-F238E27FC236}">
+                <a16:creationId xmlns:a16="http://schemas.microsoft.com/office/drawing/2014/main" id="{A62B2CE5-6734-3A7C-E351-91E51D61E113}"/>
+              </a:ext>
+            </a:extLst>
+          </p:cNvPr>
+          <p:cNvSpPr>
+            <a:spLocks noGrp="1"/>
+          </p:cNvSpPr>
+          <p:nvPr>
+            <p:ph type="title"/>
+          </p:nvPr>
+        </p:nvSpPr>
+        <p:spPr/>
+        <p:txBody>
+          <a:bodyPr/>
+          <a:lstStyle/>
+          <a:p>
+            <a:r>
+              <a:rPr lang="en-US" dirty="0"/>
+              <a:t>Modification of data</a:t>
+            </a:r>
+          </a:p>
+        </p:txBody>
+      </p:sp>
+      <p:sp>
+        <p:nvSpPr>
+          <p:cNvPr id="3" name="Vertical Text Placeholder 2">
+            <a:extLst>
+              <a:ext uri="{FF2B5EF4-FFF2-40B4-BE49-F238E27FC236}">
+                <a16:creationId xmlns:a16="http://schemas.microsoft.com/office/drawing/2014/main" id="{9649D0D4-3C19-9DB9-7513-0794D3D7AEE8}"/>
+              </a:ext>
+            </a:extLst>
+          </p:cNvPr>
+          <p:cNvSpPr>
+            <a:spLocks noGrp="1"/>
+          </p:cNvSpPr>
+          <p:nvPr>
+            <p:ph type="body" orient="vert" idx="1"/>
+          </p:nvPr>
+        </p:nvSpPr>
+        <p:spPr/>
+        <p:txBody>
+          <a:bodyPr vert="horz"/>
+          <a:lstStyle/>
+          <a:p>
+            <a:r>
+              <a:rPr lang="en-US" dirty="0"/>
+              <a:t>There were a few modifications and updates needed for the sheets including renaming columns, cutting down a few raw csv.files and rearranging dates to appear like the other sheets we had cleaned. </a:t>
+            </a:r>
+          </a:p>
+          <a:p>
+            <a:r>
+              <a:rPr lang="en-US" dirty="0"/>
+              <a:t>Some of the functions used were pandas DataFrame, averaging monthly numbers for Quarters, .datetime, read.csv, dt.to_period, dt.to_timestamp, and others. </a:t>
+            </a:r>
+          </a:p>
+          <a:p>
+            <a:r>
+              <a:rPr lang="en-US" dirty="0"/>
+              <a:t>Once these modifications were made, we were able to seamlessly connect our sheets together to be easily turned into graphs and plots that could be read visually.</a:t>
+            </a:r>
+          </a:p>
+        </p:txBody>
+      </p:sp>
+    </p:spTree>
+    <p:extLst>
+      <p:ext uri="{BB962C8B-B14F-4D97-AF65-F5344CB8AC3E}">
+        <p14:creationId xmlns:p14="http://schemas.microsoft.com/office/powerpoint/2010/main" val="478108362"/>
+      </p:ext>
+    </p:extLst>
+  </p:cSld>
+  <p:clrMapOvr>
+    <a:masterClrMapping/>
+  </p:clrMapOvr>
+</p:sld>
+</file>
+
+<file path=ppt/slides/slide8.xml><?xml version="1.0" encoding="utf-8"?>
 <p:sld xmlns:a="http://schemas.openxmlformats.org/drawingml/2006/main" xmlns:r="http://schemas.openxmlformats.org/officeDocument/2006/relationships" xmlns:p="http://schemas.openxmlformats.org/presentationml/2006/main">
   <p:cSld>
     <p:bg>
@@ -7909,7 +8558,7 @@
 </p:sld>
 </file>
 
-<file path=ppt/slides/slide8.xml><?xml version="1.0" encoding="utf-8"?>
+<file path=ppt/slides/slide9.xml><?xml version="1.0" encoding="utf-8"?>
 <p:sld xmlns:a="http://schemas.openxmlformats.org/drawingml/2006/main" xmlns:r="http://schemas.openxmlformats.org/officeDocument/2006/relationships" xmlns:p="http://schemas.openxmlformats.org/presentationml/2006/main">
   <p:cSld>
     <p:bg>
@@ -8429,7 +9078,7 @@
             </a:pPr>
             <a:r>
               <a:rPr lang="en-US" dirty="0"/>
-              <a:t>This graph shows from the 4 states(CT,  MD, TX, WA) how they were originally were aligned with the Interest Rate but the sudden decline in 2008 threw this off.</a:t>
+              <a:t>In this composite graph, 4 states (CT, MD, TX, WA) were originally aligned with the Federal Interest Rate.  Then in 2008, there was a sharp decline in the interest rate, which was caused by the housing crisis of 2008 and a change in the Federal Reserve policy.</a:t>
             </a:r>
           </a:p>
         </p:txBody>
@@ -8860,560 +9509,6 @@
       <p:bldP spid="2" grpId="0"/>
     </p:bldLst>
   </p:timing>
-</p:sld>
-</file>
-
-<file path=ppt/slides/slide9.xml><?xml version="1.0" encoding="utf-8"?>
-<p:sld xmlns:a="http://schemas.openxmlformats.org/drawingml/2006/main" xmlns:r="http://schemas.openxmlformats.org/officeDocument/2006/relationships" xmlns:p="http://schemas.openxmlformats.org/presentationml/2006/main">
-  <p:cSld>
-    <p:bg>
-      <p:bgPr>
-        <a:gradFill rotWithShape="1">
-          <a:gsLst>
-            <a:gs pos="0">
-              <a:schemeClr val="bg2">
-                <a:tint val="94000"/>
-                <a:satMod val="80000"/>
-                <a:lumMod val="106000"/>
-              </a:schemeClr>
-            </a:gs>
-            <a:gs pos="100000">
-              <a:schemeClr val="bg2">
-                <a:shade val="80000"/>
-              </a:schemeClr>
-            </a:gs>
-          </a:gsLst>
-          <a:path path="circle">
-            <a:fillToRect l="43000" r="43000" b="100000"/>
-          </a:path>
-        </a:gradFill>
-        <a:effectLst/>
-      </p:bgPr>
-    </p:bg>
-    <p:spTree>
-      <p:nvGrpSpPr>
-        <p:cNvPr id="1" name=""/>
-        <p:cNvGrpSpPr/>
-        <p:nvPr/>
-      </p:nvGrpSpPr>
-      <p:grpSpPr>
-        <a:xfrm>
-          <a:off x="0" y="0"/>
-          <a:ext cx="0" cy="0"/>
-          <a:chOff x="0" y="0"/>
-          <a:chExt cx="0" cy="0"/>
-        </a:xfrm>
-      </p:grpSpPr>
-      <p:sp>
-        <p:nvSpPr>
-          <p:cNvPr id="10" name="Rectangle 9">
-            <a:extLst>
-              <a:ext uri="{FF2B5EF4-FFF2-40B4-BE49-F238E27FC236}">
-                <a16:creationId xmlns:a16="http://schemas.microsoft.com/office/drawing/2014/main" id="{1CE580D1-F917-4567-AFB4-99AA9B52ADF0}"/>
-              </a:ext>
-              <a:ext uri="{C183D7F6-B498-43B3-948B-1728B52AA6E4}">
-                <adec:decorative xmlns:adec="http://schemas.microsoft.com/office/drawing/2017/decorative" val="1"/>
-              </a:ext>
-            </a:extLst>
-          </p:cNvPr>
-          <p:cNvSpPr>
-            <a:spLocks noGrp="1" noRot="1" noChangeAspect="1" noMove="1" noResize="1" noEditPoints="1" noAdjustHandles="1" noChangeArrowheads="1" noChangeShapeType="1" noTextEdit="1"/>
-          </p:cNvSpPr>
-          <p:nvPr>
-            <p:extLst>
-              <p:ext uri="{386F3935-93C4-4BCD-93E2-E3B085C9AB24}">
-                <p16:designElem xmlns:p16="http://schemas.microsoft.com/office/powerpoint/2015/main" val="1"/>
-              </p:ext>
-            </p:extLst>
-          </p:nvPr>
-        </p:nvSpPr>
-        <p:spPr>
-          <a:xfrm>
-            <a:off x="0" y="2019476"/>
-            <a:ext cx="12192000" cy="4105941"/>
-          </a:xfrm>
-          <a:prstGeom prst="rect">
-            <a:avLst/>
-          </a:prstGeom>
-          <a:gradFill flip="none" rotWithShape="1">
-            <a:gsLst>
-              <a:gs pos="0">
-                <a:schemeClr val="bg2">
-                  <a:alpha val="0"/>
-                </a:schemeClr>
-              </a:gs>
-              <a:gs pos="100000">
-                <a:schemeClr val="bg2"/>
-              </a:gs>
-            </a:gsLst>
-            <a:lin ang="5400000" scaled="0"/>
-            <a:tileRect/>
-          </a:gradFill>
-          <a:ln>
-            <a:noFill/>
-          </a:ln>
-        </p:spPr>
-        <p:style>
-          <a:lnRef idx="2">
-            <a:schemeClr val="accent1">
-              <a:shade val="50000"/>
-            </a:schemeClr>
-          </a:lnRef>
-          <a:fillRef idx="1">
-            <a:schemeClr val="accent1"/>
-          </a:fillRef>
-          <a:effectRef idx="0">
-            <a:schemeClr val="accent1"/>
-          </a:effectRef>
-          <a:fontRef idx="minor">
-            <a:schemeClr val="lt1"/>
-          </a:fontRef>
-        </p:style>
-        <p:txBody>
-          <a:bodyPr/>
-          <a:lstStyle/>
-          <a:p>
-            <a:endParaRPr lang="en-US"/>
-          </a:p>
-        </p:txBody>
-      </p:sp>
-      <p:pic>
-        <p:nvPicPr>
-          <p:cNvPr id="12" name="Picture 11">
-            <a:extLst>
-              <a:ext uri="{FF2B5EF4-FFF2-40B4-BE49-F238E27FC236}">
-                <a16:creationId xmlns:a16="http://schemas.microsoft.com/office/drawing/2014/main" id="{1F5620B8-A2D8-4568-B566-F0453A0D9167}"/>
-              </a:ext>
-              <a:ext uri="{C183D7F6-B498-43B3-948B-1728B52AA6E4}">
-                <adec:decorative xmlns:adec="http://schemas.microsoft.com/office/drawing/2017/decorative" val="1"/>
-              </a:ext>
-            </a:extLst>
-          </p:cNvPr>
-          <p:cNvPicPr>
-            <a:picLocks noGrp="1" noRot="1" noChangeAspect="1" noMove="1" noResize="1" noEditPoints="1" noAdjustHandles="1" noChangeArrowheads="1" noChangeShapeType="1" noCrop="1"/>
-          </p:cNvPicPr>
-          <p:nvPr>
-            <p:extLst>
-              <p:ext uri="{386F3935-93C4-4BCD-93E2-E3B085C9AB24}">
-                <p16:designElem xmlns:p16="http://schemas.microsoft.com/office/powerpoint/2015/main" val="1"/>
-              </p:ext>
-            </p:extLst>
-          </p:nvPr>
-        </p:nvPicPr>
-        <p:blipFill rotWithShape="1">
-          <a:blip r:embed="rId2">
-            <a:extLst>
-              <a:ext uri="{28A0092B-C50C-407E-A947-70E740481C1C}">
-                <a14:useLocalDpi xmlns:a14="http://schemas.microsoft.com/office/drawing/2010/main" val="0"/>
-              </a:ext>
-            </a:extLst>
-          </a:blip>
-          <a:srcRect t="1538" b="-1538"/>
-          <a:stretch/>
-        </p:blipFill>
-        <p:spPr bwMode="black">
-          <a:xfrm>
-            <a:off x="0" y="6126480"/>
-            <a:ext cx="12192000" cy="742950"/>
-          </a:xfrm>
-          <a:prstGeom prst="rect">
-            <a:avLst/>
-          </a:prstGeom>
-        </p:spPr>
-      </p:pic>
-      <p:cxnSp>
-        <p:nvCxnSpPr>
-          <p:cNvPr id="14" name="Straight Connector 13">
-            <a:extLst>
-              <a:ext uri="{FF2B5EF4-FFF2-40B4-BE49-F238E27FC236}">
-                <a16:creationId xmlns:a16="http://schemas.microsoft.com/office/drawing/2014/main" id="{1C7D2BA4-4B7A-4596-8BCC-5CF715423894}"/>
-              </a:ext>
-              <a:ext uri="{C183D7F6-B498-43B3-948B-1728B52AA6E4}">
-                <adec:decorative xmlns:adec="http://schemas.microsoft.com/office/drawing/2017/decorative" val="1"/>
-              </a:ext>
-            </a:extLst>
-          </p:cNvPr>
-          <p:cNvCxnSpPr>
-            <a:cxnSpLocks noGrp="1" noRot="1" noChangeAspect="1" noMove="1" noResize="1" noEditPoints="1" noAdjustHandles="1" noChangeArrowheads="1" noChangeShapeType="1"/>
-          </p:cNvCxnSpPr>
-          <p:nvPr>
-            <p:extLst>
-              <p:ext uri="{386F3935-93C4-4BCD-93E2-E3B085C9AB24}">
-                <p16:designElem xmlns:p16="http://schemas.microsoft.com/office/powerpoint/2015/main" val="1"/>
-              </p:ext>
-            </p:extLst>
-          </p:nvPr>
-        </p:nvCxnSpPr>
-        <p:spPr>
-          <a:xfrm>
-            <a:off x="0" y="6128413"/>
-            <a:ext cx="12192000" cy="0"/>
-          </a:xfrm>
-          <a:prstGeom prst="line">
-            <a:avLst/>
-          </a:prstGeom>
-          <a:ln w="12700">
-            <a:solidFill>
-              <a:srgbClr val="000001">
-                <a:alpha val="20000"/>
-              </a:srgbClr>
-            </a:solidFill>
-          </a:ln>
-        </p:spPr>
-        <p:style>
-          <a:lnRef idx="1">
-            <a:schemeClr val="accent1"/>
-          </a:lnRef>
-          <a:fillRef idx="0">
-            <a:schemeClr val="accent1"/>
-          </a:fillRef>
-          <a:effectRef idx="0">
-            <a:schemeClr val="accent1"/>
-          </a:effectRef>
-          <a:fontRef idx="minor">
-            <a:schemeClr val="tx1"/>
-          </a:fontRef>
-        </p:style>
-      </p:cxnSp>
-      <p:cxnSp>
-        <p:nvCxnSpPr>
-          <p:cNvPr id="16" name="Straight Connector 15">
-            <a:extLst>
-              <a:ext uri="{FF2B5EF4-FFF2-40B4-BE49-F238E27FC236}">
-                <a16:creationId xmlns:a16="http://schemas.microsoft.com/office/drawing/2014/main" id="{C9D4B225-18E9-4C5B-94D8-2ABE6D161E4A}"/>
-              </a:ext>
-              <a:ext uri="{C183D7F6-B498-43B3-948B-1728B52AA6E4}">
-                <adec:decorative xmlns:adec="http://schemas.microsoft.com/office/drawing/2017/decorative" val="1"/>
-              </a:ext>
-            </a:extLst>
-          </p:cNvPr>
-          <p:cNvCxnSpPr>
-            <a:cxnSpLocks noGrp="1" noRot="1" noChangeAspect="1" noMove="1" noResize="1" noEditPoints="1" noAdjustHandles="1" noChangeArrowheads="1" noChangeShapeType="1"/>
-          </p:cNvCxnSpPr>
-          <p:nvPr>
-            <p:extLst>
-              <p:ext uri="{386F3935-93C4-4BCD-93E2-E3B085C9AB24}">
-                <p16:designElem xmlns:p16="http://schemas.microsoft.com/office/powerpoint/2015/main" val="1"/>
-              </p:ext>
-            </p:extLst>
-          </p:nvPr>
-        </p:nvCxnSpPr>
-        <p:spPr>
-          <a:xfrm>
-            <a:off x="1453896" y="1847088"/>
-            <a:ext cx="9607522" cy="0"/>
-          </a:xfrm>
-          <a:prstGeom prst="line">
-            <a:avLst/>
-          </a:prstGeom>
-          <a:ln w="31750"/>
-        </p:spPr>
-        <p:style>
-          <a:lnRef idx="3">
-            <a:schemeClr val="accent1"/>
-          </a:lnRef>
-          <a:fillRef idx="0">
-            <a:schemeClr val="accent1"/>
-          </a:fillRef>
-          <a:effectRef idx="2">
-            <a:schemeClr val="accent1"/>
-          </a:effectRef>
-          <a:fontRef idx="minor">
-            <a:schemeClr val="tx1"/>
-          </a:fontRef>
-        </p:style>
-      </p:cxnSp>
-      <p:pic>
-        <p:nvPicPr>
-          <p:cNvPr id="5" name="Picture 4" descr="Houses in an area">
-            <a:extLst>
-              <a:ext uri="{FF2B5EF4-FFF2-40B4-BE49-F238E27FC236}">
-                <a16:creationId xmlns:a16="http://schemas.microsoft.com/office/drawing/2014/main" id="{305605FB-CF60-EAE8-FB51-3D42EBBFA3F6}"/>
-              </a:ext>
-            </a:extLst>
-          </p:cNvPr>
-          <p:cNvPicPr>
-            <a:picLocks noChangeAspect="1"/>
-          </p:cNvPicPr>
-          <p:nvPr/>
-        </p:nvPicPr>
-        <p:blipFill rotWithShape="1">
-          <a:blip r:embed="rId3"/>
-          <a:srcRect l="9091" t="21151" b="2238"/>
-          <a:stretch/>
-        </p:blipFill>
-        <p:spPr>
-          <a:xfrm>
-            <a:off x="305" y="10"/>
-            <a:ext cx="12191695" cy="6857990"/>
-          </a:xfrm>
-          <a:prstGeom prst="rect">
-            <a:avLst/>
-          </a:prstGeom>
-        </p:spPr>
-      </p:pic>
-      <p:sp>
-        <p:nvSpPr>
-          <p:cNvPr id="18" name="Rectangle 17">
-            <a:extLst>
-              <a:ext uri="{FF2B5EF4-FFF2-40B4-BE49-F238E27FC236}">
-                <a16:creationId xmlns:a16="http://schemas.microsoft.com/office/drawing/2014/main" id="{368B8211-0B9F-4516-8771-3316E00DB965}"/>
-              </a:ext>
-              <a:ext uri="{C183D7F6-B498-43B3-948B-1728B52AA6E4}">
-                <adec:decorative xmlns:adec="http://schemas.microsoft.com/office/drawing/2017/decorative" val="1"/>
-              </a:ext>
-            </a:extLst>
-          </p:cNvPr>
-          <p:cNvSpPr>
-            <a:spLocks noGrp="1" noRot="1" noChangeAspect="1" noMove="1" noResize="1" noEditPoints="1" noAdjustHandles="1" noChangeArrowheads="1" noChangeShapeType="1" noTextEdit="1"/>
-          </p:cNvSpPr>
-          <p:nvPr>
-            <p:extLst>
-              <p:ext uri="{386F3935-93C4-4BCD-93E2-E3B085C9AB24}">
-                <p16:designElem xmlns:p16="http://schemas.microsoft.com/office/powerpoint/2015/main" val="1"/>
-              </p:ext>
-            </p:extLst>
-          </p:nvPr>
-        </p:nvSpPr>
-        <p:spPr>
-          <a:xfrm>
-            <a:off x="3891643" y="636753"/>
-            <a:ext cx="8299435" cy="5572811"/>
-          </a:xfrm>
-          <a:prstGeom prst="rect">
-            <a:avLst/>
-          </a:prstGeom>
-          <a:solidFill>
-            <a:srgbClr val="000001">
-              <a:alpha val="74902"/>
-            </a:srgbClr>
-          </a:solidFill>
-          <a:ln>
-            <a:noFill/>
-          </a:ln>
-        </p:spPr>
-        <p:style>
-          <a:lnRef idx="1">
-            <a:schemeClr val="accent1"/>
-          </a:lnRef>
-          <a:fillRef idx="3">
-            <a:schemeClr val="accent1"/>
-          </a:fillRef>
-          <a:effectRef idx="2">
-            <a:schemeClr val="accent1"/>
-          </a:effectRef>
-          <a:fontRef idx="minor">
-            <a:schemeClr val="lt1"/>
-          </a:fontRef>
-        </p:style>
-        <p:txBody>
-          <a:bodyPr rtlCol="0" anchor="ctr"/>
-          <a:lstStyle/>
-          <a:p>
-            <a:pPr algn="ctr"/>
-            <a:endParaRPr lang="en-US"/>
-          </a:p>
-        </p:txBody>
-      </p:sp>
-      <p:sp>
-        <p:nvSpPr>
-          <p:cNvPr id="2" name="Title 1">
-            <a:extLst>
-              <a:ext uri="{FF2B5EF4-FFF2-40B4-BE49-F238E27FC236}">
-                <a16:creationId xmlns:a16="http://schemas.microsoft.com/office/drawing/2014/main" id="{A30584F3-6249-7897-09B7-093AC72BFE6C}"/>
-              </a:ext>
-            </a:extLst>
-          </p:cNvPr>
-          <p:cNvSpPr>
-            <a:spLocks noGrp="1"/>
-          </p:cNvSpPr>
-          <p:nvPr>
-            <p:ph type="title"/>
-          </p:nvPr>
-        </p:nvSpPr>
-        <p:spPr>
-          <a:xfrm>
-            <a:off x="4063421" y="804520"/>
-            <a:ext cx="6815731" cy="1049235"/>
-          </a:xfrm>
-        </p:spPr>
-        <p:txBody>
-          <a:bodyPr vert="horz" lIns="91440" tIns="45720" rIns="91440" bIns="45720" rtlCol="0" anchor="t">
-            <a:normAutofit/>
-          </a:bodyPr>
-          <a:lstStyle/>
-          <a:p>
-            <a:r>
-              <a:rPr lang="en-US">
-                <a:solidFill>
-                  <a:srgbClr val="FFFFFE"/>
-                </a:solidFill>
-              </a:rPr>
-              <a:t>conclusion</a:t>
-            </a:r>
-          </a:p>
-        </p:txBody>
-      </p:sp>
-      <p:cxnSp>
-        <p:nvCxnSpPr>
-          <p:cNvPr id="20" name="Straight Connector 19">
-            <a:extLst>
-              <a:ext uri="{FF2B5EF4-FFF2-40B4-BE49-F238E27FC236}">
-                <a16:creationId xmlns:a16="http://schemas.microsoft.com/office/drawing/2014/main" id="{B7582E73-8B46-4A0E-944E-58357C80883F}"/>
-              </a:ext>
-              <a:ext uri="{C183D7F6-B498-43B3-948B-1728B52AA6E4}">
-                <adec:decorative xmlns:adec="http://schemas.microsoft.com/office/drawing/2017/decorative" val="1"/>
-              </a:ext>
-            </a:extLst>
-          </p:cNvPr>
-          <p:cNvCxnSpPr>
-            <a:cxnSpLocks noGrp="1" noRot="1" noChangeAspect="1" noMove="1" noResize="1" noEditPoints="1" noAdjustHandles="1" noChangeArrowheads="1" noChangeShapeType="1"/>
-          </p:cNvCxnSpPr>
-          <p:nvPr>
-            <p:extLst>
-              <p:ext uri="{386F3935-93C4-4BCD-93E2-E3B085C9AB24}">
-                <p16:designElem xmlns:p16="http://schemas.microsoft.com/office/powerpoint/2015/main" val="1"/>
-              </p:ext>
-            </p:extLst>
-          </p:nvPr>
-        </p:nvCxnSpPr>
-        <p:spPr>
-          <a:xfrm>
-            <a:off x="4065789" y="1847088"/>
-            <a:ext cx="6813363" cy="0"/>
-          </a:xfrm>
-          <a:prstGeom prst="line">
-            <a:avLst/>
-          </a:prstGeom>
-          <a:ln w="31750">
-            <a:solidFill>
-              <a:srgbClr val="B2905A"/>
-            </a:solidFill>
-          </a:ln>
-        </p:spPr>
-        <p:style>
-          <a:lnRef idx="3">
-            <a:schemeClr val="accent1"/>
-          </a:lnRef>
-          <a:fillRef idx="0">
-            <a:schemeClr val="accent1"/>
-          </a:fillRef>
-          <a:effectRef idx="2">
-            <a:schemeClr val="accent1"/>
-          </a:effectRef>
-          <a:fontRef idx="minor">
-            <a:schemeClr val="tx1"/>
-          </a:fontRef>
-        </p:style>
-      </p:cxnSp>
-      <p:sp>
-        <p:nvSpPr>
-          <p:cNvPr id="3" name="Vertical Text Placeholder 2">
-            <a:extLst>
-              <a:ext uri="{FF2B5EF4-FFF2-40B4-BE49-F238E27FC236}">
-                <a16:creationId xmlns:a16="http://schemas.microsoft.com/office/drawing/2014/main" id="{BD0F0B39-4688-4DA0-3575-47C889694057}"/>
-              </a:ext>
-            </a:extLst>
-          </p:cNvPr>
-          <p:cNvSpPr>
-            <a:spLocks noGrp="1"/>
-          </p:cNvSpPr>
-          <p:nvPr>
-            <p:ph type="body" orient="vert" idx="1"/>
-          </p:nvPr>
-        </p:nvSpPr>
-        <p:spPr>
-          <a:xfrm>
-            <a:off x="4063421" y="2015733"/>
-            <a:ext cx="6815731" cy="4021267"/>
-          </a:xfrm>
-        </p:spPr>
-        <p:txBody>
-          <a:bodyPr vert="horz" lIns="91440" tIns="45720" rIns="91440" bIns="45720" rtlCol="0" anchor="t">
-            <a:normAutofit/>
-          </a:bodyPr>
-          <a:lstStyle/>
-          <a:p>
-            <a:pPr>
-              <a:lnSpc>
-                <a:spcPct val="110000"/>
-              </a:lnSpc>
-              <a:buClr>
-                <a:srgbClr val="B2905A"/>
-              </a:buClr>
-            </a:pPr>
-            <a:r>
-              <a:rPr lang="en-US" sz="1700">
-                <a:solidFill>
-                  <a:srgbClr val="FFFFFE"/>
-                </a:solidFill>
-              </a:rPr>
-              <a:t>Interest Rate did not have as big as an impact on the Housing Prices as we initial thought it would. The prices decreased on a slow decline due to government intervention to encourage house buying after the housing bubble burst in 2008. The interest rates were cut sharply regarding this as well. </a:t>
-            </a:r>
-          </a:p>
-          <a:p>
-            <a:pPr>
-              <a:lnSpc>
-                <a:spcPct val="110000"/>
-              </a:lnSpc>
-              <a:buClr>
-                <a:srgbClr val="B2905A"/>
-              </a:buClr>
-            </a:pPr>
-            <a:r>
-              <a:rPr lang="en-US" sz="1700">
-                <a:solidFill>
-                  <a:srgbClr val="FFFFFE"/>
-                </a:solidFill>
-              </a:rPr>
-              <a:t>What has happened is the interest rate was cut sharply in 2008 due to the housing crisis to encourage house buying while mostly retaining the Housing Prices. Which leads to the graphs showing a sudden decline while a steady pricing line remains. </a:t>
-            </a:r>
-          </a:p>
-          <a:p>
-            <a:pPr>
-              <a:lnSpc>
-                <a:spcPct val="110000"/>
-              </a:lnSpc>
-              <a:buClr>
-                <a:srgbClr val="B2905A"/>
-              </a:buClr>
-            </a:pPr>
-            <a:r>
-              <a:rPr lang="en-US" sz="1700">
-                <a:solidFill>
-                  <a:srgbClr val="FFFFFE"/>
-                </a:solidFill>
-              </a:rPr>
-              <a:t>Overall, our hypothesis was proven partially incorrect. Originally, the Interest Rate did have a larger impact initially, but other factors decreased its effect substantially for years beyond 2008.</a:t>
-            </a:r>
-          </a:p>
-          <a:p>
-            <a:pPr>
-              <a:lnSpc>
-                <a:spcPct val="110000"/>
-              </a:lnSpc>
-              <a:buClr>
-                <a:srgbClr val="B2905A"/>
-              </a:buClr>
-            </a:pPr>
-            <a:endParaRPr lang="en-US" sz="1700">
-              <a:solidFill>
-                <a:srgbClr val="FFFFFE"/>
-              </a:solidFill>
-            </a:endParaRPr>
-          </a:p>
-        </p:txBody>
-      </p:sp>
-    </p:spTree>
-    <p:extLst>
-      <p:ext uri="{BB962C8B-B14F-4D97-AF65-F5344CB8AC3E}">
-        <p14:creationId xmlns:p14="http://schemas.microsoft.com/office/powerpoint/2010/main" val="1712410559"/>
-      </p:ext>
-    </p:extLst>
-  </p:cSld>
-  <p:clrMapOvr>
-    <a:masterClrMapping/>
-  </p:clrMapOvr>
 </p:sld>
 </file>
 

--- a/Python Project(Team CMD).pptx
+++ b/Python Project(Team CMD).pptx
@@ -262,7 +262,7 @@
             <a:fld id="{A37D6D71-8B28-4ED6-B932-04B197003D23}" type="datetimeFigureOut">
               <a:rPr lang="en-US" smtClean="0"/>
               <a:pPr algn="r"/>
-              <a:t>7/25/23</a:t>
+              <a:t>7/26/23</a:t>
             </a:fld>
             <a:endParaRPr lang="en-US" dirty="0"/>
           </a:p>
@@ -481,7 +481,7 @@
             <a:fld id="{A37D6D71-8B28-4ED6-B932-04B197003D23}" type="datetimeFigureOut">
               <a:rPr lang="en-US" smtClean="0"/>
               <a:pPr algn="r"/>
-              <a:t>7/25/23</a:t>
+              <a:t>7/26/23</a:t>
             </a:fld>
             <a:endParaRPr lang="en-US" dirty="0"/>
           </a:p>
@@ -704,7 +704,7 @@
             <a:fld id="{A37D6D71-8B28-4ED6-B932-04B197003D23}" type="datetimeFigureOut">
               <a:rPr lang="en-US" smtClean="0"/>
               <a:pPr algn="r"/>
-              <a:t>7/25/23</a:t>
+              <a:t>7/26/23</a:t>
             </a:fld>
             <a:endParaRPr lang="en-US" dirty="0"/>
           </a:p>
@@ -913,7 +913,7 @@
             <a:fld id="{A37D6D71-8B28-4ED6-B932-04B197003D23}" type="datetimeFigureOut">
               <a:rPr lang="en-US" smtClean="0"/>
               <a:pPr algn="r"/>
-              <a:t>7/25/23</a:t>
+              <a:t>7/26/23</a:t>
             </a:fld>
             <a:endParaRPr lang="en-US" dirty="0"/>
           </a:p>
@@ -1200,7 +1200,7 @@
             <a:fld id="{A37D6D71-8B28-4ED6-B932-04B197003D23}" type="datetimeFigureOut">
               <a:rPr lang="en-US" smtClean="0"/>
               <a:pPr algn="r"/>
-              <a:t>7/25/23</a:t>
+              <a:t>7/26/23</a:t>
             </a:fld>
             <a:endParaRPr lang="en-US" dirty="0"/>
           </a:p>
@@ -1476,7 +1476,7 @@
             <a:fld id="{A37D6D71-8B28-4ED6-B932-04B197003D23}" type="datetimeFigureOut">
               <a:rPr lang="en-US" smtClean="0"/>
               <a:pPr algn="r"/>
-              <a:t>7/25/23</a:t>
+              <a:t>7/26/23</a:t>
             </a:fld>
             <a:endParaRPr lang="en-US" dirty="0"/>
           </a:p>
@@ -1900,7 +1900,7 @@
             <a:fld id="{A37D6D71-8B28-4ED6-B932-04B197003D23}" type="datetimeFigureOut">
               <a:rPr lang="en-US" smtClean="0"/>
               <a:pPr algn="r"/>
-              <a:t>7/25/23</a:t>
+              <a:t>7/26/23</a:t>
             </a:fld>
             <a:endParaRPr lang="en-US" dirty="0"/>
           </a:p>
@@ -2057,7 +2057,7 @@
             <a:fld id="{A37D6D71-8B28-4ED6-B932-04B197003D23}" type="datetimeFigureOut">
               <a:rPr lang="en-US" smtClean="0"/>
               <a:pPr algn="r"/>
-              <a:t>7/25/23</a:t>
+              <a:t>7/26/23</a:t>
             </a:fld>
             <a:endParaRPr lang="en-US" dirty="0"/>
           </a:p>
@@ -2191,7 +2191,7 @@
             <a:fld id="{A37D6D71-8B28-4ED6-B932-04B197003D23}" type="datetimeFigureOut">
               <a:rPr lang="en-US" smtClean="0"/>
               <a:pPr algn="r"/>
-              <a:t>7/25/23</a:t>
+              <a:t>7/26/23</a:t>
             </a:fld>
             <a:endParaRPr lang="en-US" dirty="0"/>
           </a:p>
@@ -2450,7 +2450,7 @@
             <a:fld id="{A37D6D71-8B28-4ED6-B932-04B197003D23}" type="datetimeFigureOut">
               <a:rPr lang="en-US" smtClean="0"/>
               <a:pPr algn="r"/>
-              <a:t>7/25/23</a:t>
+              <a:t>7/26/23</a:t>
             </a:fld>
             <a:endParaRPr lang="en-US" dirty="0"/>
           </a:p>
@@ -2903,7 +2903,7 @@
             <a:fld id="{A37D6D71-8B28-4ED6-B932-04B197003D23}" type="datetimeFigureOut">
               <a:rPr lang="en-US" smtClean="0"/>
               <a:pPr algn="r"/>
-              <a:t>7/25/23</a:t>
+              <a:t>7/26/23</a:t>
             </a:fld>
             <a:endParaRPr lang="en-US" dirty="0"/>
           </a:p>
@@ -3242,7 +3242,7 @@
             <a:fld id="{A37D6D71-8B28-4ED6-B932-04B197003D23}" type="datetimeFigureOut">
               <a:rPr lang="en-US" smtClean="0"/>
               <a:pPr algn="r"/>
-              <a:t>7/25/23</a:t>
+              <a:t>7/26/23</a:t>
             </a:fld>
             <a:endParaRPr lang="en-US" spc="50" dirty="0"/>
           </a:p>
@@ -7164,7 +7164,7 @@
             <a:pPr marL="0"/>
             <a:r>
               <a:rPr lang="en-US" cap="all" dirty="0"/>
-              <a:t>We predict the average home price in CT, MD, TX, and WA will fluctuate along with the average US home price in response to the Federal Funds interest Rate</a:t>
+              <a:t>We predict the average home price in CT, MD, TX,WA and the US will have a direct correlation with the Federal Funds interest Rate</a:t>
             </a:r>
           </a:p>
         </p:txBody>

--- a/Python Project(Team CMD).pptx
+++ b/Python Project(Team CMD).pptx
@@ -262,7 +262,7 @@
             <a:fld id="{A37D6D71-8B28-4ED6-B932-04B197003D23}" type="datetimeFigureOut">
               <a:rPr lang="en-US" smtClean="0"/>
               <a:pPr algn="r"/>
-              <a:t>7/26/23</a:t>
+              <a:t>7/25/23</a:t>
             </a:fld>
             <a:endParaRPr lang="en-US" dirty="0"/>
           </a:p>
@@ -481,7 +481,7 @@
             <a:fld id="{A37D6D71-8B28-4ED6-B932-04B197003D23}" type="datetimeFigureOut">
               <a:rPr lang="en-US" smtClean="0"/>
               <a:pPr algn="r"/>
-              <a:t>7/26/23</a:t>
+              <a:t>7/25/23</a:t>
             </a:fld>
             <a:endParaRPr lang="en-US" dirty="0"/>
           </a:p>
@@ -704,7 +704,7 @@
             <a:fld id="{A37D6D71-8B28-4ED6-B932-04B197003D23}" type="datetimeFigureOut">
               <a:rPr lang="en-US" smtClean="0"/>
               <a:pPr algn="r"/>
-              <a:t>7/26/23</a:t>
+              <a:t>7/25/23</a:t>
             </a:fld>
             <a:endParaRPr lang="en-US" dirty="0"/>
           </a:p>
@@ -913,7 +913,7 @@
             <a:fld id="{A37D6D71-8B28-4ED6-B932-04B197003D23}" type="datetimeFigureOut">
               <a:rPr lang="en-US" smtClean="0"/>
               <a:pPr algn="r"/>
-              <a:t>7/26/23</a:t>
+              <a:t>7/25/23</a:t>
             </a:fld>
             <a:endParaRPr lang="en-US" dirty="0"/>
           </a:p>
@@ -1200,7 +1200,7 @@
             <a:fld id="{A37D6D71-8B28-4ED6-B932-04B197003D23}" type="datetimeFigureOut">
               <a:rPr lang="en-US" smtClean="0"/>
               <a:pPr algn="r"/>
-              <a:t>7/26/23</a:t>
+              <a:t>7/25/23</a:t>
             </a:fld>
             <a:endParaRPr lang="en-US" dirty="0"/>
           </a:p>
@@ -1476,7 +1476,7 @@
             <a:fld id="{A37D6D71-8B28-4ED6-B932-04B197003D23}" type="datetimeFigureOut">
               <a:rPr lang="en-US" smtClean="0"/>
               <a:pPr algn="r"/>
-              <a:t>7/26/23</a:t>
+              <a:t>7/25/23</a:t>
             </a:fld>
             <a:endParaRPr lang="en-US" dirty="0"/>
           </a:p>
@@ -1900,7 +1900,7 @@
             <a:fld id="{A37D6D71-8B28-4ED6-B932-04B197003D23}" type="datetimeFigureOut">
               <a:rPr lang="en-US" smtClean="0"/>
               <a:pPr algn="r"/>
-              <a:t>7/26/23</a:t>
+              <a:t>7/25/23</a:t>
             </a:fld>
             <a:endParaRPr lang="en-US" dirty="0"/>
           </a:p>
@@ -2057,7 +2057,7 @@
             <a:fld id="{A37D6D71-8B28-4ED6-B932-04B197003D23}" type="datetimeFigureOut">
               <a:rPr lang="en-US" smtClean="0"/>
               <a:pPr algn="r"/>
-              <a:t>7/26/23</a:t>
+              <a:t>7/25/23</a:t>
             </a:fld>
             <a:endParaRPr lang="en-US" dirty="0"/>
           </a:p>
@@ -2191,7 +2191,7 @@
             <a:fld id="{A37D6D71-8B28-4ED6-B932-04B197003D23}" type="datetimeFigureOut">
               <a:rPr lang="en-US" smtClean="0"/>
               <a:pPr algn="r"/>
-              <a:t>7/26/23</a:t>
+              <a:t>7/25/23</a:t>
             </a:fld>
             <a:endParaRPr lang="en-US" dirty="0"/>
           </a:p>
@@ -2450,7 +2450,7 @@
             <a:fld id="{A37D6D71-8B28-4ED6-B932-04B197003D23}" type="datetimeFigureOut">
               <a:rPr lang="en-US" smtClean="0"/>
               <a:pPr algn="r"/>
-              <a:t>7/26/23</a:t>
+              <a:t>7/25/23</a:t>
             </a:fld>
             <a:endParaRPr lang="en-US" dirty="0"/>
           </a:p>
@@ -2903,7 +2903,7 @@
             <a:fld id="{A37D6D71-8B28-4ED6-B932-04B197003D23}" type="datetimeFigureOut">
               <a:rPr lang="en-US" smtClean="0"/>
               <a:pPr algn="r"/>
-              <a:t>7/26/23</a:t>
+              <a:t>7/25/23</a:t>
             </a:fld>
             <a:endParaRPr lang="en-US" dirty="0"/>
           </a:p>
@@ -3242,7 +3242,7 @@
             <a:fld id="{A37D6D71-8B28-4ED6-B932-04B197003D23}" type="datetimeFigureOut">
               <a:rPr lang="en-US" smtClean="0"/>
               <a:pPr algn="r"/>
-              <a:t>7/26/23</a:t>
+              <a:t>7/25/23</a:t>
             </a:fld>
             <a:endParaRPr lang="en-US" spc="50" dirty="0"/>
           </a:p>
@@ -7164,7 +7164,7 @@
             <a:pPr marL="0"/>
             <a:r>
               <a:rPr lang="en-US" cap="all" dirty="0"/>
-              <a:t>We predict the average home price in CT, MD, TX,WA and the US will have a direct correlation with the Federal Funds interest Rate</a:t>
+              <a:t>We predict the average home price in CT, MD, TX, and WA will fluctuate along with the average US home price in response to the Federal Funds interest Rate</a:t>
             </a:r>
           </a:p>
         </p:txBody>

--- a/Python Project(Team CMD).pptx
+++ b/Python Project(Team CMD).pptx
@@ -4,6 +4,9 @@
   <p:sldMasterIdLst>
     <p:sldMasterId id="2147483723" r:id="rId1"/>
   </p:sldMasterIdLst>
+  <p:notesMasterIdLst>
+    <p:notesMasterId r:id="rId12"/>
+  </p:notesMasterIdLst>
   <p:sldIdLst>
     <p:sldId id="256" r:id="rId2"/>
     <p:sldId id="257" r:id="rId3"/>
@@ -12,7 +15,7 @@
     <p:sldId id="260" r:id="rId6"/>
     <p:sldId id="261" r:id="rId7"/>
     <p:sldId id="265" r:id="rId8"/>
-    <p:sldId id="262" r:id="rId9"/>
+    <p:sldId id="266" r:id="rId9"/>
     <p:sldId id="264" r:id="rId10"/>
     <p:sldId id="263" r:id="rId11"/>
   </p:sldIdLst>
@@ -121,6 +124,523 @@
 </p:presentation>
 </file>
 
+<file path=ppt/notesMasters/notesMaster1.xml><?xml version="1.0" encoding="utf-8"?>
+<p:notesMaster xmlns:a="http://schemas.openxmlformats.org/drawingml/2006/main" xmlns:r="http://schemas.openxmlformats.org/officeDocument/2006/relationships" xmlns:p="http://schemas.openxmlformats.org/presentationml/2006/main">
+  <p:cSld>
+    <p:bg>
+      <p:bgRef idx="1001">
+        <a:schemeClr val="bg1"/>
+      </p:bgRef>
+    </p:bg>
+    <p:spTree>
+      <p:nvGrpSpPr>
+        <p:cNvPr id="1" name=""/>
+        <p:cNvGrpSpPr/>
+        <p:nvPr/>
+      </p:nvGrpSpPr>
+      <p:grpSpPr>
+        <a:xfrm>
+          <a:off x="0" y="0"/>
+          <a:ext cx="0" cy="0"/>
+          <a:chOff x="0" y="0"/>
+          <a:chExt cx="0" cy="0"/>
+        </a:xfrm>
+      </p:grpSpPr>
+      <p:sp>
+        <p:nvSpPr>
+          <p:cNvPr id="2" name="Header Placeholder 1"/>
+          <p:cNvSpPr>
+            <a:spLocks noGrp="1"/>
+          </p:cNvSpPr>
+          <p:nvPr>
+            <p:ph type="hdr" sz="quarter"/>
+          </p:nvPr>
+        </p:nvSpPr>
+        <p:spPr>
+          <a:xfrm>
+            <a:off x="0" y="0"/>
+            <a:ext cx="2971800" cy="458788"/>
+          </a:xfrm>
+          <a:prstGeom prst="rect">
+            <a:avLst/>
+          </a:prstGeom>
+        </p:spPr>
+        <p:txBody>
+          <a:bodyPr vert="horz" lIns="91440" tIns="45720" rIns="91440" bIns="45720" rtlCol="0"/>
+          <a:lstStyle>
+            <a:lvl1pPr algn="l">
+              <a:defRPr sz="1200"/>
+            </a:lvl1pPr>
+          </a:lstStyle>
+          <a:p>
+            <a:endParaRPr lang="en-US"/>
+          </a:p>
+        </p:txBody>
+      </p:sp>
+      <p:sp>
+        <p:nvSpPr>
+          <p:cNvPr id="3" name="Date Placeholder 2"/>
+          <p:cNvSpPr>
+            <a:spLocks noGrp="1"/>
+          </p:cNvSpPr>
+          <p:nvPr>
+            <p:ph type="dt" idx="1"/>
+          </p:nvPr>
+        </p:nvSpPr>
+        <p:spPr>
+          <a:xfrm>
+            <a:off x="3884613" y="0"/>
+            <a:ext cx="2971800" cy="458788"/>
+          </a:xfrm>
+          <a:prstGeom prst="rect">
+            <a:avLst/>
+          </a:prstGeom>
+        </p:spPr>
+        <p:txBody>
+          <a:bodyPr vert="horz" lIns="91440" tIns="45720" rIns="91440" bIns="45720" rtlCol="0"/>
+          <a:lstStyle>
+            <a:lvl1pPr algn="r">
+              <a:defRPr sz="1200"/>
+            </a:lvl1pPr>
+          </a:lstStyle>
+          <a:p>
+            <a:fld id="{80C429AE-3C19-4D52-AB01-1A92B4304493}" type="datetimeFigureOut">
+              <a:rPr lang="en-US" smtClean="0"/>
+              <a:t>7/27/2023</a:t>
+            </a:fld>
+            <a:endParaRPr lang="en-US"/>
+          </a:p>
+        </p:txBody>
+      </p:sp>
+      <p:sp>
+        <p:nvSpPr>
+          <p:cNvPr id="4" name="Slide Image Placeholder 3"/>
+          <p:cNvSpPr>
+            <a:spLocks noGrp="1" noRot="1" noChangeAspect="1"/>
+          </p:cNvSpPr>
+          <p:nvPr>
+            <p:ph type="sldImg" idx="2"/>
+          </p:nvPr>
+        </p:nvSpPr>
+        <p:spPr>
+          <a:xfrm>
+            <a:off x="685800" y="1143000"/>
+            <a:ext cx="5486400" cy="3086100"/>
+          </a:xfrm>
+          <a:prstGeom prst="rect">
+            <a:avLst/>
+          </a:prstGeom>
+          <a:noFill/>
+          <a:ln w="12700">
+            <a:solidFill>
+              <a:prstClr val="black"/>
+            </a:solidFill>
+          </a:ln>
+        </p:spPr>
+        <p:txBody>
+          <a:bodyPr vert="horz" lIns="91440" tIns="45720" rIns="91440" bIns="45720" rtlCol="0" anchor="ctr"/>
+          <a:lstStyle/>
+          <a:p>
+            <a:endParaRPr lang="en-US"/>
+          </a:p>
+        </p:txBody>
+      </p:sp>
+      <p:sp>
+        <p:nvSpPr>
+          <p:cNvPr id="5" name="Notes Placeholder 4"/>
+          <p:cNvSpPr>
+            <a:spLocks noGrp="1"/>
+          </p:cNvSpPr>
+          <p:nvPr>
+            <p:ph type="body" sz="quarter" idx="3"/>
+          </p:nvPr>
+        </p:nvSpPr>
+        <p:spPr>
+          <a:xfrm>
+            <a:off x="685800" y="4400550"/>
+            <a:ext cx="5486400" cy="3600450"/>
+          </a:xfrm>
+          <a:prstGeom prst="rect">
+            <a:avLst/>
+          </a:prstGeom>
+        </p:spPr>
+        <p:txBody>
+          <a:bodyPr vert="horz" lIns="91440" tIns="45720" rIns="91440" bIns="45720" rtlCol="0"/>
+          <a:lstStyle/>
+          <a:p>
+            <a:pPr lvl="0"/>
+            <a:r>
+              <a:rPr lang="en-US"/>
+              <a:t>Click to edit Master text styles</a:t>
+            </a:r>
+          </a:p>
+          <a:p>
+            <a:pPr lvl="1"/>
+            <a:r>
+              <a:rPr lang="en-US"/>
+              <a:t>Second level</a:t>
+            </a:r>
+          </a:p>
+          <a:p>
+            <a:pPr lvl="2"/>
+            <a:r>
+              <a:rPr lang="en-US"/>
+              <a:t>Third level</a:t>
+            </a:r>
+          </a:p>
+          <a:p>
+            <a:pPr lvl="3"/>
+            <a:r>
+              <a:rPr lang="en-US"/>
+              <a:t>Fourth level</a:t>
+            </a:r>
+          </a:p>
+          <a:p>
+            <a:pPr lvl="4"/>
+            <a:r>
+              <a:rPr lang="en-US"/>
+              <a:t>Fifth level</a:t>
+            </a:r>
+          </a:p>
+        </p:txBody>
+      </p:sp>
+      <p:sp>
+        <p:nvSpPr>
+          <p:cNvPr id="6" name="Footer Placeholder 5"/>
+          <p:cNvSpPr>
+            <a:spLocks noGrp="1"/>
+          </p:cNvSpPr>
+          <p:nvPr>
+            <p:ph type="ftr" sz="quarter" idx="4"/>
+          </p:nvPr>
+        </p:nvSpPr>
+        <p:spPr>
+          <a:xfrm>
+            <a:off x="0" y="8685213"/>
+            <a:ext cx="2971800" cy="458787"/>
+          </a:xfrm>
+          <a:prstGeom prst="rect">
+            <a:avLst/>
+          </a:prstGeom>
+        </p:spPr>
+        <p:txBody>
+          <a:bodyPr vert="horz" lIns="91440" tIns="45720" rIns="91440" bIns="45720" rtlCol="0" anchor="b"/>
+          <a:lstStyle>
+            <a:lvl1pPr algn="l">
+              <a:defRPr sz="1200"/>
+            </a:lvl1pPr>
+          </a:lstStyle>
+          <a:p>
+            <a:endParaRPr lang="en-US"/>
+          </a:p>
+        </p:txBody>
+      </p:sp>
+      <p:sp>
+        <p:nvSpPr>
+          <p:cNvPr id="7" name="Slide Number Placeholder 6"/>
+          <p:cNvSpPr>
+            <a:spLocks noGrp="1"/>
+          </p:cNvSpPr>
+          <p:nvPr>
+            <p:ph type="sldNum" sz="quarter" idx="5"/>
+          </p:nvPr>
+        </p:nvSpPr>
+        <p:spPr>
+          <a:xfrm>
+            <a:off x="3884613" y="8685213"/>
+            <a:ext cx="2971800" cy="458787"/>
+          </a:xfrm>
+          <a:prstGeom prst="rect">
+            <a:avLst/>
+          </a:prstGeom>
+        </p:spPr>
+        <p:txBody>
+          <a:bodyPr vert="horz" lIns="91440" tIns="45720" rIns="91440" bIns="45720" rtlCol="0" anchor="b"/>
+          <a:lstStyle>
+            <a:lvl1pPr algn="r">
+              <a:defRPr sz="1200"/>
+            </a:lvl1pPr>
+          </a:lstStyle>
+          <a:p>
+            <a:fld id="{E9623F8A-0F6C-4F7A-B018-871102F5F3DC}" type="slidenum">
+              <a:rPr lang="en-US" smtClean="0"/>
+              <a:t>‹#›</a:t>
+            </a:fld>
+            <a:endParaRPr lang="en-US"/>
+          </a:p>
+        </p:txBody>
+      </p:sp>
+    </p:spTree>
+    <p:extLst>
+      <p:ext uri="{BB962C8B-B14F-4D97-AF65-F5344CB8AC3E}">
+        <p14:creationId xmlns:p14="http://schemas.microsoft.com/office/powerpoint/2010/main" val="2273094222"/>
+      </p:ext>
+    </p:extLst>
+  </p:cSld>
+  <p:clrMap bg1="lt1" tx1="dk1" bg2="lt2" tx2="dk2" accent1="accent1" accent2="accent2" accent3="accent3" accent4="accent4" accent5="accent5" accent6="accent6" hlink="hlink" folHlink="folHlink"/>
+  <p:notesStyle>
+    <a:lvl1pPr marL="0" algn="l" defTabSz="914400" rtl="0" eaLnBrk="1" latinLnBrk="0" hangingPunct="1">
+      <a:defRPr sz="1200" kern="1200">
+        <a:solidFill>
+          <a:schemeClr val="tx1"/>
+        </a:solidFill>
+        <a:latin typeface="+mn-lt"/>
+        <a:ea typeface="+mn-ea"/>
+        <a:cs typeface="+mn-cs"/>
+      </a:defRPr>
+    </a:lvl1pPr>
+    <a:lvl2pPr marL="457200" algn="l" defTabSz="914400" rtl="0" eaLnBrk="1" latinLnBrk="0" hangingPunct="1">
+      <a:defRPr sz="1200" kern="1200">
+        <a:solidFill>
+          <a:schemeClr val="tx1"/>
+        </a:solidFill>
+        <a:latin typeface="+mn-lt"/>
+        <a:ea typeface="+mn-ea"/>
+        <a:cs typeface="+mn-cs"/>
+      </a:defRPr>
+    </a:lvl2pPr>
+    <a:lvl3pPr marL="914400" algn="l" defTabSz="914400" rtl="0" eaLnBrk="1" latinLnBrk="0" hangingPunct="1">
+      <a:defRPr sz="1200" kern="1200">
+        <a:solidFill>
+          <a:schemeClr val="tx1"/>
+        </a:solidFill>
+        <a:latin typeface="+mn-lt"/>
+        <a:ea typeface="+mn-ea"/>
+        <a:cs typeface="+mn-cs"/>
+      </a:defRPr>
+    </a:lvl3pPr>
+    <a:lvl4pPr marL="1371600" algn="l" defTabSz="914400" rtl="0" eaLnBrk="1" latinLnBrk="0" hangingPunct="1">
+      <a:defRPr sz="1200" kern="1200">
+        <a:solidFill>
+          <a:schemeClr val="tx1"/>
+        </a:solidFill>
+        <a:latin typeface="+mn-lt"/>
+        <a:ea typeface="+mn-ea"/>
+        <a:cs typeface="+mn-cs"/>
+      </a:defRPr>
+    </a:lvl4pPr>
+    <a:lvl5pPr marL="1828800" algn="l" defTabSz="914400" rtl="0" eaLnBrk="1" latinLnBrk="0" hangingPunct="1">
+      <a:defRPr sz="1200" kern="1200">
+        <a:solidFill>
+          <a:schemeClr val="tx1"/>
+        </a:solidFill>
+        <a:latin typeface="+mn-lt"/>
+        <a:ea typeface="+mn-ea"/>
+        <a:cs typeface="+mn-cs"/>
+      </a:defRPr>
+    </a:lvl5pPr>
+    <a:lvl6pPr marL="2286000" algn="l" defTabSz="914400" rtl="0" eaLnBrk="1" latinLnBrk="0" hangingPunct="1">
+      <a:defRPr sz="1200" kern="1200">
+        <a:solidFill>
+          <a:schemeClr val="tx1"/>
+        </a:solidFill>
+        <a:latin typeface="+mn-lt"/>
+        <a:ea typeface="+mn-ea"/>
+        <a:cs typeface="+mn-cs"/>
+      </a:defRPr>
+    </a:lvl6pPr>
+    <a:lvl7pPr marL="2743200" algn="l" defTabSz="914400" rtl="0" eaLnBrk="1" latinLnBrk="0" hangingPunct="1">
+      <a:defRPr sz="1200" kern="1200">
+        <a:solidFill>
+          <a:schemeClr val="tx1"/>
+        </a:solidFill>
+        <a:latin typeface="+mn-lt"/>
+        <a:ea typeface="+mn-ea"/>
+        <a:cs typeface="+mn-cs"/>
+      </a:defRPr>
+    </a:lvl7pPr>
+    <a:lvl8pPr marL="3200400" algn="l" defTabSz="914400" rtl="0" eaLnBrk="1" latinLnBrk="0" hangingPunct="1">
+      <a:defRPr sz="1200" kern="1200">
+        <a:solidFill>
+          <a:schemeClr val="tx1"/>
+        </a:solidFill>
+        <a:latin typeface="+mn-lt"/>
+        <a:ea typeface="+mn-ea"/>
+        <a:cs typeface="+mn-cs"/>
+      </a:defRPr>
+    </a:lvl8pPr>
+    <a:lvl9pPr marL="3657600" algn="l" defTabSz="914400" rtl="0" eaLnBrk="1" latinLnBrk="0" hangingPunct="1">
+      <a:defRPr sz="1200" kern="1200">
+        <a:solidFill>
+          <a:schemeClr val="tx1"/>
+        </a:solidFill>
+        <a:latin typeface="+mn-lt"/>
+        <a:ea typeface="+mn-ea"/>
+        <a:cs typeface="+mn-cs"/>
+      </a:defRPr>
+    </a:lvl9pPr>
+  </p:notesStyle>
+</p:notesMaster>
+</file>
+
+<file path=ppt/notesSlides/notesSlide1.xml><?xml version="1.0" encoding="utf-8"?>
+<p:notes xmlns:a="http://schemas.openxmlformats.org/drawingml/2006/main" xmlns:r="http://schemas.openxmlformats.org/officeDocument/2006/relationships" xmlns:p="http://schemas.openxmlformats.org/presentationml/2006/main">
+  <p:cSld>
+    <p:spTree>
+      <p:nvGrpSpPr>
+        <p:cNvPr id="1" name=""/>
+        <p:cNvGrpSpPr/>
+        <p:nvPr/>
+      </p:nvGrpSpPr>
+      <p:grpSpPr>
+        <a:xfrm>
+          <a:off x="0" y="0"/>
+          <a:ext cx="0" cy="0"/>
+          <a:chOff x="0" y="0"/>
+          <a:chExt cx="0" cy="0"/>
+        </a:xfrm>
+      </p:grpSpPr>
+      <p:sp>
+        <p:nvSpPr>
+          <p:cNvPr id="2" name="Slide Image Placeholder 1"/>
+          <p:cNvSpPr>
+            <a:spLocks noGrp="1" noRot="1" noChangeAspect="1"/>
+          </p:cNvSpPr>
+          <p:nvPr>
+            <p:ph type="sldImg"/>
+          </p:nvPr>
+        </p:nvSpPr>
+        <p:spPr/>
+      </p:sp>
+      <p:sp>
+        <p:nvSpPr>
+          <p:cNvPr id="3" name="Notes Placeholder 2"/>
+          <p:cNvSpPr>
+            <a:spLocks noGrp="1"/>
+          </p:cNvSpPr>
+          <p:nvPr>
+            <p:ph type="body" idx="1"/>
+          </p:nvPr>
+        </p:nvSpPr>
+        <p:spPr/>
+        <p:txBody>
+          <a:bodyPr/>
+          <a:lstStyle/>
+          <a:p>
+            <a:endParaRPr lang="en-US" dirty="0"/>
+          </a:p>
+        </p:txBody>
+      </p:sp>
+      <p:sp>
+        <p:nvSpPr>
+          <p:cNvPr id="4" name="Slide Number Placeholder 3"/>
+          <p:cNvSpPr>
+            <a:spLocks noGrp="1"/>
+          </p:cNvSpPr>
+          <p:nvPr>
+            <p:ph type="sldNum" sz="quarter" idx="5"/>
+          </p:nvPr>
+        </p:nvSpPr>
+        <p:spPr/>
+        <p:txBody>
+          <a:bodyPr/>
+          <a:lstStyle/>
+          <a:p>
+            <a:fld id="{E9623F8A-0F6C-4F7A-B018-871102F5F3DC}" type="slidenum">
+              <a:rPr lang="en-US" smtClean="0"/>
+              <a:t>8</a:t>
+            </a:fld>
+            <a:endParaRPr lang="en-US"/>
+          </a:p>
+        </p:txBody>
+      </p:sp>
+    </p:spTree>
+    <p:extLst>
+      <p:ext uri="{BB962C8B-B14F-4D97-AF65-F5344CB8AC3E}">
+        <p14:creationId xmlns:p14="http://schemas.microsoft.com/office/powerpoint/2010/main" val="2466919209"/>
+      </p:ext>
+    </p:extLst>
+  </p:cSld>
+  <p:clrMapOvr>
+    <a:masterClrMapping/>
+  </p:clrMapOvr>
+</p:notes>
+</file>
+
+<file path=ppt/notesSlides/notesSlide2.xml><?xml version="1.0" encoding="utf-8"?>
+<p:notes xmlns:a="http://schemas.openxmlformats.org/drawingml/2006/main" xmlns:r="http://schemas.openxmlformats.org/officeDocument/2006/relationships" xmlns:p="http://schemas.openxmlformats.org/presentationml/2006/main">
+  <p:cSld>
+    <p:spTree>
+      <p:nvGrpSpPr>
+        <p:cNvPr id="1" name=""/>
+        <p:cNvGrpSpPr/>
+        <p:nvPr/>
+      </p:nvGrpSpPr>
+      <p:grpSpPr>
+        <a:xfrm>
+          <a:off x="0" y="0"/>
+          <a:ext cx="0" cy="0"/>
+          <a:chOff x="0" y="0"/>
+          <a:chExt cx="0" cy="0"/>
+        </a:xfrm>
+      </p:grpSpPr>
+      <p:sp>
+        <p:nvSpPr>
+          <p:cNvPr id="2" name="Slide Image Placeholder 1"/>
+          <p:cNvSpPr>
+            <a:spLocks noGrp="1" noRot="1" noChangeAspect="1"/>
+          </p:cNvSpPr>
+          <p:nvPr>
+            <p:ph type="sldImg"/>
+          </p:nvPr>
+        </p:nvSpPr>
+        <p:spPr/>
+      </p:sp>
+      <p:sp>
+        <p:nvSpPr>
+          <p:cNvPr id="3" name="Notes Placeholder 2"/>
+          <p:cNvSpPr>
+            <a:spLocks noGrp="1"/>
+          </p:cNvSpPr>
+          <p:nvPr>
+            <p:ph type="body" idx="1"/>
+          </p:nvPr>
+        </p:nvSpPr>
+        <p:spPr/>
+        <p:txBody>
+          <a:bodyPr/>
+          <a:lstStyle/>
+          <a:p>
+            <a:endParaRPr lang="en-US" dirty="0"/>
+          </a:p>
+        </p:txBody>
+      </p:sp>
+      <p:sp>
+        <p:nvSpPr>
+          <p:cNvPr id="4" name="Slide Number Placeholder 3"/>
+          <p:cNvSpPr>
+            <a:spLocks noGrp="1"/>
+          </p:cNvSpPr>
+          <p:nvPr>
+            <p:ph type="sldNum" sz="quarter" idx="5"/>
+          </p:nvPr>
+        </p:nvSpPr>
+        <p:spPr/>
+        <p:txBody>
+          <a:bodyPr/>
+          <a:lstStyle/>
+          <a:p>
+            <a:fld id="{E9623F8A-0F6C-4F7A-B018-871102F5F3DC}" type="slidenum">
+              <a:rPr lang="en-US" smtClean="0"/>
+              <a:t>9</a:t>
+            </a:fld>
+            <a:endParaRPr lang="en-US"/>
+          </a:p>
+        </p:txBody>
+      </p:sp>
+    </p:spTree>
+    <p:extLst>
+      <p:ext uri="{BB962C8B-B14F-4D97-AF65-F5344CB8AC3E}">
+        <p14:creationId xmlns:p14="http://schemas.microsoft.com/office/powerpoint/2010/main" val="523224294"/>
+      </p:ext>
+    </p:extLst>
+  </p:cSld>
+  <p:clrMapOvr>
+    <a:masterClrMapping/>
+  </p:clrMapOvr>
+</p:notes>
+</file>
+
 <file path=ppt/slideLayouts/slideLayout1.xml><?xml version="1.0" encoding="utf-8"?>
 <p:sldLayout xmlns:a="http://schemas.openxmlformats.org/drawingml/2006/main" xmlns:r="http://schemas.openxmlformats.org/officeDocument/2006/relationships" xmlns:p="http://schemas.openxmlformats.org/presentationml/2006/main" type="title" preserve="1">
   <p:cSld name="Title Slide">
@@ -262,7 +782,7 @@
             <a:fld id="{A37D6D71-8B28-4ED6-B932-04B197003D23}" type="datetimeFigureOut">
               <a:rPr lang="en-US" smtClean="0"/>
               <a:pPr algn="r"/>
-              <a:t>7/25/23</a:t>
+              <a:t>7/27/2023</a:t>
             </a:fld>
             <a:endParaRPr lang="en-US" dirty="0"/>
           </a:p>
@@ -481,7 +1001,7 @@
             <a:fld id="{A37D6D71-8B28-4ED6-B932-04B197003D23}" type="datetimeFigureOut">
               <a:rPr lang="en-US" smtClean="0"/>
               <a:pPr algn="r"/>
-              <a:t>7/25/23</a:t>
+              <a:t>7/27/2023</a:t>
             </a:fld>
             <a:endParaRPr lang="en-US" dirty="0"/>
           </a:p>
@@ -704,7 +1224,7 @@
             <a:fld id="{A37D6D71-8B28-4ED6-B932-04B197003D23}" type="datetimeFigureOut">
               <a:rPr lang="en-US" smtClean="0"/>
               <a:pPr algn="r"/>
-              <a:t>7/25/23</a:t>
+              <a:t>7/27/2023</a:t>
             </a:fld>
             <a:endParaRPr lang="en-US" dirty="0"/>
           </a:p>
@@ -913,7 +1433,7 @@
             <a:fld id="{A37D6D71-8B28-4ED6-B932-04B197003D23}" type="datetimeFigureOut">
               <a:rPr lang="en-US" smtClean="0"/>
               <a:pPr algn="r"/>
-              <a:t>7/25/23</a:t>
+              <a:t>7/27/2023</a:t>
             </a:fld>
             <a:endParaRPr lang="en-US" dirty="0"/>
           </a:p>
@@ -1200,7 +1720,7 @@
             <a:fld id="{A37D6D71-8B28-4ED6-B932-04B197003D23}" type="datetimeFigureOut">
               <a:rPr lang="en-US" smtClean="0"/>
               <a:pPr algn="r"/>
-              <a:t>7/25/23</a:t>
+              <a:t>7/27/2023</a:t>
             </a:fld>
             <a:endParaRPr lang="en-US" dirty="0"/>
           </a:p>
@@ -1476,7 +1996,7 @@
             <a:fld id="{A37D6D71-8B28-4ED6-B932-04B197003D23}" type="datetimeFigureOut">
               <a:rPr lang="en-US" smtClean="0"/>
               <a:pPr algn="r"/>
-              <a:t>7/25/23</a:t>
+              <a:t>7/27/2023</a:t>
             </a:fld>
             <a:endParaRPr lang="en-US" dirty="0"/>
           </a:p>
@@ -1900,7 +2420,7 @@
             <a:fld id="{A37D6D71-8B28-4ED6-B932-04B197003D23}" type="datetimeFigureOut">
               <a:rPr lang="en-US" smtClean="0"/>
               <a:pPr algn="r"/>
-              <a:t>7/25/23</a:t>
+              <a:t>7/27/2023</a:t>
             </a:fld>
             <a:endParaRPr lang="en-US" dirty="0"/>
           </a:p>
@@ -2057,7 +2577,7 @@
             <a:fld id="{A37D6D71-8B28-4ED6-B932-04B197003D23}" type="datetimeFigureOut">
               <a:rPr lang="en-US" smtClean="0"/>
               <a:pPr algn="r"/>
-              <a:t>7/25/23</a:t>
+              <a:t>7/27/2023</a:t>
             </a:fld>
             <a:endParaRPr lang="en-US" dirty="0"/>
           </a:p>
@@ -2191,7 +2711,7 @@
             <a:fld id="{A37D6D71-8B28-4ED6-B932-04B197003D23}" type="datetimeFigureOut">
               <a:rPr lang="en-US" smtClean="0"/>
               <a:pPr algn="r"/>
-              <a:t>7/25/23</a:t>
+              <a:t>7/27/2023</a:t>
             </a:fld>
             <a:endParaRPr lang="en-US" dirty="0"/>
           </a:p>
@@ -2450,7 +2970,7 @@
             <a:fld id="{A37D6D71-8B28-4ED6-B932-04B197003D23}" type="datetimeFigureOut">
               <a:rPr lang="en-US" smtClean="0"/>
               <a:pPr algn="r"/>
-              <a:t>7/25/23</a:t>
+              <a:t>7/27/2023</a:t>
             </a:fld>
             <a:endParaRPr lang="en-US" dirty="0"/>
           </a:p>
@@ -2903,7 +3423,7 @@
             <a:fld id="{A37D6D71-8B28-4ED6-B932-04B197003D23}" type="datetimeFigureOut">
               <a:rPr lang="en-US" smtClean="0"/>
               <a:pPr algn="r"/>
-              <a:t>7/25/23</a:t>
+              <a:t>7/27/2023</a:t>
             </a:fld>
             <a:endParaRPr lang="en-US" dirty="0"/>
           </a:p>
@@ -3242,7 +3762,7 @@
             <a:fld id="{A37D6D71-8B28-4ED6-B932-04B197003D23}" type="datetimeFigureOut">
               <a:rPr lang="en-US" smtClean="0"/>
               <a:pPr algn="r"/>
-              <a:t>7/25/23</a:t>
+              <a:t>7/27/2023</a:t>
             </a:fld>
             <a:endParaRPr lang="en-US" spc="50" dirty="0"/>
           </a:p>
@@ -7164,7 +7684,7 @@
             <a:pPr marL="0"/>
             <a:r>
               <a:rPr lang="en-US" cap="all" dirty="0"/>
-              <a:t>We predict the average home price in CT, MD, TX, and WA will fluctuate along with the average US home price in response to the Federal Funds interest Rate</a:t>
+              <a:t>We predict the average home price in CT, MD, TX,WA and the US will have a direct correlation with the Federal Funds interest Rate</a:t>
             </a:r>
           </a:p>
         </p:txBody>
@@ -8351,14 +8871,6 @@
 <file path=ppt/slides/slide8.xml><?xml version="1.0" encoding="utf-8"?>
 <p:sld xmlns:a="http://schemas.openxmlformats.org/drawingml/2006/main" xmlns:r="http://schemas.openxmlformats.org/officeDocument/2006/relationships" xmlns:p="http://schemas.openxmlformats.org/presentationml/2006/main">
   <p:cSld>
-    <p:bg>
-      <p:bgPr>
-        <a:solidFill>
-          <a:schemeClr val="bg2"/>
-        </a:solidFill>
-        <a:effectLst/>
-      </p:bgPr>
-    </p:bg>
     <p:spTree>
       <p:nvGrpSpPr>
         <p:cNvPr id="1" name=""/>
@@ -8378,7 +8890,7 @@
           <p:cNvPr id="2" name="Title 1">
             <a:extLst>
               <a:ext uri="{FF2B5EF4-FFF2-40B4-BE49-F238E27FC236}">
-                <a16:creationId xmlns:a16="http://schemas.microsoft.com/office/drawing/2014/main" id="{A93F94A0-4A6B-6419-4808-B3C21AEAB6BD}"/>
+                <a16:creationId xmlns:a16="http://schemas.microsoft.com/office/drawing/2014/main" id="{24A08892-88E3-4BFC-061D-1414F106D709}"/>
               </a:ext>
             </a:extLst>
           </p:cNvPr>
@@ -8389,31 +8901,24 @@
             <p:ph type="title"/>
           </p:nvPr>
         </p:nvSpPr>
-        <p:spPr>
-          <a:xfrm>
-            <a:off x="5140235" y="1027937"/>
-            <a:ext cx="6083708" cy="3711894"/>
-          </a:xfrm>
-        </p:spPr>
-        <p:txBody>
-          <a:bodyPr vert="horz" lIns="91440" tIns="45720" rIns="91440" bIns="0" rtlCol="0" anchor="ctr">
-            <a:normAutofit/>
-          </a:bodyPr>
+        <p:spPr/>
+        <p:txBody>
+          <a:bodyPr/>
           <a:lstStyle/>
           <a:p>
             <a:r>
-              <a:rPr lang="en-US" sz="5400"/>
-              <a:t>Plotting the Data</a:t>
-            </a:r>
-          </a:p>
-        </p:txBody>
-      </p:sp>
-      <p:sp>
-        <p:nvSpPr>
-          <p:cNvPr id="3" name="Vertical Text Placeholder 2">
+              <a:rPr lang="en-US" dirty="0"/>
+              <a:t>Plotting the data</a:t>
+            </a:r>
+          </a:p>
+        </p:txBody>
+      </p:sp>
+      <p:sp>
+        <p:nvSpPr>
+          <p:cNvPr id="5" name="Vertical Text Placeholder 2">
             <a:extLst>
               <a:ext uri="{FF2B5EF4-FFF2-40B4-BE49-F238E27FC236}">
-                <a16:creationId xmlns:a16="http://schemas.microsoft.com/office/drawing/2014/main" id="{F8C14883-AF37-E261-9B50-031B08C7C2C9}"/>
+                <a16:creationId xmlns:a16="http://schemas.microsoft.com/office/drawing/2014/main" id="{623F8150-E416-6771-F5DB-8C8E4EBE2816}"/>
               </a:ext>
             </a:extLst>
           </p:cNvPr>
@@ -8421,13 +8926,13 @@
             <a:spLocks noGrp="1"/>
           </p:cNvSpPr>
           <p:nvPr>
-            <p:ph type="body" orient="vert" idx="1"/>
-          </p:nvPr>
-        </p:nvSpPr>
-        <p:spPr>
-          <a:xfrm>
-            <a:off x="968057" y="1027937"/>
-            <a:ext cx="3254899" cy="3711894"/>
+            <p:ph idx="1"/>
+          </p:nvPr>
+        </p:nvSpPr>
+        <p:spPr>
+          <a:xfrm>
+            <a:off x="5043488" y="284480"/>
+            <a:ext cx="6013450" cy="5770880"/>
           </a:xfrm>
         </p:spPr>
         <p:txBody>
@@ -8436,125 +8941,108 @@
           </a:bodyPr>
           <a:lstStyle/>
           <a:p>
-            <a:pPr marL="0" indent="0" algn="r">
-              <a:buNone/>
+            <a:pPr marL="342900" indent="-342900">
+              <a:buFont typeface="+mj-lt"/>
+              <a:buAutoNum type="arabicPeriod"/>
             </a:pPr>
             <a:r>
-              <a:rPr lang="en-US" sz="1800" cap="all"/>
-              <a:t>Ciin types stuff here </a:t>
-            </a:r>
-            <a:r>
-              <a:rPr lang="en-US" sz="1800" cap="all">
-                <a:sym typeface="Wingdings" panose="05000000000000000000" pitchFamily="2" charset="2"/>
-              </a:rPr>
-              <a:t></a:t>
-            </a:r>
-            <a:endParaRPr lang="en-US" sz="1800" cap="all"/>
-          </a:p>
-        </p:txBody>
-      </p:sp>
+              <a:rPr lang="en-US" dirty="0"/>
+              <a:t>In order to graph lines, dataset had to align values. </a:t>
+            </a:r>
+          </a:p>
+          <a:p>
+            <a:pPr marL="800100" lvl="1" indent="-342900">
+              <a:buFont typeface="+mj-lt"/>
+              <a:buAutoNum type="arabicPeriod"/>
+            </a:pPr>
+            <a:r>
+              <a:rPr lang="en-US" sz="2000" dirty="0"/>
+              <a:t>Cut down our timeline from 2023 to 2016</a:t>
+            </a:r>
+          </a:p>
+          <a:p>
+            <a:pPr marL="342900" indent="-342900">
+              <a:buFont typeface="+mj-lt"/>
+              <a:buAutoNum type="arabicPeriod"/>
+            </a:pPr>
+            <a:r>
+              <a:rPr lang="en-US" dirty="0"/>
+              <a:t>To create a graph with multiple line plots and two y-axes because interest rates and housing prices were on different scales. </a:t>
+            </a:r>
+          </a:p>
+          <a:p>
+            <a:pPr marL="342900" indent="-342900">
+              <a:buFont typeface="+mj-lt"/>
+              <a:buAutoNum type="arabicPeriod"/>
+            </a:pPr>
+            <a:r>
+              <a:rPr lang="en-US" dirty="0"/>
+              <a:t>Created variables with x = year &amp; y = state/U.S/int</a:t>
+            </a:r>
+          </a:p>
+          <a:p>
+            <a:pPr marL="342900" indent="-342900">
+              <a:buFont typeface="+mj-lt"/>
+              <a:buAutoNum type="arabicPeriod"/>
+            </a:pPr>
+            <a:r>
+              <a:rPr lang="en-US" dirty="0"/>
+              <a:t>To combine the two axes: </a:t>
+            </a:r>
+          </a:p>
+          <a:p>
+            <a:pPr marL="342900" indent="-342900">
+              <a:buFont typeface="+mj-lt"/>
+              <a:buAutoNum type="arabicPeriod"/>
+            </a:pPr>
+            <a:r>
+              <a:rPr lang="en-US" dirty="0"/>
+              <a:t>After that, just label, title, add color, and create a legend. </a:t>
+            </a:r>
+            <a:endParaRPr lang="en-US" cap="all" dirty="0"/>
+          </a:p>
+        </p:txBody>
+      </p:sp>
+      <p:pic>
+        <p:nvPicPr>
+          <p:cNvPr id="4" name="Picture 3">
+            <a:extLst>
+              <a:ext uri="{FF2B5EF4-FFF2-40B4-BE49-F238E27FC236}">
+                <a16:creationId xmlns:a16="http://schemas.microsoft.com/office/drawing/2014/main" id="{ECF8B26F-81CC-9992-4D99-05CC3C0EA7C1}"/>
+              </a:ext>
+            </a:extLst>
+          </p:cNvPr>
+          <p:cNvPicPr>
+            <a:picLocks noChangeAspect="1"/>
+          </p:cNvPicPr>
+          <p:nvPr/>
+        </p:nvPicPr>
+        <p:blipFill>
+          <a:blip r:embed="rId3"/>
+          <a:stretch>
+            <a:fillRect/>
+          </a:stretch>
+        </p:blipFill>
+        <p:spPr>
+          <a:xfrm>
+            <a:off x="8249330" y="3879669"/>
+            <a:ext cx="2497999" cy="355675"/>
+          </a:xfrm>
+          <a:prstGeom prst="rect">
+            <a:avLst/>
+          </a:prstGeom>
+        </p:spPr>
+      </p:pic>
     </p:spTree>
     <p:extLst>
       <p:ext uri="{BB962C8B-B14F-4D97-AF65-F5344CB8AC3E}">
-        <p14:creationId xmlns:p14="http://schemas.microsoft.com/office/powerpoint/2010/main" val="2828995822"/>
+        <p14:creationId xmlns:p14="http://schemas.microsoft.com/office/powerpoint/2010/main" val="151407443"/>
       </p:ext>
     </p:extLst>
   </p:cSld>
   <p:clrMapOvr>
     <a:masterClrMapping/>
   </p:clrMapOvr>
-  <p:timing>
-    <p:tnLst>
-      <p:par>
-        <p:cTn id="1" dur="indefinite" restart="never" nodeType="tmRoot">
-          <p:childTnLst>
-            <p:seq concurrent="1" nextAc="seek">
-              <p:cTn id="2" dur="indefinite" nodeType="mainSeq">
-                <p:childTnLst>
-                  <p:par>
-                    <p:cTn id="3" fill="hold">
-                      <p:stCondLst>
-                        <p:cond delay="indefinite"/>
-                        <p:cond evt="onBegin" delay="0">
-                          <p:tn val="2"/>
-                        </p:cond>
-                      </p:stCondLst>
-                      <p:childTnLst>
-                        <p:par>
-                          <p:cTn id="4" fill="hold">
-                            <p:stCondLst>
-                              <p:cond delay="0"/>
-                            </p:stCondLst>
-                            <p:childTnLst>
-                              <p:par>
-                                <p:cTn id="5" presetID="10" presetClass="entr" presetSubtype="0" fill="hold" grpId="0" nodeType="withEffect">
-                                  <p:stCondLst>
-                                    <p:cond delay="500"/>
-                                  </p:stCondLst>
-                                  <p:iterate type="lt">
-                                    <p:tmPct val="10000"/>
-                                  </p:iterate>
-                                  <p:childTnLst>
-                                    <p:set>
-                                      <p:cBhvr>
-                                        <p:cTn id="6" dur="1" fill="hold">
-                                          <p:stCondLst>
-                                            <p:cond delay="0"/>
-                                          </p:stCondLst>
-                                        </p:cTn>
-                                        <p:tgtEl>
-                                          <p:spTgt spid="2"/>
-                                        </p:tgtEl>
-                                        <p:attrNameLst>
-                                          <p:attrName>style.visibility</p:attrName>
-                                        </p:attrNameLst>
-                                      </p:cBhvr>
-                                      <p:to>
-                                        <p:strVal val="visible"/>
-                                      </p:to>
-                                    </p:set>
-                                    <p:animEffect transition="in" filter="fade">
-                                      <p:cBhvr>
-                                        <p:cTn id="7" dur="400"/>
-                                        <p:tgtEl>
-                                          <p:spTgt spid="2"/>
-                                        </p:tgtEl>
-                                      </p:cBhvr>
-                                    </p:animEffect>
-                                  </p:childTnLst>
-                                </p:cTn>
-                              </p:par>
-                            </p:childTnLst>
-                          </p:cTn>
-                        </p:par>
-                      </p:childTnLst>
-                    </p:cTn>
-                  </p:par>
-                </p:childTnLst>
-              </p:cTn>
-              <p:prevCondLst>
-                <p:cond evt="onPrev" delay="0">
-                  <p:tgtEl>
-                    <p:sldTgt/>
-                  </p:tgtEl>
-                </p:cond>
-              </p:prevCondLst>
-              <p:nextCondLst>
-                <p:cond evt="onNext" delay="0">
-                  <p:tgtEl>
-                    <p:sldTgt/>
-                  </p:tgtEl>
-                </p:cond>
-              </p:nextCondLst>
-            </p:seq>
-          </p:childTnLst>
-        </p:cTn>
-      </p:par>
-    </p:tnLst>
-    <p:bldLst>
-      <p:bldP spid="2" grpId="0"/>
-    </p:bldLst>
-  </p:timing>
 </p:sld>
 </file>
 
@@ -8696,7 +9184,7 @@
           </p:nvPr>
         </p:nvPicPr>
         <p:blipFill rotWithShape="1">
-          <a:blip r:embed="rId2">
+          <a:blip r:embed="rId3">
             <a:extLst>
               <a:ext uri="{28A0092B-C50C-407E-A947-70E740481C1C}">
                 <a14:useLocalDpi xmlns:a14="http://schemas.microsoft.com/office/drawing/2010/main" val="0"/>
@@ -9295,7 +9783,7 @@
           <p:nvPr/>
         </p:nvPicPr>
         <p:blipFill rotWithShape="1">
-          <a:blip r:embed="rId3"/>
+          <a:blip r:embed="rId4"/>
           <a:srcRect r="6465" b="-2"/>
           <a:stretch/>
         </p:blipFill>
@@ -9333,7 +9821,7 @@
           </p:nvPr>
         </p:nvPicPr>
         <p:blipFill rotWithShape="1">
-          <a:blip r:embed="rId2">
+          <a:blip r:embed="rId3">
             <a:extLst>
               <a:ext uri="{28A0092B-C50C-407E-A947-70E740481C1C}">
                 <a14:useLocalDpi xmlns:a14="http://schemas.microsoft.com/office/drawing/2010/main" val="0"/>
@@ -9763,4 +10251,299 @@
     </a:ext>
   </a:extLst>
 </a:theme>
+</file>
+
+<file path=ppt/theme/theme2.xml><?xml version="1.0" encoding="utf-8"?>
+<a:theme xmlns:a="http://schemas.openxmlformats.org/drawingml/2006/main" name="Office Theme">
+  <a:themeElements>
+    <a:clrScheme name="Office">
+      <a:dk1>
+        <a:sysClr val="windowText" lastClr="000000"/>
+      </a:dk1>
+      <a:lt1>
+        <a:sysClr val="window" lastClr="FFFFFF"/>
+      </a:lt1>
+      <a:dk2>
+        <a:srgbClr val="44546A"/>
+      </a:dk2>
+      <a:lt2>
+        <a:srgbClr val="E7E6E6"/>
+      </a:lt2>
+      <a:accent1>
+        <a:srgbClr val="4472C4"/>
+      </a:accent1>
+      <a:accent2>
+        <a:srgbClr val="ED7D31"/>
+      </a:accent2>
+      <a:accent3>
+        <a:srgbClr val="A5A5A5"/>
+      </a:accent3>
+      <a:accent4>
+        <a:srgbClr val="FFC000"/>
+      </a:accent4>
+      <a:accent5>
+        <a:srgbClr val="5B9BD5"/>
+      </a:accent5>
+      <a:accent6>
+        <a:srgbClr val="70AD47"/>
+      </a:accent6>
+      <a:hlink>
+        <a:srgbClr val="0563C1"/>
+      </a:hlink>
+      <a:folHlink>
+        <a:srgbClr val="954F72"/>
+      </a:folHlink>
+    </a:clrScheme>
+    <a:fontScheme name="Office">
+      <a:majorFont>
+        <a:latin typeface="Calibri Light" panose="020F0302020204030204"/>
+        <a:ea typeface=""/>
+        <a:cs typeface=""/>
+        <a:font script="Jpan" typeface="游ゴシック Light"/>
+        <a:font script="Hang" typeface="맑은 고딕"/>
+        <a:font script="Hans" typeface="等线 Light"/>
+        <a:font script="Hant" typeface="新細明體"/>
+        <a:font script="Arab" typeface="Times New Roman"/>
+        <a:font script="Hebr" typeface="Times New Roman"/>
+        <a:font script="Thai" typeface="Angsana New"/>
+        <a:font script="Ethi" typeface="Nyala"/>
+        <a:font script="Beng" typeface="Vrinda"/>
+        <a:font script="Gujr" typeface="Shruti"/>
+        <a:font script="Khmr" typeface="MoolBoran"/>
+        <a:font script="Knda" typeface="Tunga"/>
+        <a:font script="Guru" typeface="Raavi"/>
+        <a:font script="Cans" typeface="Euphemia"/>
+        <a:font script="Cher" typeface="Plantagenet Cherokee"/>
+        <a:font script="Yiii" typeface="Microsoft Yi Baiti"/>
+        <a:font script="Tibt" typeface="Microsoft Himalaya"/>
+        <a:font script="Thaa" typeface="MV Boli"/>
+        <a:font script="Deva" typeface="Mangal"/>
+        <a:font script="Telu" typeface="Gautami"/>
+        <a:font script="Taml" typeface="Latha"/>
+        <a:font script="Syrc" typeface="Estrangelo Edessa"/>
+        <a:font script="Orya" typeface="Kalinga"/>
+        <a:font script="Mlym" typeface="Kartika"/>
+        <a:font script="Laoo" typeface="DokChampa"/>
+        <a:font script="Sinh" typeface="Iskoola Pota"/>
+        <a:font script="Mong" typeface="Mongolian Baiti"/>
+        <a:font script="Viet" typeface="Times New Roman"/>
+        <a:font script="Uigh" typeface="Microsoft Uighur"/>
+        <a:font script="Geor" typeface="Sylfaen"/>
+        <a:font script="Armn" typeface="Arial"/>
+        <a:font script="Bugi" typeface="Leelawadee UI"/>
+        <a:font script="Bopo" typeface="Microsoft JhengHei"/>
+        <a:font script="Java" typeface="Javanese Text"/>
+        <a:font script="Lisu" typeface="Segoe UI"/>
+        <a:font script="Mymr" typeface="Myanmar Text"/>
+        <a:font script="Nkoo" typeface="Ebrima"/>
+        <a:font script="Olck" typeface="Nirmala UI"/>
+        <a:font script="Osma" typeface="Ebrima"/>
+        <a:font script="Phag" typeface="Phagspa"/>
+        <a:font script="Syrn" typeface="Estrangelo Edessa"/>
+        <a:font script="Syrj" typeface="Estrangelo Edessa"/>
+        <a:font script="Syre" typeface="Estrangelo Edessa"/>
+        <a:font script="Sora" typeface="Nirmala UI"/>
+        <a:font script="Tale" typeface="Microsoft Tai Le"/>
+        <a:font script="Talu" typeface="Microsoft New Tai Lue"/>
+        <a:font script="Tfng" typeface="Ebrima"/>
+      </a:majorFont>
+      <a:minorFont>
+        <a:latin typeface="Calibri" panose="020F0502020204030204"/>
+        <a:ea typeface=""/>
+        <a:cs typeface=""/>
+        <a:font script="Jpan" typeface="游ゴシック"/>
+        <a:font script="Hang" typeface="맑은 고딕"/>
+        <a:font script="Hans" typeface="等线"/>
+        <a:font script="Hant" typeface="新細明體"/>
+        <a:font script="Arab" typeface="Arial"/>
+        <a:font script="Hebr" typeface="Arial"/>
+        <a:font script="Thai" typeface="Cordia New"/>
+        <a:font script="Ethi" typeface="Nyala"/>
+        <a:font script="Beng" typeface="Vrinda"/>
+        <a:font script="Gujr" typeface="Shruti"/>
+        <a:font script="Khmr" typeface="DaunPenh"/>
+        <a:font script="Knda" typeface="Tunga"/>
+        <a:font script="Guru" typeface="Raavi"/>
+        <a:font script="Cans" typeface="Euphemia"/>
+        <a:font script="Cher" typeface="Plantagenet Cherokee"/>
+        <a:font script="Yiii" typeface="Microsoft Yi Baiti"/>
+        <a:font script="Tibt" typeface="Microsoft Himalaya"/>
+        <a:font script="Thaa" typeface="MV Boli"/>
+        <a:font script="Deva" typeface="Mangal"/>
+        <a:font script="Telu" typeface="Gautami"/>
+        <a:font script="Taml" typeface="Latha"/>
+        <a:font script="Syrc" typeface="Estrangelo Edessa"/>
+        <a:font script="Orya" typeface="Kalinga"/>
+        <a:font script="Mlym" typeface="Kartika"/>
+        <a:font script="Laoo" typeface="DokChampa"/>
+        <a:font script="Sinh" typeface="Iskoola Pota"/>
+        <a:font script="Mong" typeface="Mongolian Baiti"/>
+        <a:font script="Viet" typeface="Arial"/>
+        <a:font script="Uigh" typeface="Microsoft Uighur"/>
+        <a:font script="Geor" typeface="Sylfaen"/>
+        <a:font script="Armn" typeface="Arial"/>
+        <a:font script="Bugi" typeface="Leelawadee UI"/>
+        <a:font script="Bopo" typeface="Microsoft JhengHei"/>
+        <a:font script="Java" typeface="Javanese Text"/>
+        <a:font script="Lisu" typeface="Segoe UI"/>
+        <a:font script="Mymr" typeface="Myanmar Text"/>
+        <a:font script="Nkoo" typeface="Ebrima"/>
+        <a:font script="Olck" typeface="Nirmala UI"/>
+        <a:font script="Osma" typeface="Ebrima"/>
+        <a:font script="Phag" typeface="Phagspa"/>
+        <a:font script="Syrn" typeface="Estrangelo Edessa"/>
+        <a:font script="Syrj" typeface="Estrangelo Edessa"/>
+        <a:font script="Syre" typeface="Estrangelo Edessa"/>
+        <a:font script="Sora" typeface="Nirmala UI"/>
+        <a:font script="Tale" typeface="Microsoft Tai Le"/>
+        <a:font script="Talu" typeface="Microsoft New Tai Lue"/>
+        <a:font script="Tfng" typeface="Ebrima"/>
+      </a:minorFont>
+    </a:fontScheme>
+    <a:fmtScheme name="Office">
+      <a:fillStyleLst>
+        <a:solidFill>
+          <a:schemeClr val="phClr"/>
+        </a:solidFill>
+        <a:gradFill rotWithShape="1">
+          <a:gsLst>
+            <a:gs pos="0">
+              <a:schemeClr val="phClr">
+                <a:lumMod val="110000"/>
+                <a:satMod val="105000"/>
+                <a:tint val="67000"/>
+              </a:schemeClr>
+            </a:gs>
+            <a:gs pos="50000">
+              <a:schemeClr val="phClr">
+                <a:lumMod val="105000"/>
+                <a:satMod val="103000"/>
+                <a:tint val="73000"/>
+              </a:schemeClr>
+            </a:gs>
+            <a:gs pos="100000">
+              <a:schemeClr val="phClr">
+                <a:lumMod val="105000"/>
+                <a:satMod val="109000"/>
+                <a:tint val="81000"/>
+              </a:schemeClr>
+            </a:gs>
+          </a:gsLst>
+          <a:lin ang="5400000" scaled="0"/>
+        </a:gradFill>
+        <a:gradFill rotWithShape="1">
+          <a:gsLst>
+            <a:gs pos="0">
+              <a:schemeClr val="phClr">
+                <a:satMod val="103000"/>
+                <a:lumMod val="102000"/>
+                <a:tint val="94000"/>
+              </a:schemeClr>
+            </a:gs>
+            <a:gs pos="50000">
+              <a:schemeClr val="phClr">
+                <a:satMod val="110000"/>
+                <a:lumMod val="100000"/>
+                <a:shade val="100000"/>
+              </a:schemeClr>
+            </a:gs>
+            <a:gs pos="100000">
+              <a:schemeClr val="phClr">
+                <a:lumMod val="99000"/>
+                <a:satMod val="120000"/>
+                <a:shade val="78000"/>
+              </a:schemeClr>
+            </a:gs>
+          </a:gsLst>
+          <a:lin ang="5400000" scaled="0"/>
+        </a:gradFill>
+      </a:fillStyleLst>
+      <a:lnStyleLst>
+        <a:ln w="6350" cap="flat" cmpd="sng" algn="ctr">
+          <a:solidFill>
+            <a:schemeClr val="phClr"/>
+          </a:solidFill>
+          <a:prstDash val="solid"/>
+          <a:miter lim="800000"/>
+        </a:ln>
+        <a:ln w="12700" cap="flat" cmpd="sng" algn="ctr">
+          <a:solidFill>
+            <a:schemeClr val="phClr"/>
+          </a:solidFill>
+          <a:prstDash val="solid"/>
+          <a:miter lim="800000"/>
+        </a:ln>
+        <a:ln w="19050" cap="flat" cmpd="sng" algn="ctr">
+          <a:solidFill>
+            <a:schemeClr val="phClr"/>
+          </a:solidFill>
+          <a:prstDash val="solid"/>
+          <a:miter lim="800000"/>
+        </a:ln>
+      </a:lnStyleLst>
+      <a:effectStyleLst>
+        <a:effectStyle>
+          <a:effectLst/>
+        </a:effectStyle>
+        <a:effectStyle>
+          <a:effectLst/>
+        </a:effectStyle>
+        <a:effectStyle>
+          <a:effectLst>
+            <a:outerShdw blurRad="57150" dist="19050" dir="5400000" algn="ctr" rotWithShape="0">
+              <a:srgbClr val="000000">
+                <a:alpha val="63000"/>
+              </a:srgbClr>
+            </a:outerShdw>
+          </a:effectLst>
+        </a:effectStyle>
+      </a:effectStyleLst>
+      <a:bgFillStyleLst>
+        <a:solidFill>
+          <a:schemeClr val="phClr"/>
+        </a:solidFill>
+        <a:solidFill>
+          <a:schemeClr val="phClr">
+            <a:tint val="95000"/>
+            <a:satMod val="170000"/>
+          </a:schemeClr>
+        </a:solidFill>
+        <a:gradFill rotWithShape="1">
+          <a:gsLst>
+            <a:gs pos="0">
+              <a:schemeClr val="phClr">
+                <a:tint val="93000"/>
+                <a:satMod val="150000"/>
+                <a:shade val="98000"/>
+                <a:lumMod val="102000"/>
+              </a:schemeClr>
+            </a:gs>
+            <a:gs pos="50000">
+              <a:schemeClr val="phClr">
+                <a:tint val="98000"/>
+                <a:satMod val="130000"/>
+                <a:shade val="90000"/>
+                <a:lumMod val="103000"/>
+              </a:schemeClr>
+            </a:gs>
+            <a:gs pos="100000">
+              <a:schemeClr val="phClr">
+                <a:shade val="63000"/>
+                <a:satMod val="120000"/>
+              </a:schemeClr>
+            </a:gs>
+          </a:gsLst>
+          <a:lin ang="5400000" scaled="0"/>
+        </a:gradFill>
+      </a:bgFillStyleLst>
+    </a:fmtScheme>
+  </a:themeElements>
+  <a:objectDefaults/>
+  <a:extraClrSchemeLst/>
+  <a:extLst>
+    <a:ext uri="{05A4C25C-085E-4340-85A3-A5531E510DB2}">
+      <thm15:themeFamily xmlns:thm15="http://schemas.microsoft.com/office/thememl/2012/main" name="Office Theme" id="{62F939B6-93AF-4DB8-9C6B-D6C7DFDC589F}" vid="{4A3C46E8-61CC-4603-A589-7422A47A8E4A}"/>
+    </a:ext>
+  </a:extLst>
+</a:theme>
 </file>